--- a/2_design/MixtureRegressionModel/MixtureRegressionModel-RSC.pptx
+++ b/2_design/MixtureRegressionModel/MixtureRegressionModel-RSC.pptx
@@ -5,7 +5,7 @@
     <p:sldMasterId id="2147483648" r:id="rId1"/>
   </p:sldMasterIdLst>
   <p:notesMasterIdLst>
-    <p:notesMasterId r:id="rId23"/>
+    <p:notesMasterId r:id="rId27"/>
   </p:notesMasterIdLst>
   <p:sldIdLst>
     <p:sldId id="256" r:id="rId2"/>
@@ -19,16 +19,20 @@
     <p:sldId id="367" r:id="rId10"/>
     <p:sldId id="372" r:id="rId11"/>
     <p:sldId id="373" r:id="rId12"/>
-    <p:sldId id="374" r:id="rId13"/>
-    <p:sldId id="375" r:id="rId14"/>
-    <p:sldId id="368" r:id="rId15"/>
-    <p:sldId id="376" r:id="rId16"/>
-    <p:sldId id="377" r:id="rId17"/>
-    <p:sldId id="378" r:id="rId18"/>
-    <p:sldId id="369" r:id="rId19"/>
-    <p:sldId id="311" r:id="rId20"/>
-    <p:sldId id="370" r:id="rId21"/>
-    <p:sldId id="379" r:id="rId22"/>
+    <p:sldId id="384" r:id="rId13"/>
+    <p:sldId id="386" r:id="rId14"/>
+    <p:sldId id="374" r:id="rId15"/>
+    <p:sldId id="385" r:id="rId16"/>
+    <p:sldId id="375" r:id="rId17"/>
+    <p:sldId id="368" r:id="rId18"/>
+    <p:sldId id="376" r:id="rId19"/>
+    <p:sldId id="377" r:id="rId20"/>
+    <p:sldId id="378" r:id="rId21"/>
+    <p:sldId id="383" r:id="rId22"/>
+    <p:sldId id="369" r:id="rId23"/>
+    <p:sldId id="311" r:id="rId24"/>
+    <p:sldId id="370" r:id="rId25"/>
+    <p:sldId id="379" r:id="rId26"/>
   </p:sldIdLst>
   <p:sldSz cx="12192000" cy="6858000"/>
   <p:notesSz cx="6858000" cy="9144000"/>
@@ -220,7 +224,7 @@
           <a:p>
             <a:fld id="{8E6BD8EF-833A-4756-9DE8-262172883D9B}" type="datetimeFigureOut">
               <a:rPr lang="en-US" smtClean="0"/>
-              <a:t>7/11/2020</a:t>
+              <a:t>7/12/2020</a:t>
             </a:fld>
             <a:endParaRPr lang="en-US"/>
           </a:p>
@@ -626,6 +630,90 @@
             <a:spLocks noGrp="1"/>
           </p:cNvSpPr>
           <p:nvPr>
+            <p:ph type="sldNum" sz="quarter" idx="5"/>
+          </p:nvPr>
+        </p:nvSpPr>
+        <p:spPr/>
+        <p:txBody>
+          <a:bodyPr/>
+          <a:lstStyle/>
+          <a:p>
+            <a:fld id="{583153D4-6007-4D70-A0D5-F421EBC11E1D}" type="slidenum">
+              <a:rPr lang="en-US" smtClean="0"/>
+              <a:t>4</a:t>
+            </a:fld>
+            <a:endParaRPr lang="en-US"/>
+          </a:p>
+        </p:txBody>
+      </p:sp>
+    </p:spTree>
+    <p:extLst>
+      <p:ext uri="{BB962C8B-B14F-4D97-AF65-F5344CB8AC3E}">
+        <p14:creationId xmlns:p14="http://schemas.microsoft.com/office/powerpoint/2010/main" val="1716259152"/>
+      </p:ext>
+    </p:extLst>
+  </p:cSld>
+  <p:clrMapOvr>
+    <a:masterClrMapping/>
+  </p:clrMapOvr>
+</p:notes>
+</file>
+
+<file path=ppt/notesSlides/notesSlide3.xml><?xml version="1.0" encoding="utf-8"?>
+<p:notes xmlns:a="http://schemas.openxmlformats.org/drawingml/2006/main" xmlns:r="http://schemas.openxmlformats.org/officeDocument/2006/relationships" xmlns:p="http://schemas.openxmlformats.org/presentationml/2006/main">
+  <p:cSld>
+    <p:spTree>
+      <p:nvGrpSpPr>
+        <p:cNvPr id="1" name=""/>
+        <p:cNvGrpSpPr/>
+        <p:nvPr/>
+      </p:nvGrpSpPr>
+      <p:grpSpPr>
+        <a:xfrm>
+          <a:off x="0" y="0"/>
+          <a:ext cx="0" cy="0"/>
+          <a:chOff x="0" y="0"/>
+          <a:chExt cx="0" cy="0"/>
+        </a:xfrm>
+      </p:grpSpPr>
+      <p:sp>
+        <p:nvSpPr>
+          <p:cNvPr id="2" name="Slide Image Placeholder 1"/>
+          <p:cNvSpPr>
+            <a:spLocks noGrp="1" noRot="1" noChangeAspect="1"/>
+          </p:cNvSpPr>
+          <p:nvPr>
+            <p:ph type="sldImg"/>
+          </p:nvPr>
+        </p:nvSpPr>
+        <p:spPr/>
+      </p:sp>
+      <p:sp>
+        <p:nvSpPr>
+          <p:cNvPr id="3" name="Notes Placeholder 2"/>
+          <p:cNvSpPr>
+            <a:spLocks noGrp="1"/>
+          </p:cNvSpPr>
+          <p:nvPr>
+            <p:ph type="body" idx="1"/>
+          </p:nvPr>
+        </p:nvSpPr>
+        <p:spPr/>
+        <p:txBody>
+          <a:bodyPr/>
+          <a:lstStyle/>
+          <a:p>
+            <a:endParaRPr lang="en-US"/>
+          </a:p>
+        </p:txBody>
+      </p:sp>
+      <p:sp>
+        <p:nvSpPr>
+          <p:cNvPr id="4" name="Slide Number Placeholder 3"/>
+          <p:cNvSpPr>
+            <a:spLocks noGrp="1"/>
+          </p:cNvSpPr>
+          <p:nvPr>
             <p:ph type="sldNum" sz="quarter" idx="10"/>
           </p:nvPr>
         </p:nvSpPr>
@@ -636,7 +724,7 @@
           <a:p>
             <a:fld id="{583153D4-6007-4D70-A0D5-F421EBC11E1D}" type="slidenum">
               <a:rPr lang="en-US" smtClean="0"/>
-              <a:t>19</a:t>
+              <a:t>23</a:t>
             </a:fld>
             <a:endParaRPr lang="en-US"/>
           </a:p>
@@ -797,11 +885,10 @@
             </a:lvl1pPr>
           </a:lstStyle>
           <a:p>
-            <a:fld id="{12ECC571-14CD-4193-8E54-7A2DB32323BC}" type="datetime1">
-              <a:rPr lang="en-US" smtClean="0"/>
-              <a:t>7/11/2020</a:t>
-            </a:fld>
-            <a:endParaRPr lang="en-US"/>
+            <a:r>
+              <a:rPr lang="en-US"/>
+              <a:t>7/12/2020</a:t>
+            </a:r>
           </a:p>
         </p:txBody>
       </p:sp>
@@ -829,7 +916,7 @@
           <a:p>
             <a:r>
               <a:rPr lang="en-US"/>
-              <a:t>Mixture Regression Model for Incomplete Data</a:t>
+              <a:t>Mixture Regression Model for Incomplete Data - Loc Nguyen</a:t>
             </a:r>
           </a:p>
         </p:txBody>
@@ -1028,11 +1115,10 @@
             </a:lvl1pPr>
           </a:lstStyle>
           <a:p>
-            <a:fld id="{1409495C-3EEC-408B-A2A7-A910BF0893AB}" type="datetime1">
-              <a:rPr lang="en-US" smtClean="0"/>
-              <a:t>7/11/2020</a:t>
-            </a:fld>
-            <a:endParaRPr lang="en-US"/>
+            <a:r>
+              <a:rPr lang="en-US"/>
+              <a:t>7/12/2020</a:t>
+            </a:r>
           </a:p>
         </p:txBody>
       </p:sp>
@@ -1060,7 +1146,7 @@
           <a:p>
             <a:r>
               <a:rPr lang="en-US"/>
-              <a:t>Mixture Regression Model for Incomplete Data</a:t>
+              <a:t>Mixture Regression Model for Incomplete Data - Loc Nguyen</a:t>
             </a:r>
           </a:p>
         </p:txBody>
@@ -1269,11 +1355,10 @@
             </a:lvl1pPr>
           </a:lstStyle>
           <a:p>
-            <a:fld id="{270E9843-CAF2-412A-97AE-1CF89685848B}" type="datetime1">
-              <a:rPr lang="en-US" smtClean="0"/>
-              <a:t>7/11/2020</a:t>
-            </a:fld>
-            <a:endParaRPr lang="en-US"/>
+            <a:r>
+              <a:rPr lang="en-US"/>
+              <a:t>7/12/2020</a:t>
+            </a:r>
           </a:p>
         </p:txBody>
       </p:sp>
@@ -1301,7 +1386,7 @@
           <a:p>
             <a:r>
               <a:rPr lang="en-US"/>
-              <a:t>Mixture Regression Model for Incomplete Data</a:t>
+              <a:t>Mixture Regression Model for Incomplete Data - Loc Nguyen</a:t>
             </a:r>
           </a:p>
         </p:txBody>
@@ -1543,11 +1628,10 @@
             </a:lvl1pPr>
           </a:lstStyle>
           <a:p>
-            <a:fld id="{E078F81F-D720-4C1C-9436-5DA116627F70}" type="datetime1">
-              <a:rPr lang="en-US" smtClean="0"/>
-              <a:t>7/11/2020</a:t>
-            </a:fld>
-            <a:endParaRPr lang="en-US"/>
+            <a:r>
+              <a:rPr lang="en-US"/>
+              <a:t>7/12/2020</a:t>
+            </a:r>
           </a:p>
         </p:txBody>
       </p:sp>
@@ -1575,7 +1659,7 @@
           <a:p>
             <a:r>
               <a:rPr lang="en-US"/>
-              <a:t>Mixture Regression Model for Incomplete Data</a:t>
+              <a:t>Mixture Regression Model for Incomplete Data - Loc Nguyen</a:t>
             </a:r>
           </a:p>
         </p:txBody>
@@ -1818,11 +1902,10 @@
             </a:lvl1pPr>
           </a:lstStyle>
           <a:p>
-            <a:fld id="{89A81604-431D-4E35-867D-4C009282F94C}" type="datetime1">
-              <a:rPr lang="en-US" smtClean="0"/>
-              <a:t>7/11/2020</a:t>
-            </a:fld>
-            <a:endParaRPr lang="en-US"/>
+            <a:r>
+              <a:rPr lang="en-US"/>
+              <a:t>7/12/2020</a:t>
+            </a:r>
           </a:p>
         </p:txBody>
       </p:sp>
@@ -1850,7 +1933,7 @@
           <a:p>
             <a:r>
               <a:rPr lang="en-US"/>
-              <a:t>Mixture Regression Model for Incomplete Data</a:t>
+              <a:t>Mixture Regression Model for Incomplete Data - Loc Nguyen</a:t>
             </a:r>
           </a:p>
         </p:txBody>
@@ -2141,11 +2224,10 @@
             </a:lvl1pPr>
           </a:lstStyle>
           <a:p>
-            <a:fld id="{20508F32-AD63-4AFC-A391-D5F9CB9A1349}" type="datetime1">
-              <a:rPr lang="en-US" smtClean="0"/>
-              <a:t>7/11/2020</a:t>
-            </a:fld>
-            <a:endParaRPr lang="en-US"/>
+            <a:r>
+              <a:rPr lang="en-US"/>
+              <a:t>7/12/2020</a:t>
+            </a:r>
           </a:p>
         </p:txBody>
       </p:sp>
@@ -2173,7 +2255,7 @@
           <a:p>
             <a:r>
               <a:rPr lang="en-US"/>
-              <a:t>Mixture Regression Model for Incomplete Data</a:t>
+              <a:t>Mixture Regression Model for Incomplete Data - Loc Nguyen</a:t>
             </a:r>
           </a:p>
         </p:txBody>
@@ -2605,11 +2687,10 @@
             </a:lvl1pPr>
           </a:lstStyle>
           <a:p>
-            <a:fld id="{32029210-D506-4EBD-A690-766F7E55B9EA}" type="datetime1">
-              <a:rPr lang="en-US" smtClean="0"/>
-              <a:t>7/11/2020</a:t>
-            </a:fld>
-            <a:endParaRPr lang="en-US"/>
+            <a:r>
+              <a:rPr lang="en-US"/>
+              <a:t>7/12/2020</a:t>
+            </a:r>
           </a:p>
         </p:txBody>
       </p:sp>
@@ -2637,7 +2718,7 @@
           <a:p>
             <a:r>
               <a:rPr lang="en-US"/>
-              <a:t>Mixture Regression Model for Incomplete Data</a:t>
+              <a:t>Mixture Regression Model for Incomplete Data - Loc Nguyen</a:t>
             </a:r>
           </a:p>
         </p:txBody>
@@ -2754,11 +2835,10 @@
             </a:lvl1pPr>
           </a:lstStyle>
           <a:p>
-            <a:fld id="{F2E3EF06-7346-4E0D-9D40-97D8F1B8C198}" type="datetime1">
-              <a:rPr lang="en-US" smtClean="0"/>
-              <a:t>7/11/2020</a:t>
-            </a:fld>
-            <a:endParaRPr lang="en-US"/>
+            <a:r>
+              <a:rPr lang="en-US"/>
+              <a:t>7/12/2020</a:t>
+            </a:r>
           </a:p>
         </p:txBody>
       </p:sp>
@@ -2786,7 +2866,7 @@
           <a:p>
             <a:r>
               <a:rPr lang="en-US"/>
-              <a:t>Mixture Regression Model for Incomplete Data</a:t>
+              <a:t>Mixture Regression Model for Incomplete Data - Loc Nguyen</a:t>
             </a:r>
           </a:p>
         </p:txBody>
@@ -2874,11 +2954,10 @@
             </a:lvl1pPr>
           </a:lstStyle>
           <a:p>
-            <a:fld id="{9AB4578C-03D7-44AF-B1F0-463AEDFF52E9}" type="datetime1">
-              <a:rPr lang="en-US" smtClean="0"/>
-              <a:t>7/11/2020</a:t>
-            </a:fld>
-            <a:endParaRPr lang="en-US"/>
+            <a:r>
+              <a:rPr lang="en-US"/>
+              <a:t>7/12/2020</a:t>
+            </a:r>
           </a:p>
         </p:txBody>
       </p:sp>
@@ -2906,7 +2985,7 @@
           <a:p>
             <a:r>
               <a:rPr lang="en-US"/>
-              <a:t>Mixture Regression Model for Incomplete Data</a:t>
+              <a:t>Mixture Regression Model for Incomplete Data - Loc Nguyen</a:t>
             </a:r>
           </a:p>
         </p:txBody>
@@ -3195,11 +3274,10 @@
             </a:lvl1pPr>
           </a:lstStyle>
           <a:p>
-            <a:fld id="{CFB13E37-D758-4BE6-9E1C-E069FED36524}" type="datetime1">
-              <a:rPr lang="en-US" smtClean="0"/>
-              <a:t>7/11/2020</a:t>
-            </a:fld>
-            <a:endParaRPr lang="en-US"/>
+            <a:r>
+              <a:rPr lang="en-US"/>
+              <a:t>7/12/2020</a:t>
+            </a:r>
           </a:p>
         </p:txBody>
       </p:sp>
@@ -3227,7 +3305,7 @@
           <a:p>
             <a:r>
               <a:rPr lang="en-US"/>
-              <a:t>Mixture Regression Model for Incomplete Data</a:t>
+              <a:t>Mixture Regression Model for Incomplete Data - Loc Nguyen</a:t>
             </a:r>
           </a:p>
         </p:txBody>
@@ -3481,11 +3559,10 @@
             </a:lvl1pPr>
           </a:lstStyle>
           <a:p>
-            <a:fld id="{19E07869-0C3E-4646-B391-7FC5A238EAA4}" type="datetime1">
-              <a:rPr lang="en-US" smtClean="0"/>
-              <a:t>7/11/2020</a:t>
-            </a:fld>
-            <a:endParaRPr lang="en-US"/>
+            <a:r>
+              <a:rPr lang="en-US"/>
+              <a:t>7/12/2020</a:t>
+            </a:r>
           </a:p>
         </p:txBody>
       </p:sp>
@@ -3513,7 +3590,7 @@
           <a:p>
             <a:r>
               <a:rPr lang="en-US"/>
-              <a:t>Mixture Regression Model for Incomplete Data</a:t>
+              <a:t>Mixture Regression Model for Incomplete Data - Loc Nguyen</a:t>
             </a:r>
           </a:p>
         </p:txBody>
@@ -3712,11 +3789,10 @@
             </a:lvl1pPr>
           </a:lstStyle>
           <a:p>
-            <a:fld id="{4C1A79F3-8D33-4530-9827-5385D68E7A20}" type="datetime1">
-              <a:rPr lang="en-US" smtClean="0"/>
-              <a:t>7/11/2020</a:t>
-            </a:fld>
-            <a:endParaRPr lang="en-US"/>
+            <a:r>
+              <a:rPr lang="en-US"/>
+              <a:t>7/12/2020</a:t>
+            </a:r>
           </a:p>
         </p:txBody>
       </p:sp>
@@ -3757,7 +3833,7 @@
           <a:p>
             <a:r>
               <a:rPr lang="en-US"/>
-              <a:t>Mixture Regression Model for Incomplete Data</a:t>
+              <a:t>Mixture Regression Model for Incomplete Data - Loc Nguyen</a:t>
             </a:r>
           </a:p>
         </p:txBody>
@@ -4224,9 +4300,10 @@
           <a:lstStyle/>
           <a:p>
             <a:r>
-              <a:rPr lang="en-US" dirty="0"/>
-              <a:t>Mixture Regression Model for Incomplete Data</a:t>
-            </a:r>
+              <a:rPr lang="en-US"/>
+              <a:t>Mixture Regression Model for Incomplete Data - Loc Nguyen</a:t>
+            </a:r>
+            <a:endParaRPr lang="en-US" dirty="0"/>
           </a:p>
         </p:txBody>
       </p:sp>
@@ -4245,11 +4322,10 @@
           <a:bodyPr/>
           <a:lstStyle/>
           <a:p>
-            <a:fld id="{095B4E08-BA35-4B32-BF76-BA8A4D39770C}" type="datetime1">
-              <a:rPr lang="en-US" smtClean="0"/>
-              <a:t>7/11/2020</a:t>
-            </a:fld>
-            <a:endParaRPr lang="en-US"/>
+            <a:r>
+              <a:rPr lang="en-US"/>
+              <a:t>7/12/2020</a:t>
+            </a:r>
           </a:p>
         </p:txBody>
       </p:sp>
@@ -4711,7 +4787,7 @@
               <a:rPr lang="en-US" sz="2400" dirty="0">
                 <a:ea typeface="Microsoft YaHei" panose="020B0503020204020204" pitchFamily="34" charset="-122"/>
               </a:rPr>
-              <a:t>) which is the full combination of Regression Expectation Maximization (REM) algorithm [3] and mixture model in which we use two EM processes in the same loop.</a:t>
+              <a:t>) which is the full combination of REM algorithm [3] and mixture model in which we use two EM processes in the same loop.</a:t>
             </a:r>
           </a:p>
           <a:p>
@@ -4795,11 +4871,10 @@
           <a:bodyPr/>
           <a:lstStyle/>
           <a:p>
-            <a:fld id="{E078F81F-D720-4C1C-9436-5DA116627F70}" type="datetime1">
-              <a:rPr lang="en-US" smtClean="0"/>
-              <a:t>7/11/2020</a:t>
-            </a:fld>
-            <a:endParaRPr lang="en-US"/>
+            <a:r>
+              <a:rPr lang="en-US"/>
+              <a:t>7/12/2020</a:t>
+            </a:r>
           </a:p>
         </p:txBody>
       </p:sp>
@@ -4826,7 +4901,7 @@
           <a:p>
             <a:r>
               <a:rPr lang="en-US"/>
-              <a:t>Mixture Regression Model for Incomplete Data</a:t>
+              <a:t>Mixture Regression Model for Incomplete Data - Loc Nguyen</a:t>
             </a:r>
           </a:p>
         </p:txBody>
@@ -4919,8 +4994,8 @@
           </a:p>
         </p:txBody>
       </p:sp>
-      <mc:AlternateContent xmlns:mc="http://schemas.openxmlformats.org/markup-compatibility/2006">
-        <mc:Choice xmlns:a14="http://schemas.microsoft.com/office/drawing/2010/main" Requires="a14">
+      <mc:AlternateContent xmlns:mc="http://schemas.openxmlformats.org/markup-compatibility/2006" xmlns:a14="http://schemas.microsoft.com/office/drawing/2010/main">
+        <mc:Choice Requires="a14">
           <p:sp>
             <p:nvSpPr>
               <p:cNvPr id="3" name="Content Placeholder 2">
@@ -8720,7 +8795,7 @@
             </p:txBody>
           </p:sp>
         </mc:Choice>
-        <mc:Fallback>
+        <mc:Fallback xmlns="">
           <p:sp>
             <p:nvSpPr>
               <p:cNvPr id="3" name="Content Placeholder 2">
@@ -8785,11 +8860,10 @@
           <a:bodyPr/>
           <a:lstStyle/>
           <a:p>
-            <a:fld id="{E078F81F-D720-4C1C-9436-5DA116627F70}" type="datetime1">
-              <a:rPr lang="en-US" smtClean="0"/>
-              <a:t>7/11/2020</a:t>
-            </a:fld>
-            <a:endParaRPr lang="en-US"/>
+            <a:r>
+              <a:rPr lang="en-US"/>
+              <a:t>7/12/2020</a:t>
+            </a:r>
           </a:p>
         </p:txBody>
       </p:sp>
@@ -8816,7 +8890,7 @@
           <a:p>
             <a:r>
               <a:rPr lang="en-US"/>
-              <a:t>Mixture Regression Model for Incomplete Data</a:t>
+              <a:t>Mixture Regression Model for Incomplete Data - Loc Nguyen</a:t>
             </a:r>
           </a:p>
         </p:txBody>
@@ -8886,6 +8960,5072 @@
           <p:cNvPr id="2" name="Title 1">
             <a:extLst>
               <a:ext uri="{FF2B5EF4-FFF2-40B4-BE49-F238E27FC236}">
+                <a16:creationId xmlns:a16="http://schemas.microsoft.com/office/drawing/2014/main" id="{4D95B7F9-38D9-4B59-9E61-971A958B7CD4}"/>
+              </a:ext>
+            </a:extLst>
+          </p:cNvPr>
+          <p:cNvSpPr>
+            <a:spLocks noGrp="1"/>
+          </p:cNvSpPr>
+          <p:nvPr>
+            <p:ph type="title"/>
+          </p:nvPr>
+        </p:nvSpPr>
+        <p:spPr/>
+        <p:txBody>
+          <a:bodyPr/>
+          <a:lstStyle/>
+          <a:p>
+            <a:r>
+              <a:rPr lang="en-US" dirty="0"/>
+              <a:t>2. Methodologies</a:t>
+            </a:r>
+          </a:p>
+        </p:txBody>
+      </p:sp>
+      <mc:AlternateContent xmlns:mc="http://schemas.openxmlformats.org/markup-compatibility/2006">
+        <mc:Choice xmlns:a14="http://schemas.microsoft.com/office/drawing/2010/main" Requires="a14">
+          <p:sp>
+            <p:nvSpPr>
+              <p:cNvPr id="3" name="Content Placeholder 2">
+                <a:extLst>
+                  <a:ext uri="{FF2B5EF4-FFF2-40B4-BE49-F238E27FC236}">
+                    <a16:creationId xmlns:a16="http://schemas.microsoft.com/office/drawing/2014/main" id="{28764679-C286-4F27-B2D4-ED5DF11BCFF8}"/>
+                  </a:ext>
+                </a:extLst>
+              </p:cNvPr>
+              <p:cNvSpPr>
+                <a:spLocks noGrp="1"/>
+              </p:cNvSpPr>
+              <p:nvPr>
+                <p:ph idx="1"/>
+              </p:nvPr>
+            </p:nvSpPr>
+            <p:spPr>
+              <a:xfrm>
+                <a:off x="387927" y="914399"/>
+                <a:ext cx="11471564" cy="5176066"/>
+              </a:xfrm>
+            </p:spPr>
+            <p:txBody>
+              <a:bodyPr>
+                <a:noAutofit/>
+              </a:bodyPr>
+              <a:lstStyle/>
+              <a:p>
+                <a:r>
+                  <a:rPr lang="en-US" sz="1900" dirty="0">
+                    <a:ea typeface="Microsoft YaHei" panose="020B0503020204020204" pitchFamily="34" charset="-122"/>
+                  </a:rPr>
+                  <a:t>Here</a:t>
+                </a:r>
+                <a:r>
+                  <a:rPr lang="en-US" sz="1900" dirty="0">
+                    <a:effectLst/>
+                    <a:ea typeface="Microsoft YaHei" panose="020B0503020204020204" pitchFamily="34" charset="-122"/>
+                  </a:rPr>
+                  <a:t>, I explain how to fulfill missing values </a:t>
+                </a:r>
+                <a:r>
+                  <a:rPr lang="en-US" sz="1900" i="1" dirty="0" err="1">
+                    <a:effectLst/>
+                    <a:ea typeface="Microsoft YaHei" panose="020B0503020204020204" pitchFamily="34" charset="-122"/>
+                  </a:rPr>
+                  <a:t>z</a:t>
+                </a:r>
+                <a:r>
+                  <a:rPr lang="en-US" sz="1900" i="1" baseline="-25000" dirty="0" err="1">
+                    <a:effectLst/>
+                    <a:ea typeface="Microsoft YaHei" panose="020B0503020204020204" pitchFamily="34" charset="-122"/>
+                  </a:rPr>
+                  <a:t>i</a:t>
+                </a:r>
+                <a:r>
+                  <a:rPr lang="en-US" sz="1900" baseline="30000" dirty="0">
+                    <a:effectLst/>
+                    <a:ea typeface="Microsoft YaHei" panose="020B0503020204020204" pitchFamily="34" charset="-122"/>
+                  </a:rPr>
+                  <a:t>–</a:t>
+                </a:r>
+                <a:r>
+                  <a:rPr lang="en-US" sz="1900" dirty="0">
+                    <a:effectLst/>
+                    <a:ea typeface="Microsoft YaHei" panose="020B0503020204020204" pitchFamily="34" charset="-122"/>
+                  </a:rPr>
+                  <a:t> and </a:t>
+                </a:r>
+                <a:r>
+                  <a:rPr lang="en-US" sz="1900" i="1" dirty="0" err="1">
+                    <a:effectLst/>
+                    <a:ea typeface="Microsoft YaHei" panose="020B0503020204020204" pitchFamily="34" charset="-122"/>
+                  </a:rPr>
+                  <a:t>x</a:t>
+                </a:r>
+                <a:r>
+                  <a:rPr lang="en-US" sz="1900" i="1" baseline="-25000" dirty="0" err="1">
+                    <a:effectLst/>
+                    <a:ea typeface="Microsoft YaHei" panose="020B0503020204020204" pitchFamily="34" charset="-122"/>
+                  </a:rPr>
+                  <a:t>ij</a:t>
+                </a:r>
+                <a:r>
+                  <a:rPr lang="en-US" sz="1900" baseline="30000" dirty="0">
+                    <a:effectLst/>
+                    <a:ea typeface="Microsoft YaHei" panose="020B0503020204020204" pitchFamily="34" charset="-122"/>
+                  </a:rPr>
+                  <a:t>–</a:t>
+                </a:r>
+                <a:r>
+                  <a:rPr lang="en-US" sz="1900" dirty="0">
+                    <a:effectLst/>
+                    <a:ea typeface="Microsoft YaHei" panose="020B0503020204020204" pitchFamily="34" charset="-122"/>
+                  </a:rPr>
+                  <a:t> in E-step. Let </a:t>
+                </a:r>
+                <a:r>
+                  <a:rPr lang="en-US" sz="1900" i="1" dirty="0">
+                    <a:effectLst/>
+                    <a:ea typeface="Microsoft YaHei" panose="020B0503020204020204" pitchFamily="34" charset="-122"/>
+                  </a:rPr>
+                  <a:t>M</a:t>
+                </a:r>
+                <a:r>
+                  <a:rPr lang="en-US" sz="1900" i="1" baseline="-25000" dirty="0">
+                    <a:effectLst/>
+                    <a:ea typeface="Microsoft YaHei" panose="020B0503020204020204" pitchFamily="34" charset="-122"/>
+                  </a:rPr>
+                  <a:t>i</a:t>
+                </a:r>
+                <a:r>
+                  <a:rPr lang="en-US" sz="1900" dirty="0">
+                    <a:effectLst/>
+                    <a:ea typeface="Microsoft YaHei" panose="020B0503020204020204" pitchFamily="34" charset="-122"/>
+                  </a:rPr>
+                  <a:t> be a set of indices of missing values </a:t>
+                </a:r>
+                <a:r>
+                  <a:rPr lang="en-US" sz="1900" i="1" dirty="0" err="1">
+                    <a:effectLst/>
+                    <a:ea typeface="Microsoft YaHei" panose="020B0503020204020204" pitchFamily="34" charset="-122"/>
+                  </a:rPr>
+                  <a:t>x</a:t>
+                </a:r>
+                <a:r>
+                  <a:rPr lang="en-US" sz="1900" i="1" baseline="-25000" dirty="0" err="1">
+                    <a:effectLst/>
+                    <a:ea typeface="Microsoft YaHei" panose="020B0503020204020204" pitchFamily="34" charset="-122"/>
+                  </a:rPr>
+                  <a:t>ij</a:t>
+                </a:r>
+                <a:r>
+                  <a:rPr lang="en-US" sz="1900" baseline="30000" dirty="0">
+                    <a:effectLst/>
+                    <a:ea typeface="Microsoft YaHei" panose="020B0503020204020204" pitchFamily="34" charset="-122"/>
+                  </a:rPr>
+                  <a:t>–</a:t>
+                </a:r>
+                <a:r>
+                  <a:rPr lang="en-US" sz="1900" dirty="0">
+                    <a:effectLst/>
+                    <a:ea typeface="Microsoft YaHei" panose="020B0503020204020204" pitchFamily="34" charset="-122"/>
+                  </a:rPr>
+                  <a:t> with fixed </a:t>
+                </a:r>
+                <a:r>
+                  <a:rPr lang="en-US" sz="1900" i="1" dirty="0" err="1">
+                    <a:effectLst/>
+                    <a:ea typeface="Microsoft YaHei" panose="020B0503020204020204" pitchFamily="34" charset="-122"/>
+                  </a:rPr>
+                  <a:t>i</a:t>
+                </a:r>
+                <a:r>
+                  <a:rPr lang="en-US" sz="1900" i="1" dirty="0">
+                    <a:effectLst/>
+                    <a:ea typeface="Microsoft YaHei" panose="020B0503020204020204" pitchFamily="34" charset="-122"/>
+                  </a:rPr>
+                  <a:t> </a:t>
+                </a:r>
+                <a:r>
+                  <a:rPr lang="en-US" sz="1900" dirty="0">
+                    <a:effectLst/>
+                    <a:ea typeface="Microsoft YaHei" panose="020B0503020204020204" pitchFamily="34" charset="-122"/>
+                  </a:rPr>
+                  <a:t>for each </a:t>
+                </a:r>
+                <a:r>
+                  <a:rPr lang="en-US" sz="1900" i="1" dirty="0">
+                    <a:effectLst/>
+                    <a:ea typeface="Microsoft YaHei" panose="020B0503020204020204" pitchFamily="34" charset="-122"/>
+                  </a:rPr>
+                  <a:t>k</a:t>
+                </a:r>
+                <a:r>
+                  <a:rPr lang="en-US" sz="1900" baseline="30000" dirty="0">
+                    <a:effectLst/>
+                    <a:ea typeface="Microsoft YaHei" panose="020B0503020204020204" pitchFamily="34" charset="-122"/>
+                  </a:rPr>
+                  <a:t>th</a:t>
+                </a:r>
+                <a:r>
+                  <a:rPr lang="en-US" sz="1900" dirty="0">
+                    <a:effectLst/>
+                    <a:ea typeface="Microsoft YaHei" panose="020B0503020204020204" pitchFamily="34" charset="-122"/>
+                  </a:rPr>
+                  <a:t> PRM.. We have:</a:t>
+                </a:r>
+              </a:p>
+              <a:p>
+                <a:pPr marL="0" indent="0">
+                  <a:buNone/>
+                </a:pPr>
+                <a14:m>
+                  <m:oMathPara xmlns:m="http://schemas.openxmlformats.org/officeDocument/2006/math">
+                    <m:oMathParaPr>
+                      <m:jc m:val="centerGroup"/>
+                    </m:oMathParaPr>
+                    <m:oMath xmlns:m="http://schemas.openxmlformats.org/officeDocument/2006/math">
+                      <m:sSubSup>
+                        <m:sSubSupPr>
+                          <m:ctrlPr>
+                            <a:rPr lang="en-US" sz="1900" i="1" smtClean="0">
+                              <a:effectLst/>
+                              <a:latin typeface="Cambria Math" panose="02040503050406030204" pitchFamily="18" charset="0"/>
+                              <a:ea typeface="Microsoft YaHei" panose="020B0503020204020204" pitchFamily="34" charset="-122"/>
+                            </a:rPr>
+                          </m:ctrlPr>
+                        </m:sSubSupPr>
+                        <m:e>
+                          <m:r>
+                            <a:rPr lang="en-US" sz="1900" i="1">
+                              <a:effectLst/>
+                              <a:latin typeface="Cambria Math" panose="02040503050406030204" pitchFamily="18" charset="0"/>
+                              <a:ea typeface="Microsoft YaHei" panose="020B0503020204020204" pitchFamily="34" charset="-122"/>
+                            </a:rPr>
+                            <m:t>𝑧</m:t>
+                          </m:r>
+                        </m:e>
+                        <m:sub>
+                          <m:r>
+                            <a:rPr lang="en-US" sz="1900" i="1">
+                              <a:effectLst/>
+                              <a:latin typeface="Cambria Math" panose="02040503050406030204" pitchFamily="18" charset="0"/>
+                              <a:ea typeface="Microsoft YaHei" panose="020B0503020204020204" pitchFamily="34" charset="-122"/>
+                            </a:rPr>
+                            <m:t>𝑖</m:t>
+                          </m:r>
+                        </m:sub>
+                        <m:sup>
+                          <m:r>
+                            <a:rPr lang="en-US" sz="1900" i="1">
+                              <a:effectLst/>
+                              <a:latin typeface="Cambria Math" panose="02040503050406030204" pitchFamily="18" charset="0"/>
+                              <a:ea typeface="Microsoft YaHei" panose="020B0503020204020204" pitchFamily="34" charset="-122"/>
+                            </a:rPr>
+                            <m:t>−</m:t>
+                          </m:r>
+                        </m:sup>
+                      </m:sSubSup>
+                      <m:r>
+                        <a:rPr lang="en-US" sz="1900" i="1"/>
+                        <m:t>=</m:t>
+                      </m:r>
+                      <m:sSub>
+                        <m:sSubPr>
+                          <m:ctrlPr>
+                            <a:rPr lang="en-US" sz="1900" i="1"/>
+                          </m:ctrlPr>
+                        </m:sSubPr>
+                        <m:e>
+                          <m:r>
+                            <a:rPr lang="en-US" sz="1900" i="1"/>
+                            <m:t>𝐸</m:t>
+                          </m:r>
+                        </m:e>
+                        <m:sub>
+                          <m:r>
+                            <a:rPr lang="en-US" sz="1900" i="1"/>
+                            <m:t>𝑘</m:t>
+                          </m:r>
+                        </m:sub>
+                      </m:sSub>
+                      <m:d>
+                        <m:dPr>
+                          <m:ctrlPr>
+                            <a:rPr lang="en-US" sz="1900" i="1"/>
+                          </m:ctrlPr>
+                        </m:dPr>
+                        <m:e>
+                          <m:sSub>
+                            <m:sSubPr>
+                              <m:ctrlPr>
+                                <a:rPr lang="en-US" sz="1900" i="1"/>
+                              </m:ctrlPr>
+                            </m:sSubPr>
+                            <m:e>
+                              <m:r>
+                                <a:rPr lang="en-US" sz="1900" i="1"/>
+                                <m:t>𝑧</m:t>
+                              </m:r>
+                            </m:e>
+                            <m:sub>
+                              <m:r>
+                                <a:rPr lang="en-US" sz="1900" i="1"/>
+                                <m:t>𝑖</m:t>
+                              </m:r>
+                            </m:sub>
+                          </m:sSub>
+                        </m:e>
+                        <m:e>
+                          <m:sSub>
+                            <m:sSubPr>
+                              <m:ctrlPr>
+                                <a:rPr lang="en-US" sz="1900" i="1"/>
+                              </m:ctrlPr>
+                            </m:sSubPr>
+                            <m:e>
+                              <m:r>
+                                <a:rPr lang="en-US" sz="1900" i="1"/>
+                                <m:t>𝑋</m:t>
+                              </m:r>
+                            </m:e>
+                            <m:sub>
+                              <m:r>
+                                <a:rPr lang="en-US" sz="1900" i="1"/>
+                                <m:t>𝑖</m:t>
+                              </m:r>
+                            </m:sub>
+                          </m:sSub>
+                        </m:e>
+                      </m:d>
+                      <m:r>
+                        <a:rPr lang="en-US" sz="1900" b="0" i="0" smtClean="0">
+                          <a:effectLst/>
+                          <a:latin typeface="Cambria Math" panose="02040503050406030204" pitchFamily="18" charset="0"/>
+                          <a:ea typeface="Microsoft YaHei" panose="020B0503020204020204" pitchFamily="34" charset="-122"/>
+                        </a:rPr>
+                        <m:t>=</m:t>
+                      </m:r>
+                      <m:nary>
+                        <m:naryPr>
+                          <m:chr m:val="∑"/>
+                          <m:limLoc m:val="undOvr"/>
+                          <m:ctrlPr>
+                            <a:rPr lang="en-US" sz="1900" i="1"/>
+                          </m:ctrlPr>
+                        </m:naryPr>
+                        <m:sub>
+                          <m:r>
+                            <a:rPr lang="en-US" sz="1900" i="1"/>
+                            <m:t>𝑗</m:t>
+                          </m:r>
+                          <m:r>
+                            <a:rPr lang="en-US" sz="1900" i="1"/>
+                            <m:t>=0</m:t>
+                          </m:r>
+                        </m:sub>
+                        <m:sup>
+                          <m:r>
+                            <a:rPr lang="en-US" sz="1900" i="1"/>
+                            <m:t>𝑛</m:t>
+                          </m:r>
+                        </m:sup>
+                        <m:e>
+                          <m:sSubSup>
+                            <m:sSubSupPr>
+                              <m:ctrlPr>
+                                <a:rPr lang="en-US" sz="1900" i="1"/>
+                              </m:ctrlPr>
+                            </m:sSubSupPr>
+                            <m:e>
+                              <m:r>
+                                <a:rPr lang="en-US" sz="1900" i="1"/>
+                                <m:t>𝛼</m:t>
+                              </m:r>
+                            </m:e>
+                            <m:sub>
+                              <m:r>
+                                <a:rPr lang="en-US" sz="1900" i="1"/>
+                                <m:t>𝑘𝑗</m:t>
+                              </m:r>
+                            </m:sub>
+                            <m:sup>
+                              <m:d>
+                                <m:dPr>
+                                  <m:ctrlPr>
+                                    <a:rPr lang="en-US" sz="1900" i="1"/>
+                                  </m:ctrlPr>
+                                </m:dPr>
+                                <m:e>
+                                  <m:r>
+                                    <a:rPr lang="en-US" sz="1900" i="1"/>
+                                    <m:t>𝑡</m:t>
+                                  </m:r>
+                                </m:e>
+                              </m:d>
+                            </m:sup>
+                          </m:sSubSup>
+                          <m:sSub>
+                            <m:sSubPr>
+                              <m:ctrlPr>
+                                <a:rPr lang="en-US" sz="1900" i="1"/>
+                              </m:ctrlPr>
+                            </m:sSubPr>
+                            <m:e>
+                              <m:r>
+                                <a:rPr lang="en-US" sz="1900" i="1"/>
+                                <m:t>𝑥</m:t>
+                              </m:r>
+                            </m:e>
+                            <m:sub>
+                              <m:r>
+                                <a:rPr lang="en-US" sz="1900" i="1"/>
+                                <m:t>𝑖𝑗</m:t>
+                              </m:r>
+                            </m:sub>
+                          </m:sSub>
+                        </m:e>
+                      </m:nary>
+                      <m:r>
+                        <a:rPr lang="en-US" sz="1900">
+                          <a:effectLst/>
+                          <a:latin typeface="Cambria Math" panose="02040503050406030204" pitchFamily="18" charset="0"/>
+                          <a:ea typeface="Microsoft YaHei" panose="020B0503020204020204" pitchFamily="34" charset="-122"/>
+                        </a:rPr>
+                        <m:t>=</m:t>
+                      </m:r>
+                      <m:nary>
+                        <m:naryPr>
+                          <m:chr m:val="∑"/>
+                          <m:limLoc m:val="undOvr"/>
+                          <m:supHide m:val="on"/>
+                          <m:ctrlPr>
+                            <a:rPr lang="en-US" sz="1900" i="1">
+                              <a:effectLst/>
+                              <a:latin typeface="Cambria Math" panose="02040503050406030204" pitchFamily="18" charset="0"/>
+                              <a:ea typeface="Microsoft YaHei" panose="020B0503020204020204" pitchFamily="34" charset="-122"/>
+                            </a:rPr>
+                          </m:ctrlPr>
+                        </m:naryPr>
+                        <m:sub>
+                          <m:r>
+                            <a:rPr lang="en-US" sz="1900" i="1">
+                              <a:effectLst/>
+                              <a:latin typeface="Cambria Math" panose="02040503050406030204" pitchFamily="18" charset="0"/>
+                              <a:ea typeface="Microsoft YaHei" panose="020B0503020204020204" pitchFamily="34" charset="-122"/>
+                            </a:rPr>
+                            <m:t>𝑗</m:t>
+                          </m:r>
+                          <m:r>
+                            <a:rPr lang="en-US" sz="1900">
+                              <a:effectLst/>
+                              <a:latin typeface="Cambria Math" panose="02040503050406030204" pitchFamily="18" charset="0"/>
+                              <a:ea typeface="Microsoft YaHei" panose="020B0503020204020204" pitchFamily="34" charset="-122"/>
+                            </a:rPr>
+                            <m:t>∈</m:t>
+                          </m:r>
+                          <m:sSub>
+                            <m:sSubPr>
+                              <m:ctrlPr>
+                                <a:rPr lang="en-US" sz="1900" i="1">
+                                  <a:effectLst/>
+                                  <a:latin typeface="Cambria Math" panose="02040503050406030204" pitchFamily="18" charset="0"/>
+                                  <a:ea typeface="Microsoft YaHei" panose="020B0503020204020204" pitchFamily="34" charset="-122"/>
+                                </a:rPr>
+                              </m:ctrlPr>
+                            </m:sSubPr>
+                            <m:e>
+                              <m:r>
+                                <a:rPr lang="en-US" sz="1900" i="1">
+                                  <a:effectLst/>
+                                  <a:latin typeface="Cambria Math" panose="02040503050406030204" pitchFamily="18" charset="0"/>
+                                  <a:ea typeface="Microsoft YaHei" panose="020B0503020204020204" pitchFamily="34" charset="-122"/>
+                                </a:rPr>
+                                <m:t>𝑀</m:t>
+                              </m:r>
+                            </m:e>
+                            <m:sub>
+                              <m:r>
+                                <a:rPr lang="en-US" sz="1900" i="1">
+                                  <a:effectLst/>
+                                  <a:latin typeface="Cambria Math" panose="02040503050406030204" pitchFamily="18" charset="0"/>
+                                  <a:ea typeface="Microsoft YaHei" panose="020B0503020204020204" pitchFamily="34" charset="-122"/>
+                                </a:rPr>
+                                <m:t>𝑖</m:t>
+                              </m:r>
+                            </m:sub>
+                          </m:sSub>
+                        </m:sub>
+                        <m:sup/>
+                        <m:e>
+                          <m:sSubSup>
+                            <m:sSubSupPr>
+                              <m:ctrlPr>
+                                <a:rPr lang="en-US" sz="1900" i="1">
+                                  <a:effectLst/>
+                                  <a:latin typeface="Cambria Math" panose="02040503050406030204" pitchFamily="18" charset="0"/>
+                                  <a:ea typeface="Microsoft YaHei" panose="020B0503020204020204" pitchFamily="34" charset="-122"/>
+                                </a:rPr>
+                              </m:ctrlPr>
+                            </m:sSubSupPr>
+                            <m:e>
+                              <m:r>
+                                <a:rPr lang="en-US" sz="1900" i="1">
+                                  <a:effectLst/>
+                                  <a:latin typeface="Cambria Math" panose="02040503050406030204" pitchFamily="18" charset="0"/>
+                                  <a:ea typeface="Microsoft YaHei" panose="020B0503020204020204" pitchFamily="34" charset="-122"/>
+                                </a:rPr>
+                                <m:t>𝛼</m:t>
+                              </m:r>
+                            </m:e>
+                            <m:sub>
+                              <m:r>
+                                <a:rPr lang="en-US" sz="1900" i="1">
+                                  <a:effectLst/>
+                                  <a:latin typeface="Cambria Math" panose="02040503050406030204" pitchFamily="18" charset="0"/>
+                                  <a:ea typeface="Microsoft YaHei" panose="020B0503020204020204" pitchFamily="34" charset="-122"/>
+                                </a:rPr>
+                                <m:t>𝑘𝑗</m:t>
+                              </m:r>
+                            </m:sub>
+                            <m:sup>
+                              <m:d>
+                                <m:dPr>
+                                  <m:ctrlPr>
+                                    <a:rPr lang="en-US" sz="1900" i="1">
+                                      <a:effectLst/>
+                                      <a:latin typeface="Cambria Math" panose="02040503050406030204" pitchFamily="18" charset="0"/>
+                                      <a:ea typeface="Microsoft YaHei" panose="020B0503020204020204" pitchFamily="34" charset="-122"/>
+                                    </a:rPr>
+                                  </m:ctrlPr>
+                                </m:dPr>
+                                <m:e>
+                                  <m:r>
+                                    <a:rPr lang="en-US" sz="1900" i="1">
+                                      <a:effectLst/>
+                                      <a:latin typeface="Cambria Math" panose="02040503050406030204" pitchFamily="18" charset="0"/>
+                                      <a:ea typeface="Microsoft YaHei" panose="020B0503020204020204" pitchFamily="34" charset="-122"/>
+                                    </a:rPr>
+                                    <m:t>𝑡</m:t>
+                                  </m:r>
+                                </m:e>
+                              </m:d>
+                            </m:sup>
+                          </m:sSubSup>
+                          <m:sSubSup>
+                            <m:sSubSupPr>
+                              <m:ctrlPr>
+                                <a:rPr lang="en-US" sz="1900" i="1">
+                                  <a:effectLst/>
+                                  <a:latin typeface="Cambria Math" panose="02040503050406030204" pitchFamily="18" charset="0"/>
+                                  <a:ea typeface="Microsoft YaHei" panose="020B0503020204020204" pitchFamily="34" charset="-122"/>
+                                </a:rPr>
+                              </m:ctrlPr>
+                            </m:sSubSupPr>
+                            <m:e>
+                              <m:r>
+                                <a:rPr lang="en-US" sz="1900" i="1">
+                                  <a:effectLst/>
+                                  <a:latin typeface="Cambria Math" panose="02040503050406030204" pitchFamily="18" charset="0"/>
+                                  <a:ea typeface="Microsoft YaHei" panose="020B0503020204020204" pitchFamily="34" charset="-122"/>
+                                </a:rPr>
+                                <m:t>𝑥</m:t>
+                              </m:r>
+                            </m:e>
+                            <m:sub>
+                              <m:r>
+                                <a:rPr lang="en-US" sz="1900" i="1">
+                                  <a:effectLst/>
+                                  <a:latin typeface="Cambria Math" panose="02040503050406030204" pitchFamily="18" charset="0"/>
+                                  <a:ea typeface="Microsoft YaHei" panose="020B0503020204020204" pitchFamily="34" charset="-122"/>
+                                </a:rPr>
+                                <m:t>𝑖𝑗</m:t>
+                              </m:r>
+                            </m:sub>
+                            <m:sup>
+                              <m:r>
+                                <a:rPr lang="en-US" sz="1900" i="1">
+                                  <a:effectLst/>
+                                  <a:latin typeface="Cambria Math" panose="02040503050406030204" pitchFamily="18" charset="0"/>
+                                  <a:ea typeface="Microsoft YaHei" panose="020B0503020204020204" pitchFamily="34" charset="-122"/>
+                                </a:rPr>
+                                <m:t>−</m:t>
+                              </m:r>
+                            </m:sup>
+                          </m:sSubSup>
+                        </m:e>
+                      </m:nary>
+                      <m:r>
+                        <a:rPr lang="en-US" sz="1900">
+                          <a:effectLst/>
+                          <a:latin typeface="Cambria Math" panose="02040503050406030204" pitchFamily="18" charset="0"/>
+                          <a:ea typeface="Microsoft YaHei" panose="020B0503020204020204" pitchFamily="34" charset="-122"/>
+                        </a:rPr>
+                        <m:t>+</m:t>
+                      </m:r>
+                      <m:nary>
+                        <m:naryPr>
+                          <m:chr m:val="∑"/>
+                          <m:limLoc m:val="undOvr"/>
+                          <m:supHide m:val="on"/>
+                          <m:ctrlPr>
+                            <a:rPr lang="en-US" sz="1900" i="1">
+                              <a:effectLst/>
+                              <a:latin typeface="Cambria Math" panose="02040503050406030204" pitchFamily="18" charset="0"/>
+                              <a:ea typeface="Microsoft YaHei" panose="020B0503020204020204" pitchFamily="34" charset="-122"/>
+                            </a:rPr>
+                          </m:ctrlPr>
+                        </m:naryPr>
+                        <m:sub>
+                          <m:r>
+                            <a:rPr lang="en-US" sz="1900" i="1">
+                              <a:effectLst/>
+                              <a:latin typeface="Cambria Math" panose="02040503050406030204" pitchFamily="18" charset="0"/>
+                              <a:ea typeface="Microsoft YaHei" panose="020B0503020204020204" pitchFamily="34" charset="-122"/>
+                            </a:rPr>
+                            <m:t>𝑙</m:t>
+                          </m:r>
+                          <m:r>
+                            <a:rPr lang="en-US" sz="1900">
+                              <a:effectLst/>
+                              <a:latin typeface="Cambria Math" panose="02040503050406030204" pitchFamily="18" charset="0"/>
+                              <a:ea typeface="Microsoft YaHei" panose="020B0503020204020204" pitchFamily="34" charset="-122"/>
+                            </a:rPr>
+                            <m:t>∉</m:t>
+                          </m:r>
+                          <m:sSub>
+                            <m:sSubPr>
+                              <m:ctrlPr>
+                                <a:rPr lang="en-US" sz="1900" i="1">
+                                  <a:effectLst/>
+                                  <a:latin typeface="Cambria Math" panose="02040503050406030204" pitchFamily="18" charset="0"/>
+                                  <a:ea typeface="Microsoft YaHei" panose="020B0503020204020204" pitchFamily="34" charset="-122"/>
+                                </a:rPr>
+                              </m:ctrlPr>
+                            </m:sSubPr>
+                            <m:e>
+                              <m:r>
+                                <a:rPr lang="en-US" sz="1900" i="1">
+                                  <a:effectLst/>
+                                  <a:latin typeface="Cambria Math" panose="02040503050406030204" pitchFamily="18" charset="0"/>
+                                  <a:ea typeface="Microsoft YaHei" panose="020B0503020204020204" pitchFamily="34" charset="-122"/>
+                                </a:rPr>
+                                <m:t>𝑀</m:t>
+                              </m:r>
+                            </m:e>
+                            <m:sub>
+                              <m:r>
+                                <a:rPr lang="en-US" sz="1900" i="1">
+                                  <a:effectLst/>
+                                  <a:latin typeface="Cambria Math" panose="02040503050406030204" pitchFamily="18" charset="0"/>
+                                  <a:ea typeface="Microsoft YaHei" panose="020B0503020204020204" pitchFamily="34" charset="-122"/>
+                                </a:rPr>
+                                <m:t>𝑖</m:t>
+                              </m:r>
+                            </m:sub>
+                          </m:sSub>
+                        </m:sub>
+                        <m:sup/>
+                        <m:e>
+                          <m:sSubSup>
+                            <m:sSubSupPr>
+                              <m:ctrlPr>
+                                <a:rPr lang="en-US" sz="1900" i="1">
+                                  <a:effectLst/>
+                                  <a:latin typeface="Cambria Math" panose="02040503050406030204" pitchFamily="18" charset="0"/>
+                                  <a:ea typeface="Microsoft YaHei" panose="020B0503020204020204" pitchFamily="34" charset="-122"/>
+                                </a:rPr>
+                              </m:ctrlPr>
+                            </m:sSubSupPr>
+                            <m:e>
+                              <m:r>
+                                <a:rPr lang="en-US" sz="1900" i="1">
+                                  <a:effectLst/>
+                                  <a:latin typeface="Cambria Math" panose="02040503050406030204" pitchFamily="18" charset="0"/>
+                                  <a:ea typeface="Microsoft YaHei" panose="020B0503020204020204" pitchFamily="34" charset="-122"/>
+                                </a:rPr>
+                                <m:t>𝛼</m:t>
+                              </m:r>
+                            </m:e>
+                            <m:sub>
+                              <m:r>
+                                <a:rPr lang="en-US" sz="1900" i="1">
+                                  <a:effectLst/>
+                                  <a:latin typeface="Cambria Math" panose="02040503050406030204" pitchFamily="18" charset="0"/>
+                                  <a:ea typeface="Microsoft YaHei" panose="020B0503020204020204" pitchFamily="34" charset="-122"/>
+                                </a:rPr>
+                                <m:t>𝑘𝑙</m:t>
+                              </m:r>
+                            </m:sub>
+                            <m:sup>
+                              <m:d>
+                                <m:dPr>
+                                  <m:ctrlPr>
+                                    <a:rPr lang="en-US" sz="1900" i="1">
+                                      <a:effectLst/>
+                                      <a:latin typeface="Cambria Math" panose="02040503050406030204" pitchFamily="18" charset="0"/>
+                                      <a:ea typeface="Microsoft YaHei" panose="020B0503020204020204" pitchFamily="34" charset="-122"/>
+                                    </a:rPr>
+                                  </m:ctrlPr>
+                                </m:dPr>
+                                <m:e>
+                                  <m:r>
+                                    <a:rPr lang="en-US" sz="1900" i="1">
+                                      <a:effectLst/>
+                                      <a:latin typeface="Cambria Math" panose="02040503050406030204" pitchFamily="18" charset="0"/>
+                                      <a:ea typeface="Microsoft YaHei" panose="020B0503020204020204" pitchFamily="34" charset="-122"/>
+                                    </a:rPr>
+                                    <m:t>𝑡</m:t>
+                                  </m:r>
+                                </m:e>
+                              </m:d>
+                            </m:sup>
+                          </m:sSubSup>
+                          <m:sSub>
+                            <m:sSubPr>
+                              <m:ctrlPr>
+                                <a:rPr lang="en-US" sz="1900" i="1">
+                                  <a:effectLst/>
+                                  <a:latin typeface="Cambria Math" panose="02040503050406030204" pitchFamily="18" charset="0"/>
+                                  <a:ea typeface="Microsoft YaHei" panose="020B0503020204020204" pitchFamily="34" charset="-122"/>
+                                </a:rPr>
+                              </m:ctrlPr>
+                            </m:sSubPr>
+                            <m:e>
+                              <m:r>
+                                <a:rPr lang="en-US" sz="1900" i="1">
+                                  <a:effectLst/>
+                                  <a:latin typeface="Cambria Math" panose="02040503050406030204" pitchFamily="18" charset="0"/>
+                                  <a:ea typeface="Microsoft YaHei" panose="020B0503020204020204" pitchFamily="34" charset="-122"/>
+                                </a:rPr>
+                                <m:t>𝑥</m:t>
+                              </m:r>
+                            </m:e>
+                            <m:sub>
+                              <m:r>
+                                <a:rPr lang="en-US" sz="1900" i="1">
+                                  <a:effectLst/>
+                                  <a:latin typeface="Cambria Math" panose="02040503050406030204" pitchFamily="18" charset="0"/>
+                                  <a:ea typeface="Microsoft YaHei" panose="020B0503020204020204" pitchFamily="34" charset="-122"/>
+                                </a:rPr>
+                                <m:t>𝑖𝑙</m:t>
+                              </m:r>
+                            </m:sub>
+                          </m:sSub>
+                        </m:e>
+                      </m:nary>
+                    </m:oMath>
+                  </m:oMathPara>
+                </a14:m>
+                <a:endParaRPr lang="en-US" sz="1900" dirty="0">
+                  <a:effectLst/>
+                  <a:ea typeface="Microsoft YaHei" panose="020B0503020204020204" pitchFamily="34" charset="-122"/>
+                </a:endParaRPr>
+              </a:p>
+              <a:p>
+                <a:pPr marL="0" indent="0">
+                  <a:buNone/>
+                </a:pPr>
+                <a14:m>
+                  <m:oMathPara xmlns:m="http://schemas.openxmlformats.org/officeDocument/2006/math">
+                    <m:oMathParaPr>
+                      <m:jc m:val="centerGroup"/>
+                    </m:oMathParaPr>
+                    <m:oMath xmlns:m="http://schemas.openxmlformats.org/officeDocument/2006/math">
+                      <m:sSubSup>
+                        <m:sSubSupPr>
+                          <m:ctrlPr>
+                            <a:rPr lang="en-US" sz="1900" i="1" smtClean="0">
+                              <a:effectLst/>
+                              <a:latin typeface="Cambria Math" panose="02040503050406030204" pitchFamily="18" charset="0"/>
+                              <a:ea typeface="Microsoft YaHei" panose="020B0503020204020204" pitchFamily="34" charset="-122"/>
+                            </a:rPr>
+                          </m:ctrlPr>
+                        </m:sSubSupPr>
+                        <m:e>
+                          <m:r>
+                            <a:rPr lang="en-US" sz="1900" i="1">
+                              <a:effectLst/>
+                              <a:latin typeface="Cambria Math" panose="02040503050406030204" pitchFamily="18" charset="0"/>
+                              <a:ea typeface="Microsoft YaHei" panose="020B0503020204020204" pitchFamily="34" charset="-122"/>
+                            </a:rPr>
+                            <m:t>𝑥</m:t>
+                          </m:r>
+                        </m:e>
+                        <m:sub>
+                          <m:r>
+                            <a:rPr lang="en-US" sz="1900" i="1">
+                              <a:effectLst/>
+                              <a:latin typeface="Cambria Math" panose="02040503050406030204" pitchFamily="18" charset="0"/>
+                              <a:ea typeface="Microsoft YaHei" panose="020B0503020204020204" pitchFamily="34" charset="-122"/>
+                            </a:rPr>
+                            <m:t>𝑖𝑗</m:t>
+                          </m:r>
+                        </m:sub>
+                        <m:sup>
+                          <m:r>
+                            <a:rPr lang="en-US" sz="1900" i="1">
+                              <a:effectLst/>
+                              <a:latin typeface="Cambria Math" panose="02040503050406030204" pitchFamily="18" charset="0"/>
+                              <a:ea typeface="Microsoft YaHei" panose="020B0503020204020204" pitchFamily="34" charset="-122"/>
+                            </a:rPr>
+                            <m:t>−</m:t>
+                          </m:r>
+                        </m:sup>
+                      </m:sSubSup>
+                      <m:r>
+                        <a:rPr lang="en-US" sz="1900">
+                          <a:effectLst/>
+                          <a:latin typeface="Cambria Math" panose="02040503050406030204" pitchFamily="18" charset="0"/>
+                          <a:ea typeface="Microsoft YaHei" panose="020B0503020204020204" pitchFamily="34" charset="-122"/>
+                        </a:rPr>
+                        <m:t>=</m:t>
+                      </m:r>
+                      <m:sSub>
+                        <m:sSubPr>
+                          <m:ctrlPr>
+                            <a:rPr lang="en-US" sz="1900" i="1">
+                              <a:effectLst/>
+                              <a:latin typeface="Cambria Math" panose="02040503050406030204" pitchFamily="18" charset="0"/>
+                              <a:ea typeface="Microsoft YaHei" panose="020B0503020204020204" pitchFamily="34" charset="-122"/>
+                            </a:rPr>
+                          </m:ctrlPr>
+                        </m:sSubPr>
+                        <m:e>
+                          <m:r>
+                            <a:rPr lang="en-US" sz="1900" i="1">
+                              <a:effectLst/>
+                              <a:latin typeface="Cambria Math" panose="02040503050406030204" pitchFamily="18" charset="0"/>
+                              <a:ea typeface="Microsoft YaHei" panose="020B0503020204020204" pitchFamily="34" charset="-122"/>
+                            </a:rPr>
+                            <m:t>𝐸</m:t>
+                          </m:r>
+                        </m:e>
+                        <m:sub>
+                          <m:r>
+                            <a:rPr lang="en-US" sz="1900" i="1">
+                              <a:effectLst/>
+                              <a:latin typeface="Cambria Math" panose="02040503050406030204" pitchFamily="18" charset="0"/>
+                              <a:ea typeface="Microsoft YaHei" panose="020B0503020204020204" pitchFamily="34" charset="-122"/>
+                            </a:rPr>
+                            <m:t>𝑘</m:t>
+                          </m:r>
+                        </m:sub>
+                      </m:sSub>
+                      <m:d>
+                        <m:dPr>
+                          <m:ctrlPr>
+                            <a:rPr lang="en-US" sz="1900" i="1">
+                              <a:effectLst/>
+                              <a:latin typeface="Cambria Math" panose="02040503050406030204" pitchFamily="18" charset="0"/>
+                              <a:ea typeface="Microsoft YaHei" panose="020B0503020204020204" pitchFamily="34" charset="-122"/>
+                            </a:rPr>
+                          </m:ctrlPr>
+                        </m:dPr>
+                        <m:e>
+                          <m:sSub>
+                            <m:sSubPr>
+                              <m:ctrlPr>
+                                <a:rPr lang="en-US" sz="1900" i="1">
+                                  <a:effectLst/>
+                                  <a:latin typeface="Cambria Math" panose="02040503050406030204" pitchFamily="18" charset="0"/>
+                                  <a:ea typeface="Microsoft YaHei" panose="020B0503020204020204" pitchFamily="34" charset="-122"/>
+                                </a:rPr>
+                              </m:ctrlPr>
+                            </m:sSubPr>
+                            <m:e>
+                              <m:r>
+                                <a:rPr lang="en-US" sz="1900" i="1">
+                                  <a:effectLst/>
+                                  <a:latin typeface="Cambria Math" panose="02040503050406030204" pitchFamily="18" charset="0"/>
+                                  <a:ea typeface="Microsoft YaHei" panose="020B0503020204020204" pitchFamily="34" charset="-122"/>
+                                </a:rPr>
+                                <m:t>𝑥</m:t>
+                              </m:r>
+                            </m:e>
+                            <m:sub>
+                              <m:r>
+                                <a:rPr lang="en-US" sz="1900" i="1">
+                                  <a:effectLst/>
+                                  <a:latin typeface="Cambria Math" panose="02040503050406030204" pitchFamily="18" charset="0"/>
+                                  <a:ea typeface="Microsoft YaHei" panose="020B0503020204020204" pitchFamily="34" charset="-122"/>
+                                </a:rPr>
+                                <m:t>𝑖𝑗</m:t>
+                              </m:r>
+                            </m:sub>
+                          </m:sSub>
+                        </m:e>
+                        <m:e>
+                          <m:sSubSup>
+                            <m:sSubSupPr>
+                              <m:ctrlPr>
+                                <a:rPr lang="en-US" sz="1900" i="1">
+                                  <a:effectLst/>
+                                  <a:latin typeface="Cambria Math" panose="02040503050406030204" pitchFamily="18" charset="0"/>
+                                  <a:ea typeface="Microsoft YaHei" panose="020B0503020204020204" pitchFamily="34" charset="-122"/>
+                                </a:rPr>
+                              </m:ctrlPr>
+                            </m:sSubSupPr>
+                            <m:e>
+                              <m:r>
+                                <a:rPr lang="en-US" sz="1900" i="1">
+                                  <a:effectLst/>
+                                  <a:latin typeface="Cambria Math" panose="02040503050406030204" pitchFamily="18" charset="0"/>
+                                  <a:ea typeface="Microsoft YaHei" panose="020B0503020204020204" pitchFamily="34" charset="-122"/>
+                                </a:rPr>
+                                <m:t>𝑧</m:t>
+                              </m:r>
+                            </m:e>
+                            <m:sub>
+                              <m:r>
+                                <a:rPr lang="en-US" sz="1900" i="1">
+                                  <a:effectLst/>
+                                  <a:latin typeface="Cambria Math" panose="02040503050406030204" pitchFamily="18" charset="0"/>
+                                  <a:ea typeface="Microsoft YaHei" panose="020B0503020204020204" pitchFamily="34" charset="-122"/>
+                                </a:rPr>
+                                <m:t>𝑖</m:t>
+                              </m:r>
+                            </m:sub>
+                            <m:sup>
+                              <m:r>
+                                <a:rPr lang="en-US" sz="1900" i="1">
+                                  <a:effectLst/>
+                                  <a:latin typeface="Cambria Math" panose="02040503050406030204" pitchFamily="18" charset="0"/>
+                                  <a:ea typeface="Microsoft YaHei" panose="020B0503020204020204" pitchFamily="34" charset="-122"/>
+                                </a:rPr>
+                                <m:t>−</m:t>
+                              </m:r>
+                            </m:sup>
+                          </m:sSubSup>
+                        </m:e>
+                      </m:d>
+                      <m:r>
+                        <a:rPr lang="en-US" sz="1900" i="1">
+                          <a:effectLst/>
+                          <a:latin typeface="Cambria Math" panose="02040503050406030204" pitchFamily="18" charset="0"/>
+                          <a:ea typeface="Microsoft YaHei" panose="020B0503020204020204" pitchFamily="34" charset="-122"/>
+                        </a:rPr>
+                        <m:t>=</m:t>
+                      </m:r>
+                      <m:sSubSup>
+                        <m:sSubSupPr>
+                          <m:ctrlPr>
+                            <a:rPr lang="en-US" sz="1900" i="1">
+                              <a:effectLst/>
+                              <a:latin typeface="Cambria Math" panose="02040503050406030204" pitchFamily="18" charset="0"/>
+                              <a:ea typeface="Microsoft YaHei" panose="020B0503020204020204" pitchFamily="34" charset="-122"/>
+                            </a:rPr>
+                          </m:ctrlPr>
+                        </m:sSubSupPr>
+                        <m:e>
+                          <m:r>
+                            <a:rPr lang="en-US" sz="1900" i="1">
+                              <a:effectLst/>
+                              <a:latin typeface="Cambria Math" panose="02040503050406030204" pitchFamily="18" charset="0"/>
+                              <a:ea typeface="Microsoft YaHei" panose="020B0503020204020204" pitchFamily="34" charset="-122"/>
+                            </a:rPr>
+                            <m:t>𝛽</m:t>
+                          </m:r>
+                        </m:e>
+                        <m:sub>
+                          <m:r>
+                            <a:rPr lang="en-US" sz="1900" i="1">
+                              <a:effectLst/>
+                              <a:latin typeface="Cambria Math" panose="02040503050406030204" pitchFamily="18" charset="0"/>
+                              <a:ea typeface="Microsoft YaHei" panose="020B0503020204020204" pitchFamily="34" charset="-122"/>
+                            </a:rPr>
+                            <m:t>𝑘𝑗</m:t>
+                          </m:r>
+                          <m:r>
+                            <a:rPr lang="en-US" sz="1900" i="1">
+                              <a:effectLst/>
+                              <a:latin typeface="Cambria Math" panose="02040503050406030204" pitchFamily="18" charset="0"/>
+                              <a:ea typeface="Microsoft YaHei" panose="020B0503020204020204" pitchFamily="34" charset="-122"/>
+                            </a:rPr>
+                            <m:t>0</m:t>
+                          </m:r>
+                        </m:sub>
+                        <m:sup>
+                          <m:d>
+                            <m:dPr>
+                              <m:ctrlPr>
+                                <a:rPr lang="en-US" sz="1900" i="1">
+                                  <a:effectLst/>
+                                  <a:latin typeface="Cambria Math" panose="02040503050406030204" pitchFamily="18" charset="0"/>
+                                  <a:ea typeface="Microsoft YaHei" panose="020B0503020204020204" pitchFamily="34" charset="-122"/>
+                                </a:rPr>
+                              </m:ctrlPr>
+                            </m:dPr>
+                            <m:e>
+                              <m:r>
+                                <a:rPr lang="en-US" sz="1900" i="1">
+                                  <a:effectLst/>
+                                  <a:latin typeface="Cambria Math" panose="02040503050406030204" pitchFamily="18" charset="0"/>
+                                  <a:ea typeface="Microsoft YaHei" panose="020B0503020204020204" pitchFamily="34" charset="-122"/>
+                                </a:rPr>
+                                <m:t>𝑡</m:t>
+                              </m:r>
+                            </m:e>
+                          </m:d>
+                        </m:sup>
+                      </m:sSubSup>
+                      <m:r>
+                        <a:rPr lang="en-US" sz="1900" i="1">
+                          <a:effectLst/>
+                          <a:latin typeface="Cambria Math" panose="02040503050406030204" pitchFamily="18" charset="0"/>
+                          <a:ea typeface="Microsoft YaHei" panose="020B0503020204020204" pitchFamily="34" charset="-122"/>
+                        </a:rPr>
+                        <m:t>+</m:t>
+                      </m:r>
+                      <m:sSubSup>
+                        <m:sSubSupPr>
+                          <m:ctrlPr>
+                            <a:rPr lang="en-US" sz="1900" i="1">
+                              <a:effectLst/>
+                              <a:latin typeface="Cambria Math" panose="02040503050406030204" pitchFamily="18" charset="0"/>
+                              <a:ea typeface="Microsoft YaHei" panose="020B0503020204020204" pitchFamily="34" charset="-122"/>
+                            </a:rPr>
+                          </m:ctrlPr>
+                        </m:sSubSupPr>
+                        <m:e>
+                          <m:r>
+                            <a:rPr lang="en-US" sz="1900" i="1">
+                              <a:effectLst/>
+                              <a:latin typeface="Cambria Math" panose="02040503050406030204" pitchFamily="18" charset="0"/>
+                              <a:ea typeface="Microsoft YaHei" panose="020B0503020204020204" pitchFamily="34" charset="-122"/>
+                            </a:rPr>
+                            <m:t>𝛽</m:t>
+                          </m:r>
+                        </m:e>
+                        <m:sub>
+                          <m:r>
+                            <a:rPr lang="en-US" sz="1900" i="1">
+                              <a:effectLst/>
+                              <a:latin typeface="Cambria Math" panose="02040503050406030204" pitchFamily="18" charset="0"/>
+                              <a:ea typeface="Microsoft YaHei" panose="020B0503020204020204" pitchFamily="34" charset="-122"/>
+                            </a:rPr>
+                            <m:t>𝑘𝑗</m:t>
+                          </m:r>
+                          <m:r>
+                            <a:rPr lang="en-US" sz="1900" i="1">
+                              <a:effectLst/>
+                              <a:latin typeface="Cambria Math" panose="02040503050406030204" pitchFamily="18" charset="0"/>
+                              <a:ea typeface="Microsoft YaHei" panose="020B0503020204020204" pitchFamily="34" charset="-122"/>
+                            </a:rPr>
+                            <m:t>1</m:t>
+                          </m:r>
+                        </m:sub>
+                        <m:sup>
+                          <m:d>
+                            <m:dPr>
+                              <m:ctrlPr>
+                                <a:rPr lang="en-US" sz="1900" i="1">
+                                  <a:effectLst/>
+                                  <a:latin typeface="Cambria Math" panose="02040503050406030204" pitchFamily="18" charset="0"/>
+                                  <a:ea typeface="Microsoft YaHei" panose="020B0503020204020204" pitchFamily="34" charset="-122"/>
+                                </a:rPr>
+                              </m:ctrlPr>
+                            </m:dPr>
+                            <m:e>
+                              <m:r>
+                                <a:rPr lang="en-US" sz="1900" i="1">
+                                  <a:effectLst/>
+                                  <a:latin typeface="Cambria Math" panose="02040503050406030204" pitchFamily="18" charset="0"/>
+                                  <a:ea typeface="Microsoft YaHei" panose="020B0503020204020204" pitchFamily="34" charset="-122"/>
+                                </a:rPr>
+                                <m:t>𝑡</m:t>
+                              </m:r>
+                            </m:e>
+                          </m:d>
+                        </m:sup>
+                      </m:sSubSup>
+                      <m:sSubSup>
+                        <m:sSubSupPr>
+                          <m:ctrlPr>
+                            <a:rPr lang="en-US" sz="1900" i="1">
+                              <a:effectLst/>
+                              <a:latin typeface="Cambria Math" panose="02040503050406030204" pitchFamily="18" charset="0"/>
+                              <a:ea typeface="Microsoft YaHei" panose="020B0503020204020204" pitchFamily="34" charset="-122"/>
+                            </a:rPr>
+                          </m:ctrlPr>
+                        </m:sSubSupPr>
+                        <m:e>
+                          <m:r>
+                            <a:rPr lang="en-US" sz="1900" i="1">
+                              <a:effectLst/>
+                              <a:latin typeface="Cambria Math" panose="02040503050406030204" pitchFamily="18" charset="0"/>
+                              <a:ea typeface="Microsoft YaHei" panose="020B0503020204020204" pitchFamily="34" charset="-122"/>
+                            </a:rPr>
+                            <m:t>𝑧</m:t>
+                          </m:r>
+                        </m:e>
+                        <m:sub>
+                          <m:r>
+                            <a:rPr lang="en-US" sz="1900" i="1">
+                              <a:effectLst/>
+                              <a:latin typeface="Cambria Math" panose="02040503050406030204" pitchFamily="18" charset="0"/>
+                              <a:ea typeface="Microsoft YaHei" panose="020B0503020204020204" pitchFamily="34" charset="-122"/>
+                            </a:rPr>
+                            <m:t>𝑖</m:t>
+                          </m:r>
+                        </m:sub>
+                        <m:sup>
+                          <m:r>
+                            <a:rPr lang="en-US" sz="1900" i="1">
+                              <a:effectLst/>
+                              <a:latin typeface="Cambria Math" panose="02040503050406030204" pitchFamily="18" charset="0"/>
+                              <a:ea typeface="Microsoft YaHei" panose="020B0503020204020204" pitchFamily="34" charset="-122"/>
+                            </a:rPr>
+                            <m:t>−</m:t>
+                          </m:r>
+                        </m:sup>
+                      </m:sSubSup>
+                    </m:oMath>
+                  </m:oMathPara>
+                </a14:m>
+                <a:endParaRPr lang="en-US" sz="1900" dirty="0">
+                  <a:effectLst/>
+                  <a:ea typeface="Microsoft YaHei" panose="020B0503020204020204" pitchFamily="34" charset="-122"/>
+                </a:endParaRPr>
+              </a:p>
+              <a:p>
+                <a:r>
+                  <a:rPr lang="en-US" sz="1900" dirty="0">
+                    <a:ea typeface="Microsoft YaHei" panose="020B0503020204020204" pitchFamily="34" charset="-122"/>
+                  </a:rPr>
+                  <a:t>Solving two equations above, we obtain:</a:t>
+                </a:r>
+              </a:p>
+              <a:p>
+                <a:pPr marL="0" indent="0">
+                  <a:buNone/>
+                </a:pPr>
+                <a14:m>
+                  <m:oMathPara xmlns:m="http://schemas.openxmlformats.org/officeDocument/2006/math">
+                    <m:oMathParaPr>
+                      <m:jc m:val="centerGroup"/>
+                    </m:oMathParaPr>
+                    <m:oMath xmlns:m="http://schemas.openxmlformats.org/officeDocument/2006/math">
+                      <m:m>
+                        <m:mPr>
+                          <m:mcs>
+                            <m:mc>
+                              <m:mcPr>
+                                <m:count m:val="1"/>
+                                <m:mcJc m:val="center"/>
+                              </m:mcPr>
+                            </m:mc>
+                          </m:mcs>
+                          <m:ctrlPr>
+                            <a:rPr lang="en-US" sz="1900" i="1" smtClean="0">
+                              <a:effectLst/>
+                              <a:latin typeface="Cambria Math" panose="02040503050406030204" pitchFamily="18" charset="0"/>
+                            </a:rPr>
+                          </m:ctrlPr>
+                        </m:mPr>
+                        <m:mr>
+                          <m:e>
+                            <m:sSubSup>
+                              <m:sSubSupPr>
+                                <m:ctrlPr>
+                                  <a:rPr lang="en-US" sz="1900" i="1">
+                                    <a:effectLst/>
+                                    <a:latin typeface="Cambria Math" panose="02040503050406030204" pitchFamily="18" charset="0"/>
+                                  </a:rPr>
+                                </m:ctrlPr>
+                              </m:sSubSupPr>
+                              <m:e>
+                                <m:r>
+                                  <a:rPr lang="en-US" sz="1900" i="1">
+                                    <a:effectLst/>
+                                    <a:latin typeface="Cambria Math" panose="02040503050406030204" pitchFamily="18" charset="0"/>
+                                    <a:ea typeface="Microsoft YaHei" panose="020B0503020204020204" pitchFamily="34" charset="-122"/>
+                                  </a:rPr>
+                                  <m:t>𝑧</m:t>
+                                </m:r>
+                              </m:e>
+                              <m:sub>
+                                <m:r>
+                                  <a:rPr lang="en-US" sz="1900" i="1">
+                                    <a:effectLst/>
+                                    <a:latin typeface="Cambria Math" panose="02040503050406030204" pitchFamily="18" charset="0"/>
+                                    <a:ea typeface="Microsoft YaHei" panose="020B0503020204020204" pitchFamily="34" charset="-122"/>
+                                  </a:rPr>
+                                  <m:t>𝑖</m:t>
+                                </m:r>
+                              </m:sub>
+                              <m:sup>
+                                <m:r>
+                                  <a:rPr lang="en-US" sz="1900" i="1">
+                                    <a:effectLst/>
+                                    <a:latin typeface="Cambria Math" panose="02040503050406030204" pitchFamily="18" charset="0"/>
+                                    <a:ea typeface="Microsoft YaHei" panose="020B0503020204020204" pitchFamily="34" charset="-122"/>
+                                  </a:rPr>
+                                  <m:t>−</m:t>
+                                </m:r>
+                              </m:sup>
+                            </m:sSubSup>
+                            <m:r>
+                              <a:rPr lang="en-US" sz="1900" i="1">
+                                <a:effectLst/>
+                                <a:latin typeface="Cambria Math" panose="02040503050406030204" pitchFamily="18" charset="0"/>
+                                <a:ea typeface="Microsoft YaHei" panose="020B0503020204020204" pitchFamily="34" charset="-122"/>
+                              </a:rPr>
+                              <m:t>=</m:t>
+                            </m:r>
+                            <m:f>
+                              <m:fPr>
+                                <m:ctrlPr>
+                                  <a:rPr lang="en-US" sz="1900" i="1">
+                                    <a:effectLst/>
+                                    <a:latin typeface="Cambria Math" panose="02040503050406030204" pitchFamily="18" charset="0"/>
+                                    <a:ea typeface="PMingLiU" panose="02020500000000000000" pitchFamily="18" charset="-120"/>
+                                  </a:rPr>
+                                </m:ctrlPr>
+                              </m:fPr>
+                              <m:num>
+                                <m:nary>
+                                  <m:naryPr>
+                                    <m:chr m:val="∑"/>
+                                    <m:limLoc m:val="undOvr"/>
+                                    <m:supHide m:val="on"/>
+                                    <m:ctrlPr>
+                                      <a:rPr lang="en-US" sz="1900" i="1">
+                                        <a:effectLst/>
+                                        <a:latin typeface="Cambria Math" panose="02040503050406030204" pitchFamily="18" charset="0"/>
+                                        <a:ea typeface="PMingLiU" panose="02020500000000000000" pitchFamily="18" charset="-120"/>
+                                      </a:rPr>
+                                    </m:ctrlPr>
+                                  </m:naryPr>
+                                  <m:sub>
+                                    <m:r>
+                                      <a:rPr lang="en-US" sz="1900" i="1">
+                                        <a:effectLst/>
+                                        <a:latin typeface="Cambria Math" panose="02040503050406030204" pitchFamily="18" charset="0"/>
+                                        <a:ea typeface="Microsoft YaHei" panose="020B0503020204020204" pitchFamily="34" charset="-122"/>
+                                      </a:rPr>
+                                      <m:t>𝑗</m:t>
+                                    </m:r>
+                                    <m:r>
+                                      <a:rPr lang="en-US" sz="1900" i="1">
+                                        <a:effectLst/>
+                                        <a:latin typeface="Cambria Math" panose="02040503050406030204" pitchFamily="18" charset="0"/>
+                                        <a:ea typeface="Microsoft YaHei" panose="020B0503020204020204" pitchFamily="34" charset="-122"/>
+                                      </a:rPr>
+                                      <m:t>∈</m:t>
+                                    </m:r>
+                                    <m:sSub>
+                                      <m:sSubPr>
+                                        <m:ctrlPr>
+                                          <a:rPr lang="en-US" sz="1900" i="1">
+                                            <a:effectLst/>
+                                            <a:latin typeface="Cambria Math" panose="02040503050406030204" pitchFamily="18" charset="0"/>
+                                            <a:ea typeface="PMingLiU" panose="02020500000000000000" pitchFamily="18" charset="-120"/>
+                                          </a:rPr>
+                                        </m:ctrlPr>
+                                      </m:sSubPr>
+                                      <m:e>
+                                        <m:r>
+                                          <a:rPr lang="en-US" sz="1900" i="1">
+                                            <a:effectLst/>
+                                            <a:latin typeface="Cambria Math" panose="02040503050406030204" pitchFamily="18" charset="0"/>
+                                            <a:ea typeface="Microsoft YaHei" panose="020B0503020204020204" pitchFamily="34" charset="-122"/>
+                                          </a:rPr>
+                                          <m:t>𝑀</m:t>
+                                        </m:r>
+                                      </m:e>
+                                      <m:sub>
+                                        <m:r>
+                                          <a:rPr lang="en-US" sz="1900" i="1">
+                                            <a:effectLst/>
+                                            <a:latin typeface="Cambria Math" panose="02040503050406030204" pitchFamily="18" charset="0"/>
+                                            <a:ea typeface="Microsoft YaHei" panose="020B0503020204020204" pitchFamily="34" charset="-122"/>
+                                          </a:rPr>
+                                          <m:t>𝑖</m:t>
+                                        </m:r>
+                                      </m:sub>
+                                    </m:sSub>
+                                  </m:sub>
+                                  <m:sup/>
+                                  <m:e>
+                                    <m:sSubSup>
+                                      <m:sSubSupPr>
+                                        <m:ctrlPr>
+                                          <a:rPr lang="en-US" sz="1900" i="1">
+                                            <a:effectLst/>
+                                            <a:latin typeface="Cambria Math" panose="02040503050406030204" pitchFamily="18" charset="0"/>
+                                          </a:rPr>
+                                        </m:ctrlPr>
+                                      </m:sSubSupPr>
+                                      <m:e>
+                                        <m:r>
+                                          <a:rPr lang="en-US" sz="1900" i="1">
+                                            <a:effectLst/>
+                                            <a:latin typeface="Cambria Math" panose="02040503050406030204" pitchFamily="18" charset="0"/>
+                                            <a:ea typeface="Microsoft YaHei" panose="020B0503020204020204" pitchFamily="34" charset="-122"/>
+                                          </a:rPr>
+                                          <m:t>𝛼</m:t>
+                                        </m:r>
+                                      </m:e>
+                                      <m:sub>
+                                        <m:r>
+                                          <a:rPr lang="en-US" sz="1900" i="1">
+                                            <a:effectLst/>
+                                            <a:latin typeface="Cambria Math" panose="02040503050406030204" pitchFamily="18" charset="0"/>
+                                            <a:ea typeface="Microsoft YaHei" panose="020B0503020204020204" pitchFamily="34" charset="-122"/>
+                                          </a:rPr>
+                                          <m:t>𝑘𝑗</m:t>
+                                        </m:r>
+                                      </m:sub>
+                                      <m:sup>
+                                        <m:d>
+                                          <m:dPr>
+                                            <m:ctrlPr>
+                                              <a:rPr lang="en-US" sz="1900" i="1">
+                                                <a:effectLst/>
+                                                <a:latin typeface="Cambria Math" panose="02040503050406030204" pitchFamily="18" charset="0"/>
+                                              </a:rPr>
+                                            </m:ctrlPr>
+                                          </m:dPr>
+                                          <m:e>
+                                            <m:r>
+                                              <a:rPr lang="en-US" sz="1900" i="1">
+                                                <a:effectLst/>
+                                                <a:latin typeface="Cambria Math" panose="02040503050406030204" pitchFamily="18" charset="0"/>
+                                                <a:ea typeface="Microsoft YaHei" panose="020B0503020204020204" pitchFamily="34" charset="-122"/>
+                                              </a:rPr>
+                                              <m:t>𝑡</m:t>
+                                            </m:r>
+                                          </m:e>
+                                        </m:d>
+                                      </m:sup>
+                                    </m:sSubSup>
+                                    <m:sSubSup>
+                                      <m:sSubSupPr>
+                                        <m:ctrlPr>
+                                          <a:rPr lang="en-US" sz="1900" i="1">
+                                            <a:effectLst/>
+                                            <a:latin typeface="Cambria Math" panose="02040503050406030204" pitchFamily="18" charset="0"/>
+                                          </a:rPr>
+                                        </m:ctrlPr>
+                                      </m:sSubSupPr>
+                                      <m:e>
+                                        <m:r>
+                                          <a:rPr lang="en-US" sz="1900" i="1">
+                                            <a:effectLst/>
+                                            <a:latin typeface="Cambria Math" panose="02040503050406030204" pitchFamily="18" charset="0"/>
+                                            <a:ea typeface="Microsoft YaHei" panose="020B0503020204020204" pitchFamily="34" charset="-122"/>
+                                          </a:rPr>
+                                          <m:t>𝛽</m:t>
+                                        </m:r>
+                                      </m:e>
+                                      <m:sub>
+                                        <m:r>
+                                          <a:rPr lang="en-US" sz="1900" i="1">
+                                            <a:effectLst/>
+                                            <a:latin typeface="Cambria Math" panose="02040503050406030204" pitchFamily="18" charset="0"/>
+                                            <a:ea typeface="Microsoft YaHei" panose="020B0503020204020204" pitchFamily="34" charset="-122"/>
+                                          </a:rPr>
+                                          <m:t>𝑘𝑗</m:t>
+                                        </m:r>
+                                        <m:r>
+                                          <a:rPr lang="en-US" sz="1900" i="1">
+                                            <a:effectLst/>
+                                            <a:latin typeface="Cambria Math" panose="02040503050406030204" pitchFamily="18" charset="0"/>
+                                            <a:ea typeface="Microsoft YaHei" panose="020B0503020204020204" pitchFamily="34" charset="-122"/>
+                                          </a:rPr>
+                                          <m:t>0</m:t>
+                                        </m:r>
+                                      </m:sub>
+                                      <m:sup>
+                                        <m:d>
+                                          <m:dPr>
+                                            <m:ctrlPr>
+                                              <a:rPr lang="en-US" sz="1900" i="1">
+                                                <a:effectLst/>
+                                                <a:latin typeface="Cambria Math" panose="02040503050406030204" pitchFamily="18" charset="0"/>
+                                              </a:rPr>
+                                            </m:ctrlPr>
+                                          </m:dPr>
+                                          <m:e>
+                                            <m:r>
+                                              <a:rPr lang="en-US" sz="1900" i="1">
+                                                <a:effectLst/>
+                                                <a:latin typeface="Cambria Math" panose="02040503050406030204" pitchFamily="18" charset="0"/>
+                                                <a:ea typeface="Microsoft YaHei" panose="020B0503020204020204" pitchFamily="34" charset="-122"/>
+                                              </a:rPr>
+                                              <m:t>𝑡</m:t>
+                                            </m:r>
+                                          </m:e>
+                                        </m:d>
+                                      </m:sup>
+                                    </m:sSubSup>
+                                  </m:e>
+                                </m:nary>
+                                <m:r>
+                                  <a:rPr lang="en-US" sz="1900" i="1">
+                                    <a:effectLst/>
+                                    <a:latin typeface="Cambria Math" panose="02040503050406030204" pitchFamily="18" charset="0"/>
+                                    <a:ea typeface="PMingLiU" panose="02020500000000000000" pitchFamily="18" charset="-120"/>
+                                  </a:rPr>
+                                  <m:t>+</m:t>
+                                </m:r>
+                                <m:nary>
+                                  <m:naryPr>
+                                    <m:chr m:val="∑"/>
+                                    <m:limLoc m:val="undOvr"/>
+                                    <m:supHide m:val="on"/>
+                                    <m:ctrlPr>
+                                      <a:rPr lang="en-US" sz="1900" i="1">
+                                        <a:effectLst/>
+                                        <a:latin typeface="Cambria Math" panose="02040503050406030204" pitchFamily="18" charset="0"/>
+                                      </a:rPr>
+                                    </m:ctrlPr>
+                                  </m:naryPr>
+                                  <m:sub>
+                                    <m:r>
+                                      <a:rPr lang="en-US" sz="1900" i="1">
+                                        <a:effectLst/>
+                                        <a:latin typeface="Cambria Math" panose="02040503050406030204" pitchFamily="18" charset="0"/>
+                                        <a:ea typeface="Microsoft YaHei" panose="020B0503020204020204" pitchFamily="34" charset="-122"/>
+                                      </a:rPr>
+                                      <m:t>𝑙</m:t>
+                                    </m:r>
+                                    <m:r>
+                                      <a:rPr lang="en-US" sz="1900">
+                                        <a:effectLst/>
+                                        <a:latin typeface="Cambria Math" panose="02040503050406030204" pitchFamily="18" charset="0"/>
+                                        <a:ea typeface="Microsoft YaHei" panose="020B0503020204020204" pitchFamily="34" charset="-122"/>
+                                      </a:rPr>
+                                      <m:t>∉</m:t>
+                                    </m:r>
+                                    <m:sSub>
+                                      <m:sSubPr>
+                                        <m:ctrlPr>
+                                          <a:rPr lang="en-US" sz="1900" i="1">
+                                            <a:effectLst/>
+                                            <a:latin typeface="Cambria Math" panose="02040503050406030204" pitchFamily="18" charset="0"/>
+                                          </a:rPr>
+                                        </m:ctrlPr>
+                                      </m:sSubPr>
+                                      <m:e>
+                                        <m:r>
+                                          <a:rPr lang="en-US" sz="1900" i="1">
+                                            <a:effectLst/>
+                                            <a:latin typeface="Cambria Math" panose="02040503050406030204" pitchFamily="18" charset="0"/>
+                                            <a:ea typeface="Microsoft YaHei" panose="020B0503020204020204" pitchFamily="34" charset="-122"/>
+                                          </a:rPr>
+                                          <m:t>𝑀</m:t>
+                                        </m:r>
+                                      </m:e>
+                                      <m:sub>
+                                        <m:r>
+                                          <a:rPr lang="en-US" sz="1900" i="1">
+                                            <a:effectLst/>
+                                            <a:latin typeface="Cambria Math" panose="02040503050406030204" pitchFamily="18" charset="0"/>
+                                            <a:ea typeface="Microsoft YaHei" panose="020B0503020204020204" pitchFamily="34" charset="-122"/>
+                                          </a:rPr>
+                                          <m:t>𝑖</m:t>
+                                        </m:r>
+                                      </m:sub>
+                                    </m:sSub>
+                                  </m:sub>
+                                  <m:sup/>
+                                  <m:e>
+                                    <m:sSubSup>
+                                      <m:sSubSupPr>
+                                        <m:ctrlPr>
+                                          <a:rPr lang="en-US" sz="1900" i="1">
+                                            <a:effectLst/>
+                                            <a:latin typeface="Cambria Math" panose="02040503050406030204" pitchFamily="18" charset="0"/>
+                                          </a:rPr>
+                                        </m:ctrlPr>
+                                      </m:sSubSupPr>
+                                      <m:e>
+                                        <m:r>
+                                          <a:rPr lang="en-US" sz="1900" i="1">
+                                            <a:effectLst/>
+                                            <a:latin typeface="Cambria Math" panose="02040503050406030204" pitchFamily="18" charset="0"/>
+                                            <a:ea typeface="Microsoft YaHei" panose="020B0503020204020204" pitchFamily="34" charset="-122"/>
+                                          </a:rPr>
+                                          <m:t>𝛼</m:t>
+                                        </m:r>
+                                      </m:e>
+                                      <m:sub>
+                                        <m:r>
+                                          <a:rPr lang="en-US" sz="1900" i="1">
+                                            <a:effectLst/>
+                                            <a:latin typeface="Cambria Math" panose="02040503050406030204" pitchFamily="18" charset="0"/>
+                                            <a:ea typeface="Microsoft YaHei" panose="020B0503020204020204" pitchFamily="34" charset="-122"/>
+                                          </a:rPr>
+                                          <m:t>𝑘𝑙</m:t>
+                                        </m:r>
+                                      </m:sub>
+                                      <m:sup>
+                                        <m:d>
+                                          <m:dPr>
+                                            <m:ctrlPr>
+                                              <a:rPr lang="en-US" sz="1900" i="1">
+                                                <a:effectLst/>
+                                                <a:latin typeface="Cambria Math" panose="02040503050406030204" pitchFamily="18" charset="0"/>
+                                              </a:rPr>
+                                            </m:ctrlPr>
+                                          </m:dPr>
+                                          <m:e>
+                                            <m:r>
+                                              <a:rPr lang="en-US" sz="1900" i="1">
+                                                <a:effectLst/>
+                                                <a:latin typeface="Cambria Math" panose="02040503050406030204" pitchFamily="18" charset="0"/>
+                                                <a:ea typeface="Microsoft YaHei" panose="020B0503020204020204" pitchFamily="34" charset="-122"/>
+                                              </a:rPr>
+                                              <m:t>𝑡</m:t>
+                                            </m:r>
+                                          </m:e>
+                                        </m:d>
+                                      </m:sup>
+                                    </m:sSubSup>
+                                    <m:sSub>
+                                      <m:sSubPr>
+                                        <m:ctrlPr>
+                                          <a:rPr lang="en-US" sz="1900" i="1">
+                                            <a:effectLst/>
+                                            <a:latin typeface="Cambria Math" panose="02040503050406030204" pitchFamily="18" charset="0"/>
+                                          </a:rPr>
+                                        </m:ctrlPr>
+                                      </m:sSubPr>
+                                      <m:e>
+                                        <m:r>
+                                          <a:rPr lang="en-US" sz="1900" i="1">
+                                            <a:effectLst/>
+                                            <a:latin typeface="Cambria Math" panose="02040503050406030204" pitchFamily="18" charset="0"/>
+                                            <a:ea typeface="Microsoft YaHei" panose="020B0503020204020204" pitchFamily="34" charset="-122"/>
+                                          </a:rPr>
+                                          <m:t>𝑥</m:t>
+                                        </m:r>
+                                      </m:e>
+                                      <m:sub>
+                                        <m:r>
+                                          <a:rPr lang="en-US" sz="1900" i="1">
+                                            <a:effectLst/>
+                                            <a:latin typeface="Cambria Math" panose="02040503050406030204" pitchFamily="18" charset="0"/>
+                                            <a:ea typeface="Microsoft YaHei" panose="020B0503020204020204" pitchFamily="34" charset="-122"/>
+                                          </a:rPr>
+                                          <m:t>𝑖𝑙</m:t>
+                                        </m:r>
+                                      </m:sub>
+                                    </m:sSub>
+                                  </m:e>
+                                </m:nary>
+                              </m:num>
+                              <m:den>
+                                <m:r>
+                                  <a:rPr lang="en-US" sz="1900" i="1">
+                                    <a:effectLst/>
+                                    <a:latin typeface="Cambria Math" panose="02040503050406030204" pitchFamily="18" charset="0"/>
+                                    <a:ea typeface="PMingLiU" panose="02020500000000000000" pitchFamily="18" charset="-120"/>
+                                  </a:rPr>
+                                  <m:t>1−</m:t>
+                                </m:r>
+                                <m:nary>
+                                  <m:naryPr>
+                                    <m:chr m:val="∑"/>
+                                    <m:limLoc m:val="undOvr"/>
+                                    <m:supHide m:val="on"/>
+                                    <m:ctrlPr>
+                                      <a:rPr lang="en-US" sz="1900" i="1">
+                                        <a:effectLst/>
+                                        <a:latin typeface="Cambria Math" panose="02040503050406030204" pitchFamily="18" charset="0"/>
+                                        <a:ea typeface="PMingLiU" panose="02020500000000000000" pitchFamily="18" charset="-120"/>
+                                      </a:rPr>
+                                    </m:ctrlPr>
+                                  </m:naryPr>
+                                  <m:sub>
+                                    <m:r>
+                                      <a:rPr lang="en-US" sz="1900" i="1">
+                                        <a:effectLst/>
+                                        <a:latin typeface="Cambria Math" panose="02040503050406030204" pitchFamily="18" charset="0"/>
+                                        <a:ea typeface="Microsoft YaHei" panose="020B0503020204020204" pitchFamily="34" charset="-122"/>
+                                      </a:rPr>
+                                      <m:t>𝑗</m:t>
+                                    </m:r>
+                                    <m:r>
+                                      <a:rPr lang="en-US" sz="1900" i="1">
+                                        <a:effectLst/>
+                                        <a:latin typeface="Cambria Math" panose="02040503050406030204" pitchFamily="18" charset="0"/>
+                                        <a:ea typeface="Microsoft YaHei" panose="020B0503020204020204" pitchFamily="34" charset="-122"/>
+                                      </a:rPr>
+                                      <m:t>∈</m:t>
+                                    </m:r>
+                                    <m:sSub>
+                                      <m:sSubPr>
+                                        <m:ctrlPr>
+                                          <a:rPr lang="en-US" sz="1900" i="1">
+                                            <a:effectLst/>
+                                            <a:latin typeface="Cambria Math" panose="02040503050406030204" pitchFamily="18" charset="0"/>
+                                            <a:ea typeface="PMingLiU" panose="02020500000000000000" pitchFamily="18" charset="-120"/>
+                                          </a:rPr>
+                                        </m:ctrlPr>
+                                      </m:sSubPr>
+                                      <m:e>
+                                        <m:r>
+                                          <a:rPr lang="en-US" sz="1900" i="1">
+                                            <a:effectLst/>
+                                            <a:latin typeface="Cambria Math" panose="02040503050406030204" pitchFamily="18" charset="0"/>
+                                            <a:ea typeface="Microsoft YaHei" panose="020B0503020204020204" pitchFamily="34" charset="-122"/>
+                                          </a:rPr>
+                                          <m:t>𝑀</m:t>
+                                        </m:r>
+                                      </m:e>
+                                      <m:sub>
+                                        <m:r>
+                                          <a:rPr lang="en-US" sz="1900" i="1">
+                                            <a:effectLst/>
+                                            <a:latin typeface="Cambria Math" panose="02040503050406030204" pitchFamily="18" charset="0"/>
+                                            <a:ea typeface="Microsoft YaHei" panose="020B0503020204020204" pitchFamily="34" charset="-122"/>
+                                          </a:rPr>
+                                          <m:t>𝑖</m:t>
+                                        </m:r>
+                                      </m:sub>
+                                    </m:sSub>
+                                  </m:sub>
+                                  <m:sup/>
+                                  <m:e>
+                                    <m:sSubSup>
+                                      <m:sSubSupPr>
+                                        <m:ctrlPr>
+                                          <a:rPr lang="en-US" sz="1900" i="1">
+                                            <a:effectLst/>
+                                            <a:latin typeface="Cambria Math" panose="02040503050406030204" pitchFamily="18" charset="0"/>
+                                          </a:rPr>
+                                        </m:ctrlPr>
+                                      </m:sSubSupPr>
+                                      <m:e>
+                                        <m:r>
+                                          <a:rPr lang="en-US" sz="1900" i="1">
+                                            <a:effectLst/>
+                                            <a:latin typeface="Cambria Math" panose="02040503050406030204" pitchFamily="18" charset="0"/>
+                                            <a:ea typeface="Microsoft YaHei" panose="020B0503020204020204" pitchFamily="34" charset="-122"/>
+                                          </a:rPr>
+                                          <m:t>𝛼</m:t>
+                                        </m:r>
+                                      </m:e>
+                                      <m:sub>
+                                        <m:r>
+                                          <a:rPr lang="en-US" sz="1900" i="1">
+                                            <a:effectLst/>
+                                            <a:latin typeface="Cambria Math" panose="02040503050406030204" pitchFamily="18" charset="0"/>
+                                            <a:ea typeface="Microsoft YaHei" panose="020B0503020204020204" pitchFamily="34" charset="-122"/>
+                                          </a:rPr>
+                                          <m:t>𝑘𝑗</m:t>
+                                        </m:r>
+                                      </m:sub>
+                                      <m:sup>
+                                        <m:d>
+                                          <m:dPr>
+                                            <m:ctrlPr>
+                                              <a:rPr lang="en-US" sz="1900" i="1">
+                                                <a:effectLst/>
+                                                <a:latin typeface="Cambria Math" panose="02040503050406030204" pitchFamily="18" charset="0"/>
+                                              </a:rPr>
+                                            </m:ctrlPr>
+                                          </m:dPr>
+                                          <m:e>
+                                            <m:r>
+                                              <a:rPr lang="en-US" sz="1900" i="1">
+                                                <a:effectLst/>
+                                                <a:latin typeface="Cambria Math" panose="02040503050406030204" pitchFamily="18" charset="0"/>
+                                                <a:ea typeface="Microsoft YaHei" panose="020B0503020204020204" pitchFamily="34" charset="-122"/>
+                                              </a:rPr>
+                                              <m:t>𝑡</m:t>
+                                            </m:r>
+                                          </m:e>
+                                        </m:d>
+                                      </m:sup>
+                                    </m:sSubSup>
+                                    <m:sSubSup>
+                                      <m:sSubSupPr>
+                                        <m:ctrlPr>
+                                          <a:rPr lang="en-US" sz="1900" i="1">
+                                            <a:effectLst/>
+                                            <a:latin typeface="Cambria Math" panose="02040503050406030204" pitchFamily="18" charset="0"/>
+                                          </a:rPr>
+                                        </m:ctrlPr>
+                                      </m:sSubSupPr>
+                                      <m:e>
+                                        <m:r>
+                                          <a:rPr lang="en-US" sz="1900" i="1">
+                                            <a:effectLst/>
+                                            <a:latin typeface="Cambria Math" panose="02040503050406030204" pitchFamily="18" charset="0"/>
+                                            <a:ea typeface="Microsoft YaHei" panose="020B0503020204020204" pitchFamily="34" charset="-122"/>
+                                          </a:rPr>
+                                          <m:t>𝛽</m:t>
+                                        </m:r>
+                                      </m:e>
+                                      <m:sub>
+                                        <m:r>
+                                          <a:rPr lang="en-US" sz="1900" i="1">
+                                            <a:effectLst/>
+                                            <a:latin typeface="Cambria Math" panose="02040503050406030204" pitchFamily="18" charset="0"/>
+                                            <a:ea typeface="Microsoft YaHei" panose="020B0503020204020204" pitchFamily="34" charset="-122"/>
+                                          </a:rPr>
+                                          <m:t>𝑘𝑗</m:t>
+                                        </m:r>
+                                        <m:r>
+                                          <a:rPr lang="en-US" sz="1900" i="1">
+                                            <a:effectLst/>
+                                            <a:latin typeface="Cambria Math" panose="02040503050406030204" pitchFamily="18" charset="0"/>
+                                            <a:ea typeface="Microsoft YaHei" panose="020B0503020204020204" pitchFamily="34" charset="-122"/>
+                                          </a:rPr>
+                                          <m:t>1</m:t>
+                                        </m:r>
+                                      </m:sub>
+                                      <m:sup>
+                                        <m:d>
+                                          <m:dPr>
+                                            <m:ctrlPr>
+                                              <a:rPr lang="en-US" sz="1900" i="1">
+                                                <a:effectLst/>
+                                                <a:latin typeface="Cambria Math" panose="02040503050406030204" pitchFamily="18" charset="0"/>
+                                              </a:rPr>
+                                            </m:ctrlPr>
+                                          </m:dPr>
+                                          <m:e>
+                                            <m:r>
+                                              <a:rPr lang="en-US" sz="1900" i="1">
+                                                <a:effectLst/>
+                                                <a:latin typeface="Cambria Math" panose="02040503050406030204" pitchFamily="18" charset="0"/>
+                                                <a:ea typeface="Microsoft YaHei" panose="020B0503020204020204" pitchFamily="34" charset="-122"/>
+                                              </a:rPr>
+                                              <m:t>𝑡</m:t>
+                                            </m:r>
+                                          </m:e>
+                                        </m:d>
+                                      </m:sup>
+                                    </m:sSubSup>
+                                  </m:e>
+                                </m:nary>
+                              </m:den>
+                            </m:f>
+                          </m:e>
+                        </m:mr>
+                        <m:mr>
+                          <m:e>
+                            <m:sSubSup>
+                              <m:sSubSupPr>
+                                <m:ctrlPr>
+                                  <a:rPr lang="en-US" sz="1900" i="1">
+                                    <a:effectLst/>
+                                    <a:latin typeface="Cambria Math" panose="02040503050406030204" pitchFamily="18" charset="0"/>
+                                  </a:rPr>
+                                </m:ctrlPr>
+                              </m:sSubSupPr>
+                              <m:e>
+                                <m:r>
+                                  <a:rPr lang="en-US" sz="1900" i="1">
+                                    <a:effectLst/>
+                                    <a:latin typeface="Cambria Math" panose="02040503050406030204" pitchFamily="18" charset="0"/>
+                                    <a:ea typeface="Microsoft YaHei" panose="020B0503020204020204" pitchFamily="34" charset="-122"/>
+                                  </a:rPr>
+                                  <m:t>𝑥</m:t>
+                                </m:r>
+                              </m:e>
+                              <m:sub>
+                                <m:r>
+                                  <a:rPr lang="en-US" sz="1900" i="1">
+                                    <a:effectLst/>
+                                    <a:latin typeface="Cambria Math" panose="02040503050406030204" pitchFamily="18" charset="0"/>
+                                    <a:ea typeface="Microsoft YaHei" panose="020B0503020204020204" pitchFamily="34" charset="-122"/>
+                                  </a:rPr>
+                                  <m:t>𝑖𝑗</m:t>
+                                </m:r>
+                              </m:sub>
+                              <m:sup>
+                                <m:r>
+                                  <a:rPr lang="en-US" sz="1900" i="1">
+                                    <a:effectLst/>
+                                    <a:latin typeface="Cambria Math" panose="02040503050406030204" pitchFamily="18" charset="0"/>
+                                    <a:ea typeface="Microsoft YaHei" panose="020B0503020204020204" pitchFamily="34" charset="-122"/>
+                                  </a:rPr>
+                                  <m:t>−</m:t>
+                                </m:r>
+                              </m:sup>
+                            </m:sSubSup>
+                            <m:r>
+                              <a:rPr lang="en-US" sz="1900" i="1">
+                                <a:effectLst/>
+                                <a:latin typeface="Cambria Math" panose="02040503050406030204" pitchFamily="18" charset="0"/>
+                                <a:ea typeface="Microsoft YaHei" panose="020B0503020204020204" pitchFamily="34" charset="-122"/>
+                              </a:rPr>
+                              <m:t>=</m:t>
+                            </m:r>
+                            <m:d>
+                              <m:dPr>
+                                <m:begChr m:val="{"/>
+                                <m:endChr m:val=""/>
+                                <m:ctrlPr>
+                                  <a:rPr lang="en-US" sz="1900" i="1">
+                                    <a:effectLst/>
+                                    <a:latin typeface="Cambria Math" panose="02040503050406030204" pitchFamily="18" charset="0"/>
+                                  </a:rPr>
+                                </m:ctrlPr>
+                              </m:dPr>
+                              <m:e>
+                                <m:m>
+                                  <m:mPr>
+                                    <m:mcs>
+                                      <m:mc>
+                                        <m:mcPr>
+                                          <m:count m:val="1"/>
+                                          <m:mcJc m:val="center"/>
+                                        </m:mcPr>
+                                      </m:mc>
+                                    </m:mcs>
+                                    <m:ctrlPr>
+                                      <a:rPr lang="en-US" sz="1900" i="1">
+                                        <a:effectLst/>
+                                        <a:latin typeface="Cambria Math" panose="02040503050406030204" pitchFamily="18" charset="0"/>
+                                      </a:rPr>
+                                    </m:ctrlPr>
+                                  </m:mPr>
+                                  <m:mr>
+                                    <m:e>
+                                      <m:sSubSup>
+                                        <m:sSubSupPr>
+                                          <m:ctrlPr>
+                                            <a:rPr lang="en-US" sz="1900" i="1">
+                                              <a:effectLst/>
+                                              <a:latin typeface="Cambria Math" panose="02040503050406030204" pitchFamily="18" charset="0"/>
+                                            </a:rPr>
+                                          </m:ctrlPr>
+                                        </m:sSubSupPr>
+                                        <m:e>
+                                          <m:r>
+                                            <a:rPr lang="en-US" sz="1900" i="1">
+                                              <a:effectLst/>
+                                              <a:latin typeface="Cambria Math" panose="02040503050406030204" pitchFamily="18" charset="0"/>
+                                              <a:ea typeface="Microsoft YaHei" panose="020B0503020204020204" pitchFamily="34" charset="-122"/>
+                                            </a:rPr>
+                                            <m:t>𝛽</m:t>
+                                          </m:r>
+                                        </m:e>
+                                        <m:sub>
+                                          <m:r>
+                                            <a:rPr lang="en-US" sz="1900" i="1">
+                                              <a:effectLst/>
+                                              <a:latin typeface="Cambria Math" panose="02040503050406030204" pitchFamily="18" charset="0"/>
+                                              <a:ea typeface="Microsoft YaHei" panose="020B0503020204020204" pitchFamily="34" charset="-122"/>
+                                            </a:rPr>
+                                            <m:t>𝑘𝑗</m:t>
+                                          </m:r>
+                                          <m:r>
+                                            <a:rPr lang="en-US" sz="1900" i="1">
+                                              <a:effectLst/>
+                                              <a:latin typeface="Cambria Math" panose="02040503050406030204" pitchFamily="18" charset="0"/>
+                                              <a:ea typeface="Microsoft YaHei" panose="020B0503020204020204" pitchFamily="34" charset="-122"/>
+                                            </a:rPr>
+                                            <m:t>0</m:t>
+                                          </m:r>
+                                        </m:sub>
+                                        <m:sup>
+                                          <m:d>
+                                            <m:dPr>
+                                              <m:ctrlPr>
+                                                <a:rPr lang="en-US" sz="1900" i="1">
+                                                  <a:effectLst/>
+                                                  <a:latin typeface="Cambria Math" panose="02040503050406030204" pitchFamily="18" charset="0"/>
+                                                </a:rPr>
+                                              </m:ctrlPr>
+                                            </m:dPr>
+                                            <m:e>
+                                              <m:r>
+                                                <a:rPr lang="en-US" sz="1900" i="1">
+                                                  <a:effectLst/>
+                                                  <a:latin typeface="Cambria Math" panose="02040503050406030204" pitchFamily="18" charset="0"/>
+                                                  <a:ea typeface="Microsoft YaHei" panose="020B0503020204020204" pitchFamily="34" charset="-122"/>
+                                                </a:rPr>
+                                                <m:t>𝑡</m:t>
+                                              </m:r>
+                                            </m:e>
+                                          </m:d>
+                                        </m:sup>
+                                      </m:sSubSup>
+                                      <m:r>
+                                        <a:rPr lang="en-US" sz="1900" i="1">
+                                          <a:effectLst/>
+                                          <a:latin typeface="Cambria Math" panose="02040503050406030204" pitchFamily="18" charset="0"/>
+                                          <a:ea typeface="Microsoft YaHei" panose="020B0503020204020204" pitchFamily="34" charset="-122"/>
+                                        </a:rPr>
+                                        <m:t>+</m:t>
+                                      </m:r>
+                                      <m:sSubSup>
+                                        <m:sSubSupPr>
+                                          <m:ctrlPr>
+                                            <a:rPr lang="en-US" sz="1900" i="1">
+                                              <a:effectLst/>
+                                              <a:latin typeface="Cambria Math" panose="02040503050406030204" pitchFamily="18" charset="0"/>
+                                            </a:rPr>
+                                          </m:ctrlPr>
+                                        </m:sSubSupPr>
+                                        <m:e>
+                                          <m:r>
+                                            <a:rPr lang="en-US" sz="1900" i="1">
+                                              <a:effectLst/>
+                                              <a:latin typeface="Cambria Math" panose="02040503050406030204" pitchFamily="18" charset="0"/>
+                                              <a:ea typeface="Microsoft YaHei" panose="020B0503020204020204" pitchFamily="34" charset="-122"/>
+                                            </a:rPr>
+                                            <m:t>𝛽</m:t>
+                                          </m:r>
+                                        </m:e>
+                                        <m:sub>
+                                          <m:r>
+                                            <a:rPr lang="en-US" sz="1900" i="1">
+                                              <a:effectLst/>
+                                              <a:latin typeface="Cambria Math" panose="02040503050406030204" pitchFamily="18" charset="0"/>
+                                              <a:ea typeface="Microsoft YaHei" panose="020B0503020204020204" pitchFamily="34" charset="-122"/>
+                                            </a:rPr>
+                                            <m:t>𝑘𝑗</m:t>
+                                          </m:r>
+                                          <m:r>
+                                            <a:rPr lang="en-US" sz="1900" i="1">
+                                              <a:effectLst/>
+                                              <a:latin typeface="Cambria Math" panose="02040503050406030204" pitchFamily="18" charset="0"/>
+                                              <a:ea typeface="Microsoft YaHei" panose="020B0503020204020204" pitchFamily="34" charset="-122"/>
+                                            </a:rPr>
+                                            <m:t>1</m:t>
+                                          </m:r>
+                                        </m:sub>
+                                        <m:sup>
+                                          <m:d>
+                                            <m:dPr>
+                                              <m:ctrlPr>
+                                                <a:rPr lang="en-US" sz="1900" i="1">
+                                                  <a:effectLst/>
+                                                  <a:latin typeface="Cambria Math" panose="02040503050406030204" pitchFamily="18" charset="0"/>
+                                                </a:rPr>
+                                              </m:ctrlPr>
+                                            </m:dPr>
+                                            <m:e>
+                                              <m:r>
+                                                <a:rPr lang="en-US" sz="1900" i="1">
+                                                  <a:effectLst/>
+                                                  <a:latin typeface="Cambria Math" panose="02040503050406030204" pitchFamily="18" charset="0"/>
+                                                  <a:ea typeface="Microsoft YaHei" panose="020B0503020204020204" pitchFamily="34" charset="-122"/>
+                                                </a:rPr>
+                                                <m:t>𝑡</m:t>
+                                              </m:r>
+                                            </m:e>
+                                          </m:d>
+                                        </m:sup>
+                                      </m:sSubSup>
+                                      <m:sSub>
+                                        <m:sSubPr>
+                                          <m:ctrlPr>
+                                            <a:rPr lang="en-US" sz="1900" i="1">
+                                              <a:effectLst/>
+                                              <a:latin typeface="Cambria Math" panose="02040503050406030204" pitchFamily="18" charset="0"/>
+                                            </a:rPr>
+                                          </m:ctrlPr>
+                                        </m:sSubPr>
+                                        <m:e>
+                                          <m:r>
+                                            <a:rPr lang="en-US" sz="1900" i="1">
+                                              <a:effectLst/>
+                                              <a:latin typeface="Cambria Math" panose="02040503050406030204" pitchFamily="18" charset="0"/>
+                                              <a:ea typeface="Microsoft YaHei" panose="020B0503020204020204" pitchFamily="34" charset="-122"/>
+                                            </a:rPr>
+                                            <m:t>𝑧</m:t>
+                                          </m:r>
+                                        </m:e>
+                                        <m:sub>
+                                          <m:r>
+                                            <a:rPr lang="en-US" sz="1900" i="1">
+                                              <a:effectLst/>
+                                              <a:latin typeface="Cambria Math" panose="02040503050406030204" pitchFamily="18" charset="0"/>
+                                              <a:ea typeface="Microsoft YaHei" panose="020B0503020204020204" pitchFamily="34" charset="-122"/>
+                                            </a:rPr>
+                                            <m:t>𝑖</m:t>
+                                          </m:r>
+                                        </m:sub>
+                                      </m:sSub>
+                                      <m:r>
+                                        <m:rPr>
+                                          <m:sty m:val="p"/>
+                                        </m:rPr>
+                                        <a:rPr lang="en-US" sz="1900">
+                                          <a:effectLst/>
+                                          <a:latin typeface="Cambria Math" panose="02040503050406030204" pitchFamily="18" charset="0"/>
+                                          <a:ea typeface="Microsoft YaHei" panose="020B0503020204020204" pitchFamily="34" charset="-122"/>
+                                        </a:rPr>
+                                        <m:t>if</m:t>
+                                      </m:r>
+                                      <m:sSub>
+                                        <m:sSubPr>
+                                          <m:ctrlPr>
+                                            <a:rPr lang="en-US" sz="1900" i="1">
+                                              <a:effectLst/>
+                                              <a:latin typeface="Cambria Math" panose="02040503050406030204" pitchFamily="18" charset="0"/>
+                                            </a:rPr>
+                                          </m:ctrlPr>
+                                        </m:sSubPr>
+                                        <m:e>
+                                          <m:r>
+                                            <a:rPr lang="en-US" sz="1900" i="1">
+                                              <a:effectLst/>
+                                              <a:latin typeface="Cambria Math" panose="02040503050406030204" pitchFamily="18" charset="0"/>
+                                              <a:ea typeface="Microsoft YaHei" panose="020B0503020204020204" pitchFamily="34" charset="-122"/>
+                                            </a:rPr>
+                                            <m:t>𝑧</m:t>
+                                          </m:r>
+                                        </m:e>
+                                        <m:sub>
+                                          <m:r>
+                                            <a:rPr lang="en-US" sz="1900" i="1">
+                                              <a:effectLst/>
+                                              <a:latin typeface="Cambria Math" panose="02040503050406030204" pitchFamily="18" charset="0"/>
+                                              <a:ea typeface="Microsoft YaHei" panose="020B0503020204020204" pitchFamily="34" charset="-122"/>
+                                            </a:rPr>
+                                            <m:t>𝑖</m:t>
+                                          </m:r>
+                                        </m:sub>
+                                      </m:sSub>
+                                      <m:r>
+                                        <m:rPr>
+                                          <m:sty m:val="p"/>
+                                        </m:rPr>
+                                        <a:rPr lang="en-US" sz="1900">
+                                          <a:effectLst/>
+                                          <a:latin typeface="Cambria Math" panose="02040503050406030204" pitchFamily="18" charset="0"/>
+                                          <a:ea typeface="Microsoft YaHei" panose="020B0503020204020204" pitchFamily="34" charset="-122"/>
+                                        </a:rPr>
+                                        <m:t>is</m:t>
+                                      </m:r>
+                                      <m:r>
+                                        <a:rPr lang="en-US" sz="1900">
+                                          <a:effectLst/>
+                                          <a:latin typeface="Cambria Math" panose="02040503050406030204" pitchFamily="18" charset="0"/>
+                                          <a:ea typeface="Microsoft YaHei" panose="020B0503020204020204" pitchFamily="34" charset="-122"/>
+                                        </a:rPr>
+                                        <m:t> </m:t>
+                                      </m:r>
+                                      <m:r>
+                                        <m:rPr>
+                                          <m:sty m:val="p"/>
+                                        </m:rPr>
+                                        <a:rPr lang="en-US" sz="1900">
+                                          <a:effectLst/>
+                                          <a:latin typeface="Cambria Math" panose="02040503050406030204" pitchFamily="18" charset="0"/>
+                                          <a:ea typeface="Microsoft YaHei" panose="020B0503020204020204" pitchFamily="34" charset="-122"/>
+                                        </a:rPr>
+                                        <m:t>not</m:t>
+                                      </m:r>
+                                      <m:r>
+                                        <a:rPr lang="en-US" sz="1900">
+                                          <a:effectLst/>
+                                          <a:latin typeface="Cambria Math" panose="02040503050406030204" pitchFamily="18" charset="0"/>
+                                          <a:ea typeface="Microsoft YaHei" panose="020B0503020204020204" pitchFamily="34" charset="-122"/>
+                                        </a:rPr>
+                                        <m:t> </m:t>
+                                      </m:r>
+                                      <m:r>
+                                        <m:rPr>
+                                          <m:sty m:val="p"/>
+                                        </m:rPr>
+                                        <a:rPr lang="en-US" sz="1900">
+                                          <a:effectLst/>
+                                          <a:latin typeface="Cambria Math" panose="02040503050406030204" pitchFamily="18" charset="0"/>
+                                          <a:ea typeface="Microsoft YaHei" panose="020B0503020204020204" pitchFamily="34" charset="-122"/>
+                                        </a:rPr>
+                                        <m:t>missing</m:t>
+                                      </m:r>
+                                    </m:e>
+                                  </m:mr>
+                                  <m:mr>
+                                    <m:e>
+                                      <m:sSubSup>
+                                        <m:sSubSupPr>
+                                          <m:ctrlPr>
+                                            <a:rPr lang="en-US" sz="1900" i="1">
+                                              <a:effectLst/>
+                                              <a:latin typeface="Cambria Math" panose="02040503050406030204" pitchFamily="18" charset="0"/>
+                                            </a:rPr>
+                                          </m:ctrlPr>
+                                        </m:sSubSupPr>
+                                        <m:e>
+                                          <m:r>
+                                            <a:rPr lang="en-US" sz="1900" i="1">
+                                              <a:effectLst/>
+                                              <a:latin typeface="Cambria Math" panose="02040503050406030204" pitchFamily="18" charset="0"/>
+                                              <a:ea typeface="Microsoft YaHei" panose="020B0503020204020204" pitchFamily="34" charset="-122"/>
+                                            </a:rPr>
+                                            <m:t>𝛽</m:t>
+                                          </m:r>
+                                        </m:e>
+                                        <m:sub>
+                                          <m:r>
+                                            <a:rPr lang="en-US" sz="1900" i="1">
+                                              <a:effectLst/>
+                                              <a:latin typeface="Cambria Math" panose="02040503050406030204" pitchFamily="18" charset="0"/>
+                                              <a:ea typeface="Microsoft YaHei" panose="020B0503020204020204" pitchFamily="34" charset="-122"/>
+                                            </a:rPr>
+                                            <m:t>𝑘𝑗</m:t>
+                                          </m:r>
+                                          <m:r>
+                                            <a:rPr lang="en-US" sz="1900" i="1">
+                                              <a:effectLst/>
+                                              <a:latin typeface="Cambria Math" panose="02040503050406030204" pitchFamily="18" charset="0"/>
+                                              <a:ea typeface="Microsoft YaHei" panose="020B0503020204020204" pitchFamily="34" charset="-122"/>
+                                            </a:rPr>
+                                            <m:t>0</m:t>
+                                          </m:r>
+                                        </m:sub>
+                                        <m:sup>
+                                          <m:d>
+                                            <m:dPr>
+                                              <m:ctrlPr>
+                                                <a:rPr lang="en-US" sz="1900" i="1">
+                                                  <a:effectLst/>
+                                                  <a:latin typeface="Cambria Math" panose="02040503050406030204" pitchFamily="18" charset="0"/>
+                                                </a:rPr>
+                                              </m:ctrlPr>
+                                            </m:dPr>
+                                            <m:e>
+                                              <m:r>
+                                                <a:rPr lang="en-US" sz="1900" i="1">
+                                                  <a:effectLst/>
+                                                  <a:latin typeface="Cambria Math" panose="02040503050406030204" pitchFamily="18" charset="0"/>
+                                                  <a:ea typeface="Microsoft YaHei" panose="020B0503020204020204" pitchFamily="34" charset="-122"/>
+                                                </a:rPr>
+                                                <m:t>𝑡</m:t>
+                                              </m:r>
+                                            </m:e>
+                                          </m:d>
+                                        </m:sup>
+                                      </m:sSubSup>
+                                      <m:r>
+                                        <a:rPr lang="en-US" sz="1900" i="1">
+                                          <a:effectLst/>
+                                          <a:latin typeface="Cambria Math" panose="02040503050406030204" pitchFamily="18" charset="0"/>
+                                          <a:ea typeface="Microsoft YaHei" panose="020B0503020204020204" pitchFamily="34" charset="-122"/>
+                                        </a:rPr>
+                                        <m:t>+</m:t>
+                                      </m:r>
+                                      <m:sSubSup>
+                                        <m:sSubSupPr>
+                                          <m:ctrlPr>
+                                            <a:rPr lang="en-US" sz="1900" i="1">
+                                              <a:effectLst/>
+                                              <a:latin typeface="Cambria Math" panose="02040503050406030204" pitchFamily="18" charset="0"/>
+                                            </a:rPr>
+                                          </m:ctrlPr>
+                                        </m:sSubSupPr>
+                                        <m:e>
+                                          <m:r>
+                                            <a:rPr lang="en-US" sz="1900" i="1">
+                                              <a:effectLst/>
+                                              <a:latin typeface="Cambria Math" panose="02040503050406030204" pitchFamily="18" charset="0"/>
+                                              <a:ea typeface="Microsoft YaHei" panose="020B0503020204020204" pitchFamily="34" charset="-122"/>
+                                            </a:rPr>
+                                            <m:t>𝛽</m:t>
+                                          </m:r>
+                                        </m:e>
+                                        <m:sub>
+                                          <m:r>
+                                            <a:rPr lang="en-US" sz="1900" i="1">
+                                              <a:effectLst/>
+                                              <a:latin typeface="Cambria Math" panose="02040503050406030204" pitchFamily="18" charset="0"/>
+                                              <a:ea typeface="Microsoft YaHei" panose="020B0503020204020204" pitchFamily="34" charset="-122"/>
+                                            </a:rPr>
+                                            <m:t>𝑘𝑗</m:t>
+                                          </m:r>
+                                          <m:r>
+                                            <a:rPr lang="en-US" sz="1900" i="1">
+                                              <a:effectLst/>
+                                              <a:latin typeface="Cambria Math" panose="02040503050406030204" pitchFamily="18" charset="0"/>
+                                              <a:ea typeface="Microsoft YaHei" panose="020B0503020204020204" pitchFamily="34" charset="-122"/>
+                                            </a:rPr>
+                                            <m:t>1</m:t>
+                                          </m:r>
+                                        </m:sub>
+                                        <m:sup>
+                                          <m:d>
+                                            <m:dPr>
+                                              <m:ctrlPr>
+                                                <a:rPr lang="en-US" sz="1900" i="1">
+                                                  <a:effectLst/>
+                                                  <a:latin typeface="Cambria Math" panose="02040503050406030204" pitchFamily="18" charset="0"/>
+                                                </a:rPr>
+                                              </m:ctrlPr>
+                                            </m:dPr>
+                                            <m:e>
+                                              <m:r>
+                                                <a:rPr lang="en-US" sz="1900" i="1">
+                                                  <a:effectLst/>
+                                                  <a:latin typeface="Cambria Math" panose="02040503050406030204" pitchFamily="18" charset="0"/>
+                                                  <a:ea typeface="Microsoft YaHei" panose="020B0503020204020204" pitchFamily="34" charset="-122"/>
+                                                </a:rPr>
+                                                <m:t>𝑡</m:t>
+                                              </m:r>
+                                            </m:e>
+                                          </m:d>
+                                        </m:sup>
+                                      </m:sSubSup>
+                                      <m:sSubSup>
+                                        <m:sSubSupPr>
+                                          <m:ctrlPr>
+                                            <a:rPr lang="en-US" sz="1900" i="1">
+                                              <a:effectLst/>
+                                              <a:latin typeface="Cambria Math" panose="02040503050406030204" pitchFamily="18" charset="0"/>
+                                            </a:rPr>
+                                          </m:ctrlPr>
+                                        </m:sSubSupPr>
+                                        <m:e>
+                                          <m:r>
+                                            <a:rPr lang="en-US" sz="1900" i="1">
+                                              <a:effectLst/>
+                                              <a:latin typeface="Cambria Math" panose="02040503050406030204" pitchFamily="18" charset="0"/>
+                                              <a:ea typeface="Microsoft YaHei" panose="020B0503020204020204" pitchFamily="34" charset="-122"/>
+                                            </a:rPr>
+                                            <m:t>𝑧</m:t>
+                                          </m:r>
+                                        </m:e>
+                                        <m:sub>
+                                          <m:r>
+                                            <a:rPr lang="en-US" sz="1900" i="1">
+                                              <a:effectLst/>
+                                              <a:latin typeface="Cambria Math" panose="02040503050406030204" pitchFamily="18" charset="0"/>
+                                              <a:ea typeface="Microsoft YaHei" panose="020B0503020204020204" pitchFamily="34" charset="-122"/>
+                                            </a:rPr>
+                                            <m:t>𝑖</m:t>
+                                          </m:r>
+                                        </m:sub>
+                                        <m:sup>
+                                          <m:r>
+                                            <a:rPr lang="en-US" sz="1900" i="1">
+                                              <a:effectLst/>
+                                              <a:latin typeface="Cambria Math" panose="02040503050406030204" pitchFamily="18" charset="0"/>
+                                              <a:ea typeface="Microsoft YaHei" panose="020B0503020204020204" pitchFamily="34" charset="-122"/>
+                                            </a:rPr>
+                                            <m:t>−</m:t>
+                                          </m:r>
+                                        </m:sup>
+                                      </m:sSubSup>
+                                      <m:r>
+                                        <m:rPr>
+                                          <m:sty m:val="p"/>
+                                        </m:rPr>
+                                        <a:rPr lang="en-US" sz="1900">
+                                          <a:effectLst/>
+                                          <a:latin typeface="Cambria Math" panose="02040503050406030204" pitchFamily="18" charset="0"/>
+                                          <a:ea typeface="Microsoft YaHei" panose="020B0503020204020204" pitchFamily="34" charset="-122"/>
+                                        </a:rPr>
+                                        <m:t>if</m:t>
+                                      </m:r>
+                                      <m:sSub>
+                                        <m:sSubPr>
+                                          <m:ctrlPr>
+                                            <a:rPr lang="en-US" sz="1900" i="1">
+                                              <a:effectLst/>
+                                              <a:latin typeface="Cambria Math" panose="02040503050406030204" pitchFamily="18" charset="0"/>
+                                            </a:rPr>
+                                          </m:ctrlPr>
+                                        </m:sSubPr>
+                                        <m:e>
+                                          <m:r>
+                                            <a:rPr lang="en-US" sz="1900" i="1">
+                                              <a:effectLst/>
+                                              <a:latin typeface="Cambria Math" panose="02040503050406030204" pitchFamily="18" charset="0"/>
+                                              <a:ea typeface="Microsoft YaHei" panose="020B0503020204020204" pitchFamily="34" charset="-122"/>
+                                            </a:rPr>
+                                            <m:t>𝑧</m:t>
+                                          </m:r>
+                                        </m:e>
+                                        <m:sub>
+                                          <m:r>
+                                            <a:rPr lang="en-US" sz="1900" i="1">
+                                              <a:effectLst/>
+                                              <a:latin typeface="Cambria Math" panose="02040503050406030204" pitchFamily="18" charset="0"/>
+                                              <a:ea typeface="Microsoft YaHei" panose="020B0503020204020204" pitchFamily="34" charset="-122"/>
+                                            </a:rPr>
+                                            <m:t>𝑖</m:t>
+                                          </m:r>
+                                        </m:sub>
+                                      </m:sSub>
+                                      <m:r>
+                                        <m:rPr>
+                                          <m:sty m:val="p"/>
+                                        </m:rPr>
+                                        <a:rPr lang="en-US" sz="1900">
+                                          <a:effectLst/>
+                                          <a:latin typeface="Cambria Math" panose="02040503050406030204" pitchFamily="18" charset="0"/>
+                                          <a:ea typeface="Microsoft YaHei" panose="020B0503020204020204" pitchFamily="34" charset="-122"/>
+                                        </a:rPr>
+                                        <m:t>is</m:t>
+                                      </m:r>
+                                      <m:r>
+                                        <a:rPr lang="en-US" sz="1900">
+                                          <a:effectLst/>
+                                          <a:latin typeface="Cambria Math" panose="02040503050406030204" pitchFamily="18" charset="0"/>
+                                          <a:ea typeface="Microsoft YaHei" panose="020B0503020204020204" pitchFamily="34" charset="-122"/>
+                                        </a:rPr>
+                                        <m:t> </m:t>
+                                      </m:r>
+                                      <m:r>
+                                        <m:rPr>
+                                          <m:sty m:val="p"/>
+                                        </m:rPr>
+                                        <a:rPr lang="en-US" sz="1900">
+                                          <a:effectLst/>
+                                          <a:latin typeface="Cambria Math" panose="02040503050406030204" pitchFamily="18" charset="0"/>
+                                          <a:ea typeface="Microsoft YaHei" panose="020B0503020204020204" pitchFamily="34" charset="-122"/>
+                                        </a:rPr>
+                                        <m:t>missing</m:t>
+                                      </m:r>
+                                    </m:e>
+                                  </m:mr>
+                                </m:m>
+                              </m:e>
+                            </m:d>
+                          </m:e>
+                        </m:mr>
+                      </m:m>
+                    </m:oMath>
+                  </m:oMathPara>
+                </a14:m>
+                <a:endParaRPr lang="en-US" sz="1900" dirty="0">
+                  <a:ea typeface="Microsoft YaHei" panose="020B0503020204020204" pitchFamily="34" charset="-122"/>
+                </a:endParaRPr>
+              </a:p>
+              <a:p>
+                <a:r>
+                  <a:rPr lang="en-US" sz="1900" dirty="0"/>
+                  <a:t>In general, the essence of the fulfilling technique is to </a:t>
+                </a:r>
+                <a:r>
+                  <a:rPr lang="en-US" sz="1900" dirty="0">
+                    <a:effectLst/>
+                    <a:ea typeface="Microsoft YaHei" panose="020B0503020204020204" pitchFamily="34" charset="-122"/>
+                  </a:rPr>
+                  <a:t>build parallelly an entire regression function (long model) and many partial inverse regression functions (short models). It is different from the traditional EM for regression analysis because I replace missing values in E-step by expectation of sufficient statistics via mutual balance process of one long model and many shor</a:t>
+                </a:r>
+                <a:r>
+                  <a:rPr lang="en-US" sz="1900" dirty="0">
+                    <a:ea typeface="Microsoft YaHei" panose="020B0503020204020204" pitchFamily="34" charset="-122"/>
+                  </a:rPr>
+                  <a:t>t models</a:t>
+                </a:r>
+                <a:r>
+                  <a:rPr lang="en-US" sz="1900" dirty="0">
+                    <a:effectLst/>
+                    <a:ea typeface="Microsoft YaHei" panose="020B0503020204020204" pitchFamily="34" charset="-122"/>
+                  </a:rPr>
+                  <a:t>, instead of estimating the probability of observation.</a:t>
+                </a:r>
+                <a:endParaRPr lang="en-US" sz="1900" dirty="0"/>
+              </a:p>
+            </p:txBody>
+          </p:sp>
+        </mc:Choice>
+        <mc:Fallback>
+          <p:sp>
+            <p:nvSpPr>
+              <p:cNvPr id="3" name="Content Placeholder 2">
+                <a:extLst>
+                  <a:ext uri="{FF2B5EF4-FFF2-40B4-BE49-F238E27FC236}">
+                    <a16:creationId xmlns:a16="http://schemas.microsoft.com/office/drawing/2014/main" id="{28764679-C286-4F27-B2D4-ED5DF11BCFF8}"/>
+                  </a:ext>
+                </a:extLst>
+              </p:cNvPr>
+              <p:cNvSpPr>
+                <a:spLocks noGrp="1" noRot="1" noChangeAspect="1" noMove="1" noResize="1" noEditPoints="1" noAdjustHandles="1" noChangeArrowheads="1" noChangeShapeType="1" noTextEdit="1"/>
+              </p:cNvSpPr>
+              <p:nvPr>
+                <p:ph idx="1"/>
+              </p:nvPr>
+            </p:nvSpPr>
+            <p:spPr>
+              <a:xfrm>
+                <a:off x="387927" y="914399"/>
+                <a:ext cx="11471564" cy="5176066"/>
+              </a:xfrm>
+              <a:blipFill>
+                <a:blip r:embed="rId2"/>
+                <a:stretch>
+                  <a:fillRect l="-425" t="-589" r="-532" b="-1649"/>
+                </a:stretch>
+              </a:blipFill>
+            </p:spPr>
+            <p:txBody>
+              <a:bodyPr/>
+              <a:lstStyle/>
+              <a:p>
+                <a:r>
+                  <a:rPr lang="en-US">
+                    <a:noFill/>
+                  </a:rPr>
+                  <a:t> </a:t>
+                </a:r>
+              </a:p>
+            </p:txBody>
+          </p:sp>
+        </mc:Fallback>
+      </mc:AlternateContent>
+      <p:sp>
+        <p:nvSpPr>
+          <p:cNvPr id="4" name="Date Placeholder 3">
+            <a:extLst>
+              <a:ext uri="{FF2B5EF4-FFF2-40B4-BE49-F238E27FC236}">
+                <a16:creationId xmlns:a16="http://schemas.microsoft.com/office/drawing/2014/main" id="{51EE5377-4EB9-41BF-9AF6-577C1988B5F2}"/>
+              </a:ext>
+            </a:extLst>
+          </p:cNvPr>
+          <p:cNvSpPr>
+            <a:spLocks noGrp="1"/>
+          </p:cNvSpPr>
+          <p:nvPr>
+            <p:ph type="dt" sz="half" idx="10"/>
+          </p:nvPr>
+        </p:nvSpPr>
+        <p:spPr/>
+        <p:txBody>
+          <a:bodyPr/>
+          <a:lstStyle/>
+          <a:p>
+            <a:r>
+              <a:rPr lang="en-US"/>
+              <a:t>7/12/2020</a:t>
+            </a:r>
+          </a:p>
+        </p:txBody>
+      </p:sp>
+      <p:sp>
+        <p:nvSpPr>
+          <p:cNvPr id="5" name="Footer Placeholder 4">
+            <a:extLst>
+              <a:ext uri="{FF2B5EF4-FFF2-40B4-BE49-F238E27FC236}">
+                <a16:creationId xmlns:a16="http://schemas.microsoft.com/office/drawing/2014/main" id="{FB71EF98-2DEE-4F39-BCED-05784C621E36}"/>
+              </a:ext>
+            </a:extLst>
+          </p:cNvPr>
+          <p:cNvSpPr>
+            <a:spLocks noGrp="1"/>
+          </p:cNvSpPr>
+          <p:nvPr>
+            <p:ph type="ftr" sz="quarter" idx="11"/>
+          </p:nvPr>
+        </p:nvSpPr>
+        <p:spPr/>
+        <p:txBody>
+          <a:bodyPr/>
+          <a:lstStyle/>
+          <a:p>
+            <a:r>
+              <a:rPr lang="en-US"/>
+              <a:t>Mixture Regression Model for Incomplete Data - Loc Nguyen</a:t>
+            </a:r>
+          </a:p>
+        </p:txBody>
+      </p:sp>
+      <p:sp>
+        <p:nvSpPr>
+          <p:cNvPr id="6" name="Slide Number Placeholder 5">
+            <a:extLst>
+              <a:ext uri="{FF2B5EF4-FFF2-40B4-BE49-F238E27FC236}">
+                <a16:creationId xmlns:a16="http://schemas.microsoft.com/office/drawing/2014/main" id="{52C23FE9-9025-43AB-863D-E85E8651B6B2}"/>
+              </a:ext>
+            </a:extLst>
+          </p:cNvPr>
+          <p:cNvSpPr>
+            <a:spLocks noGrp="1"/>
+          </p:cNvSpPr>
+          <p:nvPr>
+            <p:ph type="sldNum" sz="quarter" idx="12"/>
+          </p:nvPr>
+        </p:nvSpPr>
+        <p:spPr/>
+        <p:txBody>
+          <a:bodyPr/>
+          <a:lstStyle/>
+          <a:p>
+            <a:fld id="{5DB5036F-1FF2-46C4-8D2B-59C7E3B91952}" type="slidenum">
+              <a:rPr lang="en-US" smtClean="0"/>
+              <a:pPr/>
+              <a:t>12</a:t>
+            </a:fld>
+            <a:endParaRPr lang="en-US"/>
+          </a:p>
+        </p:txBody>
+      </p:sp>
+    </p:spTree>
+    <p:extLst>
+      <p:ext uri="{BB962C8B-B14F-4D97-AF65-F5344CB8AC3E}">
+        <p14:creationId xmlns:p14="http://schemas.microsoft.com/office/powerpoint/2010/main" val="1998795874"/>
+      </p:ext>
+    </p:extLst>
+  </p:cSld>
+  <p:clrMapOvr>
+    <a:masterClrMapping/>
+  </p:clrMapOvr>
+</p:sld>
+</file>
+
+<file path=ppt/slides/slide13.xml><?xml version="1.0" encoding="utf-8"?>
+<p:sld xmlns:a="http://schemas.openxmlformats.org/drawingml/2006/main" xmlns:r="http://schemas.openxmlformats.org/officeDocument/2006/relationships" xmlns:p="http://schemas.openxmlformats.org/presentationml/2006/main">
+  <p:cSld>
+    <p:spTree>
+      <p:nvGrpSpPr>
+        <p:cNvPr id="1" name=""/>
+        <p:cNvGrpSpPr/>
+        <p:nvPr/>
+      </p:nvGrpSpPr>
+      <p:grpSpPr>
+        <a:xfrm>
+          <a:off x="0" y="0"/>
+          <a:ext cx="0" cy="0"/>
+          <a:chOff x="0" y="0"/>
+          <a:chExt cx="0" cy="0"/>
+        </a:xfrm>
+      </p:grpSpPr>
+      <p:sp>
+        <p:nvSpPr>
+          <p:cNvPr id="2" name="Title 1">
+            <a:extLst>
+              <a:ext uri="{FF2B5EF4-FFF2-40B4-BE49-F238E27FC236}">
+                <a16:creationId xmlns:a16="http://schemas.microsoft.com/office/drawing/2014/main" id="{D91FEA23-C3B2-466C-88DC-B5FE0B62E7C8}"/>
+              </a:ext>
+            </a:extLst>
+          </p:cNvPr>
+          <p:cNvSpPr>
+            <a:spLocks noGrp="1"/>
+          </p:cNvSpPr>
+          <p:nvPr>
+            <p:ph type="title"/>
+          </p:nvPr>
+        </p:nvSpPr>
+        <p:spPr/>
+        <p:txBody>
+          <a:bodyPr/>
+          <a:lstStyle/>
+          <a:p>
+            <a:r>
+              <a:rPr lang="en-US" dirty="0"/>
+              <a:t>2. Methodologies</a:t>
+            </a:r>
+          </a:p>
+        </p:txBody>
+      </p:sp>
+      <mc:AlternateContent xmlns:mc="http://schemas.openxmlformats.org/markup-compatibility/2006">
+        <mc:Choice xmlns:a14="http://schemas.microsoft.com/office/drawing/2010/main" Requires="a14">
+          <p:sp>
+            <p:nvSpPr>
+              <p:cNvPr id="3" name="Content Placeholder 2">
+                <a:extLst>
+                  <a:ext uri="{FF2B5EF4-FFF2-40B4-BE49-F238E27FC236}">
+                    <a16:creationId xmlns:a16="http://schemas.microsoft.com/office/drawing/2014/main" id="{52140705-2359-4609-8662-6E56499D1E89}"/>
+                  </a:ext>
+                </a:extLst>
+              </p:cNvPr>
+              <p:cNvSpPr>
+                <a:spLocks noGrp="1"/>
+              </p:cNvSpPr>
+              <p:nvPr>
+                <p:ph idx="1"/>
+              </p:nvPr>
+            </p:nvSpPr>
+            <p:spPr/>
+            <p:txBody>
+              <a:bodyPr>
+                <a:noAutofit/>
+              </a:bodyPr>
+              <a:lstStyle/>
+              <a:p>
+                <a:r>
+                  <a:rPr lang="en-US" sz="2600" dirty="0">
+                    <a:effectLst/>
+                    <a:latin typeface="Times New Roman" panose="02020603050405020304" pitchFamily="18" charset="0"/>
+                    <a:ea typeface="Microsoft YaHei" panose="020B0503020204020204" pitchFamily="34" charset="-122"/>
+                  </a:rPr>
+                  <a:t>The next parameter Θ</a:t>
+                </a:r>
+                <a:r>
+                  <a:rPr lang="en-US" sz="2600" baseline="30000" dirty="0">
+                    <a:effectLst/>
+                    <a:latin typeface="Times New Roman" panose="02020603050405020304" pitchFamily="18" charset="0"/>
+                    <a:ea typeface="Microsoft YaHei" panose="020B0503020204020204" pitchFamily="34" charset="-122"/>
+                  </a:rPr>
+                  <a:t>(</a:t>
+                </a:r>
+                <a:r>
+                  <a:rPr lang="en-US" sz="2600" i="1" baseline="30000" dirty="0">
+                    <a:effectLst/>
+                    <a:latin typeface="Times New Roman" panose="02020603050405020304" pitchFamily="18" charset="0"/>
+                    <a:ea typeface="Microsoft YaHei" panose="020B0503020204020204" pitchFamily="34" charset="-122"/>
+                  </a:rPr>
+                  <a:t>t</a:t>
+                </a:r>
+                <a:r>
+                  <a:rPr lang="en-US" sz="2600" baseline="30000" dirty="0">
+                    <a:effectLst/>
+                    <a:latin typeface="Times New Roman" panose="02020603050405020304" pitchFamily="18" charset="0"/>
+                    <a:ea typeface="Microsoft YaHei" panose="020B0503020204020204" pitchFamily="34" charset="-122"/>
+                  </a:rPr>
+                  <a:t>+1)</a:t>
+                </a:r>
+                <a:r>
+                  <a:rPr lang="en-US" sz="2600" dirty="0">
+                    <a:effectLst/>
+                    <a:latin typeface="Times New Roman" panose="02020603050405020304" pitchFamily="18" charset="0"/>
+                    <a:ea typeface="Microsoft YaHei" panose="020B0503020204020204" pitchFamily="34" charset="-122"/>
+                  </a:rPr>
+                  <a:t> calculated in M-step is result of solving the optimization problem </a:t>
+                </a:r>
+                <a:r>
+                  <a:rPr lang="en-US" sz="2600" i="1" dirty="0">
+                    <a:effectLst/>
+                    <a:latin typeface="Times New Roman" panose="02020603050405020304" pitchFamily="18" charset="0"/>
+                    <a:ea typeface="Microsoft YaHei" panose="020B0503020204020204" pitchFamily="34" charset="-122"/>
+                  </a:rPr>
+                  <a:t>Q</a:t>
+                </a:r>
+                <a:r>
+                  <a:rPr lang="en-US" sz="2600" dirty="0">
+                    <a:effectLst/>
+                    <a:latin typeface="Times New Roman" panose="02020603050405020304" pitchFamily="18" charset="0"/>
+                    <a:ea typeface="Microsoft YaHei" panose="020B0503020204020204" pitchFamily="34" charset="-122"/>
+                  </a:rPr>
+                  <a:t>(Θ|Θ</a:t>
+                </a:r>
+                <a:r>
+                  <a:rPr lang="en-US" sz="2600" baseline="30000" dirty="0">
+                    <a:effectLst/>
+                    <a:latin typeface="Times New Roman" panose="02020603050405020304" pitchFamily="18" charset="0"/>
+                    <a:ea typeface="Microsoft YaHei" panose="020B0503020204020204" pitchFamily="34" charset="-122"/>
+                  </a:rPr>
+                  <a:t>(</a:t>
+                </a:r>
+                <a:r>
+                  <a:rPr lang="en-US" sz="2600" i="1" baseline="30000" dirty="0">
+                    <a:effectLst/>
+                    <a:latin typeface="Times New Roman" panose="02020603050405020304" pitchFamily="18" charset="0"/>
+                    <a:ea typeface="Microsoft YaHei" panose="020B0503020204020204" pitchFamily="34" charset="-122"/>
+                  </a:rPr>
+                  <a:t>t</a:t>
+                </a:r>
+                <a:r>
+                  <a:rPr lang="en-US" sz="2600" baseline="30000" dirty="0">
+                    <a:effectLst/>
+                    <a:latin typeface="Times New Roman" panose="02020603050405020304" pitchFamily="18" charset="0"/>
+                    <a:ea typeface="Microsoft YaHei" panose="020B0503020204020204" pitchFamily="34" charset="-122"/>
+                  </a:rPr>
+                  <a:t>)</a:t>
+                </a:r>
+                <a:r>
+                  <a:rPr lang="en-US" sz="2600" dirty="0">
+                    <a:effectLst/>
+                    <a:latin typeface="Times New Roman" panose="02020603050405020304" pitchFamily="18" charset="0"/>
+                    <a:ea typeface="Microsoft YaHei" panose="020B0503020204020204" pitchFamily="34" charset="-122"/>
+                  </a:rPr>
+                  <a:t>) by applying Lagrange method.</a:t>
+                </a:r>
+              </a:p>
+              <a:p>
+                <a:pPr marL="0" indent="0">
+                  <a:buNone/>
+                </a:pPr>
+                <a14:m>
+                  <m:oMathPara xmlns:m="http://schemas.openxmlformats.org/officeDocument/2006/math">
+                    <m:oMathParaPr>
+                      <m:jc m:val="centerGroup"/>
+                    </m:oMathParaPr>
+                    <m:oMath xmlns:m="http://schemas.openxmlformats.org/officeDocument/2006/math">
+                      <m:r>
+                        <a:rPr lang="en-US" sz="2600" b="0" i="1" smtClean="0">
+                          <a:effectLst/>
+                          <a:latin typeface="Cambria Math" panose="02040503050406030204" pitchFamily="18" charset="0"/>
+                          <a:cs typeface="Times New Roman" panose="02020603050405020304" pitchFamily="18" charset="0"/>
+                        </a:rPr>
+                        <m:t>𝑄</m:t>
+                      </m:r>
+                      <m:d>
+                        <m:dPr>
+                          <m:ctrlPr>
+                            <a:rPr lang="en-US" sz="2600" i="1" smtClean="0">
+                              <a:effectLst/>
+                              <a:latin typeface="Cambria Math" panose="02040503050406030204" pitchFamily="18" charset="0"/>
+                              <a:cs typeface="Times New Roman" panose="02020603050405020304" pitchFamily="18" charset="0"/>
+                            </a:rPr>
+                          </m:ctrlPr>
+                        </m:dPr>
+                        <m:e>
+                          <m:r>
+                            <m:rPr>
+                              <m:sty m:val="p"/>
+                            </m:rPr>
+                            <a:rPr lang="en-US" sz="2600">
+                              <a:effectLst/>
+                              <a:latin typeface="Cambria Math" panose="02040503050406030204" pitchFamily="18" charset="0"/>
+                              <a:ea typeface="Microsoft YaHei" panose="020B0503020204020204" pitchFamily="34" charset="-122"/>
+                              <a:cs typeface="Times New Roman" panose="02020603050405020304" pitchFamily="18" charset="0"/>
+                            </a:rPr>
+                            <m:t>Θ</m:t>
+                          </m:r>
+                        </m:e>
+                        <m:e>
+                          <m:sSup>
+                            <m:sSupPr>
+                              <m:ctrlPr>
+                                <a:rPr lang="en-US" sz="2600" i="1">
+                                  <a:effectLst/>
+                                  <a:latin typeface="Cambria Math" panose="02040503050406030204" pitchFamily="18" charset="0"/>
+                                  <a:cs typeface="Times New Roman" panose="02020603050405020304" pitchFamily="18" charset="0"/>
+                                </a:rPr>
+                              </m:ctrlPr>
+                            </m:sSupPr>
+                            <m:e>
+                              <m:r>
+                                <m:rPr>
+                                  <m:sty m:val="p"/>
+                                </m:rPr>
+                                <a:rPr lang="en-US" sz="2600">
+                                  <a:effectLst/>
+                                  <a:latin typeface="Cambria Math" panose="02040503050406030204" pitchFamily="18" charset="0"/>
+                                  <a:ea typeface="Microsoft YaHei" panose="020B0503020204020204" pitchFamily="34" charset="-122"/>
+                                  <a:cs typeface="Times New Roman" panose="02020603050405020304" pitchFamily="18" charset="0"/>
+                                </a:rPr>
+                                <m:t>Θ</m:t>
+                              </m:r>
+                            </m:e>
+                            <m:sup>
+                              <m:d>
+                                <m:dPr>
+                                  <m:ctrlPr>
+                                    <a:rPr lang="en-US" sz="2600" i="1">
+                                      <a:effectLst/>
+                                      <a:latin typeface="Cambria Math" panose="02040503050406030204" pitchFamily="18" charset="0"/>
+                                      <a:cs typeface="Times New Roman" panose="02020603050405020304" pitchFamily="18" charset="0"/>
+                                    </a:rPr>
+                                  </m:ctrlPr>
+                                </m:dPr>
+                                <m:e>
+                                  <m:r>
+                                    <a:rPr lang="en-US" sz="2600" i="1">
+                                      <a:effectLst/>
+                                      <a:latin typeface="Cambria Math" panose="02040503050406030204" pitchFamily="18" charset="0"/>
+                                      <a:ea typeface="Microsoft YaHei" panose="020B0503020204020204" pitchFamily="34" charset="-122"/>
+                                      <a:cs typeface="Times New Roman" panose="02020603050405020304" pitchFamily="18" charset="0"/>
+                                    </a:rPr>
+                                    <m:t>𝑡</m:t>
+                                  </m:r>
+                                </m:e>
+                              </m:d>
+                            </m:sup>
+                          </m:sSup>
+                        </m:e>
+                      </m:d>
+                      <m:r>
+                        <a:rPr lang="en-US" sz="2600" i="1">
+                          <a:effectLst/>
+                          <a:latin typeface="Cambria Math" panose="02040503050406030204" pitchFamily="18" charset="0"/>
+                          <a:ea typeface="Microsoft YaHei" panose="020B0503020204020204" pitchFamily="34" charset="-122"/>
+                          <a:cs typeface="Times New Roman" panose="02020603050405020304" pitchFamily="18" charset="0"/>
+                        </a:rPr>
+                        <m:t>=</m:t>
+                      </m:r>
+                      <m:nary>
+                        <m:naryPr>
+                          <m:chr m:val="∑"/>
+                          <m:limLoc m:val="undOvr"/>
+                          <m:ctrlPr>
+                            <a:rPr lang="en-US" sz="2600" i="1">
+                              <a:effectLst/>
+                              <a:latin typeface="Cambria Math" panose="02040503050406030204" pitchFamily="18" charset="0"/>
+                              <a:cs typeface="Times New Roman" panose="02020603050405020304" pitchFamily="18" charset="0"/>
+                            </a:rPr>
+                          </m:ctrlPr>
+                        </m:naryPr>
+                        <m:sub>
+                          <m:r>
+                            <a:rPr lang="en-US" sz="2600" i="1">
+                              <a:effectLst/>
+                              <a:latin typeface="Cambria Math" panose="02040503050406030204" pitchFamily="18" charset="0"/>
+                              <a:ea typeface="Microsoft YaHei" panose="020B0503020204020204" pitchFamily="34" charset="-122"/>
+                              <a:cs typeface="Times New Roman" panose="02020603050405020304" pitchFamily="18" charset="0"/>
+                            </a:rPr>
+                            <m:t>𝑘</m:t>
+                          </m:r>
+                          <m:r>
+                            <a:rPr lang="en-US" sz="2600" i="1">
+                              <a:effectLst/>
+                              <a:latin typeface="Cambria Math" panose="02040503050406030204" pitchFamily="18" charset="0"/>
+                              <a:ea typeface="Microsoft YaHei" panose="020B0503020204020204" pitchFamily="34" charset="-122"/>
+                              <a:cs typeface="Times New Roman" panose="02020603050405020304" pitchFamily="18" charset="0"/>
+                            </a:rPr>
+                            <m:t>=1</m:t>
+                          </m:r>
+                        </m:sub>
+                        <m:sup>
+                          <m:r>
+                            <a:rPr lang="en-US" sz="2600" i="1">
+                              <a:effectLst/>
+                              <a:latin typeface="Cambria Math" panose="02040503050406030204" pitchFamily="18" charset="0"/>
+                              <a:ea typeface="Microsoft YaHei" panose="020B0503020204020204" pitchFamily="34" charset="-122"/>
+                              <a:cs typeface="Times New Roman" panose="02020603050405020304" pitchFamily="18" charset="0"/>
+                            </a:rPr>
+                            <m:t>𝐾</m:t>
+                          </m:r>
+                        </m:sup>
+                        <m:e>
+                          <m:nary>
+                            <m:naryPr>
+                              <m:chr m:val="∑"/>
+                              <m:limLoc m:val="undOvr"/>
+                              <m:ctrlPr>
+                                <a:rPr lang="en-US" sz="2600" i="1">
+                                  <a:effectLst/>
+                                  <a:latin typeface="Cambria Math" panose="02040503050406030204" pitchFamily="18" charset="0"/>
+                                  <a:cs typeface="Times New Roman" panose="02020603050405020304" pitchFamily="18" charset="0"/>
+                                </a:rPr>
+                              </m:ctrlPr>
+                            </m:naryPr>
+                            <m:sub>
+                              <m:r>
+                                <a:rPr lang="en-US" sz="2600" i="1">
+                                  <a:effectLst/>
+                                  <a:latin typeface="Cambria Math" panose="02040503050406030204" pitchFamily="18" charset="0"/>
+                                  <a:ea typeface="Microsoft YaHei" panose="020B0503020204020204" pitchFamily="34" charset="-122"/>
+                                  <a:cs typeface="Times New Roman" panose="02020603050405020304" pitchFamily="18" charset="0"/>
+                                </a:rPr>
+                                <m:t>𝑖</m:t>
+                              </m:r>
+                              <m:r>
+                                <a:rPr lang="en-US" sz="2600" i="1">
+                                  <a:effectLst/>
+                                  <a:latin typeface="Cambria Math" panose="02040503050406030204" pitchFamily="18" charset="0"/>
+                                  <a:ea typeface="Microsoft YaHei" panose="020B0503020204020204" pitchFamily="34" charset="-122"/>
+                                  <a:cs typeface="Times New Roman" panose="02020603050405020304" pitchFamily="18" charset="0"/>
+                                </a:rPr>
+                                <m:t>=1</m:t>
+                              </m:r>
+                            </m:sub>
+                            <m:sup>
+                              <m:r>
+                                <a:rPr lang="en-US" sz="2600" i="1">
+                                  <a:effectLst/>
+                                  <a:latin typeface="Cambria Math" panose="02040503050406030204" pitchFamily="18" charset="0"/>
+                                  <a:ea typeface="Microsoft YaHei" panose="020B0503020204020204" pitchFamily="34" charset="-122"/>
+                                  <a:cs typeface="Times New Roman" panose="02020603050405020304" pitchFamily="18" charset="0"/>
+                                </a:rPr>
+                                <m:t>𝑁</m:t>
+                              </m:r>
+                            </m:sup>
+                            <m:e>
+                              <m:r>
+                                <a:rPr lang="en-US" sz="2600" i="1">
+                                  <a:effectLst/>
+                                  <a:latin typeface="Cambria Math" panose="02040503050406030204" pitchFamily="18" charset="0"/>
+                                  <a:ea typeface="Microsoft YaHei" panose="020B0503020204020204" pitchFamily="34" charset="-122"/>
+                                  <a:cs typeface="Times New Roman" panose="02020603050405020304" pitchFamily="18" charset="0"/>
+                                </a:rPr>
+                                <m:t>𝑃</m:t>
+                              </m:r>
+                              <m:d>
+                                <m:dPr>
+                                  <m:ctrlPr>
+                                    <a:rPr lang="en-US" sz="2600" i="1">
+                                      <a:effectLst/>
+                                      <a:latin typeface="Cambria Math" panose="02040503050406030204" pitchFamily="18" charset="0"/>
+                                    </a:rPr>
+                                  </m:ctrlPr>
+                                </m:dPr>
+                                <m:e>
+                                  <m:r>
+                                    <a:rPr lang="en-US" sz="2600" i="1">
+                                      <a:effectLst/>
+                                      <a:latin typeface="Cambria Math" panose="02040503050406030204" pitchFamily="18" charset="0"/>
+                                      <a:ea typeface="Microsoft YaHei" panose="020B0503020204020204" pitchFamily="34" charset="-122"/>
+                                      <a:cs typeface="Times New Roman" panose="02020603050405020304" pitchFamily="18" charset="0"/>
+                                    </a:rPr>
+                                    <m:t>𝑌</m:t>
+                                  </m:r>
+                                  <m:r>
+                                    <a:rPr lang="en-US" sz="2600" i="1">
+                                      <a:effectLst/>
+                                      <a:latin typeface="Cambria Math" panose="02040503050406030204" pitchFamily="18" charset="0"/>
+                                      <a:ea typeface="Microsoft YaHei" panose="020B0503020204020204" pitchFamily="34" charset="-122"/>
+                                      <a:cs typeface="Times New Roman" panose="02020603050405020304" pitchFamily="18" charset="0"/>
+                                    </a:rPr>
+                                    <m:t>=</m:t>
+                                  </m:r>
+                                  <m:r>
+                                    <a:rPr lang="en-US" sz="2600" i="1">
+                                      <a:effectLst/>
+                                      <a:latin typeface="Cambria Math" panose="02040503050406030204" pitchFamily="18" charset="0"/>
+                                      <a:ea typeface="Microsoft YaHei" panose="020B0503020204020204" pitchFamily="34" charset="-122"/>
+                                      <a:cs typeface="Times New Roman" panose="02020603050405020304" pitchFamily="18" charset="0"/>
+                                    </a:rPr>
+                                    <m:t>𝑘</m:t>
+                                  </m:r>
+                                </m:e>
+                                <m:e>
+                                  <m:sSub>
+                                    <m:sSubPr>
+                                      <m:ctrlPr>
+                                        <a:rPr lang="en-US" sz="2600" i="1">
+                                          <a:effectLst/>
+                                          <a:latin typeface="Cambria Math" panose="02040503050406030204" pitchFamily="18" charset="0"/>
+                                        </a:rPr>
+                                      </m:ctrlPr>
+                                    </m:sSubPr>
+                                    <m:e>
+                                      <m:r>
+                                        <a:rPr lang="en-US" sz="2600" i="1">
+                                          <a:effectLst/>
+                                          <a:latin typeface="Cambria Math" panose="02040503050406030204" pitchFamily="18" charset="0"/>
+                                          <a:ea typeface="Microsoft YaHei" panose="020B0503020204020204" pitchFamily="34" charset="-122"/>
+                                          <a:cs typeface="Times New Roman" panose="02020603050405020304" pitchFamily="18" charset="0"/>
+                                        </a:rPr>
+                                        <m:t>𝑋</m:t>
+                                      </m:r>
+                                    </m:e>
+                                    <m:sub>
+                                      <m:r>
+                                        <a:rPr lang="en-US" sz="2600" i="1">
+                                          <a:effectLst/>
+                                          <a:latin typeface="Cambria Math" panose="02040503050406030204" pitchFamily="18" charset="0"/>
+                                          <a:ea typeface="Microsoft YaHei" panose="020B0503020204020204" pitchFamily="34" charset="-122"/>
+                                          <a:cs typeface="Times New Roman" panose="02020603050405020304" pitchFamily="18" charset="0"/>
+                                        </a:rPr>
+                                        <m:t>𝑖</m:t>
+                                      </m:r>
+                                    </m:sub>
+                                  </m:sSub>
+                                  <m:r>
+                                    <a:rPr lang="en-US" sz="2600" i="1">
+                                      <a:effectLst/>
+                                      <a:latin typeface="Cambria Math" panose="02040503050406030204" pitchFamily="18" charset="0"/>
+                                      <a:ea typeface="Microsoft YaHei" panose="020B0503020204020204" pitchFamily="34" charset="-122"/>
+                                      <a:cs typeface="Times New Roman" panose="02020603050405020304" pitchFamily="18" charset="0"/>
+                                    </a:rPr>
+                                    <m:t>,</m:t>
+                                  </m:r>
+                                  <m:sSub>
+                                    <m:sSubPr>
+                                      <m:ctrlPr>
+                                        <a:rPr lang="en-US" sz="2600" i="1">
+                                          <a:effectLst/>
+                                          <a:latin typeface="Cambria Math" panose="02040503050406030204" pitchFamily="18" charset="0"/>
+                                        </a:rPr>
+                                      </m:ctrlPr>
+                                    </m:sSubPr>
+                                    <m:e>
+                                      <m:r>
+                                        <a:rPr lang="en-US" sz="2600" i="1">
+                                          <a:effectLst/>
+                                          <a:latin typeface="Cambria Math" panose="02040503050406030204" pitchFamily="18" charset="0"/>
+                                          <a:ea typeface="Microsoft YaHei" panose="020B0503020204020204" pitchFamily="34" charset="-122"/>
+                                          <a:cs typeface="Times New Roman" panose="02020603050405020304" pitchFamily="18" charset="0"/>
+                                        </a:rPr>
+                                        <m:t>𝑧</m:t>
+                                      </m:r>
+                                    </m:e>
+                                    <m:sub>
+                                      <m:r>
+                                        <a:rPr lang="en-US" sz="2600" i="1">
+                                          <a:effectLst/>
+                                          <a:latin typeface="Cambria Math" panose="02040503050406030204" pitchFamily="18" charset="0"/>
+                                          <a:ea typeface="Microsoft YaHei" panose="020B0503020204020204" pitchFamily="34" charset="-122"/>
+                                          <a:cs typeface="Times New Roman" panose="02020603050405020304" pitchFamily="18" charset="0"/>
+                                        </a:rPr>
+                                        <m:t>𝑖</m:t>
+                                      </m:r>
+                                    </m:sub>
+                                  </m:sSub>
+                                  <m:r>
+                                    <a:rPr lang="en-US" sz="2600" i="1">
+                                      <a:effectLst/>
+                                      <a:latin typeface="Cambria Math" panose="02040503050406030204" pitchFamily="18" charset="0"/>
+                                      <a:ea typeface="Microsoft YaHei" panose="020B0503020204020204" pitchFamily="34" charset="-122"/>
+                                      <a:cs typeface="Times New Roman" panose="02020603050405020304" pitchFamily="18" charset="0"/>
+                                    </a:rPr>
+                                    <m:t>,</m:t>
+                                  </m:r>
+                                  <m:sSubSup>
+                                    <m:sSubSupPr>
+                                      <m:ctrlPr>
+                                        <a:rPr lang="en-US" sz="2600" i="1">
+                                          <a:effectLst/>
+                                          <a:latin typeface="Cambria Math" panose="02040503050406030204" pitchFamily="18" charset="0"/>
+                                          <a:cs typeface="Times New Roman" panose="02020603050405020304" pitchFamily="18" charset="0"/>
+                                        </a:rPr>
+                                      </m:ctrlPr>
+                                    </m:sSubSupPr>
+                                    <m:e>
+                                      <m:r>
+                                        <a:rPr lang="en-US" sz="2600" i="1">
+                                          <a:effectLst/>
+                                          <a:latin typeface="Cambria Math" panose="02040503050406030204" pitchFamily="18" charset="0"/>
+                                          <a:ea typeface="Microsoft YaHei" panose="020B0503020204020204" pitchFamily="34" charset="-122"/>
+                                          <a:cs typeface="Times New Roman" panose="02020603050405020304" pitchFamily="18" charset="0"/>
+                                        </a:rPr>
+                                        <m:t>𝛼</m:t>
+                                      </m:r>
+                                    </m:e>
+                                    <m:sub>
+                                      <m:r>
+                                        <a:rPr lang="en-US" sz="2600" i="1">
+                                          <a:effectLst/>
+                                          <a:latin typeface="Cambria Math" panose="02040503050406030204" pitchFamily="18" charset="0"/>
+                                          <a:ea typeface="Microsoft YaHei" panose="020B0503020204020204" pitchFamily="34" charset="-122"/>
+                                          <a:cs typeface="Times New Roman" panose="02020603050405020304" pitchFamily="18" charset="0"/>
+                                        </a:rPr>
+                                        <m:t>𝑘</m:t>
+                                      </m:r>
+                                    </m:sub>
+                                    <m:sup>
+                                      <m:d>
+                                        <m:dPr>
+                                          <m:ctrlPr>
+                                            <a:rPr lang="en-US" sz="2600" i="1">
+                                              <a:effectLst/>
+                                              <a:latin typeface="Cambria Math" panose="02040503050406030204" pitchFamily="18" charset="0"/>
+                                              <a:cs typeface="Times New Roman" panose="02020603050405020304" pitchFamily="18" charset="0"/>
+                                            </a:rPr>
+                                          </m:ctrlPr>
+                                        </m:dPr>
+                                        <m:e>
+                                          <m:r>
+                                            <a:rPr lang="en-US" sz="2600" i="1">
+                                              <a:effectLst/>
+                                              <a:latin typeface="Cambria Math" panose="02040503050406030204" pitchFamily="18" charset="0"/>
+                                              <a:ea typeface="Microsoft YaHei" panose="020B0503020204020204" pitchFamily="34" charset="-122"/>
+                                              <a:cs typeface="Times New Roman" panose="02020603050405020304" pitchFamily="18" charset="0"/>
+                                            </a:rPr>
+                                            <m:t>𝑡</m:t>
+                                          </m:r>
+                                        </m:e>
+                                      </m:d>
+                                    </m:sup>
+                                  </m:sSubSup>
+                                  <m:r>
+                                    <a:rPr lang="en-US" sz="2600" i="1">
+                                      <a:effectLst/>
+                                      <a:latin typeface="Cambria Math" panose="02040503050406030204" pitchFamily="18" charset="0"/>
+                                      <a:ea typeface="Microsoft YaHei" panose="020B0503020204020204" pitchFamily="34" charset="-122"/>
+                                      <a:cs typeface="Times New Roman" panose="02020603050405020304" pitchFamily="18" charset="0"/>
+                                    </a:rPr>
+                                    <m:t>,</m:t>
+                                  </m:r>
+                                  <m:sSup>
+                                    <m:sSupPr>
+                                      <m:ctrlPr>
+                                        <a:rPr lang="en-US" sz="2600" i="1">
+                                          <a:effectLst/>
+                                          <a:latin typeface="Cambria Math" panose="02040503050406030204" pitchFamily="18" charset="0"/>
+                                          <a:cs typeface="Times New Roman" panose="02020603050405020304" pitchFamily="18" charset="0"/>
+                                        </a:rPr>
+                                      </m:ctrlPr>
+                                    </m:sSupPr>
+                                    <m:e>
+                                      <m:d>
+                                        <m:dPr>
+                                          <m:ctrlPr>
+                                            <a:rPr lang="en-US" sz="2600" i="1">
+                                              <a:effectLst/>
+                                              <a:latin typeface="Cambria Math" panose="02040503050406030204" pitchFamily="18" charset="0"/>
+                                              <a:cs typeface="Times New Roman" panose="02020603050405020304" pitchFamily="18" charset="0"/>
+                                            </a:rPr>
+                                          </m:ctrlPr>
+                                        </m:dPr>
+                                        <m:e>
+                                          <m:sSubSup>
+                                            <m:sSubSupPr>
+                                              <m:ctrlPr>
+                                                <a:rPr lang="en-US" sz="2600" i="1">
+                                                  <a:effectLst/>
+                                                  <a:latin typeface="Cambria Math" panose="02040503050406030204" pitchFamily="18" charset="0"/>
+                                                  <a:cs typeface="Times New Roman" panose="02020603050405020304" pitchFamily="18" charset="0"/>
+                                                </a:rPr>
+                                              </m:ctrlPr>
+                                            </m:sSubSupPr>
+                                            <m:e>
+                                              <m:r>
+                                                <a:rPr lang="en-US" sz="2600" i="1">
+                                                  <a:effectLst/>
+                                                  <a:latin typeface="Cambria Math" panose="02040503050406030204" pitchFamily="18" charset="0"/>
+                                                  <a:ea typeface="Microsoft YaHei" panose="020B0503020204020204" pitchFamily="34" charset="-122"/>
+                                                  <a:cs typeface="Times New Roman" panose="02020603050405020304" pitchFamily="18" charset="0"/>
+                                                </a:rPr>
+                                                <m:t>𝜎</m:t>
+                                              </m:r>
+                                            </m:e>
+                                            <m:sub>
+                                              <m:r>
+                                                <a:rPr lang="en-US" sz="2600" i="1">
+                                                  <a:effectLst/>
+                                                  <a:latin typeface="Cambria Math" panose="02040503050406030204" pitchFamily="18" charset="0"/>
+                                                  <a:ea typeface="Microsoft YaHei" panose="020B0503020204020204" pitchFamily="34" charset="-122"/>
+                                                  <a:cs typeface="Times New Roman" panose="02020603050405020304" pitchFamily="18" charset="0"/>
+                                                </a:rPr>
+                                                <m:t>𝑘</m:t>
+                                              </m:r>
+                                            </m:sub>
+                                            <m:sup>
+                                              <m:r>
+                                                <a:rPr lang="en-US" sz="2600" i="1">
+                                                  <a:effectLst/>
+                                                  <a:latin typeface="Cambria Math" panose="02040503050406030204" pitchFamily="18" charset="0"/>
+                                                  <a:ea typeface="Microsoft YaHei" panose="020B0503020204020204" pitchFamily="34" charset="-122"/>
+                                                  <a:cs typeface="Times New Roman" panose="02020603050405020304" pitchFamily="18" charset="0"/>
+                                                </a:rPr>
+                                                <m:t>2</m:t>
+                                              </m:r>
+                                            </m:sup>
+                                          </m:sSubSup>
+                                        </m:e>
+                                      </m:d>
+                                    </m:e>
+                                    <m:sup>
+                                      <m:d>
+                                        <m:dPr>
+                                          <m:ctrlPr>
+                                            <a:rPr lang="en-US" sz="2600" i="1">
+                                              <a:effectLst/>
+                                              <a:latin typeface="Cambria Math" panose="02040503050406030204" pitchFamily="18" charset="0"/>
+                                              <a:cs typeface="Times New Roman" panose="02020603050405020304" pitchFamily="18" charset="0"/>
+                                            </a:rPr>
+                                          </m:ctrlPr>
+                                        </m:dPr>
+                                        <m:e>
+                                          <m:r>
+                                            <a:rPr lang="en-US" sz="2600" i="1">
+                                              <a:effectLst/>
+                                              <a:latin typeface="Cambria Math" panose="02040503050406030204" pitchFamily="18" charset="0"/>
+                                              <a:ea typeface="Microsoft YaHei" panose="020B0503020204020204" pitchFamily="34" charset="-122"/>
+                                              <a:cs typeface="Times New Roman" panose="02020603050405020304" pitchFamily="18" charset="0"/>
+                                            </a:rPr>
+                                            <m:t>𝑡</m:t>
+                                          </m:r>
+                                        </m:e>
+                                      </m:d>
+                                    </m:sup>
+                                  </m:sSup>
+                                </m:e>
+                              </m:d>
+                              <m:r>
+                                <m:rPr>
+                                  <m:sty m:val="p"/>
+                                </m:rPr>
+                                <a:rPr lang="en-US" sz="2600">
+                                  <a:effectLst/>
+                                  <a:latin typeface="Cambria Math" panose="02040503050406030204" pitchFamily="18" charset="0"/>
+                                  <a:ea typeface="Microsoft YaHei" panose="020B0503020204020204" pitchFamily="34" charset="-122"/>
+                                  <a:cs typeface="Times New Roman" panose="02020603050405020304" pitchFamily="18" charset="0"/>
+                                </a:rPr>
+                                <m:t>log</m:t>
+                              </m:r>
+                              <m:d>
+                                <m:dPr>
+                                  <m:ctrlPr>
+                                    <a:rPr lang="en-US" sz="2600" i="1">
+                                      <a:effectLst/>
+                                      <a:latin typeface="Cambria Math" panose="02040503050406030204" pitchFamily="18" charset="0"/>
+                                      <a:cs typeface="Times New Roman" panose="02020603050405020304" pitchFamily="18" charset="0"/>
+                                    </a:rPr>
+                                  </m:ctrlPr>
+                                </m:dPr>
+                                <m:e>
+                                  <m:sSub>
+                                    <m:sSubPr>
+                                      <m:ctrlPr>
+                                        <a:rPr lang="en-US" sz="2600" i="1">
+                                          <a:effectLst/>
+                                          <a:latin typeface="Cambria Math" panose="02040503050406030204" pitchFamily="18" charset="0"/>
+                                          <a:cs typeface="Times New Roman" panose="02020603050405020304" pitchFamily="18" charset="0"/>
+                                        </a:rPr>
+                                      </m:ctrlPr>
+                                    </m:sSubPr>
+                                    <m:e>
+                                      <m:r>
+                                        <a:rPr lang="en-US" sz="2600" i="1">
+                                          <a:effectLst/>
+                                          <a:latin typeface="Cambria Math" panose="02040503050406030204" pitchFamily="18" charset="0"/>
+                                          <a:ea typeface="Microsoft YaHei" panose="020B0503020204020204" pitchFamily="34" charset="-122"/>
+                                          <a:cs typeface="Times New Roman" panose="02020603050405020304" pitchFamily="18" charset="0"/>
+                                        </a:rPr>
+                                        <m:t>𝑐</m:t>
+                                      </m:r>
+                                    </m:e>
+                                    <m:sub>
+                                      <m:r>
+                                        <a:rPr lang="en-US" sz="2600" i="1">
+                                          <a:effectLst/>
+                                          <a:latin typeface="Cambria Math" panose="02040503050406030204" pitchFamily="18" charset="0"/>
+                                          <a:ea typeface="Microsoft YaHei" panose="020B0503020204020204" pitchFamily="34" charset="-122"/>
+                                          <a:cs typeface="Times New Roman" panose="02020603050405020304" pitchFamily="18" charset="0"/>
+                                        </a:rPr>
+                                        <m:t>𝑘</m:t>
+                                      </m:r>
+                                    </m:sub>
+                                  </m:sSub>
+                                </m:e>
+                              </m:d>
+                            </m:e>
+                          </m:nary>
+                        </m:e>
+                      </m:nary>
+                      <m:r>
+                        <a:rPr lang="en-US" sz="2600" i="1">
+                          <a:effectLst/>
+                          <a:latin typeface="Cambria Math" panose="02040503050406030204" pitchFamily="18" charset="0"/>
+                          <a:ea typeface="Microsoft YaHei" panose="020B0503020204020204" pitchFamily="34" charset="-122"/>
+                          <a:cs typeface="Times New Roman" panose="02020603050405020304" pitchFamily="18" charset="0"/>
+                        </a:rPr>
+                        <m:t>+</m:t>
+                      </m:r>
+                    </m:oMath>
+                  </m:oMathPara>
+                </a14:m>
+                <a:endParaRPr lang="en-US" sz="2600" i="1" dirty="0">
+                  <a:effectLst/>
+                  <a:latin typeface="Cambria Math" panose="02040503050406030204" pitchFamily="18" charset="0"/>
+                  <a:ea typeface="Microsoft YaHei" panose="020B0503020204020204" pitchFamily="34" charset="-122"/>
+                  <a:cs typeface="Times New Roman" panose="02020603050405020304" pitchFamily="18" charset="0"/>
+                </a:endParaRPr>
+              </a:p>
+              <a:p>
+                <a:pPr marL="0" indent="0">
+                  <a:buNone/>
+                </a:pPr>
+                <a14:m>
+                  <m:oMathPara xmlns:m="http://schemas.openxmlformats.org/officeDocument/2006/math">
+                    <m:oMathParaPr>
+                      <m:jc m:val="centerGroup"/>
+                    </m:oMathParaPr>
+                    <m:oMath xmlns:m="http://schemas.openxmlformats.org/officeDocument/2006/math">
+                      <m:nary>
+                        <m:naryPr>
+                          <m:chr m:val="∑"/>
+                          <m:limLoc m:val="undOvr"/>
+                          <m:ctrlPr>
+                            <a:rPr lang="en-US" sz="2600" i="1">
+                              <a:effectLst/>
+                              <a:latin typeface="Cambria Math" panose="02040503050406030204" pitchFamily="18" charset="0"/>
+                              <a:cs typeface="Times New Roman" panose="02020603050405020304" pitchFamily="18" charset="0"/>
+                            </a:rPr>
+                          </m:ctrlPr>
+                        </m:naryPr>
+                        <m:sub>
+                          <m:r>
+                            <a:rPr lang="en-US" sz="2600" i="1">
+                              <a:effectLst/>
+                              <a:latin typeface="Cambria Math" panose="02040503050406030204" pitchFamily="18" charset="0"/>
+                              <a:ea typeface="Microsoft YaHei" panose="020B0503020204020204" pitchFamily="34" charset="-122"/>
+                              <a:cs typeface="Times New Roman" panose="02020603050405020304" pitchFamily="18" charset="0"/>
+                            </a:rPr>
+                            <m:t>𝑘</m:t>
+                          </m:r>
+                          <m:r>
+                            <a:rPr lang="en-US" sz="2600" i="1">
+                              <a:effectLst/>
+                              <a:latin typeface="Cambria Math" panose="02040503050406030204" pitchFamily="18" charset="0"/>
+                              <a:ea typeface="Microsoft YaHei" panose="020B0503020204020204" pitchFamily="34" charset="-122"/>
+                              <a:cs typeface="Times New Roman" panose="02020603050405020304" pitchFamily="18" charset="0"/>
+                            </a:rPr>
+                            <m:t>=1</m:t>
+                          </m:r>
+                        </m:sub>
+                        <m:sup>
+                          <m:r>
+                            <a:rPr lang="en-US" sz="2600" i="1">
+                              <a:effectLst/>
+                              <a:latin typeface="Cambria Math" panose="02040503050406030204" pitchFamily="18" charset="0"/>
+                              <a:ea typeface="Microsoft YaHei" panose="020B0503020204020204" pitchFamily="34" charset="-122"/>
+                              <a:cs typeface="Times New Roman" panose="02020603050405020304" pitchFamily="18" charset="0"/>
+                            </a:rPr>
+                            <m:t>𝐾</m:t>
+                          </m:r>
+                        </m:sup>
+                        <m:e>
+                          <m:nary>
+                            <m:naryPr>
+                              <m:chr m:val="∑"/>
+                              <m:limLoc m:val="undOvr"/>
+                              <m:ctrlPr>
+                                <a:rPr lang="en-US" sz="2600" i="1">
+                                  <a:effectLst/>
+                                  <a:latin typeface="Cambria Math" panose="02040503050406030204" pitchFamily="18" charset="0"/>
+                                  <a:cs typeface="Times New Roman" panose="02020603050405020304" pitchFamily="18" charset="0"/>
+                                </a:rPr>
+                              </m:ctrlPr>
+                            </m:naryPr>
+                            <m:sub>
+                              <m:r>
+                                <a:rPr lang="en-US" sz="2600" i="1">
+                                  <a:effectLst/>
+                                  <a:latin typeface="Cambria Math" panose="02040503050406030204" pitchFamily="18" charset="0"/>
+                                  <a:ea typeface="Microsoft YaHei" panose="020B0503020204020204" pitchFamily="34" charset="-122"/>
+                                  <a:cs typeface="Times New Roman" panose="02020603050405020304" pitchFamily="18" charset="0"/>
+                                </a:rPr>
+                                <m:t>𝑖</m:t>
+                              </m:r>
+                              <m:r>
+                                <a:rPr lang="en-US" sz="2600" i="1">
+                                  <a:effectLst/>
+                                  <a:latin typeface="Cambria Math" panose="02040503050406030204" pitchFamily="18" charset="0"/>
+                                  <a:ea typeface="Microsoft YaHei" panose="020B0503020204020204" pitchFamily="34" charset="-122"/>
+                                  <a:cs typeface="Times New Roman" panose="02020603050405020304" pitchFamily="18" charset="0"/>
+                                </a:rPr>
+                                <m:t>=1</m:t>
+                              </m:r>
+                            </m:sub>
+                            <m:sup>
+                              <m:r>
+                                <a:rPr lang="en-US" sz="2600" i="1">
+                                  <a:effectLst/>
+                                  <a:latin typeface="Cambria Math" panose="02040503050406030204" pitchFamily="18" charset="0"/>
+                                  <a:ea typeface="Microsoft YaHei" panose="020B0503020204020204" pitchFamily="34" charset="-122"/>
+                                  <a:cs typeface="Times New Roman" panose="02020603050405020304" pitchFamily="18" charset="0"/>
+                                </a:rPr>
+                                <m:t>𝑁</m:t>
+                              </m:r>
+                            </m:sup>
+                            <m:e>
+                              <m:r>
+                                <a:rPr lang="en-US" sz="2600" i="1">
+                                  <a:effectLst/>
+                                  <a:latin typeface="Cambria Math" panose="02040503050406030204" pitchFamily="18" charset="0"/>
+                                  <a:ea typeface="Microsoft YaHei" panose="020B0503020204020204" pitchFamily="34" charset="-122"/>
+                                  <a:cs typeface="Times New Roman" panose="02020603050405020304" pitchFamily="18" charset="0"/>
+                                </a:rPr>
+                                <m:t>𝑃</m:t>
+                              </m:r>
+                              <m:d>
+                                <m:dPr>
+                                  <m:ctrlPr>
+                                    <a:rPr lang="en-US" sz="2600" i="1">
+                                      <a:effectLst/>
+                                      <a:latin typeface="Cambria Math" panose="02040503050406030204" pitchFamily="18" charset="0"/>
+                                    </a:rPr>
+                                  </m:ctrlPr>
+                                </m:dPr>
+                                <m:e>
+                                  <m:r>
+                                    <a:rPr lang="en-US" sz="2600" i="1">
+                                      <a:effectLst/>
+                                      <a:latin typeface="Cambria Math" panose="02040503050406030204" pitchFamily="18" charset="0"/>
+                                      <a:ea typeface="Microsoft YaHei" panose="020B0503020204020204" pitchFamily="34" charset="-122"/>
+                                      <a:cs typeface="Times New Roman" panose="02020603050405020304" pitchFamily="18" charset="0"/>
+                                    </a:rPr>
+                                    <m:t>𝑌</m:t>
+                                  </m:r>
+                                  <m:r>
+                                    <a:rPr lang="en-US" sz="2600" i="1">
+                                      <a:effectLst/>
+                                      <a:latin typeface="Cambria Math" panose="02040503050406030204" pitchFamily="18" charset="0"/>
+                                      <a:ea typeface="Microsoft YaHei" panose="020B0503020204020204" pitchFamily="34" charset="-122"/>
+                                      <a:cs typeface="Times New Roman" panose="02020603050405020304" pitchFamily="18" charset="0"/>
+                                    </a:rPr>
+                                    <m:t>=</m:t>
+                                  </m:r>
+                                  <m:r>
+                                    <a:rPr lang="en-US" sz="2600" i="1">
+                                      <a:effectLst/>
+                                      <a:latin typeface="Cambria Math" panose="02040503050406030204" pitchFamily="18" charset="0"/>
+                                      <a:ea typeface="Microsoft YaHei" panose="020B0503020204020204" pitchFamily="34" charset="-122"/>
+                                      <a:cs typeface="Times New Roman" panose="02020603050405020304" pitchFamily="18" charset="0"/>
+                                    </a:rPr>
+                                    <m:t>𝑘</m:t>
+                                  </m:r>
+                                </m:e>
+                                <m:e>
+                                  <m:sSub>
+                                    <m:sSubPr>
+                                      <m:ctrlPr>
+                                        <a:rPr lang="en-US" sz="2600" i="1">
+                                          <a:effectLst/>
+                                          <a:latin typeface="Cambria Math" panose="02040503050406030204" pitchFamily="18" charset="0"/>
+                                        </a:rPr>
+                                      </m:ctrlPr>
+                                    </m:sSubPr>
+                                    <m:e>
+                                      <m:r>
+                                        <a:rPr lang="en-US" sz="2600" i="1">
+                                          <a:effectLst/>
+                                          <a:latin typeface="Cambria Math" panose="02040503050406030204" pitchFamily="18" charset="0"/>
+                                          <a:ea typeface="Microsoft YaHei" panose="020B0503020204020204" pitchFamily="34" charset="-122"/>
+                                          <a:cs typeface="Times New Roman" panose="02020603050405020304" pitchFamily="18" charset="0"/>
+                                        </a:rPr>
+                                        <m:t>𝑋</m:t>
+                                      </m:r>
+                                    </m:e>
+                                    <m:sub>
+                                      <m:r>
+                                        <a:rPr lang="en-US" sz="2600" i="1">
+                                          <a:effectLst/>
+                                          <a:latin typeface="Cambria Math" panose="02040503050406030204" pitchFamily="18" charset="0"/>
+                                          <a:ea typeface="Microsoft YaHei" panose="020B0503020204020204" pitchFamily="34" charset="-122"/>
+                                          <a:cs typeface="Times New Roman" panose="02020603050405020304" pitchFamily="18" charset="0"/>
+                                        </a:rPr>
+                                        <m:t>𝑖</m:t>
+                                      </m:r>
+                                    </m:sub>
+                                  </m:sSub>
+                                  <m:r>
+                                    <a:rPr lang="en-US" sz="2600" i="1">
+                                      <a:effectLst/>
+                                      <a:latin typeface="Cambria Math" panose="02040503050406030204" pitchFamily="18" charset="0"/>
+                                      <a:ea typeface="Microsoft YaHei" panose="020B0503020204020204" pitchFamily="34" charset="-122"/>
+                                      <a:cs typeface="Times New Roman" panose="02020603050405020304" pitchFamily="18" charset="0"/>
+                                    </a:rPr>
+                                    <m:t>,</m:t>
+                                  </m:r>
+                                  <m:sSub>
+                                    <m:sSubPr>
+                                      <m:ctrlPr>
+                                        <a:rPr lang="en-US" sz="2600" i="1">
+                                          <a:effectLst/>
+                                          <a:latin typeface="Cambria Math" panose="02040503050406030204" pitchFamily="18" charset="0"/>
+                                        </a:rPr>
+                                      </m:ctrlPr>
+                                    </m:sSubPr>
+                                    <m:e>
+                                      <m:r>
+                                        <a:rPr lang="en-US" sz="2600" i="1">
+                                          <a:effectLst/>
+                                          <a:latin typeface="Cambria Math" panose="02040503050406030204" pitchFamily="18" charset="0"/>
+                                          <a:ea typeface="Microsoft YaHei" panose="020B0503020204020204" pitchFamily="34" charset="-122"/>
+                                          <a:cs typeface="Times New Roman" panose="02020603050405020304" pitchFamily="18" charset="0"/>
+                                        </a:rPr>
+                                        <m:t>𝑧</m:t>
+                                      </m:r>
+                                    </m:e>
+                                    <m:sub>
+                                      <m:r>
+                                        <a:rPr lang="en-US" sz="2600" i="1">
+                                          <a:effectLst/>
+                                          <a:latin typeface="Cambria Math" panose="02040503050406030204" pitchFamily="18" charset="0"/>
+                                          <a:ea typeface="Microsoft YaHei" panose="020B0503020204020204" pitchFamily="34" charset="-122"/>
+                                          <a:cs typeface="Times New Roman" panose="02020603050405020304" pitchFamily="18" charset="0"/>
+                                        </a:rPr>
+                                        <m:t>𝑖</m:t>
+                                      </m:r>
+                                    </m:sub>
+                                  </m:sSub>
+                                  <m:r>
+                                    <a:rPr lang="en-US" sz="2600" i="1">
+                                      <a:effectLst/>
+                                      <a:latin typeface="Cambria Math" panose="02040503050406030204" pitchFamily="18" charset="0"/>
+                                      <a:ea typeface="Microsoft YaHei" panose="020B0503020204020204" pitchFamily="34" charset="-122"/>
+                                      <a:cs typeface="Times New Roman" panose="02020603050405020304" pitchFamily="18" charset="0"/>
+                                    </a:rPr>
+                                    <m:t>,</m:t>
+                                  </m:r>
+                                  <m:sSubSup>
+                                    <m:sSubSupPr>
+                                      <m:ctrlPr>
+                                        <a:rPr lang="en-US" sz="2600" i="1">
+                                          <a:effectLst/>
+                                          <a:latin typeface="Cambria Math" panose="02040503050406030204" pitchFamily="18" charset="0"/>
+                                          <a:cs typeface="Times New Roman" panose="02020603050405020304" pitchFamily="18" charset="0"/>
+                                        </a:rPr>
+                                      </m:ctrlPr>
+                                    </m:sSubSupPr>
+                                    <m:e>
+                                      <m:r>
+                                        <a:rPr lang="en-US" sz="2600" i="1">
+                                          <a:effectLst/>
+                                          <a:latin typeface="Cambria Math" panose="02040503050406030204" pitchFamily="18" charset="0"/>
+                                          <a:ea typeface="Microsoft YaHei" panose="020B0503020204020204" pitchFamily="34" charset="-122"/>
+                                          <a:cs typeface="Times New Roman" panose="02020603050405020304" pitchFamily="18" charset="0"/>
+                                        </a:rPr>
+                                        <m:t>𝛼</m:t>
+                                      </m:r>
+                                    </m:e>
+                                    <m:sub>
+                                      <m:r>
+                                        <a:rPr lang="en-US" sz="2600" i="1">
+                                          <a:effectLst/>
+                                          <a:latin typeface="Cambria Math" panose="02040503050406030204" pitchFamily="18" charset="0"/>
+                                          <a:ea typeface="Microsoft YaHei" panose="020B0503020204020204" pitchFamily="34" charset="-122"/>
+                                          <a:cs typeface="Times New Roman" panose="02020603050405020304" pitchFamily="18" charset="0"/>
+                                        </a:rPr>
+                                        <m:t>𝑘</m:t>
+                                      </m:r>
+                                    </m:sub>
+                                    <m:sup>
+                                      <m:d>
+                                        <m:dPr>
+                                          <m:ctrlPr>
+                                            <a:rPr lang="en-US" sz="2600" i="1">
+                                              <a:effectLst/>
+                                              <a:latin typeface="Cambria Math" panose="02040503050406030204" pitchFamily="18" charset="0"/>
+                                              <a:cs typeface="Times New Roman" panose="02020603050405020304" pitchFamily="18" charset="0"/>
+                                            </a:rPr>
+                                          </m:ctrlPr>
+                                        </m:dPr>
+                                        <m:e>
+                                          <m:r>
+                                            <a:rPr lang="en-US" sz="2600" i="1">
+                                              <a:effectLst/>
+                                              <a:latin typeface="Cambria Math" panose="02040503050406030204" pitchFamily="18" charset="0"/>
+                                              <a:ea typeface="Microsoft YaHei" panose="020B0503020204020204" pitchFamily="34" charset="-122"/>
+                                              <a:cs typeface="Times New Roman" panose="02020603050405020304" pitchFamily="18" charset="0"/>
+                                            </a:rPr>
+                                            <m:t>𝑡</m:t>
+                                          </m:r>
+                                        </m:e>
+                                      </m:d>
+                                    </m:sup>
+                                  </m:sSubSup>
+                                  <m:r>
+                                    <a:rPr lang="en-US" sz="2600" i="1">
+                                      <a:effectLst/>
+                                      <a:latin typeface="Cambria Math" panose="02040503050406030204" pitchFamily="18" charset="0"/>
+                                      <a:ea typeface="Microsoft YaHei" panose="020B0503020204020204" pitchFamily="34" charset="-122"/>
+                                      <a:cs typeface="Times New Roman" panose="02020603050405020304" pitchFamily="18" charset="0"/>
+                                    </a:rPr>
+                                    <m:t>,</m:t>
+                                  </m:r>
+                                  <m:sSup>
+                                    <m:sSupPr>
+                                      <m:ctrlPr>
+                                        <a:rPr lang="en-US" sz="2600" i="1">
+                                          <a:effectLst/>
+                                          <a:latin typeface="Cambria Math" panose="02040503050406030204" pitchFamily="18" charset="0"/>
+                                          <a:cs typeface="Times New Roman" panose="02020603050405020304" pitchFamily="18" charset="0"/>
+                                        </a:rPr>
+                                      </m:ctrlPr>
+                                    </m:sSupPr>
+                                    <m:e>
+                                      <m:d>
+                                        <m:dPr>
+                                          <m:ctrlPr>
+                                            <a:rPr lang="en-US" sz="2600" i="1">
+                                              <a:effectLst/>
+                                              <a:latin typeface="Cambria Math" panose="02040503050406030204" pitchFamily="18" charset="0"/>
+                                              <a:cs typeface="Times New Roman" panose="02020603050405020304" pitchFamily="18" charset="0"/>
+                                            </a:rPr>
+                                          </m:ctrlPr>
+                                        </m:dPr>
+                                        <m:e>
+                                          <m:sSubSup>
+                                            <m:sSubSupPr>
+                                              <m:ctrlPr>
+                                                <a:rPr lang="en-US" sz="2600" i="1">
+                                                  <a:effectLst/>
+                                                  <a:latin typeface="Cambria Math" panose="02040503050406030204" pitchFamily="18" charset="0"/>
+                                                  <a:cs typeface="Times New Roman" panose="02020603050405020304" pitchFamily="18" charset="0"/>
+                                                </a:rPr>
+                                              </m:ctrlPr>
+                                            </m:sSubSupPr>
+                                            <m:e>
+                                              <m:r>
+                                                <a:rPr lang="en-US" sz="2600" i="1">
+                                                  <a:effectLst/>
+                                                  <a:latin typeface="Cambria Math" panose="02040503050406030204" pitchFamily="18" charset="0"/>
+                                                  <a:ea typeface="Microsoft YaHei" panose="020B0503020204020204" pitchFamily="34" charset="-122"/>
+                                                  <a:cs typeface="Times New Roman" panose="02020603050405020304" pitchFamily="18" charset="0"/>
+                                                </a:rPr>
+                                                <m:t>𝜎</m:t>
+                                              </m:r>
+                                            </m:e>
+                                            <m:sub>
+                                              <m:r>
+                                                <a:rPr lang="en-US" sz="2600" i="1">
+                                                  <a:effectLst/>
+                                                  <a:latin typeface="Cambria Math" panose="02040503050406030204" pitchFamily="18" charset="0"/>
+                                                  <a:ea typeface="Microsoft YaHei" panose="020B0503020204020204" pitchFamily="34" charset="-122"/>
+                                                  <a:cs typeface="Times New Roman" panose="02020603050405020304" pitchFamily="18" charset="0"/>
+                                                </a:rPr>
+                                                <m:t>𝑘</m:t>
+                                              </m:r>
+                                            </m:sub>
+                                            <m:sup>
+                                              <m:r>
+                                                <a:rPr lang="en-US" sz="2600" i="1">
+                                                  <a:effectLst/>
+                                                  <a:latin typeface="Cambria Math" panose="02040503050406030204" pitchFamily="18" charset="0"/>
+                                                  <a:ea typeface="Microsoft YaHei" panose="020B0503020204020204" pitchFamily="34" charset="-122"/>
+                                                  <a:cs typeface="Times New Roman" panose="02020603050405020304" pitchFamily="18" charset="0"/>
+                                                </a:rPr>
+                                                <m:t>2</m:t>
+                                              </m:r>
+                                            </m:sup>
+                                          </m:sSubSup>
+                                        </m:e>
+                                      </m:d>
+                                    </m:e>
+                                    <m:sup>
+                                      <m:d>
+                                        <m:dPr>
+                                          <m:ctrlPr>
+                                            <a:rPr lang="en-US" sz="2600" i="1">
+                                              <a:effectLst/>
+                                              <a:latin typeface="Cambria Math" panose="02040503050406030204" pitchFamily="18" charset="0"/>
+                                              <a:cs typeface="Times New Roman" panose="02020603050405020304" pitchFamily="18" charset="0"/>
+                                            </a:rPr>
+                                          </m:ctrlPr>
+                                        </m:dPr>
+                                        <m:e>
+                                          <m:r>
+                                            <a:rPr lang="en-US" sz="2600" i="1">
+                                              <a:effectLst/>
+                                              <a:latin typeface="Cambria Math" panose="02040503050406030204" pitchFamily="18" charset="0"/>
+                                              <a:ea typeface="Microsoft YaHei" panose="020B0503020204020204" pitchFamily="34" charset="-122"/>
+                                              <a:cs typeface="Times New Roman" panose="02020603050405020304" pitchFamily="18" charset="0"/>
+                                            </a:rPr>
+                                            <m:t>𝑡</m:t>
+                                          </m:r>
+                                        </m:e>
+                                      </m:d>
+                                    </m:sup>
+                                  </m:sSup>
+                                </m:e>
+                              </m:d>
+                              <m:r>
+                                <m:rPr>
+                                  <m:sty m:val="p"/>
+                                </m:rPr>
+                                <a:rPr lang="en-US" sz="2600">
+                                  <a:effectLst/>
+                                  <a:latin typeface="Cambria Math" panose="02040503050406030204" pitchFamily="18" charset="0"/>
+                                  <a:ea typeface="Microsoft YaHei" panose="020B0503020204020204" pitchFamily="34" charset="-122"/>
+                                  <a:cs typeface="Times New Roman" panose="02020603050405020304" pitchFamily="18" charset="0"/>
+                                </a:rPr>
+                                <m:t>log</m:t>
+                              </m:r>
+                              <m:d>
+                                <m:dPr>
+                                  <m:ctrlPr>
+                                    <a:rPr lang="en-US" sz="2600" i="1">
+                                      <a:effectLst/>
+                                      <a:latin typeface="Cambria Math" panose="02040503050406030204" pitchFamily="18" charset="0"/>
+                                      <a:cs typeface="Times New Roman" panose="02020603050405020304" pitchFamily="18" charset="0"/>
+                                    </a:rPr>
+                                  </m:ctrlPr>
+                                </m:dPr>
+                                <m:e>
+                                  <m:sSub>
+                                    <m:sSubPr>
+                                      <m:ctrlPr>
+                                        <a:rPr lang="en-US" sz="2600" i="1">
+                                          <a:effectLst/>
+                                          <a:latin typeface="Cambria Math" panose="02040503050406030204" pitchFamily="18" charset="0"/>
+                                        </a:rPr>
+                                      </m:ctrlPr>
+                                    </m:sSubPr>
+                                    <m:e>
+                                      <m:r>
+                                        <a:rPr lang="en-US" sz="2600" i="1">
+                                          <a:effectLst/>
+                                          <a:latin typeface="Cambria Math" panose="02040503050406030204" pitchFamily="18" charset="0"/>
+                                          <a:ea typeface="Microsoft YaHei" panose="020B0503020204020204" pitchFamily="34" charset="-122"/>
+                                          <a:cs typeface="Times New Roman" panose="02020603050405020304" pitchFamily="18" charset="0"/>
+                                        </a:rPr>
+                                        <m:t>𝑃</m:t>
+                                      </m:r>
+                                    </m:e>
+                                    <m:sub>
+                                      <m:r>
+                                        <a:rPr lang="en-US" sz="2600" i="1">
+                                          <a:effectLst/>
+                                          <a:latin typeface="Cambria Math" panose="02040503050406030204" pitchFamily="18" charset="0"/>
+                                          <a:ea typeface="Microsoft YaHei" panose="020B0503020204020204" pitchFamily="34" charset="-122"/>
+                                          <a:cs typeface="Times New Roman" panose="02020603050405020304" pitchFamily="18" charset="0"/>
+                                        </a:rPr>
+                                        <m:t>𝑘</m:t>
+                                      </m:r>
+                                    </m:sub>
+                                  </m:sSub>
+                                  <m:d>
+                                    <m:dPr>
+                                      <m:ctrlPr>
+                                        <a:rPr lang="en-US" sz="2600" i="1">
+                                          <a:effectLst/>
+                                          <a:latin typeface="Cambria Math" panose="02040503050406030204" pitchFamily="18" charset="0"/>
+                                        </a:rPr>
+                                      </m:ctrlPr>
+                                    </m:dPr>
+                                    <m:e>
+                                      <m:sSub>
+                                        <m:sSubPr>
+                                          <m:ctrlPr>
+                                            <a:rPr lang="en-US" sz="2600" i="1">
+                                              <a:effectLst/>
+                                              <a:latin typeface="Cambria Math" panose="02040503050406030204" pitchFamily="18" charset="0"/>
+                                            </a:rPr>
+                                          </m:ctrlPr>
+                                        </m:sSubPr>
+                                        <m:e>
+                                          <m:r>
+                                            <a:rPr lang="en-US" sz="2600" i="1">
+                                              <a:effectLst/>
+                                              <a:latin typeface="Cambria Math" panose="02040503050406030204" pitchFamily="18" charset="0"/>
+                                              <a:ea typeface="Microsoft YaHei" panose="020B0503020204020204" pitchFamily="34" charset="-122"/>
+                                              <a:cs typeface="Times New Roman" panose="02020603050405020304" pitchFamily="18" charset="0"/>
+                                            </a:rPr>
+                                            <m:t>𝑧</m:t>
+                                          </m:r>
+                                        </m:e>
+                                        <m:sub>
+                                          <m:r>
+                                            <a:rPr lang="en-US" sz="2600" i="1">
+                                              <a:effectLst/>
+                                              <a:latin typeface="Cambria Math" panose="02040503050406030204" pitchFamily="18" charset="0"/>
+                                              <a:ea typeface="Microsoft YaHei" panose="020B0503020204020204" pitchFamily="34" charset="-122"/>
+                                              <a:cs typeface="Times New Roman" panose="02020603050405020304" pitchFamily="18" charset="0"/>
+                                            </a:rPr>
+                                            <m:t>𝑖</m:t>
+                                          </m:r>
+                                        </m:sub>
+                                      </m:sSub>
+                                    </m:e>
+                                    <m:e>
+                                      <m:sSub>
+                                        <m:sSubPr>
+                                          <m:ctrlPr>
+                                            <a:rPr lang="en-US" sz="2600" i="1">
+                                              <a:effectLst/>
+                                              <a:latin typeface="Cambria Math" panose="02040503050406030204" pitchFamily="18" charset="0"/>
+                                            </a:rPr>
+                                          </m:ctrlPr>
+                                        </m:sSubPr>
+                                        <m:e>
+                                          <m:r>
+                                            <a:rPr lang="en-US" sz="2600" i="1">
+                                              <a:effectLst/>
+                                              <a:latin typeface="Cambria Math" panose="02040503050406030204" pitchFamily="18" charset="0"/>
+                                              <a:ea typeface="Microsoft YaHei" panose="020B0503020204020204" pitchFamily="34" charset="-122"/>
+                                              <a:cs typeface="Times New Roman" panose="02020603050405020304" pitchFamily="18" charset="0"/>
+                                            </a:rPr>
+                                            <m:t>𝑋</m:t>
+                                          </m:r>
+                                        </m:e>
+                                        <m:sub>
+                                          <m:r>
+                                            <a:rPr lang="en-US" sz="2600" i="1">
+                                              <a:effectLst/>
+                                              <a:latin typeface="Cambria Math" panose="02040503050406030204" pitchFamily="18" charset="0"/>
+                                              <a:ea typeface="Microsoft YaHei" panose="020B0503020204020204" pitchFamily="34" charset="-122"/>
+                                              <a:cs typeface="Times New Roman" panose="02020603050405020304" pitchFamily="18" charset="0"/>
+                                            </a:rPr>
+                                            <m:t>𝑖</m:t>
+                                          </m:r>
+                                        </m:sub>
+                                      </m:sSub>
+                                      <m:r>
+                                        <a:rPr lang="en-US" sz="2600" i="1">
+                                          <a:effectLst/>
+                                          <a:latin typeface="Cambria Math" panose="02040503050406030204" pitchFamily="18" charset="0"/>
+                                          <a:ea typeface="Microsoft YaHei" panose="020B0503020204020204" pitchFamily="34" charset="-122"/>
+                                          <a:cs typeface="Times New Roman" panose="02020603050405020304" pitchFamily="18" charset="0"/>
+                                        </a:rPr>
+                                        <m:t>,</m:t>
+                                      </m:r>
+                                      <m:sSub>
+                                        <m:sSubPr>
+                                          <m:ctrlPr>
+                                            <a:rPr lang="en-US" sz="2600" i="1">
+                                              <a:effectLst/>
+                                              <a:latin typeface="Cambria Math" panose="02040503050406030204" pitchFamily="18" charset="0"/>
+                                            </a:rPr>
+                                          </m:ctrlPr>
+                                        </m:sSubPr>
+                                        <m:e>
+                                          <m:r>
+                                            <a:rPr lang="en-US" sz="2600" i="1">
+                                              <a:effectLst/>
+                                              <a:latin typeface="Cambria Math" panose="02040503050406030204" pitchFamily="18" charset="0"/>
+                                              <a:ea typeface="Microsoft YaHei" panose="020B0503020204020204" pitchFamily="34" charset="-122"/>
+                                              <a:cs typeface="Times New Roman" panose="02020603050405020304" pitchFamily="18" charset="0"/>
+                                            </a:rPr>
+                                            <m:t>𝛼</m:t>
+                                          </m:r>
+                                        </m:e>
+                                        <m:sub>
+                                          <m:r>
+                                            <a:rPr lang="en-US" sz="2600" i="1">
+                                              <a:effectLst/>
+                                              <a:latin typeface="Cambria Math" panose="02040503050406030204" pitchFamily="18" charset="0"/>
+                                              <a:ea typeface="Microsoft YaHei" panose="020B0503020204020204" pitchFamily="34" charset="-122"/>
+                                              <a:cs typeface="Times New Roman" panose="02020603050405020304" pitchFamily="18" charset="0"/>
+                                            </a:rPr>
+                                            <m:t>𝑘</m:t>
+                                          </m:r>
+                                        </m:sub>
+                                      </m:sSub>
+                                      <m:r>
+                                        <a:rPr lang="en-US" sz="2600" i="1">
+                                          <a:effectLst/>
+                                          <a:latin typeface="Cambria Math" panose="02040503050406030204" pitchFamily="18" charset="0"/>
+                                          <a:ea typeface="Microsoft YaHei" panose="020B0503020204020204" pitchFamily="34" charset="-122"/>
+                                          <a:cs typeface="Times New Roman" panose="02020603050405020304" pitchFamily="18" charset="0"/>
+                                        </a:rPr>
+                                        <m:t>,</m:t>
+                                      </m:r>
+                                      <m:sSubSup>
+                                        <m:sSubSupPr>
+                                          <m:ctrlPr>
+                                            <a:rPr lang="en-US" sz="2600" i="1">
+                                              <a:effectLst/>
+                                              <a:latin typeface="Cambria Math" panose="02040503050406030204" pitchFamily="18" charset="0"/>
+                                            </a:rPr>
+                                          </m:ctrlPr>
+                                        </m:sSubSupPr>
+                                        <m:e>
+                                          <m:r>
+                                            <a:rPr lang="en-US" sz="2600" i="1">
+                                              <a:effectLst/>
+                                              <a:latin typeface="Cambria Math" panose="02040503050406030204" pitchFamily="18" charset="0"/>
+                                              <a:ea typeface="Microsoft YaHei" panose="020B0503020204020204" pitchFamily="34" charset="-122"/>
+                                              <a:cs typeface="Times New Roman" panose="02020603050405020304" pitchFamily="18" charset="0"/>
+                                            </a:rPr>
+                                            <m:t>𝜎</m:t>
+                                          </m:r>
+                                        </m:e>
+                                        <m:sub>
+                                          <m:r>
+                                            <a:rPr lang="en-US" sz="2600" i="1">
+                                              <a:effectLst/>
+                                              <a:latin typeface="Cambria Math" panose="02040503050406030204" pitchFamily="18" charset="0"/>
+                                              <a:ea typeface="Microsoft YaHei" panose="020B0503020204020204" pitchFamily="34" charset="-122"/>
+                                              <a:cs typeface="Times New Roman" panose="02020603050405020304" pitchFamily="18" charset="0"/>
+                                            </a:rPr>
+                                            <m:t>𝑘</m:t>
+                                          </m:r>
+                                        </m:sub>
+                                        <m:sup>
+                                          <m:r>
+                                            <a:rPr lang="en-US" sz="2600" i="1">
+                                              <a:effectLst/>
+                                              <a:latin typeface="Cambria Math" panose="02040503050406030204" pitchFamily="18" charset="0"/>
+                                              <a:ea typeface="Microsoft YaHei" panose="020B0503020204020204" pitchFamily="34" charset="-122"/>
+                                              <a:cs typeface="Times New Roman" panose="02020603050405020304" pitchFamily="18" charset="0"/>
+                                            </a:rPr>
+                                            <m:t>2</m:t>
+                                          </m:r>
+                                        </m:sup>
+                                      </m:sSubSup>
+                                    </m:e>
+                                  </m:d>
+                                </m:e>
+                              </m:d>
+                            </m:e>
+                          </m:nary>
+                        </m:e>
+                      </m:nary>
+                    </m:oMath>
+                  </m:oMathPara>
+                </a14:m>
+                <a:endParaRPr lang="en-US" sz="2600" dirty="0">
+                  <a:effectLst/>
+                  <a:latin typeface="Times New Roman" panose="02020603050405020304" pitchFamily="18" charset="0"/>
+                  <a:ea typeface="Microsoft YaHei" panose="020B0503020204020204" pitchFamily="34" charset="-122"/>
+                </a:endParaRPr>
+              </a:p>
+              <a:p>
+                <a:r>
+                  <a:rPr lang="en-US" sz="2600" dirty="0"/>
+                  <a:t>In M-step, the conditional probability of </a:t>
+                </a:r>
+                <a:r>
+                  <a:rPr lang="en-US" sz="2600" dirty="0">
+                    <a:effectLst/>
+                    <a:ea typeface="Microsoft YaHei" panose="020B0503020204020204" pitchFamily="34" charset="-122"/>
+                  </a:rPr>
+                  <a:t>mixture coefficient is calculated as follows:</a:t>
+                </a:r>
+              </a:p>
+              <a:p>
+                <a:pPr marL="0" indent="0">
+                  <a:buNone/>
+                </a:pPr>
+                <a14:m>
+                  <m:oMathPara xmlns:m="http://schemas.openxmlformats.org/officeDocument/2006/math">
+                    <m:oMathParaPr>
+                      <m:jc m:val="centerGroup"/>
+                    </m:oMathParaPr>
+                    <m:oMath xmlns:m="http://schemas.openxmlformats.org/officeDocument/2006/math">
+                      <m:r>
+                        <a:rPr lang="en-US" sz="2600" i="1" smtClean="0">
+                          <a:effectLst/>
+                          <a:latin typeface="Cambria Math" panose="02040503050406030204" pitchFamily="18" charset="0"/>
+                          <a:ea typeface="Microsoft YaHei" panose="020B0503020204020204" pitchFamily="34" charset="-122"/>
+                          <a:cs typeface="Times New Roman" panose="02020603050405020304" pitchFamily="18" charset="0"/>
+                        </a:rPr>
+                        <m:t>𝑃</m:t>
+                      </m:r>
+                      <m:d>
+                        <m:dPr>
+                          <m:ctrlPr>
+                            <a:rPr lang="en-US" sz="2600" i="1">
+                              <a:effectLst/>
+                              <a:latin typeface="Cambria Math" panose="02040503050406030204" pitchFamily="18" charset="0"/>
+                            </a:rPr>
+                          </m:ctrlPr>
+                        </m:dPr>
+                        <m:e>
+                          <m:r>
+                            <a:rPr lang="en-US" sz="2600" i="1">
+                              <a:effectLst/>
+                              <a:latin typeface="Cambria Math" panose="02040503050406030204" pitchFamily="18" charset="0"/>
+                              <a:ea typeface="Microsoft YaHei" panose="020B0503020204020204" pitchFamily="34" charset="-122"/>
+                              <a:cs typeface="Times New Roman" panose="02020603050405020304" pitchFamily="18" charset="0"/>
+                            </a:rPr>
+                            <m:t>𝑌</m:t>
+                          </m:r>
+                          <m:r>
+                            <a:rPr lang="en-US" sz="2600" i="1">
+                              <a:effectLst/>
+                              <a:latin typeface="Cambria Math" panose="02040503050406030204" pitchFamily="18" charset="0"/>
+                              <a:ea typeface="Microsoft YaHei" panose="020B0503020204020204" pitchFamily="34" charset="-122"/>
+                              <a:cs typeface="Times New Roman" panose="02020603050405020304" pitchFamily="18" charset="0"/>
+                            </a:rPr>
+                            <m:t>=</m:t>
+                          </m:r>
+                          <m:r>
+                            <a:rPr lang="en-US" sz="2600" i="1">
+                              <a:effectLst/>
+                              <a:latin typeface="Cambria Math" panose="02040503050406030204" pitchFamily="18" charset="0"/>
+                              <a:ea typeface="Microsoft YaHei" panose="020B0503020204020204" pitchFamily="34" charset="-122"/>
+                              <a:cs typeface="Times New Roman" panose="02020603050405020304" pitchFamily="18" charset="0"/>
+                            </a:rPr>
+                            <m:t>𝑘</m:t>
+                          </m:r>
+                        </m:e>
+                        <m:e>
+                          <m:sSub>
+                            <m:sSubPr>
+                              <m:ctrlPr>
+                                <a:rPr lang="en-US" sz="2600" i="1">
+                                  <a:effectLst/>
+                                  <a:latin typeface="Cambria Math" panose="02040503050406030204" pitchFamily="18" charset="0"/>
+                                </a:rPr>
+                              </m:ctrlPr>
+                            </m:sSubPr>
+                            <m:e>
+                              <m:r>
+                                <a:rPr lang="en-US" sz="2600" i="1">
+                                  <a:effectLst/>
+                                  <a:latin typeface="Cambria Math" panose="02040503050406030204" pitchFamily="18" charset="0"/>
+                                  <a:ea typeface="Microsoft YaHei" panose="020B0503020204020204" pitchFamily="34" charset="-122"/>
+                                  <a:cs typeface="Times New Roman" panose="02020603050405020304" pitchFamily="18" charset="0"/>
+                                </a:rPr>
+                                <m:t>𝑋</m:t>
+                              </m:r>
+                            </m:e>
+                            <m:sub>
+                              <m:r>
+                                <a:rPr lang="en-US" sz="2600" i="1">
+                                  <a:effectLst/>
+                                  <a:latin typeface="Cambria Math" panose="02040503050406030204" pitchFamily="18" charset="0"/>
+                                  <a:ea typeface="Microsoft YaHei" panose="020B0503020204020204" pitchFamily="34" charset="-122"/>
+                                  <a:cs typeface="Times New Roman" panose="02020603050405020304" pitchFamily="18" charset="0"/>
+                                </a:rPr>
+                                <m:t>𝑖</m:t>
+                              </m:r>
+                            </m:sub>
+                          </m:sSub>
+                          <m:r>
+                            <a:rPr lang="en-US" sz="2600" i="1">
+                              <a:effectLst/>
+                              <a:latin typeface="Cambria Math" panose="02040503050406030204" pitchFamily="18" charset="0"/>
+                              <a:ea typeface="Microsoft YaHei" panose="020B0503020204020204" pitchFamily="34" charset="-122"/>
+                              <a:cs typeface="Times New Roman" panose="02020603050405020304" pitchFamily="18" charset="0"/>
+                            </a:rPr>
+                            <m:t>,</m:t>
+                          </m:r>
+                          <m:sSub>
+                            <m:sSubPr>
+                              <m:ctrlPr>
+                                <a:rPr lang="en-US" sz="2600" i="1">
+                                  <a:effectLst/>
+                                  <a:latin typeface="Cambria Math" panose="02040503050406030204" pitchFamily="18" charset="0"/>
+                                </a:rPr>
+                              </m:ctrlPr>
+                            </m:sSubPr>
+                            <m:e>
+                              <m:r>
+                                <a:rPr lang="en-US" sz="2600" i="1">
+                                  <a:effectLst/>
+                                  <a:latin typeface="Cambria Math" panose="02040503050406030204" pitchFamily="18" charset="0"/>
+                                  <a:ea typeface="Microsoft YaHei" panose="020B0503020204020204" pitchFamily="34" charset="-122"/>
+                                  <a:cs typeface="Times New Roman" panose="02020603050405020304" pitchFamily="18" charset="0"/>
+                                </a:rPr>
+                                <m:t>𝑧</m:t>
+                              </m:r>
+                            </m:e>
+                            <m:sub>
+                              <m:r>
+                                <a:rPr lang="en-US" sz="2600" i="1">
+                                  <a:effectLst/>
+                                  <a:latin typeface="Cambria Math" panose="02040503050406030204" pitchFamily="18" charset="0"/>
+                                  <a:ea typeface="Microsoft YaHei" panose="020B0503020204020204" pitchFamily="34" charset="-122"/>
+                                  <a:cs typeface="Times New Roman" panose="02020603050405020304" pitchFamily="18" charset="0"/>
+                                </a:rPr>
+                                <m:t>𝑖</m:t>
+                              </m:r>
+                            </m:sub>
+                          </m:sSub>
+                          <m:r>
+                            <a:rPr lang="en-US" sz="2600" i="1">
+                              <a:effectLst/>
+                              <a:latin typeface="Cambria Math" panose="02040503050406030204" pitchFamily="18" charset="0"/>
+                              <a:ea typeface="Microsoft YaHei" panose="020B0503020204020204" pitchFamily="34" charset="-122"/>
+                              <a:cs typeface="Times New Roman" panose="02020603050405020304" pitchFamily="18" charset="0"/>
+                            </a:rPr>
+                            <m:t>,</m:t>
+                          </m:r>
+                          <m:sSubSup>
+                            <m:sSubSupPr>
+                              <m:ctrlPr>
+                                <a:rPr lang="en-US" sz="2600" i="1">
+                                  <a:effectLst/>
+                                  <a:latin typeface="Cambria Math" panose="02040503050406030204" pitchFamily="18" charset="0"/>
+                                  <a:cs typeface="Times New Roman" panose="02020603050405020304" pitchFamily="18" charset="0"/>
+                                </a:rPr>
+                              </m:ctrlPr>
+                            </m:sSubSupPr>
+                            <m:e>
+                              <m:r>
+                                <a:rPr lang="en-US" sz="2600" i="1">
+                                  <a:effectLst/>
+                                  <a:latin typeface="Cambria Math" panose="02040503050406030204" pitchFamily="18" charset="0"/>
+                                  <a:ea typeface="Microsoft YaHei" panose="020B0503020204020204" pitchFamily="34" charset="-122"/>
+                                  <a:cs typeface="Times New Roman" panose="02020603050405020304" pitchFamily="18" charset="0"/>
+                                </a:rPr>
+                                <m:t>𝛼</m:t>
+                              </m:r>
+                            </m:e>
+                            <m:sub>
+                              <m:r>
+                                <a:rPr lang="en-US" sz="2600" i="1">
+                                  <a:effectLst/>
+                                  <a:latin typeface="Cambria Math" panose="02040503050406030204" pitchFamily="18" charset="0"/>
+                                  <a:ea typeface="Microsoft YaHei" panose="020B0503020204020204" pitchFamily="34" charset="-122"/>
+                                  <a:cs typeface="Times New Roman" panose="02020603050405020304" pitchFamily="18" charset="0"/>
+                                </a:rPr>
+                                <m:t>𝑘</m:t>
+                              </m:r>
+                            </m:sub>
+                            <m:sup>
+                              <m:d>
+                                <m:dPr>
+                                  <m:ctrlPr>
+                                    <a:rPr lang="en-US" sz="2600" i="1">
+                                      <a:effectLst/>
+                                      <a:latin typeface="Cambria Math" panose="02040503050406030204" pitchFamily="18" charset="0"/>
+                                      <a:cs typeface="Times New Roman" panose="02020603050405020304" pitchFamily="18" charset="0"/>
+                                    </a:rPr>
+                                  </m:ctrlPr>
+                                </m:dPr>
+                                <m:e>
+                                  <m:r>
+                                    <a:rPr lang="en-US" sz="2600" i="1">
+                                      <a:effectLst/>
+                                      <a:latin typeface="Cambria Math" panose="02040503050406030204" pitchFamily="18" charset="0"/>
+                                      <a:ea typeface="Microsoft YaHei" panose="020B0503020204020204" pitchFamily="34" charset="-122"/>
+                                      <a:cs typeface="Times New Roman" panose="02020603050405020304" pitchFamily="18" charset="0"/>
+                                    </a:rPr>
+                                    <m:t>𝑡</m:t>
+                                  </m:r>
+                                </m:e>
+                              </m:d>
+                            </m:sup>
+                          </m:sSubSup>
+                          <m:r>
+                            <a:rPr lang="en-US" sz="2600" i="1">
+                              <a:effectLst/>
+                              <a:latin typeface="Cambria Math" panose="02040503050406030204" pitchFamily="18" charset="0"/>
+                              <a:ea typeface="Microsoft YaHei" panose="020B0503020204020204" pitchFamily="34" charset="-122"/>
+                              <a:cs typeface="Times New Roman" panose="02020603050405020304" pitchFamily="18" charset="0"/>
+                            </a:rPr>
+                            <m:t>,</m:t>
+                          </m:r>
+                          <m:sSup>
+                            <m:sSupPr>
+                              <m:ctrlPr>
+                                <a:rPr lang="en-US" sz="2600" i="1">
+                                  <a:effectLst/>
+                                  <a:latin typeface="Cambria Math" panose="02040503050406030204" pitchFamily="18" charset="0"/>
+                                </a:rPr>
+                              </m:ctrlPr>
+                            </m:sSupPr>
+                            <m:e>
+                              <m:d>
+                                <m:dPr>
+                                  <m:ctrlPr>
+                                    <a:rPr lang="en-US" sz="2600" i="1">
+                                      <a:effectLst/>
+                                      <a:latin typeface="Cambria Math" panose="02040503050406030204" pitchFamily="18" charset="0"/>
+                                    </a:rPr>
+                                  </m:ctrlPr>
+                                </m:dPr>
+                                <m:e>
+                                  <m:sSubSup>
+                                    <m:sSubSupPr>
+                                      <m:ctrlPr>
+                                        <a:rPr lang="en-US" sz="2600" i="1">
+                                          <a:effectLst/>
+                                          <a:latin typeface="Cambria Math" panose="02040503050406030204" pitchFamily="18" charset="0"/>
+                                        </a:rPr>
+                                      </m:ctrlPr>
+                                    </m:sSubSupPr>
+                                    <m:e>
+                                      <m:r>
+                                        <a:rPr lang="en-US" sz="2600" i="1">
+                                          <a:effectLst/>
+                                          <a:latin typeface="Cambria Math" panose="02040503050406030204" pitchFamily="18" charset="0"/>
+                                          <a:ea typeface="Microsoft YaHei" panose="020B0503020204020204" pitchFamily="34" charset="-122"/>
+                                          <a:cs typeface="Times New Roman" panose="02020603050405020304" pitchFamily="18" charset="0"/>
+                                        </a:rPr>
+                                        <m:t>𝜎</m:t>
+                                      </m:r>
+                                    </m:e>
+                                    <m:sub>
+                                      <m:r>
+                                        <a:rPr lang="en-US" sz="2600" i="1">
+                                          <a:effectLst/>
+                                          <a:latin typeface="Cambria Math" panose="02040503050406030204" pitchFamily="18" charset="0"/>
+                                          <a:ea typeface="Microsoft YaHei" panose="020B0503020204020204" pitchFamily="34" charset="-122"/>
+                                          <a:cs typeface="Times New Roman" panose="02020603050405020304" pitchFamily="18" charset="0"/>
+                                        </a:rPr>
+                                        <m:t>𝑘</m:t>
+                                      </m:r>
+                                    </m:sub>
+                                    <m:sup>
+                                      <m:r>
+                                        <a:rPr lang="en-US" sz="2600" i="1">
+                                          <a:effectLst/>
+                                          <a:latin typeface="Cambria Math" panose="02040503050406030204" pitchFamily="18" charset="0"/>
+                                          <a:ea typeface="Microsoft YaHei" panose="020B0503020204020204" pitchFamily="34" charset="-122"/>
+                                          <a:cs typeface="Times New Roman" panose="02020603050405020304" pitchFamily="18" charset="0"/>
+                                        </a:rPr>
+                                        <m:t>2</m:t>
+                                      </m:r>
+                                    </m:sup>
+                                  </m:sSubSup>
+                                </m:e>
+                              </m:d>
+                            </m:e>
+                            <m:sup>
+                              <m:d>
+                                <m:dPr>
+                                  <m:ctrlPr>
+                                    <a:rPr lang="en-US" sz="2600" i="1">
+                                      <a:effectLst/>
+                                      <a:latin typeface="Cambria Math" panose="02040503050406030204" pitchFamily="18" charset="0"/>
+                                      <a:cs typeface="Times New Roman" panose="02020603050405020304" pitchFamily="18" charset="0"/>
+                                    </a:rPr>
+                                  </m:ctrlPr>
+                                </m:dPr>
+                                <m:e>
+                                  <m:r>
+                                    <a:rPr lang="en-US" sz="2600" i="1">
+                                      <a:effectLst/>
+                                      <a:latin typeface="Cambria Math" panose="02040503050406030204" pitchFamily="18" charset="0"/>
+                                      <a:ea typeface="Microsoft YaHei" panose="020B0503020204020204" pitchFamily="34" charset="-122"/>
+                                      <a:cs typeface="Times New Roman" panose="02020603050405020304" pitchFamily="18" charset="0"/>
+                                    </a:rPr>
+                                    <m:t>𝑡</m:t>
+                                  </m:r>
+                                </m:e>
+                              </m:d>
+                            </m:sup>
+                          </m:sSup>
+                        </m:e>
+                      </m:d>
+                      <m:r>
+                        <a:rPr lang="en-US" sz="2600" i="1">
+                          <a:effectLst/>
+                          <a:latin typeface="Cambria Math" panose="02040503050406030204" pitchFamily="18" charset="0"/>
+                          <a:ea typeface="Microsoft YaHei" panose="020B0503020204020204" pitchFamily="34" charset="-122"/>
+                          <a:cs typeface="Times New Roman" panose="02020603050405020304" pitchFamily="18" charset="0"/>
+                        </a:rPr>
+                        <m:t>=</m:t>
+                      </m:r>
+                      <m:f>
+                        <m:fPr>
+                          <m:ctrlPr>
+                            <a:rPr lang="en-US" sz="2600" i="1">
+                              <a:effectLst/>
+                              <a:latin typeface="Cambria Math" panose="02040503050406030204" pitchFamily="18" charset="0"/>
+                            </a:rPr>
+                          </m:ctrlPr>
+                        </m:fPr>
+                        <m:num>
+                          <m:sSubSup>
+                            <m:sSubSupPr>
+                              <m:ctrlPr>
+                                <a:rPr lang="en-US" sz="2600" i="1">
+                                  <a:effectLst/>
+                                  <a:latin typeface="Cambria Math" panose="02040503050406030204" pitchFamily="18" charset="0"/>
+                                </a:rPr>
+                              </m:ctrlPr>
+                            </m:sSubSupPr>
+                            <m:e>
+                              <m:r>
+                                <a:rPr lang="en-US" sz="2600" i="1">
+                                  <a:effectLst/>
+                                  <a:latin typeface="Cambria Math" panose="02040503050406030204" pitchFamily="18" charset="0"/>
+                                  <a:ea typeface="Microsoft YaHei" panose="020B0503020204020204" pitchFamily="34" charset="-122"/>
+                                  <a:cs typeface="Times New Roman" panose="02020603050405020304" pitchFamily="18" charset="0"/>
+                                </a:rPr>
+                                <m:t>𝑐</m:t>
+                              </m:r>
+                            </m:e>
+                            <m:sub>
+                              <m:r>
+                                <a:rPr lang="en-US" sz="2600" i="1">
+                                  <a:effectLst/>
+                                  <a:latin typeface="Cambria Math" panose="02040503050406030204" pitchFamily="18" charset="0"/>
+                                  <a:ea typeface="Microsoft YaHei" panose="020B0503020204020204" pitchFamily="34" charset="-122"/>
+                                  <a:cs typeface="Times New Roman" panose="02020603050405020304" pitchFamily="18" charset="0"/>
+                                </a:rPr>
+                                <m:t>𝑘</m:t>
+                              </m:r>
+                            </m:sub>
+                            <m:sup>
+                              <m:d>
+                                <m:dPr>
+                                  <m:ctrlPr>
+                                    <a:rPr lang="en-US" sz="2600" i="1">
+                                      <a:effectLst/>
+                                      <a:latin typeface="Cambria Math" panose="02040503050406030204" pitchFamily="18" charset="0"/>
+                                    </a:rPr>
+                                  </m:ctrlPr>
+                                </m:dPr>
+                                <m:e>
+                                  <m:r>
+                                    <a:rPr lang="en-US" sz="2600" i="1">
+                                      <a:effectLst/>
+                                      <a:latin typeface="Cambria Math" panose="02040503050406030204" pitchFamily="18" charset="0"/>
+                                      <a:ea typeface="Microsoft YaHei" panose="020B0503020204020204" pitchFamily="34" charset="-122"/>
+                                      <a:cs typeface="Times New Roman" panose="02020603050405020304" pitchFamily="18" charset="0"/>
+                                    </a:rPr>
+                                    <m:t>𝑡</m:t>
+                                  </m:r>
+                                </m:e>
+                              </m:d>
+                            </m:sup>
+                          </m:sSubSup>
+                          <m:sSub>
+                            <m:sSubPr>
+                              <m:ctrlPr>
+                                <a:rPr lang="en-US" sz="2600" i="1">
+                                  <a:effectLst/>
+                                  <a:latin typeface="Cambria Math" panose="02040503050406030204" pitchFamily="18" charset="0"/>
+                                </a:rPr>
+                              </m:ctrlPr>
+                            </m:sSubPr>
+                            <m:e>
+                              <m:r>
+                                <a:rPr lang="en-US" sz="2600" i="1">
+                                  <a:effectLst/>
+                                  <a:latin typeface="Cambria Math" panose="02040503050406030204" pitchFamily="18" charset="0"/>
+                                  <a:ea typeface="Microsoft YaHei" panose="020B0503020204020204" pitchFamily="34" charset="-122"/>
+                                  <a:cs typeface="Times New Roman" panose="02020603050405020304" pitchFamily="18" charset="0"/>
+                                </a:rPr>
+                                <m:t>𝑃</m:t>
+                              </m:r>
+                            </m:e>
+                            <m:sub>
+                              <m:r>
+                                <a:rPr lang="en-US" sz="2600" i="1">
+                                  <a:effectLst/>
+                                  <a:latin typeface="Cambria Math" panose="02040503050406030204" pitchFamily="18" charset="0"/>
+                                  <a:ea typeface="Microsoft YaHei" panose="020B0503020204020204" pitchFamily="34" charset="-122"/>
+                                  <a:cs typeface="Times New Roman" panose="02020603050405020304" pitchFamily="18" charset="0"/>
+                                </a:rPr>
+                                <m:t>𝑘</m:t>
+                              </m:r>
+                            </m:sub>
+                          </m:sSub>
+                          <m:d>
+                            <m:dPr>
+                              <m:ctrlPr>
+                                <a:rPr lang="en-US" sz="2600" i="1">
+                                  <a:effectLst/>
+                                  <a:latin typeface="Cambria Math" panose="02040503050406030204" pitchFamily="18" charset="0"/>
+                                </a:rPr>
+                              </m:ctrlPr>
+                            </m:dPr>
+                            <m:e>
+                              <m:sSub>
+                                <m:sSubPr>
+                                  <m:ctrlPr>
+                                    <a:rPr lang="en-US" sz="2600" i="1">
+                                      <a:effectLst/>
+                                      <a:latin typeface="Cambria Math" panose="02040503050406030204" pitchFamily="18" charset="0"/>
+                                    </a:rPr>
+                                  </m:ctrlPr>
+                                </m:sSubPr>
+                                <m:e>
+                                  <m:r>
+                                    <a:rPr lang="en-US" sz="2600" i="1">
+                                      <a:effectLst/>
+                                      <a:latin typeface="Cambria Math" panose="02040503050406030204" pitchFamily="18" charset="0"/>
+                                      <a:ea typeface="Microsoft YaHei" panose="020B0503020204020204" pitchFamily="34" charset="-122"/>
+                                      <a:cs typeface="Times New Roman" panose="02020603050405020304" pitchFamily="18" charset="0"/>
+                                    </a:rPr>
+                                    <m:t>𝑧</m:t>
+                                  </m:r>
+                                </m:e>
+                                <m:sub>
+                                  <m:r>
+                                    <a:rPr lang="en-US" sz="2600" i="1">
+                                      <a:effectLst/>
+                                      <a:latin typeface="Cambria Math" panose="02040503050406030204" pitchFamily="18" charset="0"/>
+                                      <a:ea typeface="Microsoft YaHei" panose="020B0503020204020204" pitchFamily="34" charset="-122"/>
+                                      <a:cs typeface="Times New Roman" panose="02020603050405020304" pitchFamily="18" charset="0"/>
+                                    </a:rPr>
+                                    <m:t>𝑖</m:t>
+                                  </m:r>
+                                </m:sub>
+                              </m:sSub>
+                            </m:e>
+                            <m:e>
+                              <m:sSub>
+                                <m:sSubPr>
+                                  <m:ctrlPr>
+                                    <a:rPr lang="en-US" sz="2600" i="1">
+                                      <a:effectLst/>
+                                      <a:latin typeface="Cambria Math" panose="02040503050406030204" pitchFamily="18" charset="0"/>
+                                    </a:rPr>
+                                  </m:ctrlPr>
+                                </m:sSubPr>
+                                <m:e>
+                                  <m:r>
+                                    <a:rPr lang="en-US" sz="2600" i="1">
+                                      <a:effectLst/>
+                                      <a:latin typeface="Cambria Math" panose="02040503050406030204" pitchFamily="18" charset="0"/>
+                                      <a:ea typeface="Microsoft YaHei" panose="020B0503020204020204" pitchFamily="34" charset="-122"/>
+                                      <a:cs typeface="Times New Roman" panose="02020603050405020304" pitchFamily="18" charset="0"/>
+                                    </a:rPr>
+                                    <m:t>𝑋</m:t>
+                                  </m:r>
+                                </m:e>
+                                <m:sub>
+                                  <m:r>
+                                    <a:rPr lang="en-US" sz="2600" i="1">
+                                      <a:effectLst/>
+                                      <a:latin typeface="Cambria Math" panose="02040503050406030204" pitchFamily="18" charset="0"/>
+                                      <a:ea typeface="Microsoft YaHei" panose="020B0503020204020204" pitchFamily="34" charset="-122"/>
+                                      <a:cs typeface="Times New Roman" panose="02020603050405020304" pitchFamily="18" charset="0"/>
+                                    </a:rPr>
+                                    <m:t>𝑖</m:t>
+                                  </m:r>
+                                </m:sub>
+                              </m:sSub>
+                              <m:r>
+                                <a:rPr lang="en-US" sz="2600" i="1">
+                                  <a:effectLst/>
+                                  <a:latin typeface="Cambria Math" panose="02040503050406030204" pitchFamily="18" charset="0"/>
+                                  <a:ea typeface="Microsoft YaHei" panose="020B0503020204020204" pitchFamily="34" charset="-122"/>
+                                  <a:cs typeface="Times New Roman" panose="02020603050405020304" pitchFamily="18" charset="0"/>
+                                </a:rPr>
+                                <m:t>,</m:t>
+                              </m:r>
+                              <m:sSubSup>
+                                <m:sSubSupPr>
+                                  <m:ctrlPr>
+                                    <a:rPr lang="en-US" sz="2600" i="1">
+                                      <a:effectLst/>
+                                      <a:latin typeface="Cambria Math" panose="02040503050406030204" pitchFamily="18" charset="0"/>
+                                      <a:cs typeface="Times New Roman" panose="02020603050405020304" pitchFamily="18" charset="0"/>
+                                    </a:rPr>
+                                  </m:ctrlPr>
+                                </m:sSubSupPr>
+                                <m:e>
+                                  <m:r>
+                                    <a:rPr lang="en-US" sz="2600" i="1">
+                                      <a:effectLst/>
+                                      <a:latin typeface="Cambria Math" panose="02040503050406030204" pitchFamily="18" charset="0"/>
+                                      <a:ea typeface="Microsoft YaHei" panose="020B0503020204020204" pitchFamily="34" charset="-122"/>
+                                      <a:cs typeface="Times New Roman" panose="02020603050405020304" pitchFamily="18" charset="0"/>
+                                    </a:rPr>
+                                    <m:t>𝛼</m:t>
+                                  </m:r>
+                                </m:e>
+                                <m:sub>
+                                  <m:r>
+                                    <a:rPr lang="en-US" sz="2600" i="1">
+                                      <a:effectLst/>
+                                      <a:latin typeface="Cambria Math" panose="02040503050406030204" pitchFamily="18" charset="0"/>
+                                      <a:ea typeface="Microsoft YaHei" panose="020B0503020204020204" pitchFamily="34" charset="-122"/>
+                                      <a:cs typeface="Times New Roman" panose="02020603050405020304" pitchFamily="18" charset="0"/>
+                                    </a:rPr>
+                                    <m:t>𝑘</m:t>
+                                  </m:r>
+                                </m:sub>
+                                <m:sup>
+                                  <m:d>
+                                    <m:dPr>
+                                      <m:ctrlPr>
+                                        <a:rPr lang="en-US" sz="2600" i="1">
+                                          <a:effectLst/>
+                                          <a:latin typeface="Cambria Math" panose="02040503050406030204" pitchFamily="18" charset="0"/>
+                                          <a:cs typeface="Times New Roman" panose="02020603050405020304" pitchFamily="18" charset="0"/>
+                                        </a:rPr>
+                                      </m:ctrlPr>
+                                    </m:dPr>
+                                    <m:e>
+                                      <m:r>
+                                        <a:rPr lang="en-US" sz="2600" i="1">
+                                          <a:effectLst/>
+                                          <a:latin typeface="Cambria Math" panose="02040503050406030204" pitchFamily="18" charset="0"/>
+                                          <a:ea typeface="Microsoft YaHei" panose="020B0503020204020204" pitchFamily="34" charset="-122"/>
+                                          <a:cs typeface="Times New Roman" panose="02020603050405020304" pitchFamily="18" charset="0"/>
+                                        </a:rPr>
+                                        <m:t>𝑡</m:t>
+                                      </m:r>
+                                    </m:e>
+                                  </m:d>
+                                </m:sup>
+                              </m:sSubSup>
+                              <m:r>
+                                <a:rPr lang="en-US" sz="2600" i="1">
+                                  <a:effectLst/>
+                                  <a:latin typeface="Cambria Math" panose="02040503050406030204" pitchFamily="18" charset="0"/>
+                                  <a:ea typeface="Microsoft YaHei" panose="020B0503020204020204" pitchFamily="34" charset="-122"/>
+                                  <a:cs typeface="Times New Roman" panose="02020603050405020304" pitchFamily="18" charset="0"/>
+                                </a:rPr>
+                                <m:t>,</m:t>
+                              </m:r>
+                              <m:sSup>
+                                <m:sSupPr>
+                                  <m:ctrlPr>
+                                    <a:rPr lang="en-US" sz="2600" i="1">
+                                      <a:effectLst/>
+                                      <a:latin typeface="Cambria Math" panose="02040503050406030204" pitchFamily="18" charset="0"/>
+                                    </a:rPr>
+                                  </m:ctrlPr>
+                                </m:sSupPr>
+                                <m:e>
+                                  <m:d>
+                                    <m:dPr>
+                                      <m:ctrlPr>
+                                        <a:rPr lang="en-US" sz="2600" i="1">
+                                          <a:effectLst/>
+                                          <a:latin typeface="Cambria Math" panose="02040503050406030204" pitchFamily="18" charset="0"/>
+                                        </a:rPr>
+                                      </m:ctrlPr>
+                                    </m:dPr>
+                                    <m:e>
+                                      <m:sSubSup>
+                                        <m:sSubSupPr>
+                                          <m:ctrlPr>
+                                            <a:rPr lang="en-US" sz="2600" i="1">
+                                              <a:effectLst/>
+                                              <a:latin typeface="Cambria Math" panose="02040503050406030204" pitchFamily="18" charset="0"/>
+                                            </a:rPr>
+                                          </m:ctrlPr>
+                                        </m:sSubSupPr>
+                                        <m:e>
+                                          <m:r>
+                                            <a:rPr lang="en-US" sz="2600" i="1">
+                                              <a:effectLst/>
+                                              <a:latin typeface="Cambria Math" panose="02040503050406030204" pitchFamily="18" charset="0"/>
+                                              <a:ea typeface="Microsoft YaHei" panose="020B0503020204020204" pitchFamily="34" charset="-122"/>
+                                              <a:cs typeface="Times New Roman" panose="02020603050405020304" pitchFamily="18" charset="0"/>
+                                            </a:rPr>
+                                            <m:t>𝜎</m:t>
+                                          </m:r>
+                                        </m:e>
+                                        <m:sub>
+                                          <m:r>
+                                            <a:rPr lang="en-US" sz="2600" i="1">
+                                              <a:effectLst/>
+                                              <a:latin typeface="Cambria Math" panose="02040503050406030204" pitchFamily="18" charset="0"/>
+                                              <a:ea typeface="Microsoft YaHei" panose="020B0503020204020204" pitchFamily="34" charset="-122"/>
+                                              <a:cs typeface="Times New Roman" panose="02020603050405020304" pitchFamily="18" charset="0"/>
+                                            </a:rPr>
+                                            <m:t>𝑘</m:t>
+                                          </m:r>
+                                        </m:sub>
+                                        <m:sup>
+                                          <m:r>
+                                            <a:rPr lang="en-US" sz="2600" i="1">
+                                              <a:effectLst/>
+                                              <a:latin typeface="Cambria Math" panose="02040503050406030204" pitchFamily="18" charset="0"/>
+                                              <a:ea typeface="Microsoft YaHei" panose="020B0503020204020204" pitchFamily="34" charset="-122"/>
+                                              <a:cs typeface="Times New Roman" panose="02020603050405020304" pitchFamily="18" charset="0"/>
+                                            </a:rPr>
+                                            <m:t>2</m:t>
+                                          </m:r>
+                                        </m:sup>
+                                      </m:sSubSup>
+                                    </m:e>
+                                  </m:d>
+                                </m:e>
+                                <m:sup>
+                                  <m:d>
+                                    <m:dPr>
+                                      <m:ctrlPr>
+                                        <a:rPr lang="en-US" sz="2600" i="1">
+                                          <a:effectLst/>
+                                          <a:latin typeface="Cambria Math" panose="02040503050406030204" pitchFamily="18" charset="0"/>
+                                          <a:cs typeface="Times New Roman" panose="02020603050405020304" pitchFamily="18" charset="0"/>
+                                        </a:rPr>
+                                      </m:ctrlPr>
+                                    </m:dPr>
+                                    <m:e>
+                                      <m:r>
+                                        <a:rPr lang="en-US" sz="2600" i="1">
+                                          <a:effectLst/>
+                                          <a:latin typeface="Cambria Math" panose="02040503050406030204" pitchFamily="18" charset="0"/>
+                                          <a:ea typeface="Microsoft YaHei" panose="020B0503020204020204" pitchFamily="34" charset="-122"/>
+                                          <a:cs typeface="Times New Roman" panose="02020603050405020304" pitchFamily="18" charset="0"/>
+                                        </a:rPr>
+                                        <m:t>𝑡</m:t>
+                                      </m:r>
+                                    </m:e>
+                                  </m:d>
+                                </m:sup>
+                              </m:sSup>
+                            </m:e>
+                          </m:d>
+                        </m:num>
+                        <m:den>
+                          <m:nary>
+                            <m:naryPr>
+                              <m:chr m:val="∑"/>
+                              <m:limLoc m:val="undOvr"/>
+                              <m:ctrlPr>
+                                <a:rPr lang="en-US" sz="2600" i="1">
+                                  <a:effectLst/>
+                                  <a:latin typeface="Cambria Math" panose="02040503050406030204" pitchFamily="18" charset="0"/>
+                                </a:rPr>
+                              </m:ctrlPr>
+                            </m:naryPr>
+                            <m:sub>
+                              <m:r>
+                                <a:rPr lang="en-US" sz="2600" i="1">
+                                  <a:effectLst/>
+                                  <a:latin typeface="Cambria Math" panose="02040503050406030204" pitchFamily="18" charset="0"/>
+                                  <a:ea typeface="Microsoft YaHei" panose="020B0503020204020204" pitchFamily="34" charset="-122"/>
+                                  <a:cs typeface="Times New Roman" panose="02020603050405020304" pitchFamily="18" charset="0"/>
+                                </a:rPr>
+                                <m:t>𝑙</m:t>
+                              </m:r>
+                            </m:sub>
+                            <m:sup>
+                              <m:r>
+                                <a:rPr lang="en-US" sz="2600" i="1">
+                                  <a:effectLst/>
+                                  <a:latin typeface="Cambria Math" panose="02040503050406030204" pitchFamily="18" charset="0"/>
+                                  <a:ea typeface="Microsoft YaHei" panose="020B0503020204020204" pitchFamily="34" charset="-122"/>
+                                  <a:cs typeface="Times New Roman" panose="02020603050405020304" pitchFamily="18" charset="0"/>
+                                </a:rPr>
+                                <m:t>𝐾</m:t>
+                              </m:r>
+                            </m:sup>
+                            <m:e>
+                              <m:sSubSup>
+                                <m:sSubSupPr>
+                                  <m:ctrlPr>
+                                    <a:rPr lang="en-US" sz="2600" i="1">
+                                      <a:effectLst/>
+                                      <a:latin typeface="Cambria Math" panose="02040503050406030204" pitchFamily="18" charset="0"/>
+                                    </a:rPr>
+                                  </m:ctrlPr>
+                                </m:sSubSupPr>
+                                <m:e>
+                                  <m:r>
+                                    <a:rPr lang="en-US" sz="2600" i="1">
+                                      <a:effectLst/>
+                                      <a:latin typeface="Cambria Math" panose="02040503050406030204" pitchFamily="18" charset="0"/>
+                                      <a:ea typeface="Microsoft YaHei" panose="020B0503020204020204" pitchFamily="34" charset="-122"/>
+                                      <a:cs typeface="Times New Roman" panose="02020603050405020304" pitchFamily="18" charset="0"/>
+                                    </a:rPr>
+                                    <m:t>𝑐</m:t>
+                                  </m:r>
+                                </m:e>
+                                <m:sub>
+                                  <m:r>
+                                    <a:rPr lang="en-US" sz="2600" i="1">
+                                      <a:effectLst/>
+                                      <a:latin typeface="Cambria Math" panose="02040503050406030204" pitchFamily="18" charset="0"/>
+                                      <a:ea typeface="Microsoft YaHei" panose="020B0503020204020204" pitchFamily="34" charset="-122"/>
+                                      <a:cs typeface="Times New Roman" panose="02020603050405020304" pitchFamily="18" charset="0"/>
+                                    </a:rPr>
+                                    <m:t>𝑙</m:t>
+                                  </m:r>
+                                </m:sub>
+                                <m:sup>
+                                  <m:d>
+                                    <m:dPr>
+                                      <m:ctrlPr>
+                                        <a:rPr lang="en-US" sz="2600" i="1">
+                                          <a:effectLst/>
+                                          <a:latin typeface="Cambria Math" panose="02040503050406030204" pitchFamily="18" charset="0"/>
+                                        </a:rPr>
+                                      </m:ctrlPr>
+                                    </m:dPr>
+                                    <m:e>
+                                      <m:r>
+                                        <a:rPr lang="en-US" sz="2600" i="1">
+                                          <a:effectLst/>
+                                          <a:latin typeface="Cambria Math" panose="02040503050406030204" pitchFamily="18" charset="0"/>
+                                          <a:ea typeface="Microsoft YaHei" panose="020B0503020204020204" pitchFamily="34" charset="-122"/>
+                                          <a:cs typeface="Times New Roman" panose="02020603050405020304" pitchFamily="18" charset="0"/>
+                                        </a:rPr>
+                                        <m:t>𝑡</m:t>
+                                      </m:r>
+                                    </m:e>
+                                  </m:d>
+                                </m:sup>
+                              </m:sSubSup>
+                              <m:sSub>
+                                <m:sSubPr>
+                                  <m:ctrlPr>
+                                    <a:rPr lang="en-US" sz="2600" i="1">
+                                      <a:effectLst/>
+                                      <a:latin typeface="Cambria Math" panose="02040503050406030204" pitchFamily="18" charset="0"/>
+                                    </a:rPr>
+                                  </m:ctrlPr>
+                                </m:sSubPr>
+                                <m:e>
+                                  <m:r>
+                                    <a:rPr lang="en-US" sz="2600" i="1">
+                                      <a:effectLst/>
+                                      <a:latin typeface="Cambria Math" panose="02040503050406030204" pitchFamily="18" charset="0"/>
+                                      <a:ea typeface="Microsoft YaHei" panose="020B0503020204020204" pitchFamily="34" charset="-122"/>
+                                      <a:cs typeface="Times New Roman" panose="02020603050405020304" pitchFamily="18" charset="0"/>
+                                    </a:rPr>
+                                    <m:t>𝑃</m:t>
+                                  </m:r>
+                                </m:e>
+                                <m:sub>
+                                  <m:r>
+                                    <a:rPr lang="en-US" sz="2600" i="1">
+                                      <a:effectLst/>
+                                      <a:latin typeface="Cambria Math" panose="02040503050406030204" pitchFamily="18" charset="0"/>
+                                      <a:ea typeface="Microsoft YaHei" panose="020B0503020204020204" pitchFamily="34" charset="-122"/>
+                                      <a:cs typeface="Times New Roman" panose="02020603050405020304" pitchFamily="18" charset="0"/>
+                                    </a:rPr>
+                                    <m:t>𝑙</m:t>
+                                  </m:r>
+                                </m:sub>
+                              </m:sSub>
+                              <m:d>
+                                <m:dPr>
+                                  <m:ctrlPr>
+                                    <a:rPr lang="en-US" sz="2600" i="1">
+                                      <a:effectLst/>
+                                      <a:latin typeface="Cambria Math" panose="02040503050406030204" pitchFamily="18" charset="0"/>
+                                    </a:rPr>
+                                  </m:ctrlPr>
+                                </m:dPr>
+                                <m:e>
+                                  <m:sSub>
+                                    <m:sSubPr>
+                                      <m:ctrlPr>
+                                        <a:rPr lang="en-US" sz="2600" i="1">
+                                          <a:effectLst/>
+                                          <a:latin typeface="Cambria Math" panose="02040503050406030204" pitchFamily="18" charset="0"/>
+                                        </a:rPr>
+                                      </m:ctrlPr>
+                                    </m:sSubPr>
+                                    <m:e>
+                                      <m:r>
+                                        <a:rPr lang="en-US" sz="2600" i="1">
+                                          <a:effectLst/>
+                                          <a:latin typeface="Cambria Math" panose="02040503050406030204" pitchFamily="18" charset="0"/>
+                                          <a:ea typeface="Microsoft YaHei" panose="020B0503020204020204" pitchFamily="34" charset="-122"/>
+                                          <a:cs typeface="Times New Roman" panose="02020603050405020304" pitchFamily="18" charset="0"/>
+                                        </a:rPr>
+                                        <m:t>𝑧</m:t>
+                                      </m:r>
+                                    </m:e>
+                                    <m:sub>
+                                      <m:r>
+                                        <a:rPr lang="en-US" sz="2600" i="1">
+                                          <a:effectLst/>
+                                          <a:latin typeface="Cambria Math" panose="02040503050406030204" pitchFamily="18" charset="0"/>
+                                          <a:ea typeface="Microsoft YaHei" panose="020B0503020204020204" pitchFamily="34" charset="-122"/>
+                                          <a:cs typeface="Times New Roman" panose="02020603050405020304" pitchFamily="18" charset="0"/>
+                                        </a:rPr>
+                                        <m:t>𝑖</m:t>
+                                      </m:r>
+                                    </m:sub>
+                                  </m:sSub>
+                                </m:e>
+                                <m:e>
+                                  <m:sSub>
+                                    <m:sSubPr>
+                                      <m:ctrlPr>
+                                        <a:rPr lang="en-US" sz="2600" i="1">
+                                          <a:effectLst/>
+                                          <a:latin typeface="Cambria Math" panose="02040503050406030204" pitchFamily="18" charset="0"/>
+                                        </a:rPr>
+                                      </m:ctrlPr>
+                                    </m:sSubPr>
+                                    <m:e>
+                                      <m:r>
+                                        <a:rPr lang="en-US" sz="2600" i="1">
+                                          <a:effectLst/>
+                                          <a:latin typeface="Cambria Math" panose="02040503050406030204" pitchFamily="18" charset="0"/>
+                                          <a:ea typeface="Microsoft YaHei" panose="020B0503020204020204" pitchFamily="34" charset="-122"/>
+                                          <a:cs typeface="Times New Roman" panose="02020603050405020304" pitchFamily="18" charset="0"/>
+                                        </a:rPr>
+                                        <m:t>𝑋</m:t>
+                                      </m:r>
+                                    </m:e>
+                                    <m:sub>
+                                      <m:r>
+                                        <a:rPr lang="en-US" sz="2600" i="1">
+                                          <a:effectLst/>
+                                          <a:latin typeface="Cambria Math" panose="02040503050406030204" pitchFamily="18" charset="0"/>
+                                          <a:ea typeface="Microsoft YaHei" panose="020B0503020204020204" pitchFamily="34" charset="-122"/>
+                                          <a:cs typeface="Times New Roman" panose="02020603050405020304" pitchFamily="18" charset="0"/>
+                                        </a:rPr>
+                                        <m:t>𝑖</m:t>
+                                      </m:r>
+                                    </m:sub>
+                                  </m:sSub>
+                                  <m:r>
+                                    <a:rPr lang="en-US" sz="2600" i="1">
+                                      <a:effectLst/>
+                                      <a:latin typeface="Cambria Math" panose="02040503050406030204" pitchFamily="18" charset="0"/>
+                                      <a:ea typeface="Microsoft YaHei" panose="020B0503020204020204" pitchFamily="34" charset="-122"/>
+                                      <a:cs typeface="Times New Roman" panose="02020603050405020304" pitchFamily="18" charset="0"/>
+                                    </a:rPr>
+                                    <m:t>,</m:t>
+                                  </m:r>
+                                  <m:sSubSup>
+                                    <m:sSubSupPr>
+                                      <m:ctrlPr>
+                                        <a:rPr lang="en-US" sz="2600" i="1">
+                                          <a:effectLst/>
+                                          <a:latin typeface="Cambria Math" panose="02040503050406030204" pitchFamily="18" charset="0"/>
+                                          <a:cs typeface="Times New Roman" panose="02020603050405020304" pitchFamily="18" charset="0"/>
+                                        </a:rPr>
+                                      </m:ctrlPr>
+                                    </m:sSubSupPr>
+                                    <m:e>
+                                      <m:r>
+                                        <a:rPr lang="en-US" sz="2600" i="1">
+                                          <a:effectLst/>
+                                          <a:latin typeface="Cambria Math" panose="02040503050406030204" pitchFamily="18" charset="0"/>
+                                          <a:ea typeface="Microsoft YaHei" panose="020B0503020204020204" pitchFamily="34" charset="-122"/>
+                                          <a:cs typeface="Times New Roman" panose="02020603050405020304" pitchFamily="18" charset="0"/>
+                                        </a:rPr>
+                                        <m:t>𝛼</m:t>
+                                      </m:r>
+                                    </m:e>
+                                    <m:sub>
+                                      <m:r>
+                                        <a:rPr lang="en-US" sz="2600" i="1">
+                                          <a:effectLst/>
+                                          <a:latin typeface="Cambria Math" panose="02040503050406030204" pitchFamily="18" charset="0"/>
+                                          <a:ea typeface="Microsoft YaHei" panose="020B0503020204020204" pitchFamily="34" charset="-122"/>
+                                          <a:cs typeface="Times New Roman" panose="02020603050405020304" pitchFamily="18" charset="0"/>
+                                        </a:rPr>
+                                        <m:t>𝑘</m:t>
+                                      </m:r>
+                                    </m:sub>
+                                    <m:sup>
+                                      <m:d>
+                                        <m:dPr>
+                                          <m:ctrlPr>
+                                            <a:rPr lang="en-US" sz="2600" i="1">
+                                              <a:effectLst/>
+                                              <a:latin typeface="Cambria Math" panose="02040503050406030204" pitchFamily="18" charset="0"/>
+                                              <a:cs typeface="Times New Roman" panose="02020603050405020304" pitchFamily="18" charset="0"/>
+                                            </a:rPr>
+                                          </m:ctrlPr>
+                                        </m:dPr>
+                                        <m:e>
+                                          <m:r>
+                                            <a:rPr lang="en-US" sz="2600" i="1">
+                                              <a:effectLst/>
+                                              <a:latin typeface="Cambria Math" panose="02040503050406030204" pitchFamily="18" charset="0"/>
+                                              <a:ea typeface="Microsoft YaHei" panose="020B0503020204020204" pitchFamily="34" charset="-122"/>
+                                              <a:cs typeface="Times New Roman" panose="02020603050405020304" pitchFamily="18" charset="0"/>
+                                            </a:rPr>
+                                            <m:t>𝑡</m:t>
+                                          </m:r>
+                                        </m:e>
+                                      </m:d>
+                                    </m:sup>
+                                  </m:sSubSup>
+                                  <m:r>
+                                    <a:rPr lang="en-US" sz="2600" i="1">
+                                      <a:effectLst/>
+                                      <a:latin typeface="Cambria Math" panose="02040503050406030204" pitchFamily="18" charset="0"/>
+                                      <a:ea typeface="Microsoft YaHei" panose="020B0503020204020204" pitchFamily="34" charset="-122"/>
+                                      <a:cs typeface="Times New Roman" panose="02020603050405020304" pitchFamily="18" charset="0"/>
+                                    </a:rPr>
+                                    <m:t>,</m:t>
+                                  </m:r>
+                                  <m:sSup>
+                                    <m:sSupPr>
+                                      <m:ctrlPr>
+                                        <a:rPr lang="en-US" sz="2600" i="1">
+                                          <a:effectLst/>
+                                          <a:latin typeface="Cambria Math" panose="02040503050406030204" pitchFamily="18" charset="0"/>
+                                        </a:rPr>
+                                      </m:ctrlPr>
+                                    </m:sSupPr>
+                                    <m:e>
+                                      <m:d>
+                                        <m:dPr>
+                                          <m:ctrlPr>
+                                            <a:rPr lang="en-US" sz="2600" i="1">
+                                              <a:effectLst/>
+                                              <a:latin typeface="Cambria Math" panose="02040503050406030204" pitchFamily="18" charset="0"/>
+                                            </a:rPr>
+                                          </m:ctrlPr>
+                                        </m:dPr>
+                                        <m:e>
+                                          <m:sSubSup>
+                                            <m:sSubSupPr>
+                                              <m:ctrlPr>
+                                                <a:rPr lang="en-US" sz="2600" i="1">
+                                                  <a:effectLst/>
+                                                  <a:latin typeface="Cambria Math" panose="02040503050406030204" pitchFamily="18" charset="0"/>
+                                                </a:rPr>
+                                              </m:ctrlPr>
+                                            </m:sSubSupPr>
+                                            <m:e>
+                                              <m:r>
+                                                <a:rPr lang="en-US" sz="2600" i="1">
+                                                  <a:effectLst/>
+                                                  <a:latin typeface="Cambria Math" panose="02040503050406030204" pitchFamily="18" charset="0"/>
+                                                  <a:ea typeface="Microsoft YaHei" panose="020B0503020204020204" pitchFamily="34" charset="-122"/>
+                                                  <a:cs typeface="Times New Roman" panose="02020603050405020304" pitchFamily="18" charset="0"/>
+                                                </a:rPr>
+                                                <m:t>𝜎</m:t>
+                                              </m:r>
+                                            </m:e>
+                                            <m:sub>
+                                              <m:r>
+                                                <a:rPr lang="en-US" sz="2600" i="1">
+                                                  <a:effectLst/>
+                                                  <a:latin typeface="Cambria Math" panose="02040503050406030204" pitchFamily="18" charset="0"/>
+                                                  <a:ea typeface="Microsoft YaHei" panose="020B0503020204020204" pitchFamily="34" charset="-122"/>
+                                                  <a:cs typeface="Times New Roman" panose="02020603050405020304" pitchFamily="18" charset="0"/>
+                                                </a:rPr>
+                                                <m:t>𝑘</m:t>
+                                              </m:r>
+                                            </m:sub>
+                                            <m:sup>
+                                              <m:r>
+                                                <a:rPr lang="en-US" sz="2600" i="1">
+                                                  <a:effectLst/>
+                                                  <a:latin typeface="Cambria Math" panose="02040503050406030204" pitchFamily="18" charset="0"/>
+                                                  <a:ea typeface="Microsoft YaHei" panose="020B0503020204020204" pitchFamily="34" charset="-122"/>
+                                                  <a:cs typeface="Times New Roman" panose="02020603050405020304" pitchFamily="18" charset="0"/>
+                                                </a:rPr>
+                                                <m:t>2</m:t>
+                                              </m:r>
+                                            </m:sup>
+                                          </m:sSubSup>
+                                        </m:e>
+                                      </m:d>
+                                    </m:e>
+                                    <m:sup>
+                                      <m:d>
+                                        <m:dPr>
+                                          <m:ctrlPr>
+                                            <a:rPr lang="en-US" sz="2600" i="1">
+                                              <a:effectLst/>
+                                              <a:latin typeface="Cambria Math" panose="02040503050406030204" pitchFamily="18" charset="0"/>
+                                              <a:cs typeface="Times New Roman" panose="02020603050405020304" pitchFamily="18" charset="0"/>
+                                            </a:rPr>
+                                          </m:ctrlPr>
+                                        </m:dPr>
+                                        <m:e>
+                                          <m:r>
+                                            <a:rPr lang="en-US" sz="2600" i="1">
+                                              <a:effectLst/>
+                                              <a:latin typeface="Cambria Math" panose="02040503050406030204" pitchFamily="18" charset="0"/>
+                                              <a:ea typeface="Microsoft YaHei" panose="020B0503020204020204" pitchFamily="34" charset="-122"/>
+                                              <a:cs typeface="Times New Roman" panose="02020603050405020304" pitchFamily="18" charset="0"/>
+                                            </a:rPr>
+                                            <m:t>𝑡</m:t>
+                                          </m:r>
+                                        </m:e>
+                                      </m:d>
+                                    </m:sup>
+                                  </m:sSup>
+                                </m:e>
+                              </m:d>
+                            </m:e>
+                          </m:nary>
+                        </m:den>
+                      </m:f>
+                    </m:oMath>
+                  </m:oMathPara>
+                </a14:m>
+                <a:endParaRPr lang="en-US" sz="2600" dirty="0">
+                  <a:effectLst/>
+                  <a:ea typeface="Microsoft YaHei" panose="020B0503020204020204" pitchFamily="34" charset="-122"/>
+                </a:endParaRPr>
+              </a:p>
+            </p:txBody>
+          </p:sp>
+        </mc:Choice>
+        <mc:Fallback>
+          <p:sp>
+            <p:nvSpPr>
+              <p:cNvPr id="3" name="Content Placeholder 2">
+                <a:extLst>
+                  <a:ext uri="{FF2B5EF4-FFF2-40B4-BE49-F238E27FC236}">
+                    <a16:creationId xmlns:a16="http://schemas.microsoft.com/office/drawing/2014/main" id="{52140705-2359-4609-8662-6E56499D1E89}"/>
+                  </a:ext>
+                </a:extLst>
+              </p:cNvPr>
+              <p:cNvSpPr>
+                <a:spLocks noGrp="1" noRot="1" noChangeAspect="1" noMove="1" noResize="1" noEditPoints="1" noAdjustHandles="1" noChangeArrowheads="1" noChangeShapeType="1" noTextEdit="1"/>
+              </p:cNvSpPr>
+              <p:nvPr>
+                <p:ph idx="1"/>
+              </p:nvPr>
+            </p:nvSpPr>
+            <p:spPr>
+              <a:blipFill>
+                <a:blip r:embed="rId2"/>
+                <a:stretch>
+                  <a:fillRect l="-928" t="-1060" r="-986"/>
+                </a:stretch>
+              </a:blipFill>
+            </p:spPr>
+            <p:txBody>
+              <a:bodyPr/>
+              <a:lstStyle/>
+              <a:p>
+                <a:r>
+                  <a:rPr lang="en-US">
+                    <a:noFill/>
+                  </a:rPr>
+                  <a:t> </a:t>
+                </a:r>
+              </a:p>
+            </p:txBody>
+          </p:sp>
+        </mc:Fallback>
+      </mc:AlternateContent>
+      <p:sp>
+        <p:nvSpPr>
+          <p:cNvPr id="4" name="Date Placeholder 3">
+            <a:extLst>
+              <a:ext uri="{FF2B5EF4-FFF2-40B4-BE49-F238E27FC236}">
+                <a16:creationId xmlns:a16="http://schemas.microsoft.com/office/drawing/2014/main" id="{A17DDE85-3971-43C1-BD8D-A5B58DDA68D9}"/>
+              </a:ext>
+            </a:extLst>
+          </p:cNvPr>
+          <p:cNvSpPr>
+            <a:spLocks noGrp="1"/>
+          </p:cNvSpPr>
+          <p:nvPr>
+            <p:ph type="dt" sz="half" idx="10"/>
+          </p:nvPr>
+        </p:nvSpPr>
+        <p:spPr/>
+        <p:txBody>
+          <a:bodyPr/>
+          <a:lstStyle/>
+          <a:p>
+            <a:r>
+              <a:rPr lang="en-US"/>
+              <a:t>7/12/2020</a:t>
+            </a:r>
+          </a:p>
+        </p:txBody>
+      </p:sp>
+      <p:sp>
+        <p:nvSpPr>
+          <p:cNvPr id="5" name="Footer Placeholder 4">
+            <a:extLst>
+              <a:ext uri="{FF2B5EF4-FFF2-40B4-BE49-F238E27FC236}">
+                <a16:creationId xmlns:a16="http://schemas.microsoft.com/office/drawing/2014/main" id="{EEB5DA4F-5045-4C49-AAA1-E369D46EEAEC}"/>
+              </a:ext>
+            </a:extLst>
+          </p:cNvPr>
+          <p:cNvSpPr>
+            <a:spLocks noGrp="1"/>
+          </p:cNvSpPr>
+          <p:nvPr>
+            <p:ph type="ftr" sz="quarter" idx="11"/>
+          </p:nvPr>
+        </p:nvSpPr>
+        <p:spPr/>
+        <p:txBody>
+          <a:bodyPr/>
+          <a:lstStyle/>
+          <a:p>
+            <a:r>
+              <a:rPr lang="en-US"/>
+              <a:t>Mixture Regression Model for Incomplete Data - Loc Nguyen</a:t>
+            </a:r>
+          </a:p>
+        </p:txBody>
+      </p:sp>
+      <p:sp>
+        <p:nvSpPr>
+          <p:cNvPr id="6" name="Slide Number Placeholder 5">
+            <a:extLst>
+              <a:ext uri="{FF2B5EF4-FFF2-40B4-BE49-F238E27FC236}">
+                <a16:creationId xmlns:a16="http://schemas.microsoft.com/office/drawing/2014/main" id="{510F8896-19C0-4860-8E5E-4AFA0161D074}"/>
+              </a:ext>
+            </a:extLst>
+          </p:cNvPr>
+          <p:cNvSpPr>
+            <a:spLocks noGrp="1"/>
+          </p:cNvSpPr>
+          <p:nvPr>
+            <p:ph type="sldNum" sz="quarter" idx="12"/>
+          </p:nvPr>
+        </p:nvSpPr>
+        <p:spPr/>
+        <p:txBody>
+          <a:bodyPr/>
+          <a:lstStyle/>
+          <a:p>
+            <a:fld id="{5DB5036F-1FF2-46C4-8D2B-59C7E3B91952}" type="slidenum">
+              <a:rPr lang="en-US" smtClean="0"/>
+              <a:pPr/>
+              <a:t>13</a:t>
+            </a:fld>
+            <a:endParaRPr lang="en-US"/>
+          </a:p>
+        </p:txBody>
+      </p:sp>
+    </p:spTree>
+    <p:extLst>
+      <p:ext uri="{BB962C8B-B14F-4D97-AF65-F5344CB8AC3E}">
+        <p14:creationId xmlns:p14="http://schemas.microsoft.com/office/powerpoint/2010/main" val="684361531"/>
+      </p:ext>
+    </p:extLst>
+  </p:cSld>
+  <p:clrMapOvr>
+    <a:masterClrMapping/>
+  </p:clrMapOvr>
+</p:sld>
+</file>
+
+<file path=ppt/slides/slide14.xml><?xml version="1.0" encoding="utf-8"?>
+<p:sld xmlns:a="http://schemas.openxmlformats.org/drawingml/2006/main" xmlns:r="http://schemas.openxmlformats.org/officeDocument/2006/relationships" xmlns:p="http://schemas.openxmlformats.org/presentationml/2006/main">
+  <p:cSld>
+    <p:spTree>
+      <p:nvGrpSpPr>
+        <p:cNvPr id="1" name=""/>
+        <p:cNvGrpSpPr/>
+        <p:nvPr/>
+      </p:nvGrpSpPr>
+      <p:grpSpPr>
+        <a:xfrm>
+          <a:off x="0" y="0"/>
+          <a:ext cx="0" cy="0"/>
+          <a:chOff x="0" y="0"/>
+          <a:chExt cx="0" cy="0"/>
+        </a:xfrm>
+      </p:grpSpPr>
+      <p:sp>
+        <p:nvSpPr>
+          <p:cNvPr id="2" name="Title 1">
+            <a:extLst>
+              <a:ext uri="{FF2B5EF4-FFF2-40B4-BE49-F238E27FC236}">
                 <a16:creationId xmlns:a16="http://schemas.microsoft.com/office/drawing/2014/main" id="{C5460005-433F-4B06-93AC-01017CFE599E}"/>
               </a:ext>
             </a:extLst>
@@ -8909,8 +14049,8 @@
           </a:p>
         </p:txBody>
       </p:sp>
-      <mc:AlternateContent xmlns:mc="http://schemas.openxmlformats.org/markup-compatibility/2006">
-        <mc:Choice xmlns:a14="http://schemas.microsoft.com/office/drawing/2010/main" Requires="a14">
+      <mc:AlternateContent xmlns:mc="http://schemas.openxmlformats.org/markup-compatibility/2006" xmlns:a14="http://schemas.microsoft.com/office/drawing/2010/main">
+        <mc:Choice Requires="a14">
           <p:sp>
             <p:nvSpPr>
               <p:cNvPr id="3" name="Content Placeholder 2">
@@ -11163,7 +16303,7 @@
             </p:txBody>
           </p:sp>
         </mc:Choice>
-        <mc:Fallback>
+        <mc:Fallback xmlns="">
           <p:sp>
             <p:nvSpPr>
               <p:cNvPr id="3" name="Content Placeholder 2">
@@ -11224,10 +16364,10 @@
           <a:bodyPr/>
           <a:lstStyle/>
           <a:p>
-            <a:fld id="{E078F81F-D720-4C1C-9436-5DA116627F70}" type="datetime1">
-              <a:rPr lang="en-US" smtClean="0"/>
-              <a:t>7/11/2020</a:t>
-            </a:fld>
+            <a:r>
+              <a:rPr lang="en-US"/>
+              <a:t>7/12/2020</a:t>
+            </a:r>
             <a:endParaRPr lang="en-US" dirty="0"/>
           </a:p>
         </p:txBody>
@@ -11255,7 +16395,7 @@
           <a:p>
             <a:r>
               <a:rPr lang="en-US"/>
-              <a:t>Mixture Regression Model for Incomplete Data</a:t>
+              <a:t>Mixture Regression Model for Incomplete Data - Loc Nguyen</a:t>
             </a:r>
           </a:p>
         </p:txBody>
@@ -11284,7 +16424,7 @@
             <a:fld id="{5DB5036F-1FF2-46C4-8D2B-59C7E3B91952}" type="slidenum">
               <a:rPr lang="en-US" smtClean="0"/>
               <a:pPr/>
-              <a:t>12</a:t>
+              <a:t>14</a:t>
             </a:fld>
             <a:endParaRPr lang="en-US"/>
           </a:p>
@@ -11303,7 +16443,396 @@
 </p:sld>
 </file>
 
-<file path=ppt/slides/slide13.xml><?xml version="1.0" encoding="utf-8"?>
+<file path=ppt/slides/slide15.xml><?xml version="1.0" encoding="utf-8"?>
+<p:sld xmlns:a="http://schemas.openxmlformats.org/drawingml/2006/main" xmlns:r="http://schemas.openxmlformats.org/officeDocument/2006/relationships" xmlns:p="http://schemas.openxmlformats.org/presentationml/2006/main">
+  <p:cSld>
+    <p:spTree>
+      <p:nvGrpSpPr>
+        <p:cNvPr id="1" name=""/>
+        <p:cNvGrpSpPr/>
+        <p:nvPr/>
+      </p:nvGrpSpPr>
+      <p:grpSpPr>
+        <a:xfrm>
+          <a:off x="0" y="0"/>
+          <a:ext cx="0" cy="0"/>
+          <a:chOff x="0" y="0"/>
+          <a:chExt cx="0" cy="0"/>
+        </a:xfrm>
+      </p:grpSpPr>
+      <p:sp>
+        <p:nvSpPr>
+          <p:cNvPr id="2" name="Title 1">
+            <a:extLst>
+              <a:ext uri="{FF2B5EF4-FFF2-40B4-BE49-F238E27FC236}">
+                <a16:creationId xmlns:a16="http://schemas.microsoft.com/office/drawing/2014/main" id="{9EC8ACB2-94B1-496F-936A-E327267858A8}"/>
+              </a:ext>
+            </a:extLst>
+          </p:cNvPr>
+          <p:cNvSpPr>
+            <a:spLocks noGrp="1"/>
+          </p:cNvSpPr>
+          <p:nvPr>
+            <p:ph type="title"/>
+          </p:nvPr>
+        </p:nvSpPr>
+        <p:spPr/>
+        <p:txBody>
+          <a:bodyPr/>
+          <a:lstStyle/>
+          <a:p>
+            <a:r>
+              <a:rPr lang="en-US" dirty="0"/>
+              <a:t>2. Methodologies</a:t>
+            </a:r>
+          </a:p>
+        </p:txBody>
+      </p:sp>
+      <p:sp>
+        <p:nvSpPr>
+          <p:cNvPr id="3" name="Content Placeholder 2">
+            <a:extLst>
+              <a:ext uri="{FF2B5EF4-FFF2-40B4-BE49-F238E27FC236}">
+                <a16:creationId xmlns:a16="http://schemas.microsoft.com/office/drawing/2014/main" id="{A6C98813-1A04-4310-9382-F3ACCB637C73}"/>
+              </a:ext>
+            </a:extLst>
+          </p:cNvPr>
+          <p:cNvSpPr>
+            <a:spLocks noGrp="1"/>
+          </p:cNvSpPr>
+          <p:nvPr>
+            <p:ph idx="1"/>
+          </p:nvPr>
+        </p:nvSpPr>
+        <p:spPr/>
+        <p:txBody>
+          <a:bodyPr>
+            <a:normAutofit/>
+          </a:bodyPr>
+          <a:lstStyle/>
+          <a:p>
+            <a:r>
+              <a:rPr lang="en-US" sz="3000" dirty="0">
+                <a:effectLst/>
+                <a:latin typeface="Times New Roman" panose="02020603050405020304" pitchFamily="18" charset="0"/>
+                <a:ea typeface="Microsoft YaHei" panose="020B0503020204020204" pitchFamily="34" charset="-122"/>
+                <a:cs typeface="Times New Roman" panose="02020603050405020304" pitchFamily="18" charset="0"/>
+              </a:rPr>
+              <a:t>MREM does not use the joint probability distribution. MREM does not either use logistic function to estimate mixture coefficients as the first approach does.</a:t>
+            </a:r>
+          </a:p>
+          <a:p>
+            <a:r>
+              <a:rPr lang="en-US" sz="3000" dirty="0">
+                <a:effectLst/>
+                <a:latin typeface="Times New Roman" panose="02020603050405020304" pitchFamily="18" charset="0"/>
+                <a:ea typeface="Microsoft YaHei" panose="020B0503020204020204" pitchFamily="34" charset="-122"/>
+              </a:rPr>
+              <a:t>MREM is the full combination of REM [3] and mixture model in which I use two EM processes in the same loop for estimating missing values and parameters.</a:t>
+            </a:r>
+          </a:p>
+          <a:p>
+            <a:r>
+              <a:rPr lang="en-US" sz="3000" dirty="0">
+                <a:effectLst/>
+                <a:latin typeface="Times New Roman" panose="02020603050405020304" pitchFamily="18" charset="0"/>
+                <a:ea typeface="Microsoft YaHei" panose="020B0503020204020204" pitchFamily="34" charset="-122"/>
+              </a:rPr>
+              <a:t>Variance </a:t>
+            </a:r>
+            <a:r>
+              <a:rPr lang="en-US" sz="3000" i="1" dirty="0">
+                <a:effectLst/>
+                <a:latin typeface="Times New Roman" panose="02020603050405020304" pitchFamily="18" charset="0"/>
+                <a:ea typeface="Microsoft YaHei" panose="020B0503020204020204" pitchFamily="34" charset="-122"/>
+              </a:rPr>
+              <a:t>σ</a:t>
+            </a:r>
+            <a:r>
+              <a:rPr lang="en-US" sz="3000" i="1" baseline="-25000" dirty="0">
+                <a:effectLst/>
+                <a:latin typeface="Times New Roman" panose="02020603050405020304" pitchFamily="18" charset="0"/>
+                <a:ea typeface="Microsoft YaHei" panose="020B0503020204020204" pitchFamily="34" charset="-122"/>
+              </a:rPr>
+              <a:t>k</a:t>
+            </a:r>
+            <a:r>
+              <a:rPr lang="en-US" sz="3000" baseline="30000" dirty="0">
+                <a:effectLst/>
+                <a:latin typeface="Times New Roman" panose="02020603050405020304" pitchFamily="18" charset="0"/>
+                <a:ea typeface="Microsoft YaHei" panose="020B0503020204020204" pitchFamily="34" charset="-122"/>
+              </a:rPr>
+              <a:t>2</a:t>
+            </a:r>
+            <a:r>
+              <a:rPr lang="en-US" sz="3000" dirty="0">
+                <a:effectLst/>
+                <a:latin typeface="Times New Roman" panose="02020603050405020304" pitchFamily="18" charset="0"/>
+                <a:ea typeface="Microsoft YaHei" panose="020B0503020204020204" pitchFamily="34" charset="-122"/>
+              </a:rPr>
+              <a:t> and regression coefficient </a:t>
+            </a:r>
+            <a:r>
+              <a:rPr lang="en-US" sz="3000" i="1" dirty="0">
+                <a:effectLst/>
+                <a:latin typeface="Times New Roman" panose="02020603050405020304" pitchFamily="18" charset="0"/>
+                <a:ea typeface="Microsoft YaHei" panose="020B0503020204020204" pitchFamily="34" charset="-122"/>
+              </a:rPr>
+              <a:t>α</a:t>
+            </a:r>
+            <a:r>
+              <a:rPr lang="en-US" sz="3000" i="1" baseline="-25000" dirty="0">
+                <a:effectLst/>
+                <a:latin typeface="Times New Roman" panose="02020603050405020304" pitchFamily="18" charset="0"/>
+                <a:ea typeface="Microsoft YaHei" panose="020B0503020204020204" pitchFamily="34" charset="-122"/>
+              </a:rPr>
+              <a:t>k</a:t>
+            </a:r>
+            <a:r>
+              <a:rPr lang="en-US" sz="3000" dirty="0">
+                <a:effectLst/>
+                <a:latin typeface="Times New Roman" panose="02020603050405020304" pitchFamily="18" charset="0"/>
+                <a:ea typeface="Microsoft YaHei" panose="020B0503020204020204" pitchFamily="34" charset="-122"/>
+              </a:rPr>
+              <a:t> of the probability </a:t>
+            </a:r>
+            <a:r>
+              <a:rPr lang="en-US" sz="3000" i="1" dirty="0" err="1">
+                <a:effectLst/>
+                <a:latin typeface="Times New Roman" panose="02020603050405020304" pitchFamily="18" charset="0"/>
+                <a:ea typeface="Microsoft YaHei" panose="020B0503020204020204" pitchFamily="34" charset="-122"/>
+              </a:rPr>
+              <a:t>P</a:t>
+            </a:r>
+            <a:r>
+              <a:rPr lang="en-US" sz="3000" i="1" baseline="-25000" dirty="0" err="1">
+                <a:effectLst/>
+                <a:latin typeface="Times New Roman" panose="02020603050405020304" pitchFamily="18" charset="0"/>
+                <a:ea typeface="Microsoft YaHei" panose="020B0503020204020204" pitchFamily="34" charset="-122"/>
+              </a:rPr>
+              <a:t>k</a:t>
+            </a:r>
+            <a:r>
+              <a:rPr lang="en-US" sz="3000" dirty="0">
+                <a:effectLst/>
+                <a:latin typeface="Times New Roman" panose="02020603050405020304" pitchFamily="18" charset="0"/>
+                <a:ea typeface="Microsoft YaHei" panose="020B0503020204020204" pitchFamily="34" charset="-122"/>
+              </a:rPr>
+              <a:t>(</a:t>
+            </a:r>
+            <a:r>
+              <a:rPr lang="en-US" sz="3000" i="1" dirty="0">
+                <a:effectLst/>
+                <a:latin typeface="Times New Roman" panose="02020603050405020304" pitchFamily="18" charset="0"/>
+                <a:ea typeface="Microsoft YaHei" panose="020B0503020204020204" pitchFamily="34" charset="-122"/>
+              </a:rPr>
+              <a:t>Z</a:t>
+            </a:r>
+            <a:r>
+              <a:rPr lang="en-US" sz="3000" dirty="0">
+                <a:effectLst/>
+                <a:latin typeface="Times New Roman" panose="02020603050405020304" pitchFamily="18" charset="0"/>
+                <a:ea typeface="Microsoft YaHei" panose="020B0503020204020204" pitchFamily="34" charset="-122"/>
+              </a:rPr>
+              <a:t>|</a:t>
+            </a:r>
+            <a:r>
+              <a:rPr lang="en-US" sz="3000" i="1" dirty="0">
+                <a:effectLst/>
+                <a:latin typeface="Times New Roman" panose="02020603050405020304" pitchFamily="18" charset="0"/>
+                <a:ea typeface="Microsoft YaHei" panose="020B0503020204020204" pitchFamily="34" charset="-122"/>
+              </a:rPr>
+              <a:t>α</a:t>
+            </a:r>
+            <a:r>
+              <a:rPr lang="en-US" sz="3000" i="1" baseline="-25000" dirty="0" err="1">
+                <a:effectLst/>
+                <a:latin typeface="Times New Roman" panose="02020603050405020304" pitchFamily="18" charset="0"/>
+                <a:ea typeface="Microsoft YaHei" panose="020B0503020204020204" pitchFamily="34" charset="-122"/>
+              </a:rPr>
+              <a:t>k</a:t>
+            </a:r>
+            <a:r>
+              <a:rPr lang="en-US" sz="3000" i="1" baseline="30000" dirty="0" err="1">
+                <a:effectLst/>
+                <a:latin typeface="Times New Roman" panose="02020603050405020304" pitchFamily="18" charset="0"/>
+                <a:ea typeface="Microsoft YaHei" panose="020B0503020204020204" pitchFamily="34" charset="-122"/>
+              </a:rPr>
+              <a:t>T</a:t>
+            </a:r>
+            <a:r>
+              <a:rPr lang="en-US" sz="3000" i="1" dirty="0" err="1">
+                <a:effectLst/>
+                <a:latin typeface="Times New Roman" panose="02020603050405020304" pitchFamily="18" charset="0"/>
+                <a:ea typeface="Microsoft YaHei" panose="020B0503020204020204" pitchFamily="34" charset="-122"/>
+              </a:rPr>
+              <a:t>X</a:t>
+            </a:r>
+            <a:r>
+              <a:rPr lang="en-US" sz="3000" dirty="0">
+                <a:effectLst/>
+                <a:latin typeface="Times New Roman" panose="02020603050405020304" pitchFamily="18" charset="0"/>
+                <a:ea typeface="Microsoft YaHei" panose="020B0503020204020204" pitchFamily="34" charset="-122"/>
+              </a:rPr>
+              <a:t>, </a:t>
+            </a:r>
+            <a:r>
+              <a:rPr lang="en-US" sz="3000" i="1" dirty="0">
+                <a:effectLst/>
+                <a:latin typeface="Times New Roman" panose="02020603050405020304" pitchFamily="18" charset="0"/>
+                <a:ea typeface="Microsoft YaHei" panose="020B0503020204020204" pitchFamily="34" charset="-122"/>
+              </a:rPr>
+              <a:t>σ</a:t>
+            </a:r>
+            <a:r>
+              <a:rPr lang="en-US" sz="3000" i="1" baseline="-25000" dirty="0">
+                <a:effectLst/>
+                <a:latin typeface="Times New Roman" panose="02020603050405020304" pitchFamily="18" charset="0"/>
+                <a:ea typeface="Microsoft YaHei" panose="020B0503020204020204" pitchFamily="34" charset="-122"/>
+              </a:rPr>
+              <a:t>k</a:t>
+            </a:r>
+            <a:r>
+              <a:rPr lang="en-US" sz="3000" baseline="30000" dirty="0">
+                <a:effectLst/>
+                <a:latin typeface="Times New Roman" panose="02020603050405020304" pitchFamily="18" charset="0"/>
+                <a:ea typeface="Microsoft YaHei" panose="020B0503020204020204" pitchFamily="34" charset="-122"/>
+              </a:rPr>
+              <a:t>2</a:t>
+            </a:r>
+            <a:r>
+              <a:rPr lang="en-US" sz="3000" dirty="0">
+                <a:effectLst/>
+                <a:latin typeface="Times New Roman" panose="02020603050405020304" pitchFamily="18" charset="0"/>
+                <a:ea typeface="Microsoft YaHei" panose="020B0503020204020204" pitchFamily="34" charset="-122"/>
+              </a:rPr>
+              <a:t>) in MREM are estimated and balanced by both full mixture model and maximum likelihood estimation (MLE).</a:t>
+            </a:r>
+            <a:endParaRPr lang="en-US" sz="3000" dirty="0">
+              <a:ea typeface="Microsoft YaHei" panose="020B0503020204020204" pitchFamily="34" charset="-122"/>
+            </a:endParaRPr>
+          </a:p>
+          <a:p>
+            <a:r>
+              <a:rPr lang="en-US" sz="3000" dirty="0">
+                <a:effectLst/>
+                <a:latin typeface="Times New Roman" panose="02020603050405020304" pitchFamily="18" charset="0"/>
+                <a:ea typeface="Microsoft YaHei" panose="020B0503020204020204" pitchFamily="34" charset="-122"/>
+              </a:rPr>
+              <a:t>Mixture regression models in literature are learned from complete data whereas MREM supports incomplete data.</a:t>
+            </a:r>
+            <a:endParaRPr lang="en-US" sz="3000" dirty="0">
+              <a:effectLst/>
+              <a:latin typeface="Times New Roman" panose="02020603050405020304" pitchFamily="18" charset="0"/>
+              <a:ea typeface="Microsoft YaHei" panose="020B0503020204020204" pitchFamily="34" charset="-122"/>
+              <a:cs typeface="Times New Roman" panose="02020603050405020304" pitchFamily="18" charset="0"/>
+            </a:endParaRPr>
+          </a:p>
+          <a:p>
+            <a:endParaRPr lang="en-US" sz="3000" dirty="0"/>
+          </a:p>
+        </p:txBody>
+      </p:sp>
+      <p:sp>
+        <p:nvSpPr>
+          <p:cNvPr id="4" name="Date Placeholder 3">
+            <a:extLst>
+              <a:ext uri="{FF2B5EF4-FFF2-40B4-BE49-F238E27FC236}">
+                <a16:creationId xmlns:a16="http://schemas.microsoft.com/office/drawing/2014/main" id="{98A3E5E2-04D3-4FFE-B38B-766B9430F8E4}"/>
+              </a:ext>
+            </a:extLst>
+          </p:cNvPr>
+          <p:cNvSpPr>
+            <a:spLocks noGrp="1"/>
+          </p:cNvSpPr>
+          <p:nvPr>
+            <p:ph type="dt" sz="half" idx="10"/>
+          </p:nvPr>
+        </p:nvSpPr>
+        <p:spPr/>
+        <p:txBody>
+          <a:bodyPr/>
+          <a:lstStyle/>
+          <a:p>
+            <a:r>
+              <a:rPr lang="en-US"/>
+              <a:t>7/12/2020</a:t>
+            </a:r>
+          </a:p>
+        </p:txBody>
+      </p:sp>
+      <p:sp>
+        <p:nvSpPr>
+          <p:cNvPr id="5" name="Footer Placeholder 4">
+            <a:extLst>
+              <a:ext uri="{FF2B5EF4-FFF2-40B4-BE49-F238E27FC236}">
+                <a16:creationId xmlns:a16="http://schemas.microsoft.com/office/drawing/2014/main" id="{57B47CD4-3DFB-4F52-80A8-F378413A0482}"/>
+              </a:ext>
+            </a:extLst>
+          </p:cNvPr>
+          <p:cNvSpPr>
+            <a:spLocks noGrp="1"/>
+          </p:cNvSpPr>
+          <p:nvPr>
+            <p:ph type="ftr" sz="quarter" idx="11"/>
+          </p:nvPr>
+        </p:nvSpPr>
+        <p:spPr/>
+        <p:txBody>
+          <a:bodyPr/>
+          <a:lstStyle/>
+          <a:p>
+            <a:r>
+              <a:rPr lang="en-US"/>
+              <a:t>Mixture Regression Model for Incomplete Data - Loc Nguyen</a:t>
+            </a:r>
+          </a:p>
+        </p:txBody>
+      </p:sp>
+      <p:sp>
+        <p:nvSpPr>
+          <p:cNvPr id="6" name="Slide Number Placeholder 5">
+            <a:extLst>
+              <a:ext uri="{FF2B5EF4-FFF2-40B4-BE49-F238E27FC236}">
+                <a16:creationId xmlns:a16="http://schemas.microsoft.com/office/drawing/2014/main" id="{CC536327-C37D-4254-8209-A4949CDD46A5}"/>
+              </a:ext>
+            </a:extLst>
+          </p:cNvPr>
+          <p:cNvSpPr>
+            <a:spLocks noGrp="1"/>
+          </p:cNvSpPr>
+          <p:nvPr>
+            <p:ph type="sldNum" sz="quarter" idx="12"/>
+          </p:nvPr>
+        </p:nvSpPr>
+        <p:spPr/>
+        <p:txBody>
+          <a:bodyPr/>
+          <a:lstStyle/>
+          <a:p>
+            <a:fld id="{5DB5036F-1FF2-46C4-8D2B-59C7E3B91952}" type="slidenum">
+              <a:rPr lang="en-US" smtClean="0"/>
+              <a:pPr/>
+              <a:t>15</a:t>
+            </a:fld>
+            <a:endParaRPr lang="en-US"/>
+          </a:p>
+        </p:txBody>
+      </p:sp>
+    </p:spTree>
+    <p:extLst>
+      <p:ext uri="{BB962C8B-B14F-4D97-AF65-F5344CB8AC3E}">
+        <p14:creationId xmlns:p14="http://schemas.microsoft.com/office/powerpoint/2010/main" val="687718507"/>
+      </p:ext>
+    </p:extLst>
+  </p:cSld>
+  <p:clrMapOvr>
+    <a:masterClrMapping/>
+  </p:clrMapOvr>
+</p:sld>
+</file>
+
+<file path=ppt/slides/slide16.xml><?xml version="1.0" encoding="utf-8"?>
 <p:sld xmlns:a="http://schemas.openxmlformats.org/drawingml/2006/main" xmlns:r="http://schemas.openxmlformats.org/officeDocument/2006/relationships" xmlns:p="http://schemas.openxmlformats.org/presentationml/2006/main">
   <p:cSld>
     <p:spTree>
@@ -11348,8 +16877,8 @@
           </a:p>
         </p:txBody>
       </p:sp>
-      <mc:AlternateContent xmlns:mc="http://schemas.openxmlformats.org/markup-compatibility/2006">
-        <mc:Choice xmlns:a14="http://schemas.microsoft.com/office/drawing/2010/main" Requires="a14">
+      <mc:AlternateContent xmlns:mc="http://schemas.openxmlformats.org/markup-compatibility/2006" xmlns:a14="http://schemas.microsoft.com/office/drawing/2010/main">
+        <mc:Choice Requires="a14">
           <p:sp>
             <p:nvSpPr>
               <p:cNvPr id="3" name="Content Placeholder 2">
@@ -13181,7 +18710,7 @@
             </p:txBody>
           </p:sp>
         </mc:Choice>
-        <mc:Fallback>
+        <mc:Fallback xmlns="">
           <p:sp>
             <p:nvSpPr>
               <p:cNvPr id="3" name="Content Placeholder 2">
@@ -13246,11 +18775,10 @@
           <a:bodyPr/>
           <a:lstStyle/>
           <a:p>
-            <a:fld id="{E078F81F-D720-4C1C-9436-5DA116627F70}" type="datetime1">
-              <a:rPr lang="en-US" smtClean="0"/>
-              <a:t>7/11/2020</a:t>
-            </a:fld>
-            <a:endParaRPr lang="en-US"/>
+            <a:r>
+              <a:rPr lang="en-US"/>
+              <a:t>7/12/2020</a:t>
+            </a:r>
           </a:p>
         </p:txBody>
       </p:sp>
@@ -13277,7 +18805,7 @@
           <a:p>
             <a:r>
               <a:rPr lang="en-US"/>
-              <a:t>Mixture Regression Model for Incomplete Data</a:t>
+              <a:t>Mixture Regression Model for Incomplete Data - Loc Nguyen</a:t>
             </a:r>
           </a:p>
         </p:txBody>
@@ -13306,7 +18834,7 @@
             <a:fld id="{5DB5036F-1FF2-46C4-8D2B-59C7E3B91952}" type="slidenum">
               <a:rPr lang="en-US" smtClean="0"/>
               <a:pPr/>
-              <a:t>13</a:t>
+              <a:t>16</a:t>
             </a:fld>
             <a:endParaRPr lang="en-US"/>
           </a:p>
@@ -13325,7 +18853,7 @@
 </p:sld>
 </file>
 
-<file path=ppt/slides/slide14.xml><?xml version="1.0" encoding="utf-8"?>
+<file path=ppt/slides/slide17.xml><?xml version="1.0" encoding="utf-8"?>
 <p:sld xmlns:a="http://schemas.openxmlformats.org/drawingml/2006/main" xmlns:r="http://schemas.openxmlformats.org/officeDocument/2006/relationships" xmlns:p="http://schemas.openxmlformats.org/presentationml/2006/main">
   <p:cSld>
     <p:spTree>
@@ -13359,7 +18887,7 @@
           <a:p>
             <a:r>
               <a:rPr lang="en-US" dirty="0"/>
-              <a:t>3. Results and Discussions</a:t>
+              <a:t>3. Results and discussions</a:t>
             </a:r>
           </a:p>
         </p:txBody>
@@ -13387,7 +18915,7 @@
                 <a:latin typeface="Times New Roman" panose="02020603050405020304" pitchFamily="18" charset="0"/>
                 <a:ea typeface="Microsoft YaHei" panose="020B0503020204020204" pitchFamily="34" charset="-122"/>
               </a:rPr>
-              <a:t>We use </a:t>
+              <a:t>I use </a:t>
             </a:r>
             <a:r>
               <a:rPr lang="en-US" i="1" dirty="0" err="1">
@@ -13491,7 +19019,7 @@
                 <a:latin typeface="Times New Roman" panose="02020603050405020304" pitchFamily="18" charset="0"/>
                 <a:ea typeface="Microsoft YaHei" panose="020B0503020204020204" pitchFamily="34" charset="-122"/>
               </a:rPr>
-              <a:t> dataset. We consider </a:t>
+              <a:t> dataset. I consider </a:t>
             </a:r>
             <a:r>
               <a:rPr lang="en-US" i="1" dirty="0">
@@ -13732,11 +19260,10 @@
           <a:bodyPr/>
           <a:lstStyle/>
           <a:p>
-            <a:fld id="{C31FF602-6265-4F09-9254-15C31D8D5C20}" type="datetime1">
-              <a:rPr lang="en-US" smtClean="0"/>
-              <a:t>7/11/2020</a:t>
-            </a:fld>
-            <a:endParaRPr lang="en-US"/>
+            <a:r>
+              <a:rPr lang="en-US"/>
+              <a:t>7/12/2020</a:t>
+            </a:r>
           </a:p>
         </p:txBody>
       </p:sp>
@@ -13757,7 +19284,7 @@
           <a:p>
             <a:r>
               <a:rPr lang="en-US"/>
-              <a:t>Mixture Regression Model for Incomplete Data</a:t>
+              <a:t>Mixture Regression Model for Incomplete Data - Loc Nguyen</a:t>
             </a:r>
           </a:p>
         </p:txBody>
@@ -13780,7 +19307,7 @@
             <a:fld id="{5DB5036F-1FF2-46C4-8D2B-59C7E3B91952}" type="slidenum">
               <a:rPr lang="en-US" smtClean="0"/>
               <a:pPr/>
-              <a:t>14</a:t>
+              <a:t>17</a:t>
             </a:fld>
             <a:endParaRPr lang="en-US"/>
           </a:p>
@@ -13799,7 +19326,7 @@
 </p:sld>
 </file>
 
-<file path=ppt/slides/slide15.xml><?xml version="1.0" encoding="utf-8"?>
+<file path=ppt/slides/slide18.xml><?xml version="1.0" encoding="utf-8"?>
 <p:sld xmlns:a="http://schemas.openxmlformats.org/drawingml/2006/main" xmlns:r="http://schemas.openxmlformats.org/officeDocument/2006/relationships" xmlns:p="http://schemas.openxmlformats.org/presentationml/2006/main">
   <p:cSld>
     <p:spTree>
@@ -13839,7 +19366,7 @@
           <a:p>
             <a:r>
               <a:rPr lang="en-US" dirty="0"/>
-              <a:t>3. Results and Discussions</a:t>
+              <a:t>3. Results and discussions</a:t>
             </a:r>
           </a:p>
         </p:txBody>
@@ -13865,11 +19392,10 @@
           <a:bodyPr/>
           <a:lstStyle/>
           <a:p>
-            <a:fld id="{E078F81F-D720-4C1C-9436-5DA116627F70}" type="datetime1">
-              <a:rPr lang="en-US" smtClean="0"/>
-              <a:t>7/11/2020</a:t>
-            </a:fld>
-            <a:endParaRPr lang="en-US"/>
+            <a:r>
+              <a:rPr lang="en-US"/>
+              <a:t>7/12/2020</a:t>
+            </a:r>
           </a:p>
         </p:txBody>
       </p:sp>
@@ -13896,7 +19422,7 @@
           <a:p>
             <a:r>
               <a:rPr lang="en-US"/>
-              <a:t>Mixture Regression Model for Incomplete Data</a:t>
+              <a:t>Mixture Regression Model for Incomplete Data - Loc Nguyen</a:t>
             </a:r>
           </a:p>
         </p:txBody>
@@ -13925,7 +19451,7 @@
             <a:fld id="{5DB5036F-1FF2-46C4-8D2B-59C7E3B91952}" type="slidenum">
               <a:rPr lang="en-US" smtClean="0"/>
               <a:pPr/>
-              <a:t>15</a:t>
+              <a:t>18</a:t>
             </a:fld>
             <a:endParaRPr lang="en-US"/>
           </a:p>
@@ -13964,7 +19490,21 @@
                 <a:latin typeface="Times New Roman" panose="02020603050405020304" pitchFamily="18" charset="0"/>
                 <a:cs typeface="Times New Roman" panose="02020603050405020304" pitchFamily="18" charset="0"/>
               </a:rPr>
-              <a:t>Unique cluster of the 0th pair:</a:t>
+              <a:t>Unique cluster of the 0</a:t>
+            </a:r>
+            <a:r>
+              <a:rPr lang="en-US" baseline="30000" dirty="0">
+                <a:latin typeface="Times New Roman" panose="02020603050405020304" pitchFamily="18" charset="0"/>
+                <a:cs typeface="Times New Roman" panose="02020603050405020304" pitchFamily="18" charset="0"/>
+              </a:rPr>
+              <a:t>th</a:t>
+            </a:r>
+            <a:r>
+              <a:rPr lang="en-US" dirty="0">
+                <a:latin typeface="Times New Roman" panose="02020603050405020304" pitchFamily="18" charset="0"/>
+                <a:cs typeface="Times New Roman" panose="02020603050405020304" pitchFamily="18" charset="0"/>
+              </a:rPr>
+              <a:t> pair:</a:t>
             </a:r>
           </a:p>
           <a:p>
@@ -14011,23 +19551,37 @@
                 <a:latin typeface="Times New Roman" panose="02020603050405020304" pitchFamily="18" charset="0"/>
                 <a:cs typeface="Times New Roman" panose="02020603050405020304" pitchFamily="18" charset="0"/>
               </a:rPr>
-              <a:t>Two clusters of the 1st pair:</a:t>
-            </a:r>
-          </a:p>
-          <a:p>
+              <a:t>Two clusters of the 1</a:t>
+            </a:r>
+            <a:r>
+              <a:rPr lang="en-US" baseline="30000" dirty="0">
+                <a:latin typeface="Times New Roman" panose="02020603050405020304" pitchFamily="18" charset="0"/>
+                <a:cs typeface="Times New Roman" panose="02020603050405020304" pitchFamily="18" charset="0"/>
+              </a:rPr>
+              <a:t>st</a:t>
+            </a:r>
             <a:r>
               <a:rPr lang="en-US" dirty="0">
                 <a:latin typeface="Times New Roman" panose="02020603050405020304" pitchFamily="18" charset="0"/>
                 <a:cs typeface="Times New Roman" panose="02020603050405020304" pitchFamily="18" charset="0"/>
               </a:rPr>
-              <a:t>{V2 = 16.6425 - 0.3065*(V1): </a:t>
-            </a:r>
-            <a:r>
-              <a:rPr lang="en-US" dirty="0" err="1">
+              <a:t> pair:</a:t>
+            </a:r>
+          </a:p>
+          <a:p>
+            <a:r>
+              <a:rPr lang="en-US" dirty="0">
                 <a:latin typeface="Times New Roman" panose="02020603050405020304" pitchFamily="18" charset="0"/>
                 <a:cs typeface="Times New Roman" panose="02020603050405020304" pitchFamily="18" charset="0"/>
               </a:rPr>
-              <a:t>coeff</a:t>
+              <a:t>{V2 = 16.6425 - 0.3065*(V1): c</a:t>
+            </a:r>
+            <a:r>
+              <a:rPr lang="en-US" baseline="-25000" dirty="0">
+                <a:latin typeface="Times New Roman" panose="02020603050405020304" pitchFamily="18" charset="0"/>
+                <a:cs typeface="Times New Roman" panose="02020603050405020304" pitchFamily="18" charset="0"/>
+              </a:rPr>
+              <a:t>1</a:t>
             </a:r>
             <a:r>
               <a:rPr lang="en-US" dirty="0">
@@ -14043,14 +19597,14 @@
                 <a:latin typeface="Times New Roman" panose="02020603050405020304" pitchFamily="18" charset="0"/>
                 <a:cs typeface="Times New Roman" panose="02020603050405020304" pitchFamily="18" charset="0"/>
               </a:rPr>
-              <a:t>{V2 = 62.3919 - 0.0429*(V1): </a:t>
-            </a:r>
-            <a:r>
-              <a:rPr lang="en-US" dirty="0" err="1">
+              <a:t>{V2 = 62.3919 - 0.0429*(V1): c</a:t>
+            </a:r>
+            <a:r>
+              <a:rPr lang="en-US" baseline="-25000" dirty="0">
                 <a:latin typeface="Times New Roman" panose="02020603050405020304" pitchFamily="18" charset="0"/>
                 <a:cs typeface="Times New Roman" panose="02020603050405020304" pitchFamily="18" charset="0"/>
               </a:rPr>
-              <a:t>coeff</a:t>
+              <a:t>2</a:t>
             </a:r>
             <a:r>
               <a:rPr lang="en-US" dirty="0">
@@ -14147,7 +19701,7 @@
 </p:sld>
 </file>
 
-<file path=ppt/slides/slide16.xml><?xml version="1.0" encoding="utf-8"?>
+<file path=ppt/slides/slide19.xml><?xml version="1.0" encoding="utf-8"?>
 <p:sld xmlns:a="http://schemas.openxmlformats.org/drawingml/2006/main" xmlns:r="http://schemas.openxmlformats.org/officeDocument/2006/relationships" xmlns:p="http://schemas.openxmlformats.org/presentationml/2006/main">
   <p:cSld>
     <p:spTree>
@@ -14187,7 +19741,7 @@
           <a:p>
             <a:r>
               <a:rPr lang="en-US" dirty="0"/>
-              <a:t>3. Results and Discussions</a:t>
+              <a:t>3. Results and discussions</a:t>
             </a:r>
           </a:p>
         </p:txBody>
@@ -14529,11 +20083,10 @@
           <a:bodyPr/>
           <a:lstStyle/>
           <a:p>
-            <a:fld id="{E078F81F-D720-4C1C-9436-5DA116627F70}" type="datetime1">
-              <a:rPr lang="en-US" smtClean="0"/>
-              <a:t>7/11/2020</a:t>
-            </a:fld>
-            <a:endParaRPr lang="en-US"/>
+            <a:r>
+              <a:rPr lang="en-US"/>
+              <a:t>7/12/2020</a:t>
+            </a:r>
           </a:p>
         </p:txBody>
       </p:sp>
@@ -14560,7 +20113,7 @@
           <a:p>
             <a:r>
               <a:rPr lang="en-US"/>
-              <a:t>Mixture Regression Model for Incomplete Data</a:t>
+              <a:t>Mixture Regression Model for Incomplete Data - Loc Nguyen</a:t>
             </a:r>
           </a:p>
         </p:txBody>
@@ -14589,7 +20142,7 @@
             <a:fld id="{5DB5036F-1FF2-46C4-8D2B-59C7E3B91952}" type="slidenum">
               <a:rPr lang="en-US" smtClean="0"/>
               <a:pPr/>
-              <a:t>16</a:t>
+              <a:t>19</a:t>
             </a:fld>
             <a:endParaRPr lang="en-US"/>
           </a:p>
@@ -14608,7 +20161,158 @@
 </p:sld>
 </file>
 
-<file path=ppt/slides/slide17.xml><?xml version="1.0" encoding="utf-8"?>
+<file path=ppt/slides/slide2.xml><?xml version="1.0" encoding="utf-8"?>
+<p:sld xmlns:a="http://schemas.openxmlformats.org/drawingml/2006/main" xmlns:r="http://schemas.openxmlformats.org/officeDocument/2006/relationships" xmlns:p="http://schemas.openxmlformats.org/presentationml/2006/main">
+  <p:cSld>
+    <p:spTree>
+      <p:nvGrpSpPr>
+        <p:cNvPr id="1" name=""/>
+        <p:cNvGrpSpPr/>
+        <p:nvPr/>
+      </p:nvGrpSpPr>
+      <p:grpSpPr>
+        <a:xfrm>
+          <a:off x="0" y="0"/>
+          <a:ext cx="0" cy="0"/>
+          <a:chOff x="0" y="0"/>
+          <a:chExt cx="0" cy="0"/>
+        </a:xfrm>
+      </p:grpSpPr>
+      <p:sp>
+        <p:nvSpPr>
+          <p:cNvPr id="2" name="Title 1"/>
+          <p:cNvSpPr>
+            <a:spLocks noGrp="1"/>
+          </p:cNvSpPr>
+          <p:nvPr>
+            <p:ph type="title"/>
+          </p:nvPr>
+        </p:nvSpPr>
+        <p:spPr/>
+        <p:txBody>
+          <a:bodyPr/>
+          <a:lstStyle/>
+          <a:p>
+            <a:r>
+              <a:rPr lang="en-US" dirty="0"/>
+              <a:t>Abstract</a:t>
+            </a:r>
+          </a:p>
+        </p:txBody>
+      </p:sp>
+      <p:sp>
+        <p:nvSpPr>
+          <p:cNvPr id="3" name="Content Placeholder 2"/>
+          <p:cNvSpPr>
+            <a:spLocks noGrp="1"/>
+          </p:cNvSpPr>
+          <p:nvPr>
+            <p:ph idx="1"/>
+          </p:nvPr>
+        </p:nvSpPr>
+        <p:spPr/>
+        <p:txBody>
+          <a:bodyPr>
+            <a:normAutofit fontScale="92500" lnSpcReduction="10000"/>
+          </a:bodyPr>
+          <a:lstStyle/>
+          <a:p>
+            <a:pPr marL="0" indent="0">
+              <a:lnSpc>
+                <a:spcPct val="110000"/>
+              </a:lnSpc>
+              <a:buNone/>
+            </a:pPr>
+            <a:r>
+              <a:rPr lang="en-US" dirty="0"/>
+              <a:t>The Regression Expectation Maximization (REM) algorithm, which is a variant of Expectation Maximization (EM) algorithm, uses parallelly a long regression model and many short regression models to solve the problem of incomplete data. Long regression model is entire regression function which is the resulted model and short regression models are partial regression functions which are inverses of entire regression function. I proposed REM in a different research in which one entire regression function is built parallelly with many partial inverse regression functions and then missing values are fulfilled by expectations relevant to both entire regression function and inverse regression functions. Experimental results proved resistance of REM to incomplete data, but accuracy of REM decreases insignificantly when data sample is made sparse with loss ratios up to 80%.</a:t>
+            </a:r>
+          </a:p>
+        </p:txBody>
+      </p:sp>
+      <p:sp>
+        <p:nvSpPr>
+          <p:cNvPr id="4" name="Slide Number Placeholder 3"/>
+          <p:cNvSpPr>
+            <a:spLocks noGrp="1"/>
+          </p:cNvSpPr>
+          <p:nvPr>
+            <p:ph type="sldNum" sz="quarter" idx="12"/>
+          </p:nvPr>
+        </p:nvSpPr>
+        <p:spPr/>
+        <p:txBody>
+          <a:bodyPr/>
+          <a:lstStyle/>
+          <a:p>
+            <a:fld id="{5DB5036F-1FF2-46C4-8D2B-59C7E3B91952}" type="slidenum">
+              <a:rPr lang="en-US" smtClean="0"/>
+              <a:pPr/>
+              <a:t>2</a:t>
+            </a:fld>
+            <a:endParaRPr lang="en-US"/>
+          </a:p>
+        </p:txBody>
+      </p:sp>
+      <p:sp>
+        <p:nvSpPr>
+          <p:cNvPr id="5" name="Footer Placeholder 4"/>
+          <p:cNvSpPr>
+            <a:spLocks noGrp="1"/>
+          </p:cNvSpPr>
+          <p:nvPr>
+            <p:ph type="ftr" sz="quarter" idx="11"/>
+          </p:nvPr>
+        </p:nvSpPr>
+        <p:spPr/>
+        <p:txBody>
+          <a:bodyPr/>
+          <a:lstStyle/>
+          <a:p>
+            <a:r>
+              <a:rPr lang="en-US"/>
+              <a:t>Mixture Regression Model for Incomplete Data - Loc Nguyen</a:t>
+            </a:r>
+            <a:endParaRPr lang="en-US" dirty="0"/>
+          </a:p>
+        </p:txBody>
+      </p:sp>
+      <p:sp>
+        <p:nvSpPr>
+          <p:cNvPr id="6" name="Date Placeholder 5"/>
+          <p:cNvSpPr>
+            <a:spLocks noGrp="1"/>
+          </p:cNvSpPr>
+          <p:nvPr>
+            <p:ph type="dt" sz="half" idx="10"/>
+          </p:nvPr>
+        </p:nvSpPr>
+        <p:spPr/>
+        <p:txBody>
+          <a:bodyPr/>
+          <a:lstStyle/>
+          <a:p>
+            <a:r>
+              <a:rPr lang="en-US"/>
+              <a:t>7/12/2020</a:t>
+            </a:r>
+          </a:p>
+        </p:txBody>
+      </p:sp>
+    </p:spTree>
+    <p:extLst>
+      <p:ext uri="{BB962C8B-B14F-4D97-AF65-F5344CB8AC3E}">
+        <p14:creationId xmlns:p14="http://schemas.microsoft.com/office/powerpoint/2010/main" val="2953120691"/>
+      </p:ext>
+    </p:extLst>
+  </p:cSld>
+  <p:clrMapOvr>
+    <a:masterClrMapping/>
+  </p:clrMapOvr>
+</p:sld>
+</file>
+
+<file path=ppt/slides/slide20.xml><?xml version="1.0" encoding="utf-8"?>
 <p:sld xmlns:a="http://schemas.openxmlformats.org/drawingml/2006/main" xmlns:r="http://schemas.openxmlformats.org/officeDocument/2006/relationships" xmlns:p="http://schemas.openxmlformats.org/presentationml/2006/main">
   <p:cSld>
     <p:spTree>
@@ -15072,10 +20776,10 @@
           <a:bodyPr/>
           <a:lstStyle/>
           <a:p>
-            <a:fld id="{E078F81F-D720-4C1C-9436-5DA116627F70}" type="datetime1">
-              <a:rPr lang="en-US" smtClean="0"/>
-              <a:t>7/11/2020</a:t>
-            </a:fld>
+            <a:r>
+              <a:rPr lang="en-US"/>
+              <a:t>7/12/2020</a:t>
+            </a:r>
             <a:endParaRPr lang="en-US" dirty="0"/>
           </a:p>
         </p:txBody>
@@ -15103,7 +20807,7 @@
           <a:p>
             <a:r>
               <a:rPr lang="en-US"/>
-              <a:t>Mixture Regression Model for Incomplete Data</a:t>
+              <a:t>Mixture Regression Model for Incomplete Data - Loc Nguyen</a:t>
             </a:r>
           </a:p>
         </p:txBody>
@@ -15132,7 +20836,7 @@
             <a:fld id="{5DB5036F-1FF2-46C4-8D2B-59C7E3B91952}" type="slidenum">
               <a:rPr lang="en-US" smtClean="0"/>
               <a:pPr/>
-              <a:t>17</a:t>
+              <a:t>20</a:t>
             </a:fld>
             <a:endParaRPr lang="en-US"/>
           </a:p>
@@ -15187,7 +20891,496 @@
 </p:sld>
 </file>
 
-<file path=ppt/slides/slide18.xml><?xml version="1.0" encoding="utf-8"?>
+<file path=ppt/slides/slide21.xml><?xml version="1.0" encoding="utf-8"?>
+<p:sld xmlns:a="http://schemas.openxmlformats.org/drawingml/2006/main" xmlns:r="http://schemas.openxmlformats.org/officeDocument/2006/relationships" xmlns:p="http://schemas.openxmlformats.org/presentationml/2006/main">
+  <p:cSld>
+    <p:spTree>
+      <p:nvGrpSpPr>
+        <p:cNvPr id="1" name=""/>
+        <p:cNvGrpSpPr/>
+        <p:nvPr/>
+      </p:nvGrpSpPr>
+      <p:grpSpPr>
+        <a:xfrm>
+          <a:off x="0" y="0"/>
+          <a:ext cx="0" cy="0"/>
+          <a:chOff x="0" y="0"/>
+          <a:chExt cx="0" cy="0"/>
+        </a:xfrm>
+      </p:grpSpPr>
+      <p:sp>
+        <p:nvSpPr>
+          <p:cNvPr id="2" name="Title 1">
+            <a:extLst>
+              <a:ext uri="{FF2B5EF4-FFF2-40B4-BE49-F238E27FC236}">
+                <a16:creationId xmlns:a16="http://schemas.microsoft.com/office/drawing/2014/main" id="{7F581B15-9101-41F6-9B1E-553317B0AFAA}"/>
+              </a:ext>
+            </a:extLst>
+          </p:cNvPr>
+          <p:cNvSpPr>
+            <a:spLocks noGrp="1"/>
+          </p:cNvSpPr>
+          <p:nvPr>
+            <p:ph type="title"/>
+          </p:nvPr>
+        </p:nvSpPr>
+        <p:spPr/>
+        <p:txBody>
+          <a:bodyPr/>
+          <a:lstStyle/>
+          <a:p>
+            <a:r>
+              <a:rPr lang="en-US" dirty="0"/>
+              <a:t>3. Results and Discussions</a:t>
+            </a:r>
+          </a:p>
+        </p:txBody>
+      </p:sp>
+      <p:sp>
+        <p:nvSpPr>
+          <p:cNvPr id="3" name="Content Placeholder 2">
+            <a:extLst>
+              <a:ext uri="{FF2B5EF4-FFF2-40B4-BE49-F238E27FC236}">
+                <a16:creationId xmlns:a16="http://schemas.microsoft.com/office/drawing/2014/main" id="{B25DC116-9EE7-4D74-BDCE-127A00918FA1}"/>
+              </a:ext>
+            </a:extLst>
+          </p:cNvPr>
+          <p:cNvSpPr>
+            <a:spLocks noGrp="1"/>
+          </p:cNvSpPr>
+          <p:nvPr>
+            <p:ph idx="1"/>
+          </p:nvPr>
+        </p:nvSpPr>
+        <p:spPr>
+          <a:xfrm>
+            <a:off x="304800" y="914398"/>
+            <a:ext cx="11582400" cy="5292437"/>
+          </a:xfrm>
+        </p:spPr>
+        <p:txBody>
+          <a:bodyPr>
+            <a:noAutofit/>
+          </a:bodyPr>
+          <a:lstStyle/>
+          <a:p>
+            <a:r>
+              <a:rPr lang="en-US" sz="1900" dirty="0"/>
+              <a:t>In previous research [3], </a:t>
+            </a:r>
+            <a:r>
+              <a:rPr lang="en-US" sz="1900" dirty="0">
+                <a:effectLst/>
+                <a:latin typeface="Times New Roman" panose="02020603050405020304" pitchFamily="18" charset="0"/>
+                <a:ea typeface="Microsoft YaHei" panose="020B0503020204020204" pitchFamily="34" charset="-122"/>
+              </a:rPr>
+              <a:t>experimental results proved resistance of REM to incomplete data up to loss ratio 80%. We use a gestational sample of 1027 cases in which each case includes ultrasound measures, fetus age, and fetus weight. Following is RMAE evaluation of REM, which is considered as the percentage of decrease in accuracy.</a:t>
+            </a:r>
+          </a:p>
+          <a:p>
+            <a:pPr marL="0" indent="0">
+              <a:buNone/>
+            </a:pPr>
+            <a:r>
+              <a:rPr lang="pt-BR" sz="1900" dirty="0">
+                <a:effectLst/>
+                <a:latin typeface="Times New Roman" panose="02020603050405020304" pitchFamily="18" charset="0"/>
+                <a:ea typeface="Microsoft YaHei" panose="020B0503020204020204" pitchFamily="34" charset="-122"/>
+              </a:rPr>
+              <a:t>       Pair        RMAE (REM)</a:t>
+            </a:r>
+          </a:p>
+          <a:p>
+            <a:pPr marL="0" indent="0">
+              <a:buNone/>
+            </a:pPr>
+            <a:r>
+              <a:rPr lang="pt-BR" sz="1900" dirty="0">
+                <a:effectLst/>
+                <a:latin typeface="Times New Roman" panose="02020603050405020304" pitchFamily="18" charset="0"/>
+                <a:ea typeface="Microsoft YaHei" panose="020B0503020204020204" pitchFamily="34" charset="-122"/>
+              </a:rPr>
+              <a:t>          1              0.0093</a:t>
+            </a:r>
+          </a:p>
+          <a:p>
+            <a:pPr marL="0" indent="0">
+              <a:buNone/>
+            </a:pPr>
+            <a:r>
+              <a:rPr lang="pt-BR" sz="1900" dirty="0">
+                <a:effectLst/>
+                <a:latin typeface="Times New Roman" panose="02020603050405020304" pitchFamily="18" charset="0"/>
+                <a:ea typeface="Microsoft YaHei" panose="020B0503020204020204" pitchFamily="34" charset="-122"/>
+              </a:rPr>
+              <a:t>          2              0.0300</a:t>
+            </a:r>
+          </a:p>
+          <a:p>
+            <a:pPr marL="0" indent="0">
+              <a:buNone/>
+            </a:pPr>
+            <a:r>
+              <a:rPr lang="pt-BR" sz="1900" dirty="0">
+                <a:effectLst/>
+                <a:latin typeface="Times New Roman" panose="02020603050405020304" pitchFamily="18" charset="0"/>
+                <a:ea typeface="Microsoft YaHei" panose="020B0503020204020204" pitchFamily="34" charset="-122"/>
+              </a:rPr>
+              <a:t>          3              0.0366</a:t>
+            </a:r>
+          </a:p>
+          <a:p>
+            <a:pPr marL="0" indent="0">
+              <a:buNone/>
+            </a:pPr>
+            <a:r>
+              <a:rPr lang="pt-BR" sz="1900" dirty="0">
+                <a:effectLst/>
+                <a:latin typeface="Times New Roman" panose="02020603050405020304" pitchFamily="18" charset="0"/>
+                <a:ea typeface="Microsoft YaHei" panose="020B0503020204020204" pitchFamily="34" charset="-122"/>
+              </a:rPr>
+              <a:t>          4              0.0412</a:t>
+            </a:r>
+          </a:p>
+          <a:p>
+            <a:pPr marL="0" indent="0">
+              <a:buNone/>
+            </a:pPr>
+            <a:r>
+              <a:rPr lang="pt-BR" sz="1900" dirty="0">
+                <a:effectLst/>
+                <a:latin typeface="Times New Roman" panose="02020603050405020304" pitchFamily="18" charset="0"/>
+                <a:ea typeface="Microsoft YaHei" panose="020B0503020204020204" pitchFamily="34" charset="-122"/>
+              </a:rPr>
+              <a:t>          5              0.0773</a:t>
+            </a:r>
+          </a:p>
+          <a:p>
+            <a:pPr marL="0" indent="0">
+              <a:buNone/>
+            </a:pPr>
+            <a:r>
+              <a:rPr lang="pt-BR" sz="1900" dirty="0">
+                <a:effectLst/>
+                <a:latin typeface="Times New Roman" panose="02020603050405020304" pitchFamily="18" charset="0"/>
+                <a:ea typeface="Microsoft YaHei" panose="020B0503020204020204" pitchFamily="34" charset="-122"/>
+              </a:rPr>
+              <a:t>          8              0.0875</a:t>
+            </a:r>
+          </a:p>
+          <a:p>
+            <a:pPr marL="0" indent="0">
+              <a:buNone/>
+            </a:pPr>
+            <a:r>
+              <a:rPr lang="pt-BR" sz="1900" dirty="0">
+                <a:effectLst/>
+                <a:latin typeface="Times New Roman" panose="02020603050405020304" pitchFamily="18" charset="0"/>
+                <a:ea typeface="Microsoft YaHei" panose="020B0503020204020204" pitchFamily="34" charset="-122"/>
+              </a:rPr>
+              <a:t>          7              0.0415</a:t>
+            </a:r>
+          </a:p>
+          <a:p>
+            <a:pPr marL="0" indent="0">
+              <a:buNone/>
+            </a:pPr>
+            <a:r>
+              <a:rPr lang="pt-BR" sz="1900" dirty="0">
+                <a:effectLst/>
+                <a:latin typeface="Times New Roman" panose="02020603050405020304" pitchFamily="18" charset="0"/>
+                <a:ea typeface="Microsoft YaHei" panose="020B0503020204020204" pitchFamily="34" charset="-122"/>
+              </a:rPr>
+              <a:t>          8              0.6408</a:t>
+            </a:r>
+          </a:p>
+          <a:p>
+            <a:r>
+              <a:rPr lang="en-US" sz="1900" dirty="0">
+                <a:effectLst/>
+                <a:latin typeface="Times New Roman" panose="02020603050405020304" pitchFamily="18" charset="0"/>
+                <a:ea typeface="Microsoft YaHei" panose="020B0503020204020204" pitchFamily="34" charset="-122"/>
+              </a:rPr>
+              <a:t>We make a one-way paired t-test of </a:t>
+            </a:r>
+            <a:r>
+              <a:rPr lang="en-US" sz="1900" dirty="0">
+                <a:ea typeface="Microsoft YaHei" panose="020B0503020204020204" pitchFamily="34" charset="-122"/>
+              </a:rPr>
+              <a:t>loss ratios (10%, 20%, 30%, 40%, 50%, 60%, 70%, 80%) and RMAE values. </a:t>
+            </a:r>
+            <a:r>
+              <a:rPr lang="en-US" sz="1900" dirty="0">
+                <a:effectLst/>
+                <a:latin typeface="Times New Roman" panose="02020603050405020304" pitchFamily="18" charset="0"/>
+                <a:ea typeface="Microsoft YaHei" panose="020B0503020204020204" pitchFamily="34" charset="-122"/>
+              </a:rPr>
+              <a:t>Given significant level 95% (</a:t>
+            </a:r>
+            <a:r>
+              <a:rPr lang="en-US" sz="1800" i="1" dirty="0">
+                <a:effectLst/>
+                <a:latin typeface="Times New Roman" panose="02020603050405020304" pitchFamily="18" charset="0"/>
+                <a:ea typeface="Microsoft YaHei" panose="020B0503020204020204" pitchFamily="34" charset="-122"/>
+              </a:rPr>
+              <a:t>t</a:t>
+            </a:r>
+            <a:r>
+              <a:rPr lang="en-US" sz="1800" baseline="-25000" dirty="0">
+                <a:effectLst/>
+                <a:latin typeface="Times New Roman" panose="02020603050405020304" pitchFamily="18" charset="0"/>
+                <a:ea typeface="Microsoft YaHei" panose="020B0503020204020204" pitchFamily="34" charset="-122"/>
+              </a:rPr>
+              <a:t>0.05,7</a:t>
+            </a:r>
+            <a:r>
+              <a:rPr lang="en-US" sz="1800" dirty="0">
+                <a:effectLst/>
+                <a:latin typeface="Times New Roman" panose="02020603050405020304" pitchFamily="18" charset="0"/>
+                <a:ea typeface="Microsoft YaHei" panose="020B0503020204020204" pitchFamily="34" charset="-122"/>
+              </a:rPr>
+              <a:t> = 1.895</a:t>
+            </a:r>
+            <a:r>
+              <a:rPr lang="en-US" sz="1900" dirty="0">
+                <a:effectLst/>
+                <a:latin typeface="Times New Roman" panose="02020603050405020304" pitchFamily="18" charset="0"/>
+                <a:ea typeface="Microsoft YaHei" panose="020B0503020204020204" pitchFamily="34" charset="-122"/>
+              </a:rPr>
+              <a:t>), difference between the percentage of missing values and the percentage of decrease in accuracy of REM is significant with pairs 1</a:t>
+            </a:r>
+            <a:r>
+              <a:rPr lang="en-US" sz="1900" baseline="30000" dirty="0">
+                <a:effectLst/>
+                <a:latin typeface="Times New Roman" panose="02020603050405020304" pitchFamily="18" charset="0"/>
+                <a:ea typeface="Microsoft YaHei" panose="020B0503020204020204" pitchFamily="34" charset="-122"/>
+              </a:rPr>
+              <a:t>st</a:t>
+            </a:r>
+            <a:r>
+              <a:rPr lang="en-US" sz="1900" dirty="0">
+                <a:effectLst/>
+                <a:latin typeface="Times New Roman" panose="02020603050405020304" pitchFamily="18" charset="0"/>
+                <a:ea typeface="Microsoft YaHei" panose="020B0503020204020204" pitchFamily="34" charset="-122"/>
+              </a:rPr>
+              <a:t>, 2</a:t>
+            </a:r>
+            <a:r>
+              <a:rPr lang="en-US" sz="1900" baseline="30000" dirty="0">
+                <a:effectLst/>
+                <a:latin typeface="Times New Roman" panose="02020603050405020304" pitchFamily="18" charset="0"/>
+                <a:ea typeface="Microsoft YaHei" panose="020B0503020204020204" pitchFamily="34" charset="-122"/>
+              </a:rPr>
+              <a:t>nd</a:t>
+            </a:r>
+            <a:r>
+              <a:rPr lang="en-US" sz="1900" dirty="0">
+                <a:effectLst/>
+                <a:latin typeface="Times New Roman" panose="02020603050405020304" pitchFamily="18" charset="0"/>
+                <a:ea typeface="Microsoft YaHei" panose="020B0503020204020204" pitchFamily="34" charset="-122"/>
+              </a:rPr>
+              <a:t>, 3</a:t>
+            </a:r>
+            <a:r>
+              <a:rPr lang="en-US" sz="1900" baseline="30000" dirty="0">
+                <a:effectLst/>
+                <a:latin typeface="Times New Roman" panose="02020603050405020304" pitchFamily="18" charset="0"/>
+                <a:ea typeface="Microsoft YaHei" panose="020B0503020204020204" pitchFamily="34" charset="-122"/>
+              </a:rPr>
+              <a:t>rd</a:t>
+            </a:r>
+            <a:r>
+              <a:rPr lang="en-US" sz="1900" dirty="0">
+                <a:effectLst/>
+                <a:latin typeface="Times New Roman" panose="02020603050405020304" pitchFamily="18" charset="0"/>
+                <a:ea typeface="Microsoft YaHei" panose="020B0503020204020204" pitchFamily="34" charset="-122"/>
+              </a:rPr>
+              <a:t>, 4</a:t>
+            </a:r>
+            <a:r>
+              <a:rPr lang="en-US" sz="1900" baseline="30000" dirty="0">
+                <a:effectLst/>
+                <a:latin typeface="Times New Roman" panose="02020603050405020304" pitchFamily="18" charset="0"/>
+                <a:ea typeface="Microsoft YaHei" panose="020B0503020204020204" pitchFamily="34" charset="-122"/>
+              </a:rPr>
+              <a:t>th</a:t>
+            </a:r>
+            <a:r>
+              <a:rPr lang="en-US" sz="1900" dirty="0">
+                <a:effectLst/>
+                <a:latin typeface="Times New Roman" panose="02020603050405020304" pitchFamily="18" charset="0"/>
+                <a:ea typeface="Microsoft YaHei" panose="020B0503020204020204" pitchFamily="34" charset="-122"/>
+              </a:rPr>
+              <a:t>, 5</a:t>
+            </a:r>
+            <a:r>
+              <a:rPr lang="en-US" sz="1900" baseline="30000" dirty="0">
+                <a:effectLst/>
+                <a:latin typeface="Times New Roman" panose="02020603050405020304" pitchFamily="18" charset="0"/>
+                <a:ea typeface="Microsoft YaHei" panose="020B0503020204020204" pitchFamily="34" charset="-122"/>
+              </a:rPr>
+              <a:t>th</a:t>
+            </a:r>
+            <a:r>
+              <a:rPr lang="en-US" sz="1900" dirty="0">
+                <a:effectLst/>
+                <a:latin typeface="Times New Roman" panose="02020603050405020304" pitchFamily="18" charset="0"/>
+                <a:ea typeface="Microsoft YaHei" panose="020B0503020204020204" pitchFamily="34" charset="-122"/>
+              </a:rPr>
+              <a:t>, 6</a:t>
+            </a:r>
+            <a:r>
+              <a:rPr lang="en-US" sz="1900" baseline="30000" dirty="0">
+                <a:effectLst/>
+                <a:latin typeface="Times New Roman" panose="02020603050405020304" pitchFamily="18" charset="0"/>
+                <a:ea typeface="Microsoft YaHei" panose="020B0503020204020204" pitchFamily="34" charset="-122"/>
+              </a:rPr>
+              <a:t>th</a:t>
+            </a:r>
+            <a:r>
+              <a:rPr lang="en-US" sz="1900" dirty="0">
+                <a:effectLst/>
+                <a:latin typeface="Times New Roman" panose="02020603050405020304" pitchFamily="18" charset="0"/>
+                <a:ea typeface="Microsoft YaHei" panose="020B0503020204020204" pitchFamily="34" charset="-122"/>
+              </a:rPr>
+              <a:t>, 7</a:t>
+            </a:r>
+            <a:r>
+              <a:rPr lang="en-US" sz="1900" baseline="30000" dirty="0">
+                <a:effectLst/>
+                <a:latin typeface="Times New Roman" panose="02020603050405020304" pitchFamily="18" charset="0"/>
+                <a:ea typeface="Microsoft YaHei" panose="020B0503020204020204" pitchFamily="34" charset="-122"/>
+              </a:rPr>
+              <a:t>th</a:t>
+            </a:r>
+            <a:r>
+              <a:rPr lang="en-US" sz="1900" dirty="0">
+                <a:effectLst/>
+                <a:latin typeface="Times New Roman" panose="02020603050405020304" pitchFamily="18" charset="0"/>
+                <a:ea typeface="Microsoft YaHei" panose="020B0503020204020204" pitchFamily="34" charset="-122"/>
+              </a:rPr>
+              <a:t>, and 8</a:t>
+            </a:r>
+            <a:r>
+              <a:rPr lang="en-US" sz="1900" baseline="30000" dirty="0">
+                <a:effectLst/>
+                <a:latin typeface="Times New Roman" panose="02020603050405020304" pitchFamily="18" charset="0"/>
+                <a:ea typeface="Microsoft YaHei" panose="020B0503020204020204" pitchFamily="34" charset="-122"/>
+              </a:rPr>
+              <a:t>th</a:t>
+            </a:r>
+            <a:r>
+              <a:rPr lang="en-US" sz="1900" dirty="0">
+                <a:effectLst/>
+                <a:latin typeface="Times New Roman" panose="02020603050405020304" pitchFamily="18" charset="0"/>
+                <a:ea typeface="Microsoft YaHei" panose="020B0503020204020204" pitchFamily="34" charset="-122"/>
+              </a:rPr>
+              <a:t>. We assert that the resistance of REM to missing values given MAE metric is significant because the bias ratios are much smaller than percentages of missing values in case that loss ratios are equal to or smaller than 80%.</a:t>
+            </a:r>
+            <a:endParaRPr lang="en-US" sz="1900" dirty="0"/>
+          </a:p>
+        </p:txBody>
+      </p:sp>
+      <p:sp>
+        <p:nvSpPr>
+          <p:cNvPr id="4" name="Date Placeholder 3">
+            <a:extLst>
+              <a:ext uri="{FF2B5EF4-FFF2-40B4-BE49-F238E27FC236}">
+                <a16:creationId xmlns:a16="http://schemas.microsoft.com/office/drawing/2014/main" id="{04F9FD55-E787-4892-9C21-8E8FA2B8EE94}"/>
+              </a:ext>
+            </a:extLst>
+          </p:cNvPr>
+          <p:cNvSpPr>
+            <a:spLocks noGrp="1"/>
+          </p:cNvSpPr>
+          <p:nvPr>
+            <p:ph type="dt" sz="half" idx="10"/>
+          </p:nvPr>
+        </p:nvSpPr>
+        <p:spPr/>
+        <p:txBody>
+          <a:bodyPr/>
+          <a:lstStyle/>
+          <a:p>
+            <a:r>
+              <a:rPr lang="en-US"/>
+              <a:t>7/12/2020</a:t>
+            </a:r>
+          </a:p>
+        </p:txBody>
+      </p:sp>
+      <p:sp>
+        <p:nvSpPr>
+          <p:cNvPr id="5" name="Footer Placeholder 4">
+            <a:extLst>
+              <a:ext uri="{FF2B5EF4-FFF2-40B4-BE49-F238E27FC236}">
+                <a16:creationId xmlns:a16="http://schemas.microsoft.com/office/drawing/2014/main" id="{3E514393-9E88-49E3-B023-FC963E940C0C}"/>
+              </a:ext>
+            </a:extLst>
+          </p:cNvPr>
+          <p:cNvSpPr>
+            <a:spLocks noGrp="1"/>
+          </p:cNvSpPr>
+          <p:nvPr>
+            <p:ph type="ftr" sz="quarter" idx="11"/>
+          </p:nvPr>
+        </p:nvSpPr>
+        <p:spPr/>
+        <p:txBody>
+          <a:bodyPr/>
+          <a:lstStyle/>
+          <a:p>
+            <a:r>
+              <a:rPr lang="en-US"/>
+              <a:t>Mixture Regression Model for Incomplete Data - Loc Nguyen</a:t>
+            </a:r>
+          </a:p>
+        </p:txBody>
+      </p:sp>
+      <p:sp>
+        <p:nvSpPr>
+          <p:cNvPr id="6" name="Slide Number Placeholder 5">
+            <a:extLst>
+              <a:ext uri="{FF2B5EF4-FFF2-40B4-BE49-F238E27FC236}">
+                <a16:creationId xmlns:a16="http://schemas.microsoft.com/office/drawing/2014/main" id="{746871DD-A3C8-4EA9-9D89-C1966B947E85}"/>
+              </a:ext>
+            </a:extLst>
+          </p:cNvPr>
+          <p:cNvSpPr>
+            <a:spLocks noGrp="1"/>
+          </p:cNvSpPr>
+          <p:nvPr>
+            <p:ph type="sldNum" sz="quarter" idx="12"/>
+          </p:nvPr>
+        </p:nvSpPr>
+        <p:spPr/>
+        <p:txBody>
+          <a:bodyPr/>
+          <a:lstStyle/>
+          <a:p>
+            <a:fld id="{5DB5036F-1FF2-46C4-8D2B-59C7E3B91952}" type="slidenum">
+              <a:rPr lang="en-US" smtClean="0"/>
+              <a:pPr/>
+              <a:t>21</a:t>
+            </a:fld>
+            <a:endParaRPr lang="en-US"/>
+          </a:p>
+        </p:txBody>
+      </p:sp>
+    </p:spTree>
+    <p:extLst>
+      <p:ext uri="{BB962C8B-B14F-4D97-AF65-F5344CB8AC3E}">
+        <p14:creationId xmlns:p14="http://schemas.microsoft.com/office/powerpoint/2010/main" val="3079173712"/>
+      </p:ext>
+    </p:extLst>
+  </p:cSld>
+  <p:clrMapOvr>
+    <a:masterClrMapping/>
+  </p:clrMapOvr>
+</p:sld>
+</file>
+
+<file path=ppt/slides/slide22.xml><?xml version="1.0" encoding="utf-8"?>
 <p:sld xmlns:a="http://schemas.openxmlformats.org/drawingml/2006/main" xmlns:r="http://schemas.openxmlformats.org/officeDocument/2006/relationships" xmlns:p="http://schemas.openxmlformats.org/presentationml/2006/main">
   <p:cSld>
     <p:spTree>
@@ -15226,8 +21419,8 @@
           </a:p>
         </p:txBody>
       </p:sp>
-      <mc:AlternateContent xmlns:mc="http://schemas.openxmlformats.org/markup-compatibility/2006">
-        <mc:Choice xmlns:a14="http://schemas.microsoft.com/office/drawing/2010/main" Requires="a14">
+      <mc:AlternateContent xmlns:mc="http://schemas.openxmlformats.org/markup-compatibility/2006" xmlns:a14="http://schemas.microsoft.com/office/drawing/2010/main">
+        <mc:Choice Requires="a14">
           <p:sp>
             <p:nvSpPr>
               <p:cNvPr id="3" name="Content Placeholder 2"/>
@@ -15850,7 +22043,7 @@
             </p:txBody>
           </p:sp>
         </mc:Choice>
-        <mc:Fallback>
+        <mc:Fallback xmlns="">
           <p:sp>
             <p:nvSpPr>
               <p:cNvPr id="3" name="Content Placeholder 2"/>
@@ -15899,11 +22092,10 @@
           <a:bodyPr/>
           <a:lstStyle/>
           <a:p>
-            <a:fld id="{45EB25CC-F741-4EA8-B827-D5F90AB19623}" type="datetime1">
-              <a:rPr lang="en-US" smtClean="0"/>
-              <a:t>7/11/2020</a:t>
-            </a:fld>
-            <a:endParaRPr lang="en-US"/>
+            <a:r>
+              <a:rPr lang="en-US"/>
+              <a:t>7/12/2020</a:t>
+            </a:r>
           </a:p>
         </p:txBody>
       </p:sp>
@@ -15924,7 +22116,7 @@
           <a:p>
             <a:r>
               <a:rPr lang="en-US"/>
-              <a:t>Mixture Regression Model for Incomplete Data</a:t>
+              <a:t>Mixture Regression Model for Incomplete Data - Loc Nguyen</a:t>
             </a:r>
           </a:p>
         </p:txBody>
@@ -15947,7 +22139,7 @@
             <a:fld id="{5DB5036F-1FF2-46C4-8D2B-59C7E3B91952}" type="slidenum">
               <a:rPr lang="en-US" smtClean="0"/>
               <a:pPr/>
-              <a:t>18</a:t>
+              <a:t>22</a:t>
             </a:fld>
             <a:endParaRPr lang="en-US"/>
           </a:p>
@@ -15966,7 +22158,7 @@
 </p:sld>
 </file>
 
-<file path=ppt/slides/slide19.xml><?xml version="1.0" encoding="utf-8"?>
+<file path=ppt/slides/slide23.xml><?xml version="1.0" encoding="utf-8"?>
 <p:sld xmlns:a="http://schemas.openxmlformats.org/drawingml/2006/main" xmlns:r="http://schemas.openxmlformats.org/officeDocument/2006/relationships" xmlns:p="http://schemas.openxmlformats.org/presentationml/2006/main">
   <p:cSld>
     <p:spTree>
@@ -16031,7 +22223,7 @@
             <a:fld id="{5DB5036F-1FF2-46C4-8D2B-59C7E3B91952}" type="slidenum">
               <a:rPr lang="en-US" smtClean="0"/>
               <a:pPr/>
-              <a:t>19</a:t>
+              <a:t>23</a:t>
             </a:fld>
             <a:endParaRPr lang="en-US"/>
           </a:p>
@@ -16054,7 +22246,7 @@
           <a:p>
             <a:r>
               <a:rPr lang="en-US"/>
-              <a:t>Mixture Regression Model for Incomplete Data</a:t>
+              <a:t>Mixture Regression Model for Incomplete Data - Loc Nguyen</a:t>
             </a:r>
           </a:p>
         </p:txBody>
@@ -16074,11 +22266,10 @@
           <a:bodyPr/>
           <a:lstStyle/>
           <a:p>
-            <a:fld id="{05EC6EC4-6ECE-4906-A33D-EA520C53995F}" type="datetime1">
-              <a:rPr lang="en-US" smtClean="0"/>
-              <a:t>7/11/2020</a:t>
-            </a:fld>
-            <a:endParaRPr lang="en-US"/>
+            <a:r>
+              <a:rPr lang="en-US"/>
+              <a:t>7/12/2020</a:t>
+            </a:r>
           </a:p>
         </p:txBody>
       </p:sp>
@@ -16095,7 +22286,7 @@
 </p:sld>
 </file>
 
-<file path=ppt/slides/slide2.xml><?xml version="1.0" encoding="utf-8"?>
+<file path=ppt/slides/slide24.xml><?xml version="1.0" encoding="utf-8"?>
 <p:sld xmlns:a="http://schemas.openxmlformats.org/drawingml/2006/main" xmlns:r="http://schemas.openxmlformats.org/officeDocument/2006/relationships" xmlns:p="http://schemas.openxmlformats.org/presentationml/2006/main">
   <p:cSld>
     <p:spTree>
@@ -16129,7 +22320,7 @@
           <a:p>
             <a:r>
               <a:rPr lang="en-US" dirty="0"/>
-              <a:t>Abstract</a:t>
+              <a:t>References</a:t>
             </a:r>
           </a:p>
         </p:txBody>
@@ -16144,34 +22335,230 @@
             <p:ph idx="1"/>
           </p:nvPr>
         </p:nvSpPr>
-        <p:spPr/>
+        <p:spPr>
+          <a:xfrm>
+            <a:off x="124691" y="914398"/>
+            <a:ext cx="11942618" cy="5441951"/>
+          </a:xfrm>
+        </p:spPr>
         <p:txBody>
           <a:bodyPr>
-            <a:normAutofit fontScale="92500" lnSpcReduction="10000"/>
+            <a:noAutofit/>
           </a:bodyPr>
           <a:lstStyle/>
           <a:p>
-            <a:pPr marL="0" indent="0">
-              <a:lnSpc>
-                <a:spcPct val="110000"/>
-              </a:lnSpc>
-              <a:buNone/>
+            <a:pPr marL="457200" indent="-457200">
+              <a:buFont typeface="+mj-lt"/>
+              <a:buAutoNum type="arabicPeriod"/>
             </a:pPr>
             <a:r>
-              <a:rPr lang="en-US" dirty="0"/>
-              <a:t>The Regression Expectation Maximization (REM) algorithm, which is a variant of Expectation Maximization (EM) algorithm, uses parallelly a long regression model and many short regression models to solve the problem of incomplete data. Long regression model is entire regression function which is the resulted model and short regression models are partial regression functions which are inverses of entire regression function. I proposed REM in a different research in which one entire regression function is built parallelly with many partial inverse regression functions and then missing values are fulfilled by expectations relevant to both entire regression function and inverse regression functions. Experimental results proved resistance of REM to incomplete data, but accuracy of REM decreases insignificantly when data sample is made sparse with loss ratios up to 80%.</a:t>
-            </a:r>
+              <a:rPr lang="en-US" sz="1400" dirty="0"/>
+              <a:t>Montgomery, D. C.; </a:t>
+            </a:r>
+            <a:r>
+              <a:rPr lang="en-US" sz="1400" dirty="0" err="1"/>
+              <a:t>Runger</a:t>
+            </a:r>
+            <a:r>
+              <a:rPr lang="en-US" sz="1400" dirty="0"/>
+              <a:t>, G. C. Applied Statistics and Probability for Engineers, 5th ed.; John Wiley &amp; Sons: Hoboken, New Jersey, USA, 2010; p. 792. Available online: https://books.google.com.vn/books?id=_f4KrEcNAfEC (accessed on 6th September 2016).</a:t>
+            </a:r>
+          </a:p>
+          <a:p>
+            <a:pPr marL="457200" indent="-457200">
+              <a:buFont typeface="+mj-lt"/>
+              <a:buAutoNum type="arabicPeriod"/>
+            </a:pPr>
+            <a:r>
+              <a:rPr lang="en-US" sz="1400" dirty="0"/>
+              <a:t>Horton, N. J.; Kleinman, K. P. Much ado about nothing: A comparison of missing data methods and software to fit incomplete data regression models. The American Statistician, February 2007, vol. 61, no. 1, pp. 79-90. DOI:10.1198/000313007X172556.</a:t>
+            </a:r>
+          </a:p>
+          <a:p>
+            <a:pPr marL="457200" indent="-457200">
+              <a:buFont typeface="+mj-lt"/>
+              <a:buAutoNum type="arabicPeriod"/>
+            </a:pPr>
+            <a:r>
+              <a:rPr lang="en-US" sz="1400" dirty="0"/>
+              <a:t>Nguyen, L.; Ho, T.-H. T. Fetal Weight Estimation in Case of Missing Data. Experimental Medicine (EM) - Special Issue “Medicine and Healthy Food”, December 17th 2018, vol. 1, no. 2, pp. 45-65. DOI:10.31058/j.em.2018.12004.</a:t>
+            </a:r>
+          </a:p>
+          <a:p>
+            <a:pPr marL="457200" indent="-457200">
+              <a:buFont typeface="+mj-lt"/>
+              <a:buAutoNum type="arabicPeriod"/>
+            </a:pPr>
+            <a:r>
+              <a:rPr lang="en-US" sz="1400" dirty="0" err="1"/>
+              <a:t>Chamroukhi</a:t>
+            </a:r>
+            <a:r>
+              <a:rPr lang="en-US" sz="1400" dirty="0"/>
+              <a:t>, F.; </a:t>
+            </a:r>
+            <a:r>
+              <a:rPr lang="en-US" sz="1400" dirty="0" err="1"/>
+              <a:t>Samé</a:t>
+            </a:r>
+            <a:r>
+              <a:rPr lang="en-US" sz="1400" dirty="0"/>
+              <a:t>, A.; </a:t>
+            </a:r>
+            <a:r>
+              <a:rPr lang="en-US" sz="1400" dirty="0" err="1"/>
+              <a:t>Govaert</a:t>
+            </a:r>
+            <a:r>
+              <a:rPr lang="en-US" sz="1400" dirty="0"/>
+              <a:t>, G.; </a:t>
+            </a:r>
+            <a:r>
+              <a:rPr lang="en-US" sz="1400" dirty="0" err="1"/>
+              <a:t>Aknin</a:t>
+            </a:r>
+            <a:r>
+              <a:rPr lang="en-US" sz="1400" dirty="0"/>
+              <a:t>, P. (2010, March). A hidden process regression model for functional data description: Application to curve discrimination. (Wang, Z.; Hoi, S.; Eds.) Neurocomputing, March 2010, 73(7-9), 1210-1221, DOI:10.1016/j.neucom.2009.12.023. Available </a:t>
+            </a:r>
+            <a:r>
+              <a:rPr lang="en-US" sz="1400" dirty="0" err="1"/>
+              <a:t>online:https</a:t>
+            </a:r>
+            <a:r>
+              <a:rPr lang="en-US" sz="1400" dirty="0"/>
+              <a:t>://www.sciencedirect.com/science/article/pii/S0925231210000287 (accessed on 12ndOctober 2018).</a:t>
+            </a:r>
+          </a:p>
+          <a:p>
+            <a:pPr marL="457200" indent="-457200">
+              <a:buFont typeface="+mj-lt"/>
+              <a:buAutoNum type="arabicPeriod"/>
+            </a:pPr>
+            <a:r>
+              <a:rPr lang="en-US" sz="1400" dirty="0" err="1"/>
+              <a:t>Kokic</a:t>
+            </a:r>
+            <a:r>
+              <a:rPr lang="en-US" sz="1400" dirty="0"/>
+              <a:t>, P. The EM Algorithm for a Multivariate Regression Model: including its applications to a non-parametric regression model and a multivariate time series model. </a:t>
+            </a:r>
+            <a:r>
+              <a:rPr lang="en-US" sz="1400" dirty="0" err="1"/>
+              <a:t>QantarisGmbH</a:t>
+            </a:r>
+            <a:r>
+              <a:rPr lang="en-US" sz="1400" dirty="0"/>
+              <a:t>, Frankfurt, 2002. Available online: https://www.cs.york.ac.uk/euredit/_temp/The%20Euredit%20Software/NAG%20Prototype%20platform/WorkingPaper4.pdf (accessed on 30th June 2018).</a:t>
+            </a:r>
+          </a:p>
+          <a:p>
+            <a:pPr marL="457200" indent="-457200">
+              <a:buFont typeface="+mj-lt"/>
+              <a:buAutoNum type="arabicPeriod"/>
+            </a:pPr>
+            <a:r>
+              <a:rPr lang="en-US" sz="1400" dirty="0" err="1"/>
+              <a:t>Ghitany</a:t>
+            </a:r>
+            <a:r>
+              <a:rPr lang="en-US" sz="1400" dirty="0"/>
+              <a:t>, M. E.; </a:t>
+            </a:r>
+            <a:r>
+              <a:rPr lang="en-US" sz="1400" dirty="0" err="1"/>
+              <a:t>Karlis</a:t>
+            </a:r>
+            <a:r>
+              <a:rPr lang="en-US" sz="1400" dirty="0"/>
+              <a:t>, D.; Al-</a:t>
+            </a:r>
+            <a:r>
+              <a:rPr lang="en-US" sz="1400" dirty="0" err="1"/>
+              <a:t>Mutairi</a:t>
+            </a:r>
+            <a:r>
+              <a:rPr lang="en-US" sz="1400" dirty="0"/>
+              <a:t>, D. K.; Al-Awadhi, F. An EM Algorithm for Multivariate Mixed Poisson Regression Models and its Application. Applied Mathematical Sciences, 2012, vol.6, no.137, pp.6843-6856. Available online: http://www.m-hikari.com/ams/ams-2012/ams-137-140-2012/ghitanyAMS137-140-2012.pdf (accessed on 3rd July2018).</a:t>
+            </a:r>
+          </a:p>
+          <a:p>
+            <a:pPr marL="457200" indent="-457200">
+              <a:buFont typeface="+mj-lt"/>
+              <a:buAutoNum type="arabicPeriod"/>
+            </a:pPr>
+            <a:r>
+              <a:rPr lang="en-US" sz="1400" dirty="0"/>
+              <a:t>Anderson, B.; Hardin, M. J. Modified logistic regression using the EM algorithm for reject inference. International Journal of Data Analysis Techniques and Strategies, 1st January 2013, vol. 5, no. 4, pp.359-373. DOI:10.1504/IJDATS.2013.058582.</a:t>
+            </a:r>
+          </a:p>
+          <a:p>
+            <a:pPr marL="457200" indent="-457200">
+              <a:buFont typeface="+mj-lt"/>
+              <a:buAutoNum type="arabicPeriod"/>
+            </a:pPr>
+            <a:r>
+              <a:rPr lang="en-US" sz="1400" dirty="0"/>
+              <a:t>Zhang, X.; Deng, J.; </a:t>
+            </a:r>
+            <a:r>
+              <a:rPr lang="en-US" sz="1400" dirty="0" err="1"/>
+              <a:t>Su</a:t>
+            </a:r>
+            <a:r>
+              <a:rPr lang="en-US" sz="1400" dirty="0"/>
+              <a:t>, R. The EM algorithm for a linear regression model with application to a diabetes data. In Proceedings of the 2016 International Conference on Progress in Informatics and Computing (PIC), Shanghai, China, 2016. DOI:10.1109/PIC.2016.7949477.</a:t>
+            </a:r>
+          </a:p>
+          <a:p>
+            <a:pPr marL="457200" indent="-457200">
+              <a:buFont typeface="+mj-lt"/>
+              <a:buAutoNum type="arabicPeriod"/>
+            </a:pPr>
+            <a:r>
+              <a:rPr lang="en-US" sz="1400" dirty="0" err="1"/>
+              <a:t>Haitovsky</a:t>
+            </a:r>
+            <a:r>
+              <a:rPr lang="en-US" sz="1400" dirty="0"/>
+              <a:t>, Y. Missing Data in Regression Analysis. Journal of the Royal Statistical Society: Series B (Methodological), 1st January 1968, vol. 30, no. 1, pp. 67-82. Available online: https://www.jstor.org/stable/2984459 (accessed on 3rdJuly2018).</a:t>
+            </a:r>
+          </a:p>
+          <a:p>
+            <a:pPr marL="457200" indent="-457200">
+              <a:buFont typeface="+mj-lt"/>
+              <a:buAutoNum type="arabicPeriod"/>
+            </a:pPr>
+            <a:r>
+              <a:rPr lang="en-US" sz="1400" dirty="0"/>
+              <a:t>Robins, J. M.; </a:t>
+            </a:r>
+            <a:r>
+              <a:rPr lang="en-US" sz="1400" dirty="0" err="1"/>
+              <a:t>Rotnitzki</a:t>
+            </a:r>
+            <a:r>
+              <a:rPr lang="en-US" sz="1400" dirty="0"/>
+              <a:t>, A.; Zhao, L. P. Analysis of Semiparametric Regression Models for Repeated Outcomes in the Presence of Missing Data. Journal of the American Statistical Association, March 1995, vol. 90, no. 429, pp. 106-121. DOI:10.2307/2291134.</a:t>
+            </a:r>
+          </a:p>
+          <a:p>
+            <a:pPr marL="457200" indent="-457200">
+              <a:buFont typeface="+mj-lt"/>
+              <a:buAutoNum type="arabicPeriod"/>
+            </a:pPr>
+            <a:endParaRPr lang="en-US" sz="1400" dirty="0"/>
           </a:p>
         </p:txBody>
       </p:sp>
       <p:sp>
         <p:nvSpPr>
-          <p:cNvPr id="4" name="Slide Number Placeholder 3"/>
+          <p:cNvPr id="4" name="Date Placeholder 3"/>
           <p:cNvSpPr>
             <a:spLocks noGrp="1"/>
           </p:cNvSpPr>
           <p:nvPr>
-            <p:ph type="sldNum" sz="quarter" idx="12"/>
+            <p:ph type="dt" sz="half" idx="10"/>
           </p:nvPr>
         </p:nvSpPr>
         <p:spPr/>
@@ -16179,12 +22566,10 @@
           <a:bodyPr/>
           <a:lstStyle/>
           <a:p>
-            <a:fld id="{5DB5036F-1FF2-46C4-8D2B-59C7E3B91952}" type="slidenum">
-              <a:rPr lang="en-US" smtClean="0"/>
-              <a:pPr/>
-              <a:t>2</a:t>
-            </a:fld>
-            <a:endParaRPr lang="en-US"/>
+            <a:r>
+              <a:rPr lang="en-US"/>
+              <a:t>7/12/2020</a:t>
+            </a:r>
           </a:p>
         </p:txBody>
       </p:sp>
@@ -16204,20 +22589,20 @@
           <a:lstStyle/>
           <a:p>
             <a:r>
-              <a:rPr lang="en-US" dirty="0"/>
-              <a:t>Mixture Regression Model for Incomplete Data</a:t>
+              <a:rPr lang="en-US"/>
+              <a:t>Mixture Regression Model for Incomplete Data - Loc Nguyen</a:t>
             </a:r>
           </a:p>
         </p:txBody>
       </p:sp>
       <p:sp>
         <p:nvSpPr>
-          <p:cNvPr id="6" name="Date Placeholder 5"/>
+          <p:cNvPr id="6" name="Slide Number Placeholder 5"/>
           <p:cNvSpPr>
             <a:spLocks noGrp="1"/>
           </p:cNvSpPr>
           <p:nvPr>
-            <p:ph type="dt" sz="half" idx="10"/>
+            <p:ph type="sldNum" sz="quarter" idx="12"/>
           </p:nvPr>
         </p:nvSpPr>
         <p:spPr/>
@@ -16225,9 +22610,10 @@
           <a:bodyPr/>
           <a:lstStyle/>
           <a:p>
-            <a:fld id="{BD529C6D-40F1-4121-9351-C23BF71698B1}" type="datetime1">
+            <a:fld id="{5DB5036F-1FF2-46C4-8D2B-59C7E3B91952}" type="slidenum">
               <a:rPr lang="en-US" smtClean="0"/>
-              <a:t>7/11/2020</a:t>
+              <a:pPr/>
+              <a:t>24</a:t>
             </a:fld>
             <a:endParaRPr lang="en-US"/>
           </a:p>
@@ -16236,7 +22622,7 @@
     </p:spTree>
     <p:extLst>
       <p:ext uri="{BB962C8B-B14F-4D97-AF65-F5344CB8AC3E}">
-        <p14:creationId xmlns:p14="http://schemas.microsoft.com/office/powerpoint/2010/main" val="2953120691"/>
+        <p14:creationId xmlns:p14="http://schemas.microsoft.com/office/powerpoint/2010/main" val="1065549049"/>
       </p:ext>
     </p:extLst>
   </p:cSld>
@@ -16246,7 +22632,7 @@
 </p:sld>
 </file>
 
-<file path=ppt/slides/slide20.xml><?xml version="1.0" encoding="utf-8"?>
+<file path=ppt/slides/slide25.xml><?xml version="1.0" encoding="utf-8"?>
 <p:sld xmlns:a="http://schemas.openxmlformats.org/drawingml/2006/main" xmlns:r="http://schemas.openxmlformats.org/officeDocument/2006/relationships" xmlns:p="http://schemas.openxmlformats.org/presentationml/2006/main">
   <p:cSld>
     <p:spTree>
@@ -16309,205 +22695,247 @@
           <a:p>
             <a:pPr marL="457200" indent="-457200">
               <a:buFont typeface="+mj-lt"/>
-              <a:buAutoNum type="arabicPeriod"/>
+              <a:buAutoNum type="arabicPeriod" startAt="11"/>
             </a:pPr>
             <a:r>
-              <a:rPr lang="en-US" sz="1400" dirty="0"/>
-              <a:t>Montgomery, D. C.; </a:t>
-            </a:r>
-            <a:r>
-              <a:rPr lang="en-US" sz="1400" dirty="0" err="1"/>
-              <a:t>Runger</a:t>
-            </a:r>
-            <a:r>
-              <a:rPr lang="en-US" sz="1400" dirty="0"/>
-              <a:t>, G. C. Applied Statistics and Probability for Engineers, 5th ed.; John Wiley &amp; Sons: Hoboken, New Jersey, USA, 2010; p. 792. Available online: https://books.google.com.vn/books?id=_f4KrEcNAfEC (accessed on 6th September 2016).</a:t>
+              <a:rPr lang="en-US" sz="1300" dirty="0"/>
+              <a:t>Lamont, A. E.; </a:t>
+            </a:r>
+            <a:r>
+              <a:rPr lang="en-US" sz="1300" dirty="0" err="1"/>
+              <a:t>Vermunt</a:t>
+            </a:r>
+            <a:r>
+              <a:rPr lang="en-US" sz="1300" dirty="0"/>
+              <a:t>, J. K.; Lee, V. H. M. Regression mixture models: Does modeling the covariance between independent variables and latent classes improve the results? Multivariate Behavioral Research, January 2016, vol. 51, no. 1, pp. 35-52. DOI:10.1080/00273171.2015.1095063.</a:t>
             </a:r>
           </a:p>
           <a:p>
             <a:pPr marL="457200" indent="-457200">
               <a:buFont typeface="+mj-lt"/>
-              <a:buAutoNum type="arabicPeriod"/>
+              <a:buAutoNum type="arabicPeriod" startAt="11"/>
             </a:pPr>
             <a:r>
-              <a:rPr lang="en-US" sz="1400" dirty="0"/>
-              <a:t>Horton, N. J.; Kleinman, K. P. Much ado about nothing: A comparison of missing data methods and software to fit incomplete data regression models. The American Statistician, February 2007, vol. 61, no. 1, pp. 79-90. DOI:10.1198/000313007X172556.</a:t>
+              <a:rPr lang="en-US" sz="1300" dirty="0" err="1"/>
+              <a:t>Hoshikawa</a:t>
+            </a:r>
+            <a:r>
+              <a:rPr lang="en-US" sz="1300" dirty="0"/>
+              <a:t>, T. Mixture regression for observational data, with application to functional regression models. </a:t>
+            </a:r>
+            <a:r>
+              <a:rPr lang="en-US" sz="1300" dirty="0" err="1"/>
+              <a:t>arXiv</a:t>
+            </a:r>
+            <a:r>
+              <a:rPr lang="en-US" sz="1300" dirty="0"/>
+              <a:t> preprint, 30th June 2013. arXiv:1307.0170.</a:t>
             </a:r>
           </a:p>
           <a:p>
             <a:pPr marL="457200" indent="-457200">
               <a:buFont typeface="+mj-lt"/>
-              <a:buAutoNum type="arabicPeriod"/>
+              <a:buAutoNum type="arabicPeriod" startAt="11"/>
             </a:pPr>
             <a:r>
-              <a:rPr lang="en-US" sz="1400" dirty="0"/>
-              <a:t>Nguyen, L.; Ho, T.-H. T. Fetal Weight Estimation in Case of Missing Data. Experimental Medicine (EM) - Special Issue “Medicine and Healthy Food”, December 17th 2018, vol. 1, no. 2, pp. 45-65. DOI:10.31058/j.em.2018.12004.</a:t>
+              <a:rPr lang="en-US" sz="1300" dirty="0"/>
+              <a:t>Nguyen, H. D. Finite Mixture Models for Regression Problems. The University of Queensland, Brisbane, 2015. DOI:10.14264/uql.2015.584.</a:t>
             </a:r>
           </a:p>
           <a:p>
             <a:pPr marL="457200" indent="-457200">
               <a:buFont typeface="+mj-lt"/>
-              <a:buAutoNum type="arabicPeriod"/>
+              <a:buAutoNum type="arabicPeriod" startAt="11"/>
             </a:pPr>
             <a:r>
-              <a:rPr lang="en-US" sz="1400" dirty="0" err="1"/>
-              <a:t>Chamroukhi</a:t>
-            </a:r>
-            <a:r>
-              <a:rPr lang="en-US" sz="1400" dirty="0"/>
-              <a:t>, F.; </a:t>
-            </a:r>
-            <a:r>
-              <a:rPr lang="en-US" sz="1400" dirty="0" err="1"/>
-              <a:t>Samé</a:t>
-            </a:r>
-            <a:r>
-              <a:rPr lang="en-US" sz="1400" dirty="0"/>
-              <a:t>, A.; </a:t>
-            </a:r>
-            <a:r>
-              <a:rPr lang="en-US" sz="1400" dirty="0" err="1"/>
-              <a:t>Govaert</a:t>
-            </a:r>
-            <a:r>
-              <a:rPr lang="en-US" sz="1400" dirty="0"/>
-              <a:t>, G.; </a:t>
-            </a:r>
-            <a:r>
-              <a:rPr lang="en-US" sz="1400" dirty="0" err="1"/>
-              <a:t>Aknin</a:t>
-            </a:r>
-            <a:r>
-              <a:rPr lang="en-US" sz="1400" dirty="0"/>
-              <a:t>, P. (2010, March). A hidden process regression model for functional data description: Application to curve discrimination. (Wang, Z.; Hoi, S.; Eds.) Neurocomputing, March 2010, 73(7-9), 1210-1221, DOI:10.1016/j.neucom.2009.12.023. Available </a:t>
-            </a:r>
-            <a:r>
-              <a:rPr lang="en-US" sz="1400" dirty="0" err="1"/>
-              <a:t>online:https</a:t>
-            </a:r>
-            <a:r>
-              <a:rPr lang="en-US" sz="1400" dirty="0"/>
-              <a:t>://www.sciencedirect.com/science/article/pii/S0925231210000287 (accessed on 12ndOctober 2018).</a:t>
+              <a:rPr lang="en-US" sz="1300" dirty="0"/>
+              <a:t>Sung, H. G. Gaussian Mixture Regression and Classification. Rice University, Houston, 2004. Available online: https://scholarship.rice.edu/handle/1911/18710 (accessed on 4th September2018).</a:t>
             </a:r>
           </a:p>
           <a:p>
             <a:pPr marL="457200" indent="-457200">
               <a:buFont typeface="+mj-lt"/>
-              <a:buAutoNum type="arabicPeriod"/>
+              <a:buAutoNum type="arabicPeriod" startAt="11"/>
             </a:pPr>
             <a:r>
-              <a:rPr lang="en-US" sz="1400" dirty="0" err="1"/>
-              <a:t>Kokic</a:t>
-            </a:r>
-            <a:r>
-              <a:rPr lang="en-US" sz="1400" dirty="0"/>
-              <a:t>, P. The EM Algorithm for a Multivariate Regression Model: including its applications to a non-parametric regression model and a multivariate time series model. </a:t>
-            </a:r>
-            <a:r>
-              <a:rPr lang="en-US" sz="1400" dirty="0" err="1"/>
-              <a:t>QantarisGmbH</a:t>
-            </a:r>
-            <a:r>
-              <a:rPr lang="en-US" sz="1400" dirty="0"/>
-              <a:t>, Frankfurt, 2002. Available online: https://www.cs.york.ac.uk/euredit/_temp/The%20Euredit%20Software/NAG%20Prototype%20platform/WorkingPaper4.pdf (accessed on 30th June 2018).</a:t>
+              <a:rPr lang="en-US" sz="1300" dirty="0"/>
+              <a:t>Tian, Y.; </a:t>
+            </a:r>
+            <a:r>
+              <a:rPr lang="en-US" sz="1300" dirty="0" err="1"/>
+              <a:t>Sigal</a:t>
+            </a:r>
+            <a:r>
+              <a:rPr lang="en-US" sz="1300" dirty="0"/>
+              <a:t>, L.; </a:t>
+            </a:r>
+            <a:r>
+              <a:rPr lang="en-US" sz="1300" dirty="0" err="1"/>
+              <a:t>Badino</a:t>
+            </a:r>
+            <a:r>
+              <a:rPr lang="en-US" sz="1300" dirty="0"/>
+              <a:t>, H.; Torre, F. D. l.; Liu, Y. Latent Gaussian Mixture Regression for Human Pose Estimation. In Lecture Notes in Computer Science, vol 6494, Proceedings of The 10th Asian Conference on Computer Vision (ACCV 2010), Queens town, 2010. DOI:10.1007/978-3-642-19318-7_53.</a:t>
             </a:r>
           </a:p>
           <a:p>
             <a:pPr marL="457200" indent="-457200">
               <a:buFont typeface="+mj-lt"/>
-              <a:buAutoNum type="arabicPeriod"/>
+              <a:buAutoNum type="arabicPeriod" startAt="11"/>
             </a:pPr>
             <a:r>
-              <a:rPr lang="en-US" sz="1400" dirty="0" err="1"/>
-              <a:t>Ghitany</a:t>
-            </a:r>
-            <a:r>
-              <a:rPr lang="en-US" sz="1400" dirty="0"/>
-              <a:t>, M. E.; </a:t>
-            </a:r>
-            <a:r>
-              <a:rPr lang="en-US" sz="1400" dirty="0" err="1"/>
-              <a:t>Karlis</a:t>
-            </a:r>
-            <a:r>
-              <a:rPr lang="en-US" sz="1400" dirty="0"/>
-              <a:t>, D.; Al-</a:t>
-            </a:r>
-            <a:r>
-              <a:rPr lang="en-US" sz="1400" dirty="0" err="1"/>
-              <a:t>Mutairi</a:t>
-            </a:r>
-            <a:r>
-              <a:rPr lang="en-US" sz="1400" dirty="0"/>
-              <a:t>, D. K.; Al-Awadhi, F. An EM Algorithm for Multivariate Mixed Poisson Regression Models and its Application. Applied Mathematical Sciences, 2012, vol.6, no.137, pp.6843-6856. Available online: http://www.m-hikari.com/ams/ams-2012/ams-137-140-2012/ghitanyAMS137-140-2012.pdf (accessed on 3rd July2018).</a:t>
+              <a:rPr lang="en-US" sz="1300" dirty="0" err="1"/>
+              <a:t>Grün</a:t>
+            </a:r>
+            <a:r>
+              <a:rPr lang="en-US" sz="1300" dirty="0"/>
+              <a:t>, B.; </a:t>
+            </a:r>
+            <a:r>
+              <a:rPr lang="en-US" sz="1300" dirty="0" err="1"/>
+              <a:t>Leisch</a:t>
+            </a:r>
+            <a:r>
+              <a:rPr lang="en-US" sz="1300" dirty="0"/>
+              <a:t>, F. Finite Mixtures of Generalized Linear Regression Models. University of Munich, Munich, 2007. Available online: https://pdfs.semanticscholar.org/e0d5/6ac54b80a1a4e274f11b1d86840461cc542c.pdf (accessed on 4th September2018).</a:t>
             </a:r>
           </a:p>
           <a:p>
             <a:pPr marL="457200" indent="-457200">
               <a:buFont typeface="+mj-lt"/>
-              <a:buAutoNum type="arabicPeriod"/>
+              <a:buAutoNum type="arabicPeriod" startAt="11"/>
             </a:pPr>
             <a:r>
-              <a:rPr lang="en-US" sz="1400" dirty="0"/>
-              <a:t>Anderson, B.; Hardin, M. J. Modified logistic regression using the EM algorithm for reject inference. International Journal of Data Analysis Techniques and Strategies, 1st January 2013, vol. 5, no. 4, pp.359-373. DOI:10.1504/IJDATS.2013.058582.</a:t>
+              <a:rPr lang="en-US" sz="1300" dirty="0" err="1"/>
+              <a:t>Bilmes</a:t>
+            </a:r>
+            <a:r>
+              <a:rPr lang="en-US" sz="1300" dirty="0"/>
+              <a:t>, J. A. A Gentle Tutorial of the EM Algorithm and its Application to Parameter Estimation for Gaussian Mixture and Hidden Markov Models. University of Washington, Berkeley, 1998. Available online: http://melodi.ee.washington.edu/people/bilmes/mypubs/bilmes1997-em.pdf (accessed on 17th September 2013).</a:t>
             </a:r>
           </a:p>
           <a:p>
             <a:pPr marL="457200" indent="-457200">
               <a:buFont typeface="+mj-lt"/>
-              <a:buAutoNum type="arabicPeriod"/>
+              <a:buAutoNum type="arabicPeriod" startAt="11"/>
             </a:pPr>
             <a:r>
-              <a:rPr lang="en-US" sz="1400" dirty="0"/>
-              <a:t>Zhang, X.; Deng, J.; </a:t>
-            </a:r>
-            <a:r>
-              <a:rPr lang="en-US" sz="1400" dirty="0" err="1"/>
-              <a:t>Su</a:t>
-            </a:r>
-            <a:r>
-              <a:rPr lang="en-US" sz="1400" dirty="0"/>
-              <a:t>, R. The EM algorithm for a linear regression model with application to a diabetes data. In Proceedings of the 2016 International Conference on Progress in Informatics and Computing (PIC), Shanghai, China, 2016. DOI:10.1109/PIC.2016.7949477.</a:t>
+              <a:rPr lang="en-US" sz="1300" dirty="0" err="1"/>
+              <a:t>Lindsten</a:t>
+            </a:r>
+            <a:r>
+              <a:rPr lang="en-US" sz="1300" dirty="0"/>
+              <a:t>, F.; Schön, T. B.; </a:t>
+            </a:r>
+            <a:r>
+              <a:rPr lang="en-US" sz="1300" dirty="0" err="1"/>
+              <a:t>Svensson</a:t>
+            </a:r>
+            <a:r>
+              <a:rPr lang="en-US" sz="1300" dirty="0"/>
+              <a:t>, A.; </a:t>
+            </a:r>
+            <a:r>
+              <a:rPr lang="en-US" sz="1300" dirty="0" err="1"/>
+              <a:t>Wahlström</a:t>
+            </a:r>
+            <a:r>
+              <a:rPr lang="en-US" sz="1300" dirty="0"/>
+              <a:t>, N. Probabilistic modeling–linear regression &amp; Gaussian processes. Uppsala University, Uppsala, 2017. Available online: http://www.it.uu.se/edu/course/homepage/sml/literature/probabilistic_modeling_compendium.pdf (accessed on 24th January 2018).</a:t>
             </a:r>
           </a:p>
           <a:p>
             <a:pPr marL="457200" indent="-457200">
               <a:buFont typeface="+mj-lt"/>
-              <a:buAutoNum type="arabicPeriod"/>
+              <a:buAutoNum type="arabicPeriod" startAt="11"/>
             </a:pPr>
             <a:r>
-              <a:rPr lang="en-US" sz="1400" dirty="0" err="1"/>
-              <a:t>Haitovsky</a:t>
-            </a:r>
-            <a:r>
-              <a:rPr lang="en-US" sz="1400" dirty="0"/>
-              <a:t>, Y. Missing Data in Regression Analysis. Journal of the Royal Statistical Society: Series B (Methodological), 1st January 1968, vol. 30, no. 1, pp. 67-82. Available online: https://www.jstor.org/stable/2984459 (accessed on 3rdJuly2018).</a:t>
+              <a:rPr lang="en-US" sz="1300" dirty="0"/>
+              <a:t>Dempster, A. P.; Laird, N. M.; Rubin, D. B. Maximum Likelihood from Incomplete Data via the EM Algorithm. Journal of the Royal Statistical Society, Series B (Methodological), 1977, vol. 39, no. 1, pp. 1-38.</a:t>
             </a:r>
           </a:p>
           <a:p>
             <a:pPr marL="457200" indent="-457200">
               <a:buFont typeface="+mj-lt"/>
-              <a:buAutoNum type="arabicPeriod"/>
+              <a:buAutoNum type="arabicPeriod" startAt="11"/>
             </a:pPr>
             <a:r>
-              <a:rPr lang="en-US" sz="1400" dirty="0"/>
-              <a:t>Robins, J. M.; </a:t>
-            </a:r>
-            <a:r>
-              <a:rPr lang="en-US" sz="1400" dirty="0" err="1"/>
-              <a:t>Rotnitzki</a:t>
-            </a:r>
-            <a:r>
-              <a:rPr lang="en-US" sz="1400" dirty="0"/>
-              <a:t>, A.; Zhao, L. P. Analysis of Semiparametric Regression Models for Repeated Outcomes in the Presence of Missing Data. Journal of the American Statistical Association, March 1995, vol. 90, no. 429, pp. 106-121. DOI:10.2307/2291134.</a:t>
+              <a:rPr lang="en-US" sz="1300" dirty="0"/>
+              <a:t>Nguyen, L.; Ho, T.-H. T. Early Fetal Weight Estimation with Expectation Maximization Algorithm. Experimental Medicine (EM), 2018, 1(1), 12-30. DOI:10.31058/j.em.2018.11002.</a:t>
             </a:r>
           </a:p>
           <a:p>
             <a:pPr marL="457200" indent="-457200">
               <a:buFont typeface="+mj-lt"/>
-              <a:buAutoNum type="arabicPeriod"/>
+              <a:buAutoNum type="arabicPeriod" startAt="11"/>
             </a:pPr>
-            <a:endParaRPr lang="en-US" sz="1400" dirty="0"/>
+            <a:r>
+              <a:rPr lang="en-US" sz="1300" dirty="0" err="1"/>
+              <a:t>Arel-Bundock</a:t>
+            </a:r>
+            <a:r>
+              <a:rPr lang="en-US" sz="1300" dirty="0"/>
+              <a:t>, V. (2018, June 28). R datasets - An archive of datasets distributed with R. GitHub, 28th June 2018. Available online: http://vincentarelbundock.github.io/Rdatasets/csv/cluster/xclara.csv (accessed on 11st September 2018).</a:t>
+            </a:r>
+          </a:p>
+          <a:p>
+            <a:pPr marL="457200" indent="-457200">
+              <a:buFont typeface="+mj-lt"/>
+              <a:buAutoNum type="arabicPeriod" startAt="11"/>
+            </a:pPr>
+            <a:r>
+              <a:rPr lang="en-US" sz="1300" dirty="0" err="1"/>
+              <a:t>Struyf</a:t>
+            </a:r>
+            <a:r>
+              <a:rPr lang="en-US" sz="1300" dirty="0"/>
+              <a:t>, A.; Hubert, M.; </a:t>
+            </a:r>
+            <a:r>
+              <a:rPr lang="en-US" sz="1300" dirty="0" err="1"/>
+              <a:t>Rousseeuw</a:t>
+            </a:r>
+            <a:r>
+              <a:rPr lang="en-US" sz="1300" dirty="0"/>
+              <a:t>, P. J. (1996). Clustering in an Object-Oriented Environment. Journal of Statistical Software, 1996, 1(4), 1-30, DOI:10.18637/jss.v001.i04. Available online: http://www.jstatsoft.org/v01/i04 (accessed on 10th October 2018).</a:t>
+            </a:r>
+          </a:p>
+          <a:p>
+            <a:pPr marL="457200" indent="-457200">
+              <a:buFont typeface="+mj-lt"/>
+              <a:buAutoNum type="arabicPeriod" startAt="11"/>
+            </a:pPr>
+            <a:r>
+              <a:rPr lang="en-US" sz="1300" dirty="0" err="1"/>
+              <a:t>Pinette</a:t>
+            </a:r>
+            <a:r>
+              <a:rPr lang="en-US" sz="1300" dirty="0"/>
+              <a:t>, M. G.; Pan, Y.; </a:t>
+            </a:r>
+            <a:r>
+              <a:rPr lang="en-US" sz="1300" dirty="0" err="1"/>
+              <a:t>Pinette</a:t>
+            </a:r>
+            <a:r>
+              <a:rPr lang="en-US" sz="1300" dirty="0"/>
+              <a:t>, S. G.; Blackstone, J.; Garrett, J.; </a:t>
+            </a:r>
+            <a:r>
+              <a:rPr lang="en-US" sz="1300" dirty="0" err="1"/>
+              <a:t>Cartin</a:t>
+            </a:r>
+            <a:r>
+              <a:rPr lang="en-US" sz="1300" dirty="0"/>
+              <a:t>, A. Estimation of Fetal Weight: Mean Value from Multiple Formulas. Journal of Ultrasound in Medicine, 1st December 1999, vol. 18, no. 12, pp. 813-817. Available online: https://www.ncbi.nlm.nih.gov/pubmed/10591444 (accessed on 9th October 2016).</a:t>
+            </a:r>
+          </a:p>
+          <a:p>
+            <a:pPr marL="457200" indent="-457200">
+              <a:buFont typeface="+mj-lt"/>
+              <a:buAutoNum type="arabicPeriod" startAt="11"/>
+            </a:pPr>
+            <a:endParaRPr lang="en-US" sz="1300" dirty="0"/>
           </a:p>
         </p:txBody>
       </p:sp>
@@ -16526,11 +22954,10 @@
           <a:bodyPr/>
           <a:lstStyle/>
           <a:p>
-            <a:fld id="{EB2C65A8-A411-4A40-BD17-AF56D23C5611}" type="datetime1">
-              <a:rPr lang="en-US" smtClean="0"/>
-              <a:t>7/11/2020</a:t>
-            </a:fld>
-            <a:endParaRPr lang="en-US"/>
+            <a:r>
+              <a:rPr lang="en-US"/>
+              <a:t>7/12/2020</a:t>
+            </a:r>
           </a:p>
         </p:txBody>
       </p:sp>
@@ -16551,7 +22978,7 @@
           <a:p>
             <a:r>
               <a:rPr lang="en-US"/>
-              <a:t>Mixture Regression Model for Incomplete Data</a:t>
+              <a:t>Mixture Regression Model for Incomplete Data - Loc Nguyen</a:t>
             </a:r>
           </a:p>
         </p:txBody>
@@ -16574,396 +23001,7 @@
             <a:fld id="{5DB5036F-1FF2-46C4-8D2B-59C7E3B91952}" type="slidenum">
               <a:rPr lang="en-US" smtClean="0"/>
               <a:pPr/>
-              <a:t>20</a:t>
-            </a:fld>
-            <a:endParaRPr lang="en-US"/>
-          </a:p>
-        </p:txBody>
-      </p:sp>
-    </p:spTree>
-    <p:extLst>
-      <p:ext uri="{BB962C8B-B14F-4D97-AF65-F5344CB8AC3E}">
-        <p14:creationId xmlns:p14="http://schemas.microsoft.com/office/powerpoint/2010/main" val="1065549049"/>
-      </p:ext>
-    </p:extLst>
-  </p:cSld>
-  <p:clrMapOvr>
-    <a:masterClrMapping/>
-  </p:clrMapOvr>
-</p:sld>
-</file>
-
-<file path=ppt/slides/slide21.xml><?xml version="1.0" encoding="utf-8"?>
-<p:sld xmlns:a="http://schemas.openxmlformats.org/drawingml/2006/main" xmlns:r="http://schemas.openxmlformats.org/officeDocument/2006/relationships" xmlns:p="http://schemas.openxmlformats.org/presentationml/2006/main">
-  <p:cSld>
-    <p:spTree>
-      <p:nvGrpSpPr>
-        <p:cNvPr id="1" name=""/>
-        <p:cNvGrpSpPr/>
-        <p:nvPr/>
-      </p:nvGrpSpPr>
-      <p:grpSpPr>
-        <a:xfrm>
-          <a:off x="0" y="0"/>
-          <a:ext cx="0" cy="0"/>
-          <a:chOff x="0" y="0"/>
-          <a:chExt cx="0" cy="0"/>
-        </a:xfrm>
-      </p:grpSpPr>
-      <p:sp>
-        <p:nvSpPr>
-          <p:cNvPr id="2" name="Title 1"/>
-          <p:cNvSpPr>
-            <a:spLocks noGrp="1"/>
-          </p:cNvSpPr>
-          <p:nvPr>
-            <p:ph type="title"/>
-          </p:nvPr>
-        </p:nvSpPr>
-        <p:spPr/>
-        <p:txBody>
-          <a:bodyPr/>
-          <a:lstStyle/>
-          <a:p>
-            <a:r>
-              <a:rPr lang="en-US" dirty="0"/>
-              <a:t>References</a:t>
-            </a:r>
-          </a:p>
-        </p:txBody>
-      </p:sp>
-      <p:sp>
-        <p:nvSpPr>
-          <p:cNvPr id="3" name="Content Placeholder 2"/>
-          <p:cNvSpPr>
-            <a:spLocks noGrp="1"/>
-          </p:cNvSpPr>
-          <p:nvPr>
-            <p:ph idx="1"/>
-          </p:nvPr>
-        </p:nvSpPr>
-        <p:spPr>
-          <a:xfrm>
-            <a:off x="124691" y="914398"/>
-            <a:ext cx="11942618" cy="5441951"/>
-          </a:xfrm>
-        </p:spPr>
-        <p:txBody>
-          <a:bodyPr>
-            <a:noAutofit/>
-          </a:bodyPr>
-          <a:lstStyle/>
-          <a:p>
-            <a:pPr marL="457200" indent="-457200">
-              <a:buFont typeface="+mj-lt"/>
-              <a:buAutoNum type="arabicPeriod" startAt="11"/>
-            </a:pPr>
-            <a:r>
-              <a:rPr lang="en-US" sz="1300" dirty="0"/>
-              <a:t>Lamont, A. E.; </a:t>
-            </a:r>
-            <a:r>
-              <a:rPr lang="en-US" sz="1300" dirty="0" err="1"/>
-              <a:t>Vermunt</a:t>
-            </a:r>
-            <a:r>
-              <a:rPr lang="en-US" sz="1300" dirty="0"/>
-              <a:t>, J. K.; Lee, V. H. M. Regression mixture models: Does modeling the covariance between independent variables and latent classes improve the results? Multivariate Behavioral Research, January 2016, vol. 51, no. 1, pp. 35-52. DOI:10.1080/00273171.2015.1095063.</a:t>
-            </a:r>
-          </a:p>
-          <a:p>
-            <a:pPr marL="457200" indent="-457200">
-              <a:buFont typeface="+mj-lt"/>
-              <a:buAutoNum type="arabicPeriod" startAt="11"/>
-            </a:pPr>
-            <a:r>
-              <a:rPr lang="en-US" sz="1300" dirty="0" err="1"/>
-              <a:t>Hoshikawa</a:t>
-            </a:r>
-            <a:r>
-              <a:rPr lang="en-US" sz="1300" dirty="0"/>
-              <a:t>, T. Mixture regression for observational data, with application to functional regression models. </a:t>
-            </a:r>
-            <a:r>
-              <a:rPr lang="en-US" sz="1300" dirty="0" err="1"/>
-              <a:t>arXiv</a:t>
-            </a:r>
-            <a:r>
-              <a:rPr lang="en-US" sz="1300" dirty="0"/>
-              <a:t> preprint, 30th June 2013. arXiv:1307.0170.</a:t>
-            </a:r>
-          </a:p>
-          <a:p>
-            <a:pPr marL="457200" indent="-457200">
-              <a:buFont typeface="+mj-lt"/>
-              <a:buAutoNum type="arabicPeriod" startAt="11"/>
-            </a:pPr>
-            <a:r>
-              <a:rPr lang="en-US" sz="1300" dirty="0"/>
-              <a:t>Nguyen, H. D. Finite Mixture Models for Regression Problems. The University of Queensland, Brisbane, 2015. DOI:10.14264/uql.2015.584.</a:t>
-            </a:r>
-          </a:p>
-          <a:p>
-            <a:pPr marL="457200" indent="-457200">
-              <a:buFont typeface="+mj-lt"/>
-              <a:buAutoNum type="arabicPeriod" startAt="11"/>
-            </a:pPr>
-            <a:r>
-              <a:rPr lang="en-US" sz="1300" dirty="0"/>
-              <a:t>Sung, H. G. Gaussian Mixture Regression and Classification. Rice University, Houston, 2004. Available online: https://scholarship.rice.edu/handle/1911/18710 (accessed on 4th September2018).</a:t>
-            </a:r>
-          </a:p>
-          <a:p>
-            <a:pPr marL="457200" indent="-457200">
-              <a:buFont typeface="+mj-lt"/>
-              <a:buAutoNum type="arabicPeriod" startAt="11"/>
-            </a:pPr>
-            <a:r>
-              <a:rPr lang="en-US" sz="1300" dirty="0"/>
-              <a:t>Tian, Y.; </a:t>
-            </a:r>
-            <a:r>
-              <a:rPr lang="en-US" sz="1300" dirty="0" err="1"/>
-              <a:t>Sigal</a:t>
-            </a:r>
-            <a:r>
-              <a:rPr lang="en-US" sz="1300" dirty="0"/>
-              <a:t>, L.; </a:t>
-            </a:r>
-            <a:r>
-              <a:rPr lang="en-US" sz="1300" dirty="0" err="1"/>
-              <a:t>Badino</a:t>
-            </a:r>
-            <a:r>
-              <a:rPr lang="en-US" sz="1300" dirty="0"/>
-              <a:t>, H.; Torre, F. D. l.; Liu, Y. Latent Gaussian Mixture Regression for Human Pose Estimation. In Lecture Notes in Computer Science, vol 6494, Proceedings of The 10th Asian Conference on Computer Vision (ACCV 2010), Queens town, 2010. DOI:10.1007/978-3-642-19318-7_53.</a:t>
-            </a:r>
-          </a:p>
-          <a:p>
-            <a:pPr marL="457200" indent="-457200">
-              <a:buFont typeface="+mj-lt"/>
-              <a:buAutoNum type="arabicPeriod" startAt="11"/>
-            </a:pPr>
-            <a:r>
-              <a:rPr lang="en-US" sz="1300" dirty="0" err="1"/>
-              <a:t>Grün</a:t>
-            </a:r>
-            <a:r>
-              <a:rPr lang="en-US" sz="1300" dirty="0"/>
-              <a:t>, B.; </a:t>
-            </a:r>
-            <a:r>
-              <a:rPr lang="en-US" sz="1300" dirty="0" err="1"/>
-              <a:t>Leisch</a:t>
-            </a:r>
-            <a:r>
-              <a:rPr lang="en-US" sz="1300" dirty="0"/>
-              <a:t>, F. Finite Mixtures of Generalized Linear Regression Models. University of Munich, Munich, 2007. Available online: https://pdfs.semanticscholar.org/e0d5/6ac54b80a1a4e274f11b1d86840461cc542c.pdf (accessed on 4th September2018).</a:t>
-            </a:r>
-          </a:p>
-          <a:p>
-            <a:pPr marL="457200" indent="-457200">
-              <a:buFont typeface="+mj-lt"/>
-              <a:buAutoNum type="arabicPeriod" startAt="11"/>
-            </a:pPr>
-            <a:r>
-              <a:rPr lang="en-US" sz="1300" dirty="0" err="1"/>
-              <a:t>Bilmes</a:t>
-            </a:r>
-            <a:r>
-              <a:rPr lang="en-US" sz="1300" dirty="0"/>
-              <a:t>, J. A. A Gentle Tutorial of the EM Algorithm and its Application to Parameter Estimation for Gaussian Mixture and Hidden Markov Models. University of Washington, Berkeley, 1998. Available online: http://melodi.ee.washington.edu/people/bilmes/mypubs/bilmes1997-em.pdf (accessed on 17th September 2013).</a:t>
-            </a:r>
-          </a:p>
-          <a:p>
-            <a:pPr marL="457200" indent="-457200">
-              <a:buFont typeface="+mj-lt"/>
-              <a:buAutoNum type="arabicPeriod" startAt="11"/>
-            </a:pPr>
-            <a:r>
-              <a:rPr lang="en-US" sz="1300" dirty="0" err="1"/>
-              <a:t>Lindsten</a:t>
-            </a:r>
-            <a:r>
-              <a:rPr lang="en-US" sz="1300" dirty="0"/>
-              <a:t>, F.; Schön, T. B.; </a:t>
-            </a:r>
-            <a:r>
-              <a:rPr lang="en-US" sz="1300" dirty="0" err="1"/>
-              <a:t>Svensson</a:t>
-            </a:r>
-            <a:r>
-              <a:rPr lang="en-US" sz="1300" dirty="0"/>
-              <a:t>, A.; </a:t>
-            </a:r>
-            <a:r>
-              <a:rPr lang="en-US" sz="1300" dirty="0" err="1"/>
-              <a:t>Wahlström</a:t>
-            </a:r>
-            <a:r>
-              <a:rPr lang="en-US" sz="1300" dirty="0"/>
-              <a:t>, N. Probabilistic modeling–linear regression &amp; Gaussian processes. Uppsala University, Uppsala, 2017. Available online: http://www.it.uu.se/edu/course/homepage/sml/literature/probabilistic_modeling_compendium.pdf (accessed on 24th January 2018).</a:t>
-            </a:r>
-          </a:p>
-          <a:p>
-            <a:pPr marL="457200" indent="-457200">
-              <a:buFont typeface="+mj-lt"/>
-              <a:buAutoNum type="arabicPeriod" startAt="11"/>
-            </a:pPr>
-            <a:r>
-              <a:rPr lang="en-US" sz="1300" dirty="0"/>
-              <a:t>Dempster, A. P.; Laird, N. M.; Rubin, D. B. Maximum Likelihood from Incomplete Data via the EM Algorithm. Journal of the Royal Statistical Society, Series B (Methodological), 1977, vol. 39, no. 1, pp. 1-38.</a:t>
-            </a:r>
-          </a:p>
-          <a:p>
-            <a:pPr marL="457200" indent="-457200">
-              <a:buFont typeface="+mj-lt"/>
-              <a:buAutoNum type="arabicPeriod" startAt="11"/>
-            </a:pPr>
-            <a:r>
-              <a:rPr lang="en-US" sz="1300" dirty="0"/>
-              <a:t>Nguyen, L.; Ho, T.-H. T. Early Fetal Weight Estimation with Expectation Maximization Algorithm. Experimental Medicine (EM), 2018, 1(1), 12-30. DOI:10.31058/j.em.2018.11002.</a:t>
-            </a:r>
-          </a:p>
-          <a:p>
-            <a:pPr marL="457200" indent="-457200">
-              <a:buFont typeface="+mj-lt"/>
-              <a:buAutoNum type="arabicPeriod" startAt="11"/>
-            </a:pPr>
-            <a:r>
-              <a:rPr lang="en-US" sz="1300" dirty="0" err="1"/>
-              <a:t>Arel-Bundock</a:t>
-            </a:r>
-            <a:r>
-              <a:rPr lang="en-US" sz="1300" dirty="0"/>
-              <a:t>, V. (2018, June 28). R datasets - An archive of datasets distributed with R. GitHub, 28th June 2018. Available online: http://vincentarelbundock.github.io/Rdatasets/csv/cluster/xclara.csv (accessed on 11st September 2018).</a:t>
-            </a:r>
-          </a:p>
-          <a:p>
-            <a:pPr marL="457200" indent="-457200">
-              <a:buFont typeface="+mj-lt"/>
-              <a:buAutoNum type="arabicPeriod" startAt="11"/>
-            </a:pPr>
-            <a:r>
-              <a:rPr lang="en-US" sz="1300" dirty="0" err="1"/>
-              <a:t>Struyf</a:t>
-            </a:r>
-            <a:r>
-              <a:rPr lang="en-US" sz="1300" dirty="0"/>
-              <a:t>, A.; Hubert, M.; </a:t>
-            </a:r>
-            <a:r>
-              <a:rPr lang="en-US" sz="1300" dirty="0" err="1"/>
-              <a:t>Rousseeuw</a:t>
-            </a:r>
-            <a:r>
-              <a:rPr lang="en-US" sz="1300" dirty="0"/>
-              <a:t>, P. J. (1996). Clustering in an Object-Oriented Environment. Journal of Statistical Software, 1996, 1(4), 1-30, DOI:10.18637/jss.v001.i04. Available online: http://www.jstatsoft.org/v01/i04 (accessed on 10th October 2018).</a:t>
-            </a:r>
-          </a:p>
-          <a:p>
-            <a:pPr marL="457200" indent="-457200">
-              <a:buFont typeface="+mj-lt"/>
-              <a:buAutoNum type="arabicPeriod" startAt="11"/>
-            </a:pPr>
-            <a:r>
-              <a:rPr lang="en-US" sz="1300" dirty="0" err="1"/>
-              <a:t>Pinette</a:t>
-            </a:r>
-            <a:r>
-              <a:rPr lang="en-US" sz="1300" dirty="0"/>
-              <a:t>, M. G.; Pan, Y.; </a:t>
-            </a:r>
-            <a:r>
-              <a:rPr lang="en-US" sz="1300" dirty="0" err="1"/>
-              <a:t>Pinette</a:t>
-            </a:r>
-            <a:r>
-              <a:rPr lang="en-US" sz="1300" dirty="0"/>
-              <a:t>, S. G.; Blackstone, J.; Garrett, J.; </a:t>
-            </a:r>
-            <a:r>
-              <a:rPr lang="en-US" sz="1300" dirty="0" err="1"/>
-              <a:t>Cartin</a:t>
-            </a:r>
-            <a:r>
-              <a:rPr lang="en-US" sz="1300" dirty="0"/>
-              <a:t>, A. Estimation of Fetal Weight: Mean Value from Multiple Formulas. Journal of Ultrasound in Medicine, 1st December 1999, vol. 18, no. 12, pp. 813-817. Available online: https://www.ncbi.nlm.nih.gov/pubmed/10591444 (accessed on 9th October 2016).</a:t>
-            </a:r>
-          </a:p>
-          <a:p>
-            <a:pPr marL="457200" indent="-457200">
-              <a:buFont typeface="+mj-lt"/>
-              <a:buAutoNum type="arabicPeriod" startAt="11"/>
-            </a:pPr>
-            <a:endParaRPr lang="en-US" sz="1300" dirty="0"/>
-          </a:p>
-        </p:txBody>
-      </p:sp>
-      <p:sp>
-        <p:nvSpPr>
-          <p:cNvPr id="4" name="Date Placeholder 3"/>
-          <p:cNvSpPr>
-            <a:spLocks noGrp="1"/>
-          </p:cNvSpPr>
-          <p:nvPr>
-            <p:ph type="dt" sz="half" idx="10"/>
-          </p:nvPr>
-        </p:nvSpPr>
-        <p:spPr/>
-        <p:txBody>
-          <a:bodyPr/>
-          <a:lstStyle/>
-          <a:p>
-            <a:fld id="{EB2C65A8-A411-4A40-BD17-AF56D23C5611}" type="datetime1">
-              <a:rPr lang="en-US" smtClean="0"/>
-              <a:t>7/11/2020</a:t>
-            </a:fld>
-            <a:endParaRPr lang="en-US"/>
-          </a:p>
-        </p:txBody>
-      </p:sp>
-      <p:sp>
-        <p:nvSpPr>
-          <p:cNvPr id="5" name="Footer Placeholder 4"/>
-          <p:cNvSpPr>
-            <a:spLocks noGrp="1"/>
-          </p:cNvSpPr>
-          <p:nvPr>
-            <p:ph type="ftr" sz="quarter" idx="11"/>
-          </p:nvPr>
-        </p:nvSpPr>
-        <p:spPr/>
-        <p:txBody>
-          <a:bodyPr/>
-          <a:lstStyle/>
-          <a:p>
-            <a:r>
-              <a:rPr lang="en-US"/>
-              <a:t>Mixture Regression Model for Incomplete Data</a:t>
-            </a:r>
-          </a:p>
-        </p:txBody>
-      </p:sp>
-      <p:sp>
-        <p:nvSpPr>
-          <p:cNvPr id="6" name="Slide Number Placeholder 5"/>
-          <p:cNvSpPr>
-            <a:spLocks noGrp="1"/>
-          </p:cNvSpPr>
-          <p:nvPr>
-            <p:ph type="sldNum" sz="quarter" idx="12"/>
-          </p:nvPr>
-        </p:nvSpPr>
-        <p:spPr/>
-        <p:txBody>
-          <a:bodyPr/>
-          <a:lstStyle/>
-          <a:p>
-            <a:fld id="{5DB5036F-1FF2-46C4-8D2B-59C7E3B91952}" type="slidenum">
-              <a:rPr lang="en-US" smtClean="0"/>
-              <a:pPr/>
-              <a:t>21</a:t>
+              <a:t>25</a:t>
             </a:fld>
             <a:endParaRPr lang="en-US"/>
           </a:p>
@@ -17097,7 +23135,7 @@
           <a:p>
             <a:r>
               <a:rPr lang="en-US"/>
-              <a:t>Mixture Regression Model for Incomplete Data</a:t>
+              <a:t>Mixture Regression Model for Incomplete Data - Loc Nguyen</a:t>
             </a:r>
           </a:p>
         </p:txBody>
@@ -17117,11 +23155,10 @@
           <a:bodyPr/>
           <a:lstStyle/>
           <a:p>
-            <a:fld id="{1E6F0E5F-BB18-46CB-A456-02F925997AF2}" type="datetime1">
-              <a:rPr lang="en-US" smtClean="0"/>
-              <a:t>7/11/2020</a:t>
-            </a:fld>
-            <a:endParaRPr lang="en-US"/>
+            <a:r>
+              <a:rPr lang="en-US"/>
+              <a:t>7/12/2020</a:t>
+            </a:r>
           </a:p>
         </p:txBody>
       </p:sp>
@@ -17218,7 +23255,7 @@
             </a:pPr>
             <a:r>
               <a:rPr lang="en-US" dirty="0"/>
-              <a:t>Results and Discussions</a:t>
+              <a:t>Results and discussions</a:t>
             </a:r>
           </a:p>
           <a:p>
@@ -17274,7 +23311,7 @@
           <a:p>
             <a:r>
               <a:rPr lang="en-US"/>
-              <a:t>Mixture Regression Model for Incomplete Data</a:t>
+              <a:t>Mixture Regression Model for Incomplete Data - Loc Nguyen</a:t>
             </a:r>
             <a:endParaRPr lang="en-US" dirty="0"/>
           </a:p>
@@ -17295,11 +23332,10 @@
           <a:bodyPr/>
           <a:lstStyle/>
           <a:p>
-            <a:fld id="{8E37EEDB-32C8-48F3-A38C-11DAFB0E2DF3}" type="datetime1">
-              <a:rPr lang="en-US" smtClean="0"/>
-              <a:t>7/11/2020</a:t>
-            </a:fld>
-            <a:endParaRPr lang="en-US"/>
+            <a:r>
+              <a:rPr lang="en-US"/>
+              <a:t>7/12/2020</a:t>
+            </a:r>
           </a:p>
         </p:txBody>
       </p:sp>
@@ -17655,11 +23691,10 @@
           <a:bodyPr/>
           <a:lstStyle/>
           <a:p>
-            <a:fld id="{AEADD622-B499-4970-828D-26F1C99F3FAF}" type="datetime1">
-              <a:rPr lang="en-US" smtClean="0"/>
-              <a:t>7/11/2020</a:t>
-            </a:fld>
-            <a:endParaRPr lang="en-US"/>
+            <a:r>
+              <a:rPr lang="en-US"/>
+              <a:t>7/12/2020</a:t>
+            </a:r>
           </a:p>
         </p:txBody>
       </p:sp>
@@ -17680,7 +23715,7 @@
           <a:p>
             <a:r>
               <a:rPr lang="en-US"/>
-              <a:t>Mixture Regression Model for Incomplete Data</a:t>
+              <a:t>Mixture Regression Model for Incomplete Data - Loc Nguyen</a:t>
             </a:r>
           </a:p>
         </p:txBody>
@@ -18083,11 +24118,10 @@
           <a:bodyPr/>
           <a:lstStyle/>
           <a:p>
-            <a:fld id="{E078F81F-D720-4C1C-9436-5DA116627F70}" type="datetime1">
-              <a:rPr lang="en-US" smtClean="0"/>
-              <a:t>7/11/2020</a:t>
-            </a:fld>
-            <a:endParaRPr lang="en-US"/>
+            <a:r>
+              <a:rPr lang="en-US"/>
+              <a:t>7/12/2020</a:t>
+            </a:r>
           </a:p>
         </p:txBody>
       </p:sp>
@@ -18114,7 +24148,7 @@
           <a:p>
             <a:r>
               <a:rPr lang="en-US"/>
-              <a:t>Mixture Regression Model for Incomplete Data</a:t>
+              <a:t>Mixture Regression Model for Incomplete Data - Loc Nguyen</a:t>
             </a:r>
           </a:p>
         </p:txBody>
@@ -18394,11 +24428,10 @@
           <a:bodyPr/>
           <a:lstStyle/>
           <a:p>
-            <a:fld id="{E078F81F-D720-4C1C-9436-5DA116627F70}" type="datetime1">
-              <a:rPr lang="en-US" smtClean="0"/>
-              <a:t>7/11/2020</a:t>
-            </a:fld>
-            <a:endParaRPr lang="en-US"/>
+            <a:r>
+              <a:rPr lang="en-US"/>
+              <a:t>7/12/2020</a:t>
+            </a:r>
           </a:p>
         </p:txBody>
       </p:sp>
@@ -18425,7 +24458,7 @@
           <a:p>
             <a:r>
               <a:rPr lang="en-US"/>
-              <a:t>Mixture Regression Model for Incomplete Data</a:t>
+              <a:t>Mixture Regression Model for Incomplete Data - Loc Nguyen</a:t>
             </a:r>
           </a:p>
         </p:txBody>
@@ -18642,7 +24675,21 @@
                 <a:latin typeface="Times New Roman" panose="02020603050405020304" pitchFamily="18" charset="0"/>
                 <a:ea typeface="Microsoft YaHei" panose="020B0503020204020204" pitchFamily="34" charset="-122"/>
               </a:rPr>
-              <a:t>Here we proposed MREM algorithm which is the full combination of REM [3] and mixture model in which we use two EM processes in the same loop. Detail of REM </a:t>
+              <a:t>Here I proposed MREM algorithm which is the full combination of REM [3] and mixture model in which I use two EM processes in the same loop. Detail of </a:t>
+            </a:r>
+            <a:r>
+              <a:rPr lang="en-US" sz="2300" dirty="0">
+                <a:ea typeface="Microsoft YaHei" panose="020B0503020204020204" pitchFamily="34" charset="-122"/>
+              </a:rPr>
+              <a:t>M</a:t>
+            </a:r>
+            <a:r>
+              <a:rPr lang="en-US" sz="2300" dirty="0">
+                <a:effectLst/>
+                <a:latin typeface="Times New Roman" panose="02020603050405020304" pitchFamily="18" charset="0"/>
+                <a:ea typeface="Microsoft YaHei" panose="020B0503020204020204" pitchFamily="34" charset="-122"/>
+              </a:rPr>
+              <a:t>REM </a:t>
             </a:r>
             <a:r>
               <a:rPr lang="en-US" sz="2300" dirty="0">
@@ -18679,11 +24726,10 @@
           <a:bodyPr/>
           <a:lstStyle/>
           <a:p>
-            <a:fld id="{E078F81F-D720-4C1C-9436-5DA116627F70}" type="datetime1">
-              <a:rPr lang="en-US" smtClean="0"/>
-              <a:t>7/11/2020</a:t>
-            </a:fld>
-            <a:endParaRPr lang="en-US"/>
+            <a:r>
+              <a:rPr lang="en-US"/>
+              <a:t>7/12/2020</a:t>
+            </a:r>
           </a:p>
         </p:txBody>
       </p:sp>
@@ -18710,7 +24756,7 @@
           <a:p>
             <a:r>
               <a:rPr lang="en-US"/>
-              <a:t>Mixture Regression Model for Incomplete Data</a:t>
+              <a:t>Mixture Regression Model for Incomplete Data - Loc Nguyen</a:t>
             </a:r>
           </a:p>
         </p:txBody>
@@ -18797,8 +24843,8 @@
           </a:p>
         </p:txBody>
       </p:sp>
-      <mc:AlternateContent xmlns:mc="http://schemas.openxmlformats.org/markup-compatibility/2006">
-        <mc:Choice xmlns:a14="http://schemas.microsoft.com/office/drawing/2010/main" Requires="a14">
+      <mc:AlternateContent xmlns:mc="http://schemas.openxmlformats.org/markup-compatibility/2006" xmlns:a14="http://schemas.microsoft.com/office/drawing/2010/main">
+        <mc:Choice Requires="a14">
           <p:sp>
             <p:nvSpPr>
               <p:cNvPr id="3" name="Content Placeholder 2"/>
@@ -21497,7 +27543,7 @@
             </p:txBody>
           </p:sp>
         </mc:Choice>
-        <mc:Fallback>
+        <mc:Fallback xmlns="">
           <p:sp>
             <p:nvSpPr>
               <p:cNvPr id="3" name="Content Placeholder 2"/>
@@ -21550,10 +27596,10 @@
           <a:bodyPr/>
           <a:lstStyle/>
           <a:p>
-            <a:fld id="{10B4B335-9F4B-4FF7-8D3C-B465B876E7B9}" type="datetime1">
-              <a:rPr lang="en-US" smtClean="0"/>
-              <a:t>7/11/2020</a:t>
-            </a:fld>
+            <a:r>
+              <a:rPr lang="en-US"/>
+              <a:t>7/12/2020</a:t>
+            </a:r>
             <a:endParaRPr lang="en-US" dirty="0"/>
           </a:p>
         </p:txBody>
@@ -21575,7 +27621,7 @@
           <a:p>
             <a:r>
               <a:rPr lang="en-US"/>
-              <a:t>Mixture Regression Model for Incomplete Data</a:t>
+              <a:t>Mixture Regression Model for Incomplete Data - Loc Nguyen</a:t>
             </a:r>
           </a:p>
         </p:txBody>
